--- a/1400_03_Expressions and Interactivity.pptx
+++ b/1400_03_Expressions and Interactivity.pptx
@@ -5,7 +5,7 @@
     <p:sldMasterId id="2147483864" r:id="rId1"/>
   </p:sldMasterIdLst>
   <p:handoutMasterIdLst>
-    <p:handoutMasterId r:id="rId82"/>
+    <p:handoutMasterId r:id="rId77"/>
   </p:handoutMasterIdLst>
   <p:sldIdLst>
     <p:sldId id="338" r:id="rId2"/>
@@ -47,47 +47,42 @@
     <p:sldId id="340" r:id="rId38"/>
     <p:sldId id="295" r:id="rId39"/>
     <p:sldId id="296" r:id="rId40"/>
-    <p:sldId id="297" r:id="rId41"/>
-    <p:sldId id="298" r:id="rId42"/>
-    <p:sldId id="299" r:id="rId43"/>
-    <p:sldId id="300" r:id="rId44"/>
-    <p:sldId id="301" r:id="rId45"/>
-    <p:sldId id="302" r:id="rId46"/>
-    <p:sldId id="303" r:id="rId47"/>
-    <p:sldId id="304" r:id="rId48"/>
-    <p:sldId id="305" r:id="rId49"/>
-    <p:sldId id="306" r:id="rId50"/>
-    <p:sldId id="307" r:id="rId51"/>
-    <p:sldId id="308" r:id="rId52"/>
-    <p:sldId id="309" r:id="rId53"/>
-    <p:sldId id="310" r:id="rId54"/>
-    <p:sldId id="311" r:id="rId55"/>
-    <p:sldId id="312" r:id="rId56"/>
-    <p:sldId id="313" r:id="rId57"/>
-    <p:sldId id="330" r:id="rId58"/>
-    <p:sldId id="331" r:id="rId59"/>
-    <p:sldId id="332" r:id="rId60"/>
-    <p:sldId id="333" r:id="rId61"/>
-    <p:sldId id="334" r:id="rId62"/>
-    <p:sldId id="335" r:id="rId63"/>
-    <p:sldId id="336" r:id="rId64"/>
-    <p:sldId id="337" r:id="rId65"/>
-    <p:sldId id="314" r:id="rId66"/>
-    <p:sldId id="315" r:id="rId67"/>
-    <p:sldId id="316" r:id="rId68"/>
-    <p:sldId id="317" r:id="rId69"/>
-    <p:sldId id="318" r:id="rId70"/>
-    <p:sldId id="319" r:id="rId71"/>
-    <p:sldId id="320" r:id="rId72"/>
-    <p:sldId id="321" r:id="rId73"/>
-    <p:sldId id="322" r:id="rId74"/>
-    <p:sldId id="323" r:id="rId75"/>
-    <p:sldId id="324" r:id="rId76"/>
-    <p:sldId id="325" r:id="rId77"/>
-    <p:sldId id="326" r:id="rId78"/>
-    <p:sldId id="327" r:id="rId79"/>
-    <p:sldId id="328" r:id="rId80"/>
-    <p:sldId id="329" r:id="rId81"/>
+    <p:sldId id="343" r:id="rId41"/>
+    <p:sldId id="297" r:id="rId42"/>
+    <p:sldId id="300" r:id="rId43"/>
+    <p:sldId id="303" r:id="rId44"/>
+    <p:sldId id="304" r:id="rId45"/>
+    <p:sldId id="305" r:id="rId46"/>
+    <p:sldId id="307" r:id="rId47"/>
+    <p:sldId id="309" r:id="rId48"/>
+    <p:sldId id="310" r:id="rId49"/>
+    <p:sldId id="311" r:id="rId50"/>
+    <p:sldId id="312" r:id="rId51"/>
+    <p:sldId id="313" r:id="rId52"/>
+    <p:sldId id="330" r:id="rId53"/>
+    <p:sldId id="331" r:id="rId54"/>
+    <p:sldId id="332" r:id="rId55"/>
+    <p:sldId id="333" r:id="rId56"/>
+    <p:sldId id="334" r:id="rId57"/>
+    <p:sldId id="335" r:id="rId58"/>
+    <p:sldId id="336" r:id="rId59"/>
+    <p:sldId id="337" r:id="rId60"/>
+    <p:sldId id="314" r:id="rId61"/>
+    <p:sldId id="315" r:id="rId62"/>
+    <p:sldId id="316" r:id="rId63"/>
+    <p:sldId id="317" r:id="rId64"/>
+    <p:sldId id="318" r:id="rId65"/>
+    <p:sldId id="319" r:id="rId66"/>
+    <p:sldId id="320" r:id="rId67"/>
+    <p:sldId id="321" r:id="rId68"/>
+    <p:sldId id="322" r:id="rId69"/>
+    <p:sldId id="323" r:id="rId70"/>
+    <p:sldId id="324" r:id="rId71"/>
+    <p:sldId id="325" r:id="rId72"/>
+    <p:sldId id="326" r:id="rId73"/>
+    <p:sldId id="327" r:id="rId74"/>
+    <p:sldId id="328" r:id="rId75"/>
+    <p:sldId id="329" r:id="rId76"/>
   </p:sldIdLst>
   <p:sldSz cx="9144000" cy="6858000" type="screen4x3"/>
   <p:notesSz cx="6858000" cy="9144000"/>
@@ -222,7 +217,6 @@
 <file path=ppt/revisionInfo.xml><?xml version="1.0" encoding="utf-8"?>
 <p1510:revInfo xmlns:a="http://schemas.openxmlformats.org/drawingml/2006/main" xmlns:r="http://schemas.openxmlformats.org/officeDocument/2006/relationships" xmlns:p1510="http://schemas.microsoft.com/office/powerpoint/2015/10/main">
   <p1510:revLst>
-    <p1510:client id="{0BE19008-E4F1-9D4D-A0AC-65977B3F5B3A}" v="1" dt="2022-09-19T20:07:00.213"/>
     <p1510:client id="{C8209E17-E687-4CEF-967B-A2299531E212}" v="1338" dt="2022-09-21T21:51:17.766"/>
   </p1510:revLst>
 </p1510:revInfo>
@@ -231,9 +225,25 @@
 <file path=ppt/changesInfos/changesInfo1.xml><?xml version="1.0" encoding="utf-8"?>
 <pc:chgInfo xmlns:a="http://schemas.openxmlformats.org/drawingml/2006/main" xmlns:r="http://schemas.openxmlformats.org/officeDocument/2006/relationships" xmlns:ac="http://schemas.microsoft.com/office/drawing/2013/main/command" xmlns:pc="http://schemas.microsoft.com/office/powerpoint/2013/main/command">
   <pc:docChgLst>
+    <pc:chgData name="Michael Olson2" userId="7fb21594-b682-4edc-9482-c69c6202f15f" providerId="ADAL" clId="{0BE19008-E4F1-9D4D-A0AC-65977B3F5B3A}"/>
+    <pc:docChg chg="delSld">
+      <pc:chgData name="Michael Olson2" userId="7fb21594-b682-4edc-9482-c69c6202f15f" providerId="ADAL" clId="{0BE19008-E4F1-9D4D-A0AC-65977B3F5B3A}" dt="2022-09-19T20:07:00.213" v="0" actId="2696"/>
+      <pc:docMkLst>
+        <pc:docMk/>
+      </pc:docMkLst>
+      <pc:sldChg chg="del">
+        <pc:chgData name="Michael Olson2" userId="7fb21594-b682-4edc-9482-c69c6202f15f" providerId="ADAL" clId="{0BE19008-E4F1-9D4D-A0AC-65977B3F5B3A}" dt="2022-09-19T20:07:00.213" v="0" actId="2696"/>
+        <pc:sldMkLst>
+          <pc:docMk/>
+          <pc:sldMk cId="0" sldId="261"/>
+        </pc:sldMkLst>
+      </pc:sldChg>
+    </pc:docChg>
+  </pc:docChgLst>
+  <pc:docChgLst>
     <pc:chgData name="Michael Olson2" userId="7fb21594-b682-4edc-9482-c69c6202f15f" providerId="ADAL" clId="{C8209E17-E687-4CEF-967B-A2299531E212}"/>
     <pc:docChg chg="undo custSel addSld delSld modSld sldOrd modMainMaster">
-      <pc:chgData name="Michael Olson2" userId="7fb21594-b682-4edc-9482-c69c6202f15f" providerId="ADAL" clId="{C8209E17-E687-4CEF-967B-A2299531E212}" dt="2022-09-21T21:51:17.766" v="1842"/>
+      <pc:chgData name="Michael Olson2" userId="7fb21594-b682-4edc-9482-c69c6202f15f" providerId="ADAL" clId="{C8209E17-E687-4CEF-967B-A2299531E212}" dt="2022-09-23T20:24:27.583" v="1922" actId="47"/>
       <pc:docMkLst>
         <pc:docMk/>
       </pc:docMkLst>
@@ -1339,7 +1349,7 @@
         </pc:spChg>
       </pc:sldChg>
       <pc:sldChg chg="modSp mod">
-        <pc:chgData name="Michael Olson2" userId="7fb21594-b682-4edc-9482-c69c6202f15f" providerId="ADAL" clId="{C8209E17-E687-4CEF-967B-A2299531E212}" dt="2022-09-21T20:21:00.500" v="1333" actId="12"/>
+        <pc:chgData name="Michael Olson2" userId="7fb21594-b682-4edc-9482-c69c6202f15f" providerId="ADAL" clId="{C8209E17-E687-4CEF-967B-A2299531E212}" dt="2022-09-23T20:10:28.068" v="1918" actId="20577"/>
         <pc:sldMkLst>
           <pc:docMk/>
           <pc:sldMk cId="0" sldId="296"/>
@@ -1353,7 +1363,7 @@
           </ac:spMkLst>
         </pc:spChg>
         <pc:spChg chg="mod">
-          <ac:chgData name="Michael Olson2" userId="7fb21594-b682-4edc-9482-c69c6202f15f" providerId="ADAL" clId="{C8209E17-E687-4CEF-967B-A2299531E212}" dt="2022-09-21T20:21:00.500" v="1333" actId="12"/>
+          <ac:chgData name="Michael Olson2" userId="7fb21594-b682-4edc-9482-c69c6202f15f" providerId="ADAL" clId="{C8209E17-E687-4CEF-967B-A2299531E212}" dt="2022-09-23T20:10:28.068" v="1918" actId="20577"/>
           <ac:spMkLst>
             <pc:docMk/>
             <pc:sldMk cId="0" sldId="296"/>
@@ -1384,8 +1394,8 @@
           </ac:spMkLst>
         </pc:spChg>
       </pc:sldChg>
-      <pc:sldChg chg="modSp">
-        <pc:chgData name="Michael Olson2" userId="7fb21594-b682-4edc-9482-c69c6202f15f" providerId="ADAL" clId="{C8209E17-E687-4CEF-967B-A2299531E212}" dt="2022-09-21T20:21:17.021" v="1337" actId="1076"/>
+      <pc:sldChg chg="modSp del">
+        <pc:chgData name="Michael Olson2" userId="7fb21594-b682-4edc-9482-c69c6202f15f" providerId="ADAL" clId="{C8209E17-E687-4CEF-967B-A2299531E212}" dt="2022-09-23T20:24:27.017" v="1921" actId="47"/>
         <pc:sldMkLst>
           <pc:docMk/>
           <pc:sldMk cId="0" sldId="298"/>
@@ -1407,8 +1417,8 @@
           </ac:picMkLst>
         </pc:picChg>
       </pc:sldChg>
-      <pc:sldChg chg="modSp">
-        <pc:chgData name="Michael Olson2" userId="7fb21594-b682-4edc-9482-c69c6202f15f" providerId="ADAL" clId="{C8209E17-E687-4CEF-967B-A2299531E212}" dt="2022-09-21T20:21:21.829" v="1338" actId="1076"/>
+      <pc:sldChg chg="modSp del">
+        <pc:chgData name="Michael Olson2" userId="7fb21594-b682-4edc-9482-c69c6202f15f" providerId="ADAL" clId="{C8209E17-E687-4CEF-967B-A2299531E212}" dt="2022-09-23T20:24:27.583" v="1922" actId="47"/>
         <pc:sldMkLst>
           <pc:docMk/>
           <pc:sldMk cId="0" sldId="299"/>
@@ -1453,8 +1463,8 @@
           </ac:spMkLst>
         </pc:spChg>
       </pc:sldChg>
-      <pc:sldChg chg="modSp">
-        <pc:chgData name="Michael Olson2" userId="7fb21594-b682-4edc-9482-c69c6202f15f" providerId="ADAL" clId="{C8209E17-E687-4CEF-967B-A2299531E212}" dt="2022-09-21T20:21:44.364" v="1342" actId="1076"/>
+      <pc:sldChg chg="modSp del">
+        <pc:chgData name="Michael Olson2" userId="7fb21594-b682-4edc-9482-c69c6202f15f" providerId="ADAL" clId="{C8209E17-E687-4CEF-967B-A2299531E212}" dt="2022-09-23T20:24:20.521" v="1919" actId="47"/>
         <pc:sldMkLst>
           <pc:docMk/>
           <pc:sldMk cId="0" sldId="301"/>
@@ -1476,8 +1486,8 @@
           </ac:picMkLst>
         </pc:picChg>
       </pc:sldChg>
-      <pc:sldChg chg="modSp">
-        <pc:chgData name="Michael Olson2" userId="7fb21594-b682-4edc-9482-c69c6202f15f" providerId="ADAL" clId="{C8209E17-E687-4CEF-967B-A2299531E212}" dt="2022-09-21T20:21:52.884" v="1344" actId="1076"/>
+      <pc:sldChg chg="modSp del">
+        <pc:chgData name="Michael Olson2" userId="7fb21594-b682-4edc-9482-c69c6202f15f" providerId="ADAL" clId="{C8209E17-E687-4CEF-967B-A2299531E212}" dt="2022-09-23T20:24:21.608" v="1920" actId="47"/>
         <pc:sldMkLst>
           <pc:docMk/>
           <pc:sldMk cId="0" sldId="302"/>
@@ -2355,6 +2365,13 @@
           </ac:spMkLst>
         </pc:spChg>
       </pc:sldChg>
+      <pc:sldChg chg="add">
+        <pc:chgData name="Michael Olson2" userId="7fb21594-b682-4edc-9482-c69c6202f15f" providerId="ADAL" clId="{C8209E17-E687-4CEF-967B-A2299531E212}" dt="2022-09-23T20:09:59.671" v="1843" actId="2890"/>
+        <pc:sldMkLst>
+          <pc:docMk/>
+          <pc:sldMk cId="2777170471" sldId="343"/>
+        </pc:sldMkLst>
+      </pc:sldChg>
       <pc:sldMasterChg chg="addSp">
         <pc:chgData name="Michael Olson2" userId="7fb21594-b682-4edc-9482-c69c6202f15f" providerId="ADAL" clId="{C8209E17-E687-4CEF-967B-A2299531E212}" dt="2022-09-19T19:02:52.251" v="0"/>
         <pc:sldMasterMkLst>
@@ -2401,22 +2418,6 @@
           </ac:picMkLst>
         </pc:picChg>
       </pc:sldMasterChg>
-    </pc:docChg>
-  </pc:docChgLst>
-  <pc:docChgLst>
-    <pc:chgData name="Michael Olson2" userId="7fb21594-b682-4edc-9482-c69c6202f15f" providerId="ADAL" clId="{0BE19008-E4F1-9D4D-A0AC-65977B3F5B3A}"/>
-    <pc:docChg chg="delSld">
-      <pc:chgData name="Michael Olson2" userId="7fb21594-b682-4edc-9482-c69c6202f15f" providerId="ADAL" clId="{0BE19008-E4F1-9D4D-A0AC-65977B3F5B3A}" dt="2022-09-19T20:07:00.213" v="0" actId="2696"/>
-      <pc:docMkLst>
-        <pc:docMk/>
-      </pc:docMkLst>
-      <pc:sldChg chg="del">
-        <pc:chgData name="Michael Olson2" userId="7fb21594-b682-4edc-9482-c69c6202f15f" providerId="ADAL" clId="{0BE19008-E4F1-9D4D-A0AC-65977B3F5B3A}" dt="2022-09-19T20:07:00.213" v="0" actId="2696"/>
-        <pc:sldMkLst>
-          <pc:docMk/>
-          <pc:sldMk cId="0" sldId="261"/>
-        </pc:sldMkLst>
-      </pc:sldChg>
     </pc:docChg>
   </pc:docChgLst>
 </pc:chgInfo>
@@ -2534,7 +2535,7 @@
               <a:pPr>
                 <a:defRPr/>
               </a:pPr>
-              <a:t>9/21/2022</a:t>
+              <a:t>9/26/2022</a:t>
             </a:fld>
             <a:endParaRPr lang="en-US"/>
           </a:p>
@@ -2828,7 +2829,7 @@
           <a:p>
             <a:fld id="{96DFF08F-DC6B-4601-B491-B0F83F6DD2DA}" type="datetimeFigureOut">
               <a:rPr lang="en-US" smtClean="0"/>
-              <a:t>9/21/2022</a:t>
+              <a:t>9/26/2022</a:t>
             </a:fld>
             <a:endParaRPr lang="en-US"/>
           </a:p>
@@ -3078,7 +3079,7 @@
           <a:p>
             <a:fld id="{96DFF08F-DC6B-4601-B491-B0F83F6DD2DA}" type="datetimeFigureOut">
               <a:rPr lang="en-US" smtClean="0"/>
-              <a:t>9/21/2022</a:t>
+              <a:t>9/26/2022</a:t>
             </a:fld>
             <a:endParaRPr lang="en-US"/>
           </a:p>
@@ -3340,7 +3341,7 @@
           <a:p>
             <a:fld id="{96DFF08F-DC6B-4601-B491-B0F83F6DD2DA}" type="datetimeFigureOut">
               <a:rPr lang="en-US" smtClean="0"/>
-              <a:t>9/21/2022</a:t>
+              <a:t>9/26/2022</a:t>
             </a:fld>
             <a:endParaRPr lang="en-US"/>
           </a:p>
@@ -3514,7 +3515,7 @@
           <a:p>
             <a:fld id="{A3E28D29-1ECB-41DF-951B-2A23F95AD026}" type="datetimeFigureOut">
               <a:rPr lang="en-US" smtClean="0"/>
-              <a:t>9/21/2022</a:t>
+              <a:t>9/26/2022</a:t>
             </a:fld>
             <a:endParaRPr lang="en-US"/>
           </a:p>
@@ -3818,7 +3819,7 @@
           <a:p>
             <a:fld id="{96DFF08F-DC6B-4601-B491-B0F83F6DD2DA}" type="datetimeFigureOut">
               <a:rPr lang="en-US" smtClean="0"/>
-              <a:t>9/21/2022</a:t>
+              <a:t>9/26/2022</a:t>
             </a:fld>
             <a:endParaRPr lang="en-US"/>
           </a:p>
@@ -4134,7 +4135,7 @@
           <a:p>
             <a:fld id="{96DFF08F-DC6B-4601-B491-B0F83F6DD2DA}" type="datetimeFigureOut">
               <a:rPr lang="en-US" smtClean="0"/>
-              <a:t>9/21/2022</a:t>
+              <a:t>9/26/2022</a:t>
             </a:fld>
             <a:endParaRPr lang="en-US"/>
           </a:p>
@@ -4516,7 +4517,7 @@
           <a:p>
             <a:fld id="{96DFF08F-DC6B-4601-B491-B0F83F6DD2DA}" type="datetimeFigureOut">
               <a:rPr lang="en-US" smtClean="0"/>
-              <a:t>9/21/2022</a:t>
+              <a:t>9/26/2022</a:t>
             </a:fld>
             <a:endParaRPr lang="en-US"/>
           </a:p>
@@ -4639,7 +4640,7 @@
           <a:p>
             <a:fld id="{96DFF08F-DC6B-4601-B491-B0F83F6DD2DA}" type="datetimeFigureOut">
               <a:rPr lang="en-US" smtClean="0"/>
-              <a:t>9/21/2022</a:t>
+              <a:t>9/26/2022</a:t>
             </a:fld>
             <a:endParaRPr lang="en-US"/>
           </a:p>
@@ -4819,7 +4820,7 @@
             <a:fld id="{96DFF08F-DC6B-4601-B491-B0F83F6DD2DA}" type="datetimeFigureOut">
               <a:rPr lang="en-US" smtClean="0"/>
               <a:pPr/>
-              <a:t>9/21/2022</a:t>
+              <a:t>9/26/2022</a:t>
             </a:fld>
             <a:endParaRPr lang="en-US"/>
           </a:p>
@@ -5180,7 +5181,7 @@
             <a:fld id="{96DFF08F-DC6B-4601-B491-B0F83F6DD2DA}" type="datetimeFigureOut">
               <a:rPr lang="en-US" smtClean="0"/>
               <a:pPr/>
-              <a:t>9/21/2022</a:t>
+              <a:t>9/26/2022</a:t>
             </a:fld>
             <a:endParaRPr lang="en-US"/>
           </a:p>
@@ -5563,7 +5564,7 @@
           <a:p>
             <a:fld id="{96DFF08F-DC6B-4601-B491-B0F83F6DD2DA}" type="datetimeFigureOut">
               <a:rPr lang="en-US" smtClean="0"/>
-              <a:t>9/21/2022</a:t>
+              <a:t>9/26/2022</a:t>
             </a:fld>
             <a:endParaRPr lang="en-US"/>
           </a:p>
@@ -5857,7 +5858,7 @@
             <a:fld id="{96DFF08F-DC6B-4601-B491-B0F83F6DD2DA}" type="datetimeFigureOut">
               <a:rPr lang="en-US" smtClean="0"/>
               <a:pPr/>
-              <a:t>9/21/2022</a:t>
+              <a:t>9/26/2022</a:t>
             </a:fld>
             <a:endParaRPr lang="en-US"/>
           </a:p>
@@ -9776,12 +9777,12 @@
           <a:graphicData uri="http://schemas.openxmlformats.org/presentationml/2006/ole">
             <mc:AlternateContent xmlns:mc="http://schemas.openxmlformats.org/markup-compatibility/2006">
               <mc:Choice xmlns:v="urn:schemas-microsoft-com:vml" Requires="v">
-                <p:oleObj spid="_x0000_s29697" name="Equation" r:id="rId3" imgW="748975" imgH="393529" progId="Equation.3">
+                <p:oleObj name="Equation" r:id="rId2" imgW="748975" imgH="393529" progId="Equation.3">
                   <p:embed/>
                 </p:oleObj>
               </mc:Choice>
               <mc:Fallback>
-                <p:oleObj name="Equation" r:id="rId3" imgW="748975" imgH="393529" progId="Equation.3">
+                <p:oleObj name="Equation" r:id="rId2" imgW="748975" imgH="393529" progId="Equation.3">
                   <p:embed/>
                   <p:pic>
                     <p:nvPicPr>
@@ -9798,7 +9799,7 @@
                       <p:nvPr/>
                     </p:nvPicPr>
                     <p:blipFill>
-                      <a:blip r:embed="rId4">
+                      <a:blip r:embed="rId3">
                         <a:extLst>
                           <a:ext uri="{28A0092B-C50C-407E-A947-70E740481C1C}">
                             <a14:useLocalDpi xmlns:a14="http://schemas.microsoft.com/office/drawing/2010/main" val="0"/>
@@ -15299,49 +15300,71 @@
           <a:lstStyle/>
           <a:p>
             <a:r>
-              <a:rPr lang="en-US" altLang="en-US"/>
+              <a:rPr lang="en-US" altLang="en-US" dirty="0"/>
               <a:t>Can control how output displays for numeric, string data:</a:t>
             </a:r>
           </a:p>
           <a:p>
             <a:pPr lvl="1"/>
             <a:r>
-              <a:rPr lang="en-US" altLang="en-US"/>
+              <a:rPr lang="en-US" altLang="en-US" dirty="0"/>
               <a:t>size</a:t>
             </a:r>
           </a:p>
           <a:p>
             <a:pPr lvl="1"/>
             <a:r>
-              <a:rPr lang="en-US" altLang="en-US"/>
+              <a:rPr lang="en-US" altLang="en-US" dirty="0"/>
               <a:t>position</a:t>
             </a:r>
           </a:p>
           <a:p>
             <a:pPr lvl="1"/>
             <a:r>
-              <a:rPr lang="en-US" altLang="en-US"/>
+              <a:rPr lang="en-US" altLang="en-US" dirty="0"/>
               <a:t>number of digits</a:t>
             </a:r>
           </a:p>
           <a:p>
             <a:r>
-              <a:rPr lang="en-US" altLang="en-US"/>
-              <a:t>Requires </a:t>
-            </a:r>
-            <a:r>
-              <a:rPr lang="en-US" altLang="en-US" err="1">
-                <a:latin typeface="Courier New" panose="02070309020205020404" pitchFamily="49" charset="0"/>
-              </a:rPr>
-              <a:t>iomanip</a:t>
-            </a:r>
-            <a:r>
-              <a:rPr lang="en-US" altLang="en-US"/>
-              <a:t> header file</a:t>
-            </a:r>
-          </a:p>
-          <a:p>
-            <a:endParaRPr lang="en-US" altLang="en-US"/>
+              <a:rPr lang="en-US" altLang="en-US" dirty="0"/>
+              <a:t>Can also determine the form of output</a:t>
+            </a:r>
+          </a:p>
+          <a:p>
+            <a:pPr lvl="1"/>
+            <a:r>
+              <a:rPr lang="en-US" altLang="en-US" dirty="0"/>
+              <a:t>720</a:t>
+            </a:r>
+          </a:p>
+          <a:p>
+            <a:pPr lvl="1"/>
+            <a:r>
+              <a:rPr lang="en-US" altLang="en-US" dirty="0"/>
+              <a:t>720.0</a:t>
+            </a:r>
+          </a:p>
+          <a:p>
+            <a:pPr lvl="1"/>
+            <a:r>
+              <a:rPr lang="en-US" altLang="en-US" dirty="0"/>
+              <a:t>720.0000000</a:t>
+            </a:r>
+          </a:p>
+          <a:p>
+            <a:pPr lvl="1"/>
+            <a:r>
+              <a:rPr lang="en-US" altLang="en-US" dirty="0"/>
+              <a:t>7.2e+2</a:t>
+            </a:r>
+          </a:p>
+          <a:p>
+            <a:pPr lvl="1"/>
+            <a:r>
+              <a:rPr lang="en-US" altLang="en-US" dirty="0"/>
+              <a:t>+720.0</a:t>
+            </a:r>
           </a:p>
         </p:txBody>
       </p:sp>
@@ -15540,10 +15563,10 @@
       </p:grpSpPr>
       <p:sp>
         <p:nvSpPr>
-          <p:cNvPr id="40962" name="Title 1">
+          <p:cNvPr id="39938" name="Title 1">
             <a:extLst>
               <a:ext uri="{FF2B5EF4-FFF2-40B4-BE49-F238E27FC236}">
-                <a16:creationId xmlns:a16="http://schemas.microsoft.com/office/drawing/2014/main" id="{0AE9B147-BEE4-4A8C-48FA-3FBF11EFD655}"/>
+                <a16:creationId xmlns:a16="http://schemas.microsoft.com/office/drawing/2014/main" id="{951AA9E8-89F1-9FE6-67A6-4634310596BD}"/>
               </a:ext>
             </a:extLst>
           </p:cNvPr>
@@ -15562,17 +15585,17 @@
             <a:pPr eaLnBrk="1" hangingPunct="1"/>
             <a:r>
               <a:rPr lang="en-US" altLang="en-US"/>
-              <a:t>Stream Manipulators</a:t>
+              <a:t>Formatting Output</a:t>
             </a:r>
           </a:p>
         </p:txBody>
       </p:sp>
       <p:sp>
         <p:nvSpPr>
-          <p:cNvPr id="40963" name="Content Placeholder 2">
+          <p:cNvPr id="39939" name="Content Placeholder 2">
             <a:extLst>
               <a:ext uri="{FF2B5EF4-FFF2-40B4-BE49-F238E27FC236}">
-                <a16:creationId xmlns:a16="http://schemas.microsoft.com/office/drawing/2014/main" id="{E676F968-785D-F578-32F7-817A7FC41FBD}"/>
+                <a16:creationId xmlns:a16="http://schemas.microsoft.com/office/drawing/2014/main" id="{B0849123-F4FA-59D4-96B1-D52649746925}"/>
               </a:ext>
             </a:extLst>
           </p:cNvPr>
@@ -15590,46 +15613,44 @@
           <a:p>
             <a:r>
               <a:rPr lang="en-US" altLang="en-US"/>
-              <a:t>Used to control how an output field is displayed</a:t>
-            </a:r>
-            <a:br>
+              <a:t>Can control how output displays for numeric, string data:</a:t>
+            </a:r>
+          </a:p>
+          <a:p>
+            <a:pPr lvl="1"/>
+            <a:r>
               <a:rPr lang="en-US" altLang="en-US"/>
-            </a:br>
-            <a:endParaRPr lang="en-US" altLang="en-US"/>
-          </a:p>
-          <a:p>
+              <a:t>size</a:t>
+            </a:r>
+          </a:p>
+          <a:p>
+            <a:pPr lvl="1"/>
             <a:r>
               <a:rPr lang="en-US" altLang="en-US"/>
-              <a:t>Some affect just the next value displayed:</a:t>
+              <a:t>position</a:t>
             </a:r>
           </a:p>
           <a:p>
             <a:pPr lvl="1"/>
             <a:r>
+              <a:rPr lang="en-US" altLang="en-US"/>
+              <a:t>number of digits</a:t>
+            </a:r>
+          </a:p>
+          <a:p>
+            <a:r>
+              <a:rPr lang="en-US" altLang="en-US"/>
+              <a:t>Requires </a:t>
+            </a:r>
+            <a:r>
               <a:rPr lang="en-US" altLang="en-US" err="1">
                 <a:latin typeface="Courier New" panose="02070309020205020404" pitchFamily="49" charset="0"/>
               </a:rPr>
-              <a:t>setw</a:t>
-            </a:r>
-            <a:r>
-              <a:rPr lang="en-US" altLang="en-US">
-                <a:latin typeface="Courier New" panose="02070309020205020404" pitchFamily="49" charset="0"/>
-              </a:rPr>
-              <a:t>(x)</a:t>
+              <a:t>iomanip</a:t>
             </a:r>
             <a:r>
               <a:rPr lang="en-US" altLang="en-US"/>
-              <a:t>: print in a field at least </a:t>
-            </a:r>
-            <a:r>
-              <a:rPr lang="en-US" altLang="en-US">
-                <a:latin typeface="Courier New" panose="02070309020205020404" pitchFamily="49" charset="0"/>
-              </a:rPr>
-              <a:t>x</a:t>
-            </a:r>
-            <a:r>
-              <a:rPr lang="en-US" altLang="en-US"/>
-              <a:t> spaces wide.  Use more spaces if field is not wide enough</a:t>
+              <a:t> header file</a:t>
             </a:r>
           </a:p>
           <a:p>
@@ -15638,6 +15659,11 @@
         </p:txBody>
       </p:sp>
     </p:spTree>
+    <p:extLst>
+      <p:ext uri="{BB962C8B-B14F-4D97-AF65-F5344CB8AC3E}">
+        <p14:creationId xmlns:p14="http://schemas.microsoft.com/office/powerpoint/2010/main" val="2777170471"/>
+      </p:ext>
+    </p:extLst>
   </p:cSld>
   <p:clrMapOvr>
     <a:masterClrMapping/>
@@ -15664,10 +15690,10 @@
       </p:grpSpPr>
       <p:sp>
         <p:nvSpPr>
-          <p:cNvPr id="41986" name="Title 1">
+          <p:cNvPr id="40962" name="Title 1">
             <a:extLst>
               <a:ext uri="{FF2B5EF4-FFF2-40B4-BE49-F238E27FC236}">
-                <a16:creationId xmlns:a16="http://schemas.microsoft.com/office/drawing/2014/main" id="{45AA3304-2F09-24E4-30D2-C2267570A93B}"/>
+                <a16:creationId xmlns:a16="http://schemas.microsoft.com/office/drawing/2014/main" id="{0AE9B147-BEE4-4A8C-48FA-3FBF11EFD655}"/>
               </a:ext>
             </a:extLst>
           </p:cNvPr>
@@ -15686,278 +15712,81 @@
             <a:pPr eaLnBrk="1" hangingPunct="1"/>
             <a:r>
               <a:rPr lang="en-US" altLang="en-US"/>
-              <a:t>The </a:t>
-            </a:r>
-            <a:r>
-              <a:rPr lang="en-US" altLang="en-US" b="1">
-                <a:latin typeface="Courier New" panose="02070309020205020404" pitchFamily="49" charset="0"/>
-                <a:cs typeface="Courier New" panose="02070309020205020404" pitchFamily="49" charset="0"/>
-              </a:rPr>
-              <a:t>setw</a:t>
-            </a:r>
-            <a:r>
-              <a:rPr lang="en-US" altLang="en-US"/>
-              <a:t> Stream Manipulator</a:t>
+              <a:t>Stream Manipulators</a:t>
             </a:r>
           </a:p>
         </p:txBody>
       </p:sp>
       <p:sp>
         <p:nvSpPr>
-          <p:cNvPr id="41987" name="TextBox 4">
+          <p:cNvPr id="40963" name="Content Placeholder 2">
             <a:extLst>
               <a:ext uri="{FF2B5EF4-FFF2-40B4-BE49-F238E27FC236}">
-                <a16:creationId xmlns:a16="http://schemas.microsoft.com/office/drawing/2014/main" id="{5593DD3B-01B7-3937-0B74-846A13D421F2}"/>
+                <a16:creationId xmlns:a16="http://schemas.microsoft.com/office/drawing/2014/main" id="{E676F968-785D-F578-32F7-817A7FC41FBD}"/>
               </a:ext>
             </a:extLst>
           </p:cNvPr>
-          <p:cNvSpPr txBox="1">
-            <a:spLocks noChangeArrowheads="1"/>
+          <p:cNvSpPr>
+            <a:spLocks noGrp="1" noChangeArrowheads="1"/>
           </p:cNvSpPr>
-          <p:nvPr/>
+          <p:nvPr>
+            <p:ph idx="1"/>
+          </p:nvPr>
         </p:nvSpPr>
-        <p:spPr bwMode="auto">
-          <a:xfrm>
-            <a:off x="7162800" y="6019800"/>
-            <a:ext cx="1466850" cy="369888"/>
-          </a:xfrm>
-          <a:prstGeom prst="rect">
-            <a:avLst/>
-          </a:prstGeom>
-          <a:noFill/>
-          <a:ln>
-            <a:noFill/>
-          </a:ln>
-          <a:extLst>
-            <a:ext uri="{909E8E84-426E-40DD-AFC4-6F175D3DCCD1}">
-              <a14:hiddenFill xmlns:a14="http://schemas.microsoft.com/office/drawing/2010/main">
-                <a:solidFill>
-                  <a:srgbClr val="FFFFFF"/>
-                </a:solidFill>
-              </a14:hiddenFill>
-            </a:ext>
-            <a:ext uri="{91240B29-F687-4F45-9708-019B960494DF}">
-              <a14:hiddenLine xmlns:a14="http://schemas.microsoft.com/office/drawing/2010/main" w="9525">
-                <a:solidFill>
-                  <a:srgbClr val="000000"/>
-                </a:solidFill>
-                <a:miter lim="800000"/>
-                <a:headEnd/>
-                <a:tailEnd/>
-              </a14:hiddenLine>
-            </a:ext>
-          </a:extLst>
-        </p:spPr>
+        <p:spPr/>
         <p:txBody>
-          <a:bodyPr wrap="none">
-            <a:spAutoFit/>
-          </a:bodyPr>
-          <a:lstStyle>
-            <a:lvl1pPr>
-              <a:spcBef>
-                <a:spcPct val="20000"/>
-              </a:spcBef>
-              <a:buChar char="•"/>
-              <a:defRPr sz="3200">
-                <a:solidFill>
-                  <a:schemeClr val="tx1"/>
-                </a:solidFill>
-                <a:latin typeface="Arial" panose="020B0604020202020204" pitchFamily="34" charset="0"/>
-                <a:cs typeface="Arial" panose="020B0604020202020204" pitchFamily="34" charset="0"/>
-              </a:defRPr>
-            </a:lvl1pPr>
-            <a:lvl2pPr marL="742950" indent="-285750">
-              <a:spcBef>
-                <a:spcPct val="20000"/>
-              </a:spcBef>
-              <a:buChar char="–"/>
-              <a:defRPr sz="2800">
-                <a:solidFill>
-                  <a:schemeClr val="tx1"/>
-                </a:solidFill>
-                <a:latin typeface="Arial" panose="020B0604020202020204" pitchFamily="34" charset="0"/>
-                <a:cs typeface="Arial" panose="020B0604020202020204" pitchFamily="34" charset="0"/>
-              </a:defRPr>
-            </a:lvl2pPr>
-            <a:lvl3pPr marL="1143000" indent="-228600">
-              <a:spcBef>
-                <a:spcPct val="20000"/>
-              </a:spcBef>
-              <a:buChar char="•"/>
-              <a:defRPr sz="2400">
-                <a:solidFill>
-                  <a:schemeClr val="tx1"/>
-                </a:solidFill>
-                <a:latin typeface="Arial" panose="020B0604020202020204" pitchFamily="34" charset="0"/>
-                <a:cs typeface="Arial" panose="020B0604020202020204" pitchFamily="34" charset="0"/>
-              </a:defRPr>
-            </a:lvl3pPr>
-            <a:lvl4pPr marL="1600200" indent="-228600">
-              <a:spcBef>
-                <a:spcPct val="20000"/>
-              </a:spcBef>
-              <a:buChar char="–"/>
-              <a:defRPr sz="2000">
-                <a:solidFill>
-                  <a:schemeClr val="tx1"/>
-                </a:solidFill>
-                <a:latin typeface="Arial" panose="020B0604020202020204" pitchFamily="34" charset="0"/>
-                <a:cs typeface="Arial" panose="020B0604020202020204" pitchFamily="34" charset="0"/>
-              </a:defRPr>
-            </a:lvl4pPr>
-            <a:lvl5pPr marL="2057400" indent="-228600">
-              <a:spcBef>
-                <a:spcPct val="20000"/>
-              </a:spcBef>
-              <a:buChar char="»"/>
-              <a:defRPr sz="2000">
-                <a:solidFill>
-                  <a:schemeClr val="tx1"/>
-                </a:solidFill>
-                <a:latin typeface="Arial" panose="020B0604020202020204" pitchFamily="34" charset="0"/>
-                <a:cs typeface="Arial" panose="020B0604020202020204" pitchFamily="34" charset="0"/>
-              </a:defRPr>
-            </a:lvl5pPr>
-            <a:lvl6pPr marL="2514600" indent="-228600" eaLnBrk="0" fontAlgn="base" hangingPunct="0">
-              <a:spcBef>
-                <a:spcPct val="20000"/>
-              </a:spcBef>
-              <a:spcAft>
-                <a:spcPct val="0"/>
-              </a:spcAft>
-              <a:buChar char="»"/>
-              <a:defRPr sz="2000">
-                <a:solidFill>
-                  <a:schemeClr val="tx1"/>
-                </a:solidFill>
-                <a:latin typeface="Arial" panose="020B0604020202020204" pitchFamily="34" charset="0"/>
-                <a:cs typeface="Arial" panose="020B0604020202020204" pitchFamily="34" charset="0"/>
-              </a:defRPr>
-            </a:lvl6pPr>
-            <a:lvl7pPr marL="2971800" indent="-228600" eaLnBrk="0" fontAlgn="base" hangingPunct="0">
-              <a:spcBef>
-                <a:spcPct val="20000"/>
-              </a:spcBef>
-              <a:spcAft>
-                <a:spcPct val="0"/>
-              </a:spcAft>
-              <a:buChar char="»"/>
-              <a:defRPr sz="2000">
-                <a:solidFill>
-                  <a:schemeClr val="tx1"/>
-                </a:solidFill>
-                <a:latin typeface="Arial" panose="020B0604020202020204" pitchFamily="34" charset="0"/>
-                <a:cs typeface="Arial" panose="020B0604020202020204" pitchFamily="34" charset="0"/>
-              </a:defRPr>
-            </a:lvl7pPr>
-            <a:lvl8pPr marL="3429000" indent="-228600" eaLnBrk="0" fontAlgn="base" hangingPunct="0">
-              <a:spcBef>
-                <a:spcPct val="20000"/>
-              </a:spcBef>
-              <a:spcAft>
-                <a:spcPct val="0"/>
-              </a:spcAft>
-              <a:buChar char="»"/>
-              <a:defRPr sz="2000">
-                <a:solidFill>
-                  <a:schemeClr val="tx1"/>
-                </a:solidFill>
-                <a:latin typeface="Arial" panose="020B0604020202020204" pitchFamily="34" charset="0"/>
-                <a:cs typeface="Arial" panose="020B0604020202020204" pitchFamily="34" charset="0"/>
-              </a:defRPr>
-            </a:lvl8pPr>
-            <a:lvl9pPr marL="3886200" indent="-228600" eaLnBrk="0" fontAlgn="base" hangingPunct="0">
-              <a:spcBef>
-                <a:spcPct val="20000"/>
-              </a:spcBef>
-              <a:spcAft>
-                <a:spcPct val="0"/>
-              </a:spcAft>
-              <a:buChar char="»"/>
-              <a:defRPr sz="2000">
-                <a:solidFill>
-                  <a:schemeClr val="tx1"/>
-                </a:solidFill>
-                <a:latin typeface="Arial" panose="020B0604020202020204" pitchFamily="34" charset="0"/>
-                <a:cs typeface="Arial" panose="020B0604020202020204" pitchFamily="34" charset="0"/>
-              </a:defRPr>
-            </a:lvl9pPr>
-          </a:lstStyle>
-          <a:p>
-            <a:pPr eaLnBrk="1" hangingPunct="1">
-              <a:spcBef>
-                <a:spcPct val="0"/>
-              </a:spcBef>
-              <a:buFontTx/>
-              <a:buNone/>
-            </a:pPr>
-            <a:r>
-              <a:rPr lang="en-US" altLang="en-US" sz="1800"/>
-              <a:t>Continued…</a:t>
-            </a:r>
+          <a:bodyPr/>
+          <a:lstStyle/>
+          <a:p>
+            <a:r>
+              <a:rPr lang="en-US" altLang="en-US"/>
+              <a:t>Used to control how an output field is displayed</a:t>
+            </a:r>
+            <a:br>
+              <a:rPr lang="en-US" altLang="en-US"/>
+            </a:br>
+            <a:endParaRPr lang="en-US" altLang="en-US"/>
+          </a:p>
+          <a:p>
+            <a:r>
+              <a:rPr lang="en-US" altLang="en-US"/>
+              <a:t>Some affect just the next value displayed:</a:t>
+            </a:r>
+          </a:p>
+          <a:p>
+            <a:pPr lvl="1"/>
+            <a:r>
+              <a:rPr lang="en-US" altLang="en-US" err="1">
+                <a:latin typeface="Courier New" panose="02070309020205020404" pitchFamily="49" charset="0"/>
+              </a:rPr>
+              <a:t>setw</a:t>
+            </a:r>
+            <a:r>
+              <a:rPr lang="en-US" altLang="en-US">
+                <a:latin typeface="Courier New" panose="02070309020205020404" pitchFamily="49" charset="0"/>
+              </a:rPr>
+              <a:t>(x)</a:t>
+            </a:r>
+            <a:r>
+              <a:rPr lang="en-US" altLang="en-US"/>
+              <a:t>: print in a field at least </a:t>
+            </a:r>
+            <a:r>
+              <a:rPr lang="en-US" altLang="en-US">
+                <a:latin typeface="Courier New" panose="02070309020205020404" pitchFamily="49" charset="0"/>
+              </a:rPr>
+              <a:t>x</a:t>
+            </a:r>
+            <a:r>
+              <a:rPr lang="en-US" altLang="en-US"/>
+              <a:t> spaces wide.  Use more spaces if field is not wide enough</a:t>
+            </a:r>
+          </a:p>
+          <a:p>
+            <a:endParaRPr lang="en-US" altLang="en-US"/>
           </a:p>
         </p:txBody>
       </p:sp>
-      <p:pic>
-        <p:nvPicPr>
-          <p:cNvPr id="41988" name="Picture 2">
-            <a:extLst>
-              <a:ext uri="{FF2B5EF4-FFF2-40B4-BE49-F238E27FC236}">
-                <a16:creationId xmlns:a16="http://schemas.microsoft.com/office/drawing/2014/main" id="{47397F08-B98D-B8C0-C192-A1B16C739066}"/>
-              </a:ext>
-            </a:extLst>
-          </p:cNvPr>
-          <p:cNvPicPr>
-            <a:picLocks noChangeAspect="1" noChangeArrowheads="1"/>
-          </p:cNvPicPr>
-          <p:nvPr/>
-        </p:nvPicPr>
-        <p:blipFill>
-          <a:blip r:embed="rId2">
-            <a:extLst>
-              <a:ext uri="{28A0092B-C50C-407E-A947-70E740481C1C}">
-                <a14:useLocalDpi xmlns:a14="http://schemas.microsoft.com/office/drawing/2010/main" val="0"/>
-              </a:ext>
-            </a:extLst>
-          </a:blip>
-          <a:srcRect/>
-          <a:stretch>
-            <a:fillRect/>
-          </a:stretch>
-        </p:blipFill>
-        <p:spPr bwMode="auto">
-          <a:xfrm>
-            <a:off x="1556969" y="1883058"/>
-            <a:ext cx="6030061" cy="4012704"/>
-          </a:xfrm>
-          <a:prstGeom prst="rect">
-            <a:avLst/>
-          </a:prstGeom>
-          <a:noFill/>
-          <a:ln>
-            <a:noFill/>
-          </a:ln>
-          <a:extLst>
-            <a:ext uri="{909E8E84-426E-40DD-AFC4-6F175D3DCCD1}">
-              <a14:hiddenFill xmlns:a14="http://schemas.microsoft.com/office/drawing/2010/main">
-                <a:solidFill>
-                  <a:srgbClr val="FFFFFF"/>
-                </a:solidFill>
-              </a14:hiddenFill>
-            </a:ext>
-            <a:ext uri="{91240B29-F687-4F45-9708-019B960494DF}">
-              <a14:hiddenLine xmlns:a14="http://schemas.microsoft.com/office/drawing/2010/main" w="9525">
-                <a:solidFill>
-                  <a:srgbClr val="000000"/>
-                </a:solidFill>
-                <a:miter lim="800000"/>
-                <a:headEnd/>
-                <a:tailEnd/>
-              </a14:hiddenLine>
-            </a:ext>
-          </a:extLst>
-        </p:spPr>
-      </p:pic>
     </p:spTree>
   </p:cSld>
   <p:clrMapOvr>
@@ -15967,131 +15796,6 @@
 </file>
 
 <file path=ppt/slides/slide42.xml><?xml version="1.0" encoding="utf-8"?>
-<p:sld xmlns:a="http://schemas.openxmlformats.org/drawingml/2006/main" xmlns:r="http://schemas.openxmlformats.org/officeDocument/2006/relationships" xmlns:p="http://schemas.openxmlformats.org/presentationml/2006/main">
-  <p:cSld>
-    <p:spTree>
-      <p:nvGrpSpPr>
-        <p:cNvPr id="1" name=""/>
-        <p:cNvGrpSpPr/>
-        <p:nvPr/>
-      </p:nvGrpSpPr>
-      <p:grpSpPr>
-        <a:xfrm>
-          <a:off x="0" y="0"/>
-          <a:ext cx="0" cy="0"/>
-          <a:chOff x="0" y="0"/>
-          <a:chExt cx="0" cy="0"/>
-        </a:xfrm>
-      </p:grpSpPr>
-      <p:sp>
-        <p:nvSpPr>
-          <p:cNvPr id="43010" name="Title 1">
-            <a:extLst>
-              <a:ext uri="{FF2B5EF4-FFF2-40B4-BE49-F238E27FC236}">
-                <a16:creationId xmlns:a16="http://schemas.microsoft.com/office/drawing/2014/main" id="{AC62C481-0105-2252-2259-DF51A811089B}"/>
-              </a:ext>
-            </a:extLst>
-          </p:cNvPr>
-          <p:cNvSpPr>
-            <a:spLocks noGrp="1" noChangeArrowheads="1"/>
-          </p:cNvSpPr>
-          <p:nvPr>
-            <p:ph type="title"/>
-          </p:nvPr>
-        </p:nvSpPr>
-        <p:spPr/>
-        <p:txBody>
-          <a:bodyPr/>
-          <a:lstStyle/>
-          <a:p>
-            <a:pPr eaLnBrk="1" hangingPunct="1"/>
-            <a:r>
-              <a:rPr lang="en-US" altLang="en-US"/>
-              <a:t>The </a:t>
-            </a:r>
-            <a:r>
-              <a:rPr lang="en-US" altLang="en-US" b="1">
-                <a:latin typeface="Courier New" panose="02070309020205020404" pitchFamily="49" charset="0"/>
-                <a:cs typeface="Courier New" panose="02070309020205020404" pitchFamily="49" charset="0"/>
-              </a:rPr>
-              <a:t>setw</a:t>
-            </a:r>
-            <a:r>
-              <a:rPr lang="en-US" altLang="en-US"/>
-              <a:t> Stream Manipulator</a:t>
-            </a:r>
-          </a:p>
-        </p:txBody>
-      </p:sp>
-      <p:pic>
-        <p:nvPicPr>
-          <p:cNvPr id="43011" name="Picture 2">
-            <a:extLst>
-              <a:ext uri="{FF2B5EF4-FFF2-40B4-BE49-F238E27FC236}">
-                <a16:creationId xmlns:a16="http://schemas.microsoft.com/office/drawing/2014/main" id="{B3E8531B-2F52-C938-3266-4FE5E1202286}"/>
-              </a:ext>
-            </a:extLst>
-          </p:cNvPr>
-          <p:cNvPicPr>
-            <a:picLocks noChangeAspect="1" noChangeArrowheads="1"/>
-          </p:cNvPicPr>
-          <p:nvPr/>
-        </p:nvPicPr>
-        <p:blipFill>
-          <a:blip r:embed="rId2">
-            <a:extLst>
-              <a:ext uri="{28A0092B-C50C-407E-A947-70E740481C1C}">
-                <a14:useLocalDpi xmlns:a14="http://schemas.microsoft.com/office/drawing/2010/main" val="0"/>
-              </a:ext>
-            </a:extLst>
-          </a:blip>
-          <a:srcRect/>
-          <a:stretch>
-            <a:fillRect/>
-          </a:stretch>
-        </p:blipFill>
-        <p:spPr bwMode="auto">
-          <a:xfrm>
-            <a:off x="1090612" y="1922165"/>
-            <a:ext cx="6962775" cy="3762375"/>
-          </a:xfrm>
-          <a:prstGeom prst="rect">
-            <a:avLst/>
-          </a:prstGeom>
-          <a:noFill/>
-          <a:ln>
-            <a:noFill/>
-          </a:ln>
-          <a:extLst>
-            <a:ext uri="{909E8E84-426E-40DD-AFC4-6F175D3DCCD1}">
-              <a14:hiddenFill xmlns:a14="http://schemas.microsoft.com/office/drawing/2010/main">
-                <a:solidFill>
-                  <a:srgbClr val="FFFFFF"/>
-                </a:solidFill>
-              </a14:hiddenFill>
-            </a:ext>
-            <a:ext uri="{91240B29-F687-4F45-9708-019B960494DF}">
-              <a14:hiddenLine xmlns:a14="http://schemas.microsoft.com/office/drawing/2010/main" w="9525">
-                <a:solidFill>
-                  <a:srgbClr val="000000"/>
-                </a:solidFill>
-                <a:miter lim="800000"/>
-                <a:headEnd/>
-                <a:tailEnd/>
-              </a14:hiddenLine>
-            </a:ext>
-          </a:extLst>
-        </p:spPr>
-      </p:pic>
-    </p:spTree>
-  </p:cSld>
-  <p:clrMapOvr>
-    <a:masterClrMapping/>
-  </p:clrMapOvr>
-</p:sld>
-</file>
-
-<file path=ppt/slides/slide43.xml><?xml version="1.0" encoding="utf-8"?>
 <p:sld xmlns:a="http://schemas.openxmlformats.org/drawingml/2006/main" xmlns:r="http://schemas.openxmlformats.org/officeDocument/2006/relationships" xmlns:p="http://schemas.openxmlformats.org/presentationml/2006/main">
   <p:cSld>
     <p:spTree>
@@ -16254,431 +15958,7 @@
 </p:sld>
 </file>
 
-<file path=ppt/slides/slide44.xml><?xml version="1.0" encoding="utf-8"?>
-<p:sld xmlns:a="http://schemas.openxmlformats.org/drawingml/2006/main" xmlns:r="http://schemas.openxmlformats.org/officeDocument/2006/relationships" xmlns:p="http://schemas.openxmlformats.org/presentationml/2006/main">
-  <p:cSld>
-    <p:spTree>
-      <p:nvGrpSpPr>
-        <p:cNvPr id="1" name=""/>
-        <p:cNvGrpSpPr/>
-        <p:nvPr/>
-      </p:nvGrpSpPr>
-      <p:grpSpPr>
-        <a:xfrm>
-          <a:off x="0" y="0"/>
-          <a:ext cx="0" cy="0"/>
-          <a:chOff x="0" y="0"/>
-          <a:chExt cx="0" cy="0"/>
-        </a:xfrm>
-      </p:grpSpPr>
-      <p:sp>
-        <p:nvSpPr>
-          <p:cNvPr id="45058" name="Title 1">
-            <a:extLst>
-              <a:ext uri="{FF2B5EF4-FFF2-40B4-BE49-F238E27FC236}">
-                <a16:creationId xmlns:a16="http://schemas.microsoft.com/office/drawing/2014/main" id="{062DE466-AA0C-9804-3B69-156B6CD2349A}"/>
-              </a:ext>
-            </a:extLst>
-          </p:cNvPr>
-          <p:cNvSpPr>
-            <a:spLocks noGrp="1" noChangeArrowheads="1"/>
-          </p:cNvSpPr>
-          <p:nvPr>
-            <p:ph type="title"/>
-          </p:nvPr>
-        </p:nvSpPr>
-        <p:spPr/>
-        <p:txBody>
-          <a:bodyPr/>
-          <a:lstStyle/>
-          <a:p>
-            <a:pPr eaLnBrk="1" hangingPunct="1"/>
-            <a:r>
-              <a:rPr lang="en-US" altLang="en-US"/>
-              <a:t>More Stream Manipulators</a:t>
-            </a:r>
-          </a:p>
-        </p:txBody>
-      </p:sp>
-      <p:pic>
-        <p:nvPicPr>
-          <p:cNvPr id="45059" name="Picture 2">
-            <a:extLst>
-              <a:ext uri="{FF2B5EF4-FFF2-40B4-BE49-F238E27FC236}">
-                <a16:creationId xmlns:a16="http://schemas.microsoft.com/office/drawing/2014/main" id="{BA827F37-9E88-E505-FC56-68C9ADB6E11F}"/>
-              </a:ext>
-            </a:extLst>
-          </p:cNvPr>
-          <p:cNvPicPr>
-            <a:picLocks noChangeAspect="1" noChangeArrowheads="1"/>
-          </p:cNvPicPr>
-          <p:nvPr/>
-        </p:nvPicPr>
-        <p:blipFill>
-          <a:blip r:embed="rId2">
-            <a:extLst>
-              <a:ext uri="{28A0092B-C50C-407E-A947-70E740481C1C}">
-                <a14:useLocalDpi xmlns:a14="http://schemas.microsoft.com/office/drawing/2010/main" val="0"/>
-              </a:ext>
-            </a:extLst>
-          </a:blip>
-          <a:srcRect/>
-          <a:stretch>
-            <a:fillRect/>
-          </a:stretch>
-        </p:blipFill>
-        <p:spPr bwMode="auto">
-          <a:xfrm>
-            <a:off x="1491935" y="1786576"/>
-            <a:ext cx="6160129" cy="4525751"/>
-          </a:xfrm>
-          <a:prstGeom prst="rect">
-            <a:avLst/>
-          </a:prstGeom>
-          <a:noFill/>
-          <a:ln>
-            <a:noFill/>
-          </a:ln>
-          <a:extLst>
-            <a:ext uri="{909E8E84-426E-40DD-AFC4-6F175D3DCCD1}">
-              <a14:hiddenFill xmlns:a14="http://schemas.microsoft.com/office/drawing/2010/main">
-                <a:solidFill>
-                  <a:srgbClr val="FFFFFF"/>
-                </a:solidFill>
-              </a14:hiddenFill>
-            </a:ext>
-            <a:ext uri="{91240B29-F687-4F45-9708-019B960494DF}">
-              <a14:hiddenLine xmlns:a14="http://schemas.microsoft.com/office/drawing/2010/main" w="9525">
-                <a:solidFill>
-                  <a:srgbClr val="000000"/>
-                </a:solidFill>
-                <a:miter lim="800000"/>
-                <a:headEnd/>
-                <a:tailEnd/>
-              </a14:hiddenLine>
-            </a:ext>
-          </a:extLst>
-        </p:spPr>
-      </p:pic>
-      <p:sp>
-        <p:nvSpPr>
-          <p:cNvPr id="45060" name="TextBox 3">
-            <a:extLst>
-              <a:ext uri="{FF2B5EF4-FFF2-40B4-BE49-F238E27FC236}">
-                <a16:creationId xmlns:a16="http://schemas.microsoft.com/office/drawing/2014/main" id="{CB455638-205E-2A4F-E1BA-02A386C1CBBD}"/>
-              </a:ext>
-            </a:extLst>
-          </p:cNvPr>
-          <p:cNvSpPr txBox="1">
-            <a:spLocks noChangeArrowheads="1"/>
-          </p:cNvSpPr>
-          <p:nvPr/>
-        </p:nvSpPr>
-        <p:spPr bwMode="auto">
-          <a:xfrm>
-            <a:off x="7162800" y="6019800"/>
-            <a:ext cx="1466850" cy="369888"/>
-          </a:xfrm>
-          <a:prstGeom prst="rect">
-            <a:avLst/>
-          </a:prstGeom>
-          <a:noFill/>
-          <a:ln>
-            <a:noFill/>
-          </a:ln>
-          <a:extLst>
-            <a:ext uri="{909E8E84-426E-40DD-AFC4-6F175D3DCCD1}">
-              <a14:hiddenFill xmlns:a14="http://schemas.microsoft.com/office/drawing/2010/main">
-                <a:solidFill>
-                  <a:srgbClr val="FFFFFF"/>
-                </a:solidFill>
-              </a14:hiddenFill>
-            </a:ext>
-            <a:ext uri="{91240B29-F687-4F45-9708-019B960494DF}">
-              <a14:hiddenLine xmlns:a14="http://schemas.microsoft.com/office/drawing/2010/main" w="9525">
-                <a:solidFill>
-                  <a:srgbClr val="000000"/>
-                </a:solidFill>
-                <a:miter lim="800000"/>
-                <a:headEnd/>
-                <a:tailEnd/>
-              </a14:hiddenLine>
-            </a:ext>
-          </a:extLst>
-        </p:spPr>
-        <p:txBody>
-          <a:bodyPr wrap="none">
-            <a:spAutoFit/>
-          </a:bodyPr>
-          <a:lstStyle>
-            <a:lvl1pPr>
-              <a:spcBef>
-                <a:spcPct val="20000"/>
-              </a:spcBef>
-              <a:buChar char="•"/>
-              <a:defRPr sz="3200">
-                <a:solidFill>
-                  <a:schemeClr val="tx1"/>
-                </a:solidFill>
-                <a:latin typeface="Arial" panose="020B0604020202020204" pitchFamily="34" charset="0"/>
-                <a:cs typeface="Arial" panose="020B0604020202020204" pitchFamily="34" charset="0"/>
-              </a:defRPr>
-            </a:lvl1pPr>
-            <a:lvl2pPr marL="742950" indent="-285750">
-              <a:spcBef>
-                <a:spcPct val="20000"/>
-              </a:spcBef>
-              <a:buChar char="–"/>
-              <a:defRPr sz="2800">
-                <a:solidFill>
-                  <a:schemeClr val="tx1"/>
-                </a:solidFill>
-                <a:latin typeface="Arial" panose="020B0604020202020204" pitchFamily="34" charset="0"/>
-                <a:cs typeface="Arial" panose="020B0604020202020204" pitchFamily="34" charset="0"/>
-              </a:defRPr>
-            </a:lvl2pPr>
-            <a:lvl3pPr marL="1143000" indent="-228600">
-              <a:spcBef>
-                <a:spcPct val="20000"/>
-              </a:spcBef>
-              <a:buChar char="•"/>
-              <a:defRPr sz="2400">
-                <a:solidFill>
-                  <a:schemeClr val="tx1"/>
-                </a:solidFill>
-                <a:latin typeface="Arial" panose="020B0604020202020204" pitchFamily="34" charset="0"/>
-                <a:cs typeface="Arial" panose="020B0604020202020204" pitchFamily="34" charset="0"/>
-              </a:defRPr>
-            </a:lvl3pPr>
-            <a:lvl4pPr marL="1600200" indent="-228600">
-              <a:spcBef>
-                <a:spcPct val="20000"/>
-              </a:spcBef>
-              <a:buChar char="–"/>
-              <a:defRPr sz="2000">
-                <a:solidFill>
-                  <a:schemeClr val="tx1"/>
-                </a:solidFill>
-                <a:latin typeface="Arial" panose="020B0604020202020204" pitchFamily="34" charset="0"/>
-                <a:cs typeface="Arial" panose="020B0604020202020204" pitchFamily="34" charset="0"/>
-              </a:defRPr>
-            </a:lvl4pPr>
-            <a:lvl5pPr marL="2057400" indent="-228600">
-              <a:spcBef>
-                <a:spcPct val="20000"/>
-              </a:spcBef>
-              <a:buChar char="»"/>
-              <a:defRPr sz="2000">
-                <a:solidFill>
-                  <a:schemeClr val="tx1"/>
-                </a:solidFill>
-                <a:latin typeface="Arial" panose="020B0604020202020204" pitchFamily="34" charset="0"/>
-                <a:cs typeface="Arial" panose="020B0604020202020204" pitchFamily="34" charset="0"/>
-              </a:defRPr>
-            </a:lvl5pPr>
-            <a:lvl6pPr marL="2514600" indent="-228600" eaLnBrk="0" fontAlgn="base" hangingPunct="0">
-              <a:spcBef>
-                <a:spcPct val="20000"/>
-              </a:spcBef>
-              <a:spcAft>
-                <a:spcPct val="0"/>
-              </a:spcAft>
-              <a:buChar char="»"/>
-              <a:defRPr sz="2000">
-                <a:solidFill>
-                  <a:schemeClr val="tx1"/>
-                </a:solidFill>
-                <a:latin typeface="Arial" panose="020B0604020202020204" pitchFamily="34" charset="0"/>
-                <a:cs typeface="Arial" panose="020B0604020202020204" pitchFamily="34" charset="0"/>
-              </a:defRPr>
-            </a:lvl6pPr>
-            <a:lvl7pPr marL="2971800" indent="-228600" eaLnBrk="0" fontAlgn="base" hangingPunct="0">
-              <a:spcBef>
-                <a:spcPct val="20000"/>
-              </a:spcBef>
-              <a:spcAft>
-                <a:spcPct val="0"/>
-              </a:spcAft>
-              <a:buChar char="»"/>
-              <a:defRPr sz="2000">
-                <a:solidFill>
-                  <a:schemeClr val="tx1"/>
-                </a:solidFill>
-                <a:latin typeface="Arial" panose="020B0604020202020204" pitchFamily="34" charset="0"/>
-                <a:cs typeface="Arial" panose="020B0604020202020204" pitchFamily="34" charset="0"/>
-              </a:defRPr>
-            </a:lvl7pPr>
-            <a:lvl8pPr marL="3429000" indent="-228600" eaLnBrk="0" fontAlgn="base" hangingPunct="0">
-              <a:spcBef>
-                <a:spcPct val="20000"/>
-              </a:spcBef>
-              <a:spcAft>
-                <a:spcPct val="0"/>
-              </a:spcAft>
-              <a:buChar char="»"/>
-              <a:defRPr sz="2000">
-                <a:solidFill>
-                  <a:schemeClr val="tx1"/>
-                </a:solidFill>
-                <a:latin typeface="Arial" panose="020B0604020202020204" pitchFamily="34" charset="0"/>
-                <a:cs typeface="Arial" panose="020B0604020202020204" pitchFamily="34" charset="0"/>
-              </a:defRPr>
-            </a:lvl8pPr>
-            <a:lvl9pPr marL="3886200" indent="-228600" eaLnBrk="0" fontAlgn="base" hangingPunct="0">
-              <a:spcBef>
-                <a:spcPct val="20000"/>
-              </a:spcBef>
-              <a:spcAft>
-                <a:spcPct val="0"/>
-              </a:spcAft>
-              <a:buChar char="»"/>
-              <a:defRPr sz="2000">
-                <a:solidFill>
-                  <a:schemeClr val="tx1"/>
-                </a:solidFill>
-                <a:latin typeface="Arial" panose="020B0604020202020204" pitchFamily="34" charset="0"/>
-                <a:cs typeface="Arial" panose="020B0604020202020204" pitchFamily="34" charset="0"/>
-              </a:defRPr>
-            </a:lvl9pPr>
-          </a:lstStyle>
-          <a:p>
-            <a:pPr eaLnBrk="1" hangingPunct="1">
-              <a:spcBef>
-                <a:spcPct val="0"/>
-              </a:spcBef>
-              <a:buFontTx/>
-              <a:buNone/>
-            </a:pPr>
-            <a:r>
-              <a:rPr lang="en-US" altLang="en-US" sz="1800"/>
-              <a:t>Continued…</a:t>
-            </a:r>
-          </a:p>
-        </p:txBody>
-      </p:sp>
-    </p:spTree>
-  </p:cSld>
-  <p:clrMapOvr>
-    <a:masterClrMapping/>
-  </p:clrMapOvr>
-</p:sld>
-</file>
-
-<file path=ppt/slides/slide45.xml><?xml version="1.0" encoding="utf-8"?>
-<p:sld xmlns:a="http://schemas.openxmlformats.org/drawingml/2006/main" xmlns:r="http://schemas.openxmlformats.org/officeDocument/2006/relationships" xmlns:p="http://schemas.openxmlformats.org/presentationml/2006/main">
-  <p:cSld>
-    <p:spTree>
-      <p:nvGrpSpPr>
-        <p:cNvPr id="1" name=""/>
-        <p:cNvGrpSpPr/>
-        <p:nvPr/>
-      </p:nvGrpSpPr>
-      <p:grpSpPr>
-        <a:xfrm>
-          <a:off x="0" y="0"/>
-          <a:ext cx="0" cy="0"/>
-          <a:chOff x="0" y="0"/>
-          <a:chExt cx="0" cy="0"/>
-        </a:xfrm>
-      </p:grpSpPr>
-      <p:sp>
-        <p:nvSpPr>
-          <p:cNvPr id="46082" name="Title 1">
-            <a:extLst>
-              <a:ext uri="{FF2B5EF4-FFF2-40B4-BE49-F238E27FC236}">
-                <a16:creationId xmlns:a16="http://schemas.microsoft.com/office/drawing/2014/main" id="{D7553692-BF7B-BD11-6508-8482519486A3}"/>
-              </a:ext>
-            </a:extLst>
-          </p:cNvPr>
-          <p:cNvSpPr>
-            <a:spLocks noGrp="1" noChangeArrowheads="1"/>
-          </p:cNvSpPr>
-          <p:nvPr>
-            <p:ph type="title"/>
-          </p:nvPr>
-        </p:nvSpPr>
-        <p:spPr/>
-        <p:txBody>
-          <a:bodyPr/>
-          <a:lstStyle/>
-          <a:p>
-            <a:pPr eaLnBrk="1" hangingPunct="1"/>
-            <a:r>
-              <a:rPr lang="en-US" altLang="en-US"/>
-              <a:t>More Stream Manipulators</a:t>
-            </a:r>
-          </a:p>
-        </p:txBody>
-      </p:sp>
-      <p:pic>
-        <p:nvPicPr>
-          <p:cNvPr id="46083" name="Picture 1">
-            <a:extLst>
-              <a:ext uri="{FF2B5EF4-FFF2-40B4-BE49-F238E27FC236}">
-                <a16:creationId xmlns:a16="http://schemas.microsoft.com/office/drawing/2014/main" id="{000946D1-2194-B1D4-37A1-0FB8964BF982}"/>
-              </a:ext>
-            </a:extLst>
-          </p:cNvPr>
-          <p:cNvPicPr>
-            <a:picLocks noChangeAspect="1" noChangeArrowheads="1"/>
-          </p:cNvPicPr>
-          <p:nvPr/>
-        </p:nvPicPr>
-        <p:blipFill>
-          <a:blip r:embed="rId2">
-            <a:extLst>
-              <a:ext uri="{28A0092B-C50C-407E-A947-70E740481C1C}">
-                <a14:useLocalDpi xmlns:a14="http://schemas.microsoft.com/office/drawing/2010/main" val="0"/>
-              </a:ext>
-            </a:extLst>
-          </a:blip>
-          <a:srcRect/>
-          <a:stretch>
-            <a:fillRect/>
-          </a:stretch>
-        </p:blipFill>
-        <p:spPr bwMode="auto">
-          <a:xfrm>
-            <a:off x="1804252" y="1802168"/>
-            <a:ext cx="5444976" cy="4521079"/>
-          </a:xfrm>
-          <a:prstGeom prst="rect">
-            <a:avLst/>
-          </a:prstGeom>
-          <a:noFill/>
-          <a:ln>
-            <a:noFill/>
-          </a:ln>
-          <a:extLst>
-            <a:ext uri="{909E8E84-426E-40DD-AFC4-6F175D3DCCD1}">
-              <a14:hiddenFill xmlns:a14="http://schemas.microsoft.com/office/drawing/2010/main">
-                <a:solidFill>
-                  <a:srgbClr val="FFFFFF"/>
-                </a:solidFill>
-              </a14:hiddenFill>
-            </a:ext>
-            <a:ext uri="{91240B29-F687-4F45-9708-019B960494DF}">
-              <a14:hiddenLine xmlns:a14="http://schemas.microsoft.com/office/drawing/2010/main" w="9525">
-                <a:solidFill>
-                  <a:srgbClr val="000000"/>
-                </a:solidFill>
-                <a:miter lim="800000"/>
-                <a:headEnd/>
-                <a:tailEnd/>
-              </a14:hiddenLine>
-            </a:ext>
-          </a:extLst>
-        </p:spPr>
-      </p:pic>
-    </p:spTree>
-  </p:cSld>
-  <p:clrMapOvr>
-    <a:masterClrMapping/>
-  </p:clrMapOvr>
-</p:sld>
-</file>
-
-<file path=ppt/slides/slide46.xml><?xml version="1.0" encoding="utf-8"?>
+<file path=ppt/slides/slide43.xml><?xml version="1.0" encoding="utf-8"?>
 <p:sld xmlns:a="http://schemas.openxmlformats.org/drawingml/2006/main" xmlns:r="http://schemas.openxmlformats.org/officeDocument/2006/relationships" xmlns:p="http://schemas.openxmlformats.org/presentationml/2006/main">
   <p:cSld>
     <p:spTree>
@@ -16792,7 +16072,7 @@
 </p:sld>
 </file>
 
-<file path=ppt/slides/slide47.xml><?xml version="1.0" encoding="utf-8"?>
+<file path=ppt/slides/slide44.xml><?xml version="1.0" encoding="utf-8"?>
 <p:sld xmlns:a="http://schemas.openxmlformats.org/drawingml/2006/main" xmlns:r="http://schemas.openxmlformats.org/officeDocument/2006/relationships" xmlns:p="http://schemas.openxmlformats.org/presentationml/2006/main">
   <p:cSld>
     <p:spTree>
@@ -16886,7 +16166,7 @@
 </p:sld>
 </file>
 
-<file path=ppt/slides/slide48.xml><?xml version="1.0" encoding="utf-8"?>
+<file path=ppt/slides/slide45.xml><?xml version="1.0" encoding="utf-8"?>
 <p:sld xmlns:a="http://schemas.openxmlformats.org/drawingml/2006/main" xmlns:r="http://schemas.openxmlformats.org/officeDocument/2006/relationships" xmlns:p="http://schemas.openxmlformats.org/presentationml/2006/main">
   <p:cSld>
     <p:spTree>
@@ -16930,27 +16210,23 @@
               <a:defRPr/>
             </a:pPr>
             <a:br>
-              <a:rPr lang="en-US"/>
+              <a:rPr lang="en-US" dirty="0"/>
             </a:br>
             <a:r>
-              <a:rPr lang="en-US"/>
+              <a:rPr lang="en-US" dirty="0"/>
               <a:t>Working with Characters and </a:t>
             </a:r>
             <a:r>
-              <a:rPr lang="en-US" b="1">
+              <a:rPr lang="en-US" b="1" dirty="0">
                 <a:latin typeface="Courier New" pitchFamily="49" charset="0"/>
                 <a:cs typeface="Courier New" pitchFamily="49" charset="0"/>
               </a:rPr>
               <a:t>string</a:t>
             </a:r>
             <a:r>
-              <a:rPr lang="en-US"/>
+              <a:rPr lang="en-US" dirty="0"/>
               <a:t> Objects</a:t>
             </a:r>
-            <a:br>
-              <a:rPr lang="en-US"/>
-            </a:br>
-            <a:endParaRPr lang="en-US"/>
           </a:p>
         </p:txBody>
       </p:sp>
@@ -17023,6 +16299,982 @@
               <a:rPr lang="en-US" altLang="en-US"/>
               <a:t>.</a:t>
             </a:r>
+          </a:p>
+        </p:txBody>
+      </p:sp>
+      <p:sp>
+        <p:nvSpPr>
+          <p:cNvPr id="3" name="Rectangle: Diagonal Corners Snipped 2">
+            <a:extLst>
+              <a:ext uri="{FF2B5EF4-FFF2-40B4-BE49-F238E27FC236}">
+                <a16:creationId xmlns:a16="http://schemas.microsoft.com/office/drawing/2014/main" id="{5EF0127F-E782-D4E5-D002-477F91B9A05F}"/>
+              </a:ext>
+            </a:extLst>
+          </p:cNvPr>
+          <p:cNvSpPr/>
+          <p:nvPr/>
+        </p:nvSpPr>
+        <p:spPr>
+          <a:xfrm>
+            <a:off x="7259966" y="5977467"/>
+            <a:ext cx="1804253" cy="253819"/>
+          </a:xfrm>
+          <a:prstGeom prst="snip2DiagRect">
+            <a:avLst>
+              <a:gd name="adj1" fmla="val 0"/>
+              <a:gd name="adj2" fmla="val 45472"/>
+            </a:avLst>
+          </a:prstGeom>
+        </p:spPr>
+        <p:style>
+          <a:lnRef idx="2">
+            <a:schemeClr val="accent1">
+              <a:shade val="50000"/>
+            </a:schemeClr>
+          </a:lnRef>
+          <a:fillRef idx="1">
+            <a:schemeClr val="accent1"/>
+          </a:fillRef>
+          <a:effectRef idx="0">
+            <a:schemeClr val="accent1"/>
+          </a:effectRef>
+          <a:fontRef idx="minor">
+            <a:schemeClr val="lt1"/>
+          </a:fontRef>
+        </p:style>
+        <p:txBody>
+          <a:bodyPr rtlCol="0" anchor="ctr"/>
+          <a:lstStyle/>
+          <a:p>
+            <a:pPr algn="ctr"/>
+            <a:r>
+              <a:rPr lang="en-US" sz="1400" dirty="0"/>
+              <a:t>Program 3-18, 3-19</a:t>
+            </a:r>
+          </a:p>
+        </p:txBody>
+      </p:sp>
+    </p:spTree>
+  </p:cSld>
+  <p:clrMapOvr>
+    <a:masterClrMapping/>
+  </p:clrMapOvr>
+</p:sld>
+</file>
+
+<file path=ppt/slides/slide46.xml><?xml version="1.0" encoding="utf-8"?>
+<p:sld xmlns:a="http://schemas.openxmlformats.org/drawingml/2006/main" xmlns:r="http://schemas.openxmlformats.org/officeDocument/2006/relationships" xmlns:p="http://schemas.openxmlformats.org/presentationml/2006/main">
+  <p:cSld>
+    <p:spTree>
+      <p:nvGrpSpPr>
+        <p:cNvPr id="1" name=""/>
+        <p:cNvGrpSpPr/>
+        <p:nvPr/>
+      </p:nvGrpSpPr>
+      <p:grpSpPr>
+        <a:xfrm>
+          <a:off x="0" y="0"/>
+          <a:ext cx="0" cy="0"/>
+          <a:chOff x="0" y="0"/>
+          <a:chExt cx="0" cy="0"/>
+        </a:xfrm>
+      </p:grpSpPr>
+      <p:sp>
+        <p:nvSpPr>
+          <p:cNvPr id="2" name="Title 1">
+            <a:extLst>
+              <a:ext uri="{FF2B5EF4-FFF2-40B4-BE49-F238E27FC236}">
+                <a16:creationId xmlns:a16="http://schemas.microsoft.com/office/drawing/2014/main" id="{04E016F7-689A-8A3B-9BE1-DF83DD57E06B}"/>
+              </a:ext>
+            </a:extLst>
+          </p:cNvPr>
+          <p:cNvSpPr>
+            <a:spLocks noGrp="1"/>
+          </p:cNvSpPr>
+          <p:nvPr>
+            <p:ph type="title"/>
+          </p:nvPr>
+        </p:nvSpPr>
+        <p:spPr/>
+        <p:txBody>
+          <a:bodyPr>
+            <a:normAutofit/>
+          </a:bodyPr>
+          <a:lstStyle/>
+          <a:p>
+            <a:pPr eaLnBrk="1" hangingPunct="1">
+              <a:defRPr/>
+            </a:pPr>
+            <a:r>
+              <a:rPr lang="en-US" sz="4300" dirty="0"/>
+              <a:t>Working with Characters and </a:t>
+            </a:r>
+            <a:r>
+              <a:rPr lang="en-US" sz="4300" b="1" dirty="0">
+                <a:latin typeface="Courier New" pitchFamily="49" charset="0"/>
+                <a:cs typeface="Courier New" pitchFamily="49" charset="0"/>
+              </a:rPr>
+              <a:t>string</a:t>
+            </a:r>
+            <a:r>
+              <a:rPr lang="en-US" sz="4300" dirty="0"/>
+              <a:t> Objects</a:t>
+            </a:r>
+          </a:p>
+        </p:txBody>
+      </p:sp>
+      <p:sp>
+        <p:nvSpPr>
+          <p:cNvPr id="51203" name="Content Placeholder 2">
+            <a:extLst>
+              <a:ext uri="{FF2B5EF4-FFF2-40B4-BE49-F238E27FC236}">
+                <a16:creationId xmlns:a16="http://schemas.microsoft.com/office/drawing/2014/main" id="{46A87A0A-332D-3430-01C3-BA5808FE1029}"/>
+              </a:ext>
+            </a:extLst>
+          </p:cNvPr>
+          <p:cNvSpPr>
+            <a:spLocks noGrp="1" noChangeArrowheads="1"/>
+          </p:cNvSpPr>
+          <p:nvPr>
+            <p:ph idx="1"/>
+          </p:nvPr>
+        </p:nvSpPr>
+        <p:spPr/>
+        <p:txBody>
+          <a:bodyPr/>
+          <a:lstStyle/>
+          <a:p>
+            <a:r>
+              <a:rPr lang="en-US" altLang="en-US" dirty="0"/>
+              <a:t>To read a single character:</a:t>
+            </a:r>
+          </a:p>
+          <a:p>
+            <a:pPr lvl="1"/>
+            <a:r>
+              <a:rPr lang="en-US" altLang="en-US" dirty="0"/>
+              <a:t>Use </a:t>
+            </a:r>
+            <a:r>
+              <a:rPr lang="en-US" altLang="en-US" dirty="0" err="1">
+                <a:latin typeface="Courier New" panose="02070309020205020404" pitchFamily="49" charset="0"/>
+              </a:rPr>
+              <a:t>cin</a:t>
+            </a:r>
+            <a:r>
+              <a:rPr lang="en-US" altLang="en-US" dirty="0"/>
+              <a:t>:</a:t>
+            </a:r>
+          </a:p>
+          <a:p>
+            <a:pPr marL="384048" lvl="2" indent="0">
+              <a:buClr>
+                <a:srgbClr val="008000"/>
+              </a:buClr>
+              <a:buNone/>
+            </a:pPr>
+            <a:r>
+              <a:rPr lang="en-US" altLang="en-US" dirty="0">
+                <a:latin typeface="Courier New" panose="02070309020205020404" pitchFamily="49" charset="0"/>
+              </a:rPr>
+              <a:t>	char </a:t>
+            </a:r>
+            <a:r>
+              <a:rPr lang="en-US" altLang="en-US" dirty="0" err="1">
+                <a:latin typeface="Courier New" panose="02070309020205020404" pitchFamily="49" charset="0"/>
+              </a:rPr>
+              <a:t>ch</a:t>
+            </a:r>
+            <a:r>
+              <a:rPr lang="en-US" altLang="en-US" dirty="0">
+                <a:latin typeface="Courier New" panose="02070309020205020404" pitchFamily="49" charset="0"/>
+              </a:rPr>
+              <a:t>;</a:t>
+            </a:r>
+          </a:p>
+          <a:p>
+            <a:pPr marL="384048" lvl="2" indent="0">
+              <a:buClr>
+                <a:srgbClr val="008000"/>
+              </a:buClr>
+              <a:buNone/>
+            </a:pPr>
+            <a:r>
+              <a:rPr lang="en-US" altLang="en-US" dirty="0">
+                <a:latin typeface="Courier New" panose="02070309020205020404" pitchFamily="49" charset="0"/>
+              </a:rPr>
+              <a:t>	</a:t>
+            </a:r>
+            <a:r>
+              <a:rPr lang="en-US" altLang="en-US" dirty="0" err="1">
+                <a:latin typeface="Courier New" panose="02070309020205020404" pitchFamily="49" charset="0"/>
+              </a:rPr>
+              <a:t>cout</a:t>
+            </a:r>
+            <a:r>
+              <a:rPr lang="en-US" altLang="en-US" dirty="0">
+                <a:latin typeface="Courier New" panose="02070309020205020404" pitchFamily="49" charset="0"/>
+              </a:rPr>
+              <a:t> &lt;&lt; "Strike any key to continue";</a:t>
+            </a:r>
+          </a:p>
+          <a:p>
+            <a:pPr marL="384048" lvl="2" indent="0">
+              <a:buClr>
+                <a:srgbClr val="008000"/>
+              </a:buClr>
+              <a:buNone/>
+            </a:pPr>
+            <a:r>
+              <a:rPr lang="en-US" altLang="en-US" dirty="0">
+                <a:latin typeface="Courier New" panose="02070309020205020404" pitchFamily="49" charset="0"/>
+              </a:rPr>
+              <a:t>	</a:t>
+            </a:r>
+            <a:r>
+              <a:rPr lang="en-US" altLang="en-US" dirty="0" err="1">
+                <a:latin typeface="Courier New" panose="02070309020205020404" pitchFamily="49" charset="0"/>
+              </a:rPr>
+              <a:t>cin</a:t>
+            </a:r>
+            <a:r>
+              <a:rPr lang="en-US" altLang="en-US" dirty="0">
+                <a:latin typeface="Courier New" panose="02070309020205020404" pitchFamily="49" charset="0"/>
+              </a:rPr>
+              <a:t> &gt;&gt; </a:t>
+            </a:r>
+            <a:r>
+              <a:rPr lang="en-US" altLang="en-US" dirty="0" err="1">
+                <a:latin typeface="Courier New" panose="02070309020205020404" pitchFamily="49" charset="0"/>
+              </a:rPr>
+              <a:t>ch</a:t>
+            </a:r>
+            <a:r>
+              <a:rPr lang="en-US" altLang="en-US" dirty="0">
+                <a:latin typeface="Courier New" panose="02070309020205020404" pitchFamily="49" charset="0"/>
+              </a:rPr>
+              <a:t>;</a:t>
+            </a:r>
+          </a:p>
+          <a:p>
+            <a:pPr lvl="2">
+              <a:buClr>
+                <a:srgbClr val="008000"/>
+              </a:buClr>
+            </a:pPr>
+            <a:r>
+              <a:rPr lang="en-US" altLang="en-US" dirty="0"/>
+              <a:t>Problem: will skip over blanks, tabs, </a:t>
+            </a:r>
+            <a:r>
+              <a:rPr lang="en-US" altLang="en-US" dirty="0">
+                <a:latin typeface="Courier New" panose="02070309020205020404" pitchFamily="49" charset="0"/>
+              </a:rPr>
+              <a:t>&lt;CR&gt;</a:t>
+            </a:r>
+          </a:p>
+          <a:p>
+            <a:pPr lvl="2">
+              <a:buClr>
+                <a:srgbClr val="008000"/>
+              </a:buClr>
+            </a:pPr>
+            <a:endParaRPr lang="en-US" altLang="en-US" dirty="0">
+              <a:latin typeface="Courier New" panose="02070309020205020404" pitchFamily="49" charset="0"/>
+            </a:endParaRPr>
+          </a:p>
+          <a:p>
+            <a:pPr lvl="1"/>
+            <a:r>
+              <a:rPr lang="en-US" altLang="en-US" dirty="0"/>
+              <a:t>Use </a:t>
+            </a:r>
+            <a:r>
+              <a:rPr lang="en-US" altLang="en-US" dirty="0" err="1">
+                <a:latin typeface="Courier New" panose="02070309020205020404" pitchFamily="49" charset="0"/>
+              </a:rPr>
+              <a:t>cin.get</a:t>
+            </a:r>
+            <a:r>
+              <a:rPr lang="en-US" altLang="en-US" dirty="0">
+                <a:latin typeface="Courier New" panose="02070309020205020404" pitchFamily="49" charset="0"/>
+              </a:rPr>
+              <a:t>()</a:t>
+            </a:r>
+            <a:r>
+              <a:rPr lang="en-US" altLang="en-US" dirty="0"/>
+              <a:t>:</a:t>
+            </a:r>
+          </a:p>
+          <a:p>
+            <a:pPr marL="384048" lvl="2" indent="0">
+              <a:buClr>
+                <a:schemeClr val="tx1"/>
+              </a:buClr>
+              <a:buNone/>
+            </a:pPr>
+            <a:r>
+              <a:rPr lang="en-US" altLang="en-US" dirty="0">
+                <a:latin typeface="Courier New" panose="02070309020205020404" pitchFamily="49" charset="0"/>
+              </a:rPr>
+              <a:t>	</a:t>
+            </a:r>
+            <a:r>
+              <a:rPr lang="en-US" altLang="en-US" dirty="0" err="1">
+                <a:latin typeface="Courier New" panose="02070309020205020404" pitchFamily="49" charset="0"/>
+              </a:rPr>
+              <a:t>cin.get</a:t>
+            </a:r>
+            <a:r>
+              <a:rPr lang="en-US" altLang="en-US" dirty="0">
+                <a:latin typeface="Courier New" panose="02070309020205020404" pitchFamily="49" charset="0"/>
+              </a:rPr>
+              <a:t>(</a:t>
+            </a:r>
+            <a:r>
+              <a:rPr lang="en-US" altLang="en-US" dirty="0" err="1">
+                <a:latin typeface="Courier New" panose="02070309020205020404" pitchFamily="49" charset="0"/>
+              </a:rPr>
+              <a:t>ch</a:t>
+            </a:r>
+            <a:r>
+              <a:rPr lang="en-US" altLang="en-US" dirty="0">
+                <a:latin typeface="Courier New" panose="02070309020205020404" pitchFamily="49" charset="0"/>
+              </a:rPr>
+              <a:t>);</a:t>
+            </a:r>
+          </a:p>
+          <a:p>
+            <a:pPr lvl="2">
+              <a:buClr>
+                <a:schemeClr val="tx1"/>
+              </a:buClr>
+            </a:pPr>
+            <a:r>
+              <a:rPr lang="en-US" altLang="en-US" dirty="0">
+                <a:latin typeface="Courier New" panose="02070309020205020404" pitchFamily="49" charset="0"/>
+                <a:cs typeface="Courier New" panose="02070309020205020404" pitchFamily="49" charset="0"/>
+              </a:rPr>
+              <a:t>get()</a:t>
+            </a:r>
+            <a:r>
+              <a:rPr lang="en-US" altLang="en-US" dirty="0"/>
+              <a:t> is known as a member function of </a:t>
+            </a:r>
+            <a:r>
+              <a:rPr lang="en-US" altLang="en-US" dirty="0" err="1">
+                <a:latin typeface="Courier New" panose="02070309020205020404" pitchFamily="49" charset="0"/>
+                <a:cs typeface="Courier New" panose="02070309020205020404" pitchFamily="49" charset="0"/>
+              </a:rPr>
+              <a:t>cin</a:t>
+            </a:r>
+            <a:endParaRPr lang="en-US" altLang="en-US" dirty="0">
+              <a:latin typeface="Courier New" panose="02070309020205020404" pitchFamily="49" charset="0"/>
+              <a:cs typeface="Courier New" panose="02070309020205020404" pitchFamily="49" charset="0"/>
+            </a:endParaRPr>
+          </a:p>
+          <a:p>
+            <a:pPr lvl="2">
+              <a:buClr>
+                <a:schemeClr val="tx1"/>
+              </a:buClr>
+            </a:pPr>
+            <a:r>
+              <a:rPr lang="en-US" altLang="en-US" dirty="0"/>
+              <a:t>Will read the next character entered, even whitespace</a:t>
+            </a:r>
+          </a:p>
+          <a:p>
+            <a:endParaRPr lang="en-US" altLang="en-US" dirty="0"/>
+          </a:p>
+        </p:txBody>
+      </p:sp>
+      <p:sp>
+        <p:nvSpPr>
+          <p:cNvPr id="3" name="Rectangle: Diagonal Corners Snipped 2">
+            <a:extLst>
+              <a:ext uri="{FF2B5EF4-FFF2-40B4-BE49-F238E27FC236}">
+                <a16:creationId xmlns:a16="http://schemas.microsoft.com/office/drawing/2014/main" id="{7FB6929B-77CD-B19B-A37F-72C0278BE941}"/>
+              </a:ext>
+            </a:extLst>
+          </p:cNvPr>
+          <p:cNvSpPr/>
+          <p:nvPr/>
+        </p:nvSpPr>
+        <p:spPr>
+          <a:xfrm>
+            <a:off x="7259966" y="5977467"/>
+            <a:ext cx="1804253" cy="253819"/>
+          </a:xfrm>
+          <a:prstGeom prst="snip2DiagRect">
+            <a:avLst>
+              <a:gd name="adj1" fmla="val 0"/>
+              <a:gd name="adj2" fmla="val 45472"/>
+            </a:avLst>
+          </a:prstGeom>
+        </p:spPr>
+        <p:style>
+          <a:lnRef idx="2">
+            <a:schemeClr val="accent1">
+              <a:shade val="50000"/>
+            </a:schemeClr>
+          </a:lnRef>
+          <a:fillRef idx="1">
+            <a:schemeClr val="accent1"/>
+          </a:fillRef>
+          <a:effectRef idx="0">
+            <a:schemeClr val="accent1"/>
+          </a:effectRef>
+          <a:fontRef idx="minor">
+            <a:schemeClr val="lt1"/>
+          </a:fontRef>
+        </p:style>
+        <p:txBody>
+          <a:bodyPr rtlCol="0" anchor="ctr"/>
+          <a:lstStyle/>
+          <a:p>
+            <a:pPr algn="ctr"/>
+            <a:r>
+              <a:rPr lang="en-US" sz="1400" dirty="0"/>
+              <a:t>Program 3-20, 3-21</a:t>
+            </a:r>
+          </a:p>
+        </p:txBody>
+      </p:sp>
+    </p:spTree>
+  </p:cSld>
+  <p:clrMapOvr>
+    <a:masterClrMapping/>
+  </p:clrMapOvr>
+</p:sld>
+</file>
+
+<file path=ppt/slides/slide47.xml><?xml version="1.0" encoding="utf-8"?>
+<p:sld xmlns:a="http://schemas.openxmlformats.org/drawingml/2006/main" xmlns:r="http://schemas.openxmlformats.org/officeDocument/2006/relationships" xmlns:p="http://schemas.openxmlformats.org/presentationml/2006/main">
+  <p:cSld>
+    <p:spTree>
+      <p:nvGrpSpPr>
+        <p:cNvPr id="1" name=""/>
+        <p:cNvGrpSpPr/>
+        <p:nvPr/>
+      </p:nvGrpSpPr>
+      <p:grpSpPr>
+        <a:xfrm>
+          <a:off x="0" y="0"/>
+          <a:ext cx="0" cy="0"/>
+          <a:chOff x="0" y="0"/>
+          <a:chExt cx="0" cy="0"/>
+        </a:xfrm>
+      </p:grpSpPr>
+      <p:sp>
+        <p:nvSpPr>
+          <p:cNvPr id="2" name="Title 1">
+            <a:extLst>
+              <a:ext uri="{FF2B5EF4-FFF2-40B4-BE49-F238E27FC236}">
+                <a16:creationId xmlns:a16="http://schemas.microsoft.com/office/drawing/2014/main" id="{10633691-DB8B-D7CB-B0B4-0495FCFAE7F7}"/>
+              </a:ext>
+            </a:extLst>
+          </p:cNvPr>
+          <p:cNvSpPr>
+            <a:spLocks noGrp="1"/>
+          </p:cNvSpPr>
+          <p:nvPr>
+            <p:ph type="title"/>
+          </p:nvPr>
+        </p:nvSpPr>
+        <p:spPr/>
+        <p:txBody>
+          <a:bodyPr>
+            <a:normAutofit/>
+          </a:bodyPr>
+          <a:lstStyle/>
+          <a:p>
+            <a:pPr eaLnBrk="1" hangingPunct="1">
+              <a:defRPr/>
+            </a:pPr>
+            <a:r>
+              <a:rPr lang="en-US"/>
+              <a:t>Working with Characters and </a:t>
+            </a:r>
+            <a:r>
+              <a:rPr lang="en-US" b="1">
+                <a:latin typeface="Courier New" pitchFamily="49" charset="0"/>
+                <a:cs typeface="Courier New" pitchFamily="49" charset="0"/>
+              </a:rPr>
+              <a:t>string</a:t>
+            </a:r>
+            <a:r>
+              <a:rPr lang="en-US"/>
+              <a:t> Objects</a:t>
+            </a:r>
+          </a:p>
+        </p:txBody>
+      </p:sp>
+      <p:sp>
+        <p:nvSpPr>
+          <p:cNvPr id="53251" name="Content Placeholder 2">
+            <a:extLst>
+              <a:ext uri="{FF2B5EF4-FFF2-40B4-BE49-F238E27FC236}">
+                <a16:creationId xmlns:a16="http://schemas.microsoft.com/office/drawing/2014/main" id="{052BEE05-43FA-DAC1-F872-6653B850C962}"/>
+              </a:ext>
+            </a:extLst>
+          </p:cNvPr>
+          <p:cNvSpPr>
+            <a:spLocks noGrp="1" noChangeArrowheads="1"/>
+          </p:cNvSpPr>
+          <p:nvPr>
+            <p:ph idx="1"/>
+          </p:nvPr>
+        </p:nvSpPr>
+        <p:spPr/>
+        <p:txBody>
+          <a:bodyPr>
+            <a:normAutofit/>
+          </a:bodyPr>
+          <a:lstStyle/>
+          <a:p>
+            <a:r>
+              <a:rPr lang="en-US" altLang="en-US"/>
+              <a:t>Mixing </a:t>
+            </a:r>
+            <a:r>
+              <a:rPr lang="en-US" altLang="en-US" err="1">
+                <a:latin typeface="Courier New" panose="02070309020205020404" pitchFamily="49" charset="0"/>
+              </a:rPr>
+              <a:t>cin</a:t>
+            </a:r>
+            <a:r>
+              <a:rPr lang="en-US" altLang="en-US">
+                <a:latin typeface="Courier New" panose="02070309020205020404" pitchFamily="49" charset="0"/>
+              </a:rPr>
+              <a:t> &gt;&gt;</a:t>
+            </a:r>
+            <a:r>
+              <a:rPr lang="en-US" altLang="en-US"/>
+              <a:t> and </a:t>
+            </a:r>
+            <a:r>
+              <a:rPr lang="en-US" altLang="en-US" err="1">
+                <a:latin typeface="Courier New" panose="02070309020205020404" pitchFamily="49" charset="0"/>
+              </a:rPr>
+              <a:t>cin.get</a:t>
+            </a:r>
+            <a:r>
+              <a:rPr lang="en-US" altLang="en-US">
+                <a:latin typeface="Courier New" panose="02070309020205020404" pitchFamily="49" charset="0"/>
+              </a:rPr>
+              <a:t>()</a:t>
+            </a:r>
+            <a:r>
+              <a:rPr lang="en-US" altLang="en-US"/>
+              <a:t> in the same program can cause input errors that are hard to detect</a:t>
+            </a:r>
+          </a:p>
+          <a:p>
+            <a:r>
+              <a:rPr lang="en-US" altLang="en-US"/>
+              <a:t>To skip over unneeded characters that are still in the keyboard buffer, use </a:t>
+            </a:r>
+            <a:r>
+              <a:rPr lang="en-US" altLang="en-US" err="1">
+                <a:latin typeface="Courier New" panose="02070309020205020404" pitchFamily="49" charset="0"/>
+              </a:rPr>
+              <a:t>cin.ignore</a:t>
+            </a:r>
+            <a:r>
+              <a:rPr lang="en-US" altLang="en-US">
+                <a:latin typeface="Courier New" panose="02070309020205020404" pitchFamily="49" charset="0"/>
+              </a:rPr>
+              <a:t>()</a:t>
+            </a:r>
+            <a:r>
+              <a:rPr lang="en-US" altLang="en-US"/>
+              <a:t>:</a:t>
+            </a:r>
+          </a:p>
+          <a:p>
+            <a:pPr marL="201168" lvl="1" indent="0">
+              <a:buNone/>
+            </a:pPr>
+            <a:r>
+              <a:rPr lang="en-US" altLang="en-US" sz="2400"/>
+              <a:t>	</a:t>
+            </a:r>
+            <a:r>
+              <a:rPr lang="en-US" altLang="en-US" sz="1600">
+                <a:latin typeface="Courier New" panose="02070309020205020404" pitchFamily="49" charset="0"/>
+              </a:rPr>
+              <a:t>// skip next char</a:t>
+            </a:r>
+            <a:br>
+              <a:rPr lang="en-US" altLang="en-US" sz="1600">
+                <a:latin typeface="Courier New" panose="02070309020205020404" pitchFamily="49" charset="0"/>
+              </a:rPr>
+            </a:br>
+            <a:r>
+              <a:rPr lang="en-US" altLang="en-US" sz="1600">
+                <a:latin typeface="Courier New" panose="02070309020205020404" pitchFamily="49" charset="0"/>
+              </a:rPr>
+              <a:t>	</a:t>
+            </a:r>
+            <a:r>
+              <a:rPr lang="en-US" altLang="en-US" sz="1600" err="1">
+                <a:latin typeface="Courier New" panose="02070309020205020404" pitchFamily="49" charset="0"/>
+              </a:rPr>
+              <a:t>cin.ignore</a:t>
+            </a:r>
+            <a:r>
+              <a:rPr lang="en-US" altLang="en-US" sz="1600">
+                <a:latin typeface="Courier New" panose="02070309020205020404" pitchFamily="49" charset="0"/>
+              </a:rPr>
+              <a:t>(); </a:t>
+            </a:r>
+            <a:br>
+              <a:rPr lang="en-US" altLang="en-US" sz="1600">
+                <a:latin typeface="Courier New" panose="02070309020205020404" pitchFamily="49" charset="0"/>
+              </a:rPr>
+            </a:br>
+            <a:br>
+              <a:rPr lang="en-US" altLang="en-US" sz="1600">
+                <a:latin typeface="Courier New" panose="02070309020205020404" pitchFamily="49" charset="0"/>
+              </a:rPr>
+            </a:br>
+            <a:r>
+              <a:rPr lang="en-US" altLang="en-US" sz="1600">
+                <a:latin typeface="Courier New" panose="02070309020205020404" pitchFamily="49" charset="0"/>
+              </a:rPr>
+              <a:t>	// skip the next 10 chars or until '\n'</a:t>
+            </a:r>
+          </a:p>
+          <a:p>
+            <a:pPr marL="201168" lvl="1" indent="0">
+              <a:buNone/>
+            </a:pPr>
+            <a:r>
+              <a:rPr lang="en-US" altLang="en-US" sz="1600">
+                <a:latin typeface="Courier New" panose="02070309020205020404" pitchFamily="49" charset="0"/>
+              </a:rPr>
+              <a:t>	</a:t>
+            </a:r>
+            <a:r>
+              <a:rPr lang="en-US" altLang="en-US" sz="1600" err="1">
+                <a:latin typeface="Courier New" panose="02070309020205020404" pitchFamily="49" charset="0"/>
+              </a:rPr>
+              <a:t>cin.ignore</a:t>
+            </a:r>
+            <a:r>
+              <a:rPr lang="en-US" altLang="en-US" sz="1600">
+                <a:latin typeface="Courier New" panose="02070309020205020404" pitchFamily="49" charset="0"/>
+              </a:rPr>
+              <a:t>(10, '\n');</a:t>
+            </a:r>
+            <a:endParaRPr lang="en-US" altLang="en-US" sz="1600"/>
+          </a:p>
+        </p:txBody>
+      </p:sp>
+      <p:sp>
+        <p:nvSpPr>
+          <p:cNvPr id="3" name="Rectangle: Diagonal Corners Snipped 2">
+            <a:extLst>
+              <a:ext uri="{FF2B5EF4-FFF2-40B4-BE49-F238E27FC236}">
+                <a16:creationId xmlns:a16="http://schemas.microsoft.com/office/drawing/2014/main" id="{79A7E607-2A31-65B0-9EB8-B635A262939F}"/>
+              </a:ext>
+            </a:extLst>
+          </p:cNvPr>
+          <p:cNvSpPr/>
+          <p:nvPr/>
+        </p:nvSpPr>
+        <p:spPr>
+          <a:xfrm>
+            <a:off x="7259966" y="5977467"/>
+            <a:ext cx="1804253" cy="253819"/>
+          </a:xfrm>
+          <a:prstGeom prst="snip2DiagRect">
+            <a:avLst>
+              <a:gd name="adj1" fmla="val 0"/>
+              <a:gd name="adj2" fmla="val 45472"/>
+            </a:avLst>
+          </a:prstGeom>
+        </p:spPr>
+        <p:style>
+          <a:lnRef idx="2">
+            <a:schemeClr val="accent1">
+              <a:shade val="50000"/>
+            </a:schemeClr>
+          </a:lnRef>
+          <a:fillRef idx="1">
+            <a:schemeClr val="accent1"/>
+          </a:fillRef>
+          <a:effectRef idx="0">
+            <a:schemeClr val="accent1"/>
+          </a:effectRef>
+          <a:fontRef idx="minor">
+            <a:schemeClr val="lt1"/>
+          </a:fontRef>
+        </p:style>
+        <p:txBody>
+          <a:bodyPr rtlCol="0" anchor="ctr"/>
+          <a:lstStyle/>
+          <a:p>
+            <a:pPr algn="ctr"/>
+            <a:r>
+              <a:rPr lang="en-US" sz="1400" dirty="0"/>
+              <a:t>Program 3-22, 3-23</a:t>
+            </a:r>
+          </a:p>
+        </p:txBody>
+      </p:sp>
+    </p:spTree>
+  </p:cSld>
+  <p:clrMapOvr>
+    <a:masterClrMapping/>
+  </p:clrMapOvr>
+</p:sld>
+</file>
+
+<file path=ppt/slides/slide48.xml><?xml version="1.0" encoding="utf-8"?>
+<p:sld xmlns:a="http://schemas.openxmlformats.org/drawingml/2006/main" xmlns:r="http://schemas.openxmlformats.org/officeDocument/2006/relationships" xmlns:p="http://schemas.openxmlformats.org/presentationml/2006/main">
+  <p:cSld>
+    <p:spTree>
+      <p:nvGrpSpPr>
+        <p:cNvPr id="1" name=""/>
+        <p:cNvGrpSpPr/>
+        <p:nvPr/>
+      </p:nvGrpSpPr>
+      <p:grpSpPr>
+        <a:xfrm>
+          <a:off x="0" y="0"/>
+          <a:ext cx="0" cy="0"/>
+          <a:chOff x="0" y="0"/>
+          <a:chExt cx="0" cy="0"/>
+        </a:xfrm>
+      </p:grpSpPr>
+      <p:sp>
+        <p:nvSpPr>
+          <p:cNvPr id="2" name="Title 1">
+            <a:extLst>
+              <a:ext uri="{FF2B5EF4-FFF2-40B4-BE49-F238E27FC236}">
+                <a16:creationId xmlns:a16="http://schemas.microsoft.com/office/drawing/2014/main" id="{58504005-3F57-5B3E-5748-F11C5C3DEAE2}"/>
+              </a:ext>
+            </a:extLst>
+          </p:cNvPr>
+          <p:cNvSpPr>
+            <a:spLocks noGrp="1"/>
+          </p:cNvSpPr>
+          <p:nvPr>
+            <p:ph type="title"/>
+          </p:nvPr>
+        </p:nvSpPr>
+        <p:spPr/>
+        <p:txBody>
+          <a:bodyPr>
+            <a:normAutofit/>
+          </a:bodyPr>
+          <a:lstStyle/>
+          <a:p>
+            <a:pPr eaLnBrk="1" hangingPunct="1">
+              <a:defRPr/>
+            </a:pPr>
+            <a:r>
+              <a:rPr lang="en-US" b="1">
+                <a:latin typeface="Courier New" pitchFamily="49" charset="0"/>
+                <a:cs typeface="Courier New" pitchFamily="49" charset="0"/>
+              </a:rPr>
+              <a:t>string</a:t>
+            </a:r>
+            <a:r>
+              <a:rPr lang="en-US" b="1"/>
+              <a:t> </a:t>
+            </a:r>
+            <a:r>
+              <a:rPr lang="en-US"/>
+              <a:t>Member Functions and Operators</a:t>
+            </a:r>
+          </a:p>
+        </p:txBody>
+      </p:sp>
+      <p:sp>
+        <p:nvSpPr>
+          <p:cNvPr id="54275" name="Content Placeholder 2">
+            <a:extLst>
+              <a:ext uri="{FF2B5EF4-FFF2-40B4-BE49-F238E27FC236}">
+                <a16:creationId xmlns:a16="http://schemas.microsoft.com/office/drawing/2014/main" id="{648ED915-00F5-4D64-DC32-12298FAA6B3D}"/>
+              </a:ext>
+            </a:extLst>
+          </p:cNvPr>
+          <p:cNvSpPr>
+            <a:spLocks noGrp="1" noChangeArrowheads="1"/>
+          </p:cNvSpPr>
+          <p:nvPr>
+            <p:ph idx="1"/>
+          </p:nvPr>
+        </p:nvSpPr>
+        <p:spPr/>
+        <p:txBody>
+          <a:bodyPr>
+            <a:normAutofit/>
+          </a:bodyPr>
+          <a:lstStyle/>
+          <a:p>
+            <a:r>
+              <a:rPr lang="en-US" altLang="en-US"/>
+              <a:t>To find the length of a string:</a:t>
+            </a:r>
+          </a:p>
+          <a:p>
+            <a:pPr eaLnBrk="1" hangingPunct="1">
+              <a:spcBef>
+                <a:spcPct val="0"/>
+              </a:spcBef>
+              <a:buFontTx/>
+              <a:buNone/>
+            </a:pPr>
+            <a:r>
+              <a:rPr lang="en-US" altLang="en-US">
+                <a:latin typeface="Courier New" panose="02070309020205020404" pitchFamily="49" charset="0"/>
+                <a:cs typeface="Courier New" panose="02070309020205020404" pitchFamily="49" charset="0"/>
+              </a:rPr>
+              <a:t>		</a:t>
+            </a:r>
+            <a:r>
+              <a:rPr lang="en-US" altLang="en-US" sz="1600">
+                <a:latin typeface="Courier New" panose="02070309020205020404" pitchFamily="49" charset="0"/>
+                <a:cs typeface="Courier New" panose="02070309020205020404" pitchFamily="49" charset="0"/>
+              </a:rPr>
+              <a:t>string state = "Texas";</a:t>
+            </a:r>
+          </a:p>
+          <a:p>
+            <a:pPr eaLnBrk="1" hangingPunct="1">
+              <a:spcBef>
+                <a:spcPct val="0"/>
+              </a:spcBef>
+              <a:buFontTx/>
+              <a:buNone/>
+            </a:pPr>
+            <a:r>
+              <a:rPr lang="en-US" altLang="en-US" sz="1600">
+                <a:latin typeface="Courier New" panose="02070309020205020404" pitchFamily="49" charset="0"/>
+                <a:cs typeface="Courier New" panose="02070309020205020404" pitchFamily="49" charset="0"/>
+              </a:rPr>
+              <a:t>		int size = </a:t>
+            </a:r>
+            <a:r>
+              <a:rPr lang="en-US" altLang="en-US" sz="1600" err="1">
+                <a:latin typeface="Courier New" panose="02070309020205020404" pitchFamily="49" charset="0"/>
+                <a:cs typeface="Courier New" panose="02070309020205020404" pitchFamily="49" charset="0"/>
+              </a:rPr>
+              <a:t>state.length</a:t>
+            </a:r>
+            <a:r>
+              <a:rPr lang="en-US" altLang="en-US" sz="1600">
+                <a:latin typeface="Courier New" panose="02070309020205020404" pitchFamily="49" charset="0"/>
+                <a:cs typeface="Courier New" panose="02070309020205020404" pitchFamily="49" charset="0"/>
+              </a:rPr>
+              <a:t>();</a:t>
+            </a:r>
+          </a:p>
+          <a:p>
+            <a:r>
+              <a:rPr lang="en-US" altLang="en-US"/>
+              <a:t>To concatenate (join) multiple strings:</a:t>
+            </a:r>
+          </a:p>
+          <a:p>
+            <a:pPr eaLnBrk="1" hangingPunct="1">
+              <a:spcBef>
+                <a:spcPct val="0"/>
+              </a:spcBef>
+              <a:buFontTx/>
+              <a:buNone/>
+            </a:pPr>
+            <a:r>
+              <a:rPr lang="en-US" altLang="en-US">
+                <a:latin typeface="Courier New" panose="02070309020205020404" pitchFamily="49" charset="0"/>
+                <a:cs typeface="Courier New" panose="02070309020205020404" pitchFamily="49" charset="0"/>
+              </a:rPr>
+              <a:t>		</a:t>
+            </a:r>
+            <a:r>
+              <a:rPr lang="en-US" altLang="en-US" sz="1600">
+                <a:latin typeface="Courier New" panose="02070309020205020404" pitchFamily="49" charset="0"/>
+                <a:cs typeface="Courier New" panose="02070309020205020404" pitchFamily="49" charset="0"/>
+              </a:rPr>
+              <a:t>greeting2 = greeting1 + name1;</a:t>
+            </a:r>
+          </a:p>
+          <a:p>
+            <a:pPr eaLnBrk="1" hangingPunct="1">
+              <a:spcBef>
+                <a:spcPct val="0"/>
+              </a:spcBef>
+              <a:buFontTx/>
+              <a:buNone/>
+            </a:pPr>
+            <a:r>
+              <a:rPr lang="en-US" altLang="en-US" sz="1600">
+                <a:latin typeface="Courier New" panose="02070309020205020404" pitchFamily="49" charset="0"/>
+                <a:cs typeface="Courier New" panose="02070309020205020404" pitchFamily="49" charset="0"/>
+              </a:rPr>
+              <a:t>		greeting1 = greeting1 + name2;</a:t>
+            </a:r>
+          </a:p>
+          <a:p>
+            <a:pPr eaLnBrk="1" hangingPunct="1">
+              <a:spcBef>
+                <a:spcPct val="0"/>
+              </a:spcBef>
+              <a:buFontTx/>
+              <a:buNone/>
+            </a:pPr>
+            <a:endParaRPr lang="en-US" altLang="en-US"/>
+          </a:p>
+          <a:p>
+            <a:pPr eaLnBrk="1" hangingPunct="1">
+              <a:spcBef>
+                <a:spcPct val="0"/>
+              </a:spcBef>
+              <a:buFontTx/>
+              <a:buNone/>
+            </a:pPr>
+            <a:r>
+              <a:rPr lang="en-US" altLang="en-US"/>
+              <a:t>Or using the </a:t>
+            </a:r>
+            <a:r>
+              <a:rPr lang="en-US" altLang="en-US" b="1">
+                <a:latin typeface="Courier New" panose="02070309020205020404" pitchFamily="49" charset="0"/>
+                <a:cs typeface="Courier New" panose="02070309020205020404" pitchFamily="49" charset="0"/>
+              </a:rPr>
+              <a:t>+=</a:t>
+            </a:r>
+            <a:r>
+              <a:rPr lang="en-US" altLang="en-US"/>
+              <a:t> combined assignment operator:</a:t>
+            </a:r>
+          </a:p>
+          <a:p>
+            <a:pPr eaLnBrk="1" hangingPunct="1">
+              <a:spcBef>
+                <a:spcPct val="0"/>
+              </a:spcBef>
+              <a:buFontTx/>
+              <a:buNone/>
+            </a:pPr>
+            <a:r>
+              <a:rPr lang="en-US" altLang="en-US"/>
+              <a:t>		</a:t>
+            </a:r>
+            <a:r>
+              <a:rPr lang="en-US" altLang="en-US" sz="1600">
+                <a:latin typeface="Courier New" panose="02070309020205020404" pitchFamily="49" charset="0"/>
+                <a:cs typeface="Courier New" panose="02070309020205020404" pitchFamily="49" charset="0"/>
+              </a:rPr>
+              <a:t>greeting1 += name2; </a:t>
+            </a:r>
+          </a:p>
+          <a:p>
+            <a:endParaRPr lang="en-US" altLang="en-US"/>
           </a:p>
         </p:txBody>
       </p:sp>
@@ -17053,150 +17305,62 @@
       </p:grpSpPr>
       <p:sp>
         <p:nvSpPr>
-          <p:cNvPr id="2" name="Title 1">
+          <p:cNvPr id="55298" name="Title 1">
             <a:extLst>
               <a:ext uri="{FF2B5EF4-FFF2-40B4-BE49-F238E27FC236}">
-                <a16:creationId xmlns:a16="http://schemas.microsoft.com/office/drawing/2014/main" id="{E9665D57-4855-A8CF-CB54-265D794D17E6}"/>
+                <a16:creationId xmlns:a16="http://schemas.microsoft.com/office/drawing/2014/main" id="{722E092B-123D-0A9C-0F1C-F9A6B7971E24}"/>
               </a:ext>
             </a:extLst>
           </p:cNvPr>
           <p:cNvSpPr>
-            <a:spLocks noGrp="1"/>
+            <a:spLocks noGrp="1" noChangeArrowheads="1"/>
           </p:cNvSpPr>
           <p:nvPr>
-            <p:ph type="title"/>
+            <p:ph type="ctrTitle"/>
           </p:nvPr>
         </p:nvSpPr>
         <p:spPr/>
         <p:txBody>
-          <a:bodyPr>
-            <a:normAutofit/>
-          </a:bodyPr>
+          <a:bodyPr/>
           <a:lstStyle/>
           <a:p>
-            <a:pPr eaLnBrk="1" hangingPunct="1">
-              <a:defRPr/>
-            </a:pPr>
-            <a:r>
-              <a:rPr lang="en-US"/>
-              <a:t>Using </a:t>
-            </a:r>
-            <a:r>
-              <a:rPr lang="en-US" b="1" err="1">
-                <a:latin typeface="Courier New" pitchFamily="49" charset="0"/>
-                <a:cs typeface="Courier New" pitchFamily="49" charset="0"/>
-              </a:rPr>
-              <a:t>getline</a:t>
-            </a:r>
-            <a:r>
-              <a:rPr lang="en-US"/>
-              <a:t> in Program 3-19</a:t>
+            <a:pPr eaLnBrk="1" hangingPunct="1"/>
+            <a:r>
+              <a:rPr lang="en-US" altLang="en-US"/>
+              <a:t>3.9</a:t>
             </a:r>
           </a:p>
         </p:txBody>
       </p:sp>
-      <p:pic>
-        <p:nvPicPr>
-          <p:cNvPr id="50179" name="Picture 2">
+      <p:sp>
+        <p:nvSpPr>
+          <p:cNvPr id="55299" name="Subtitle 2">
             <a:extLst>
               <a:ext uri="{FF2B5EF4-FFF2-40B4-BE49-F238E27FC236}">
-                <a16:creationId xmlns:a16="http://schemas.microsoft.com/office/drawing/2014/main" id="{1F9D5057-D6EA-CCF5-6D1E-37450F74CA4B}"/>
+                <a16:creationId xmlns:a16="http://schemas.microsoft.com/office/drawing/2014/main" id="{EE410650-70F6-652B-9474-CB5F2DAB2BEB}"/>
               </a:ext>
             </a:extLst>
           </p:cNvPr>
-          <p:cNvPicPr>
-            <a:picLocks noChangeAspect="1" noChangeArrowheads="1"/>
-          </p:cNvPicPr>
-          <p:nvPr/>
-        </p:nvPicPr>
-        <p:blipFill>
-          <a:blip r:embed="rId2">
-            <a:extLst>
-              <a:ext uri="{28A0092B-C50C-407E-A947-70E740481C1C}">
-                <a14:useLocalDpi xmlns:a14="http://schemas.microsoft.com/office/drawing/2010/main" val="0"/>
-              </a:ext>
-            </a:extLst>
-          </a:blip>
-          <a:srcRect/>
-          <a:stretch>
-            <a:fillRect/>
-          </a:stretch>
-        </p:blipFill>
-        <p:spPr bwMode="auto">
-          <a:xfrm>
-            <a:off x="1711094" y="1847211"/>
-            <a:ext cx="5721812" cy="4369482"/>
-          </a:xfrm>
-          <a:prstGeom prst="rect">
-            <a:avLst/>
-          </a:prstGeom>
-          <a:noFill/>
-          <a:ln>
-            <a:noFill/>
-          </a:ln>
-          <a:extLst>
-            <a:ext uri="{909E8E84-426E-40DD-AFC4-6F175D3DCCD1}">
-              <a14:hiddenFill xmlns:a14="http://schemas.microsoft.com/office/drawing/2010/main">
-                <a:solidFill>
-                  <a:srgbClr val="FFFFFF"/>
-                </a:solidFill>
-              </a14:hiddenFill>
-            </a:ext>
-            <a:ext uri="{91240B29-F687-4F45-9708-019B960494DF}">
-              <a14:hiddenLine xmlns:a14="http://schemas.microsoft.com/office/drawing/2010/main" w="9525">
-                <a:solidFill>
-                  <a:srgbClr val="000000"/>
-                </a:solidFill>
-                <a:miter lim="800000"/>
-                <a:headEnd/>
-                <a:tailEnd/>
-              </a14:hiddenLine>
-            </a:ext>
-          </a:extLst>
-        </p:spPr>
-      </p:pic>
-      <p:pic>
-        <p:nvPicPr>
-          <p:cNvPr id="4" name="Picture 3">
-            <a:extLst>
-              <a:ext uri="{FF2B5EF4-FFF2-40B4-BE49-F238E27FC236}">
-                <a16:creationId xmlns:a16="http://schemas.microsoft.com/office/drawing/2014/main" id="{C996477A-587A-5679-8217-B0A3F14B77D9}"/>
-              </a:ext>
-            </a:extLst>
-          </p:cNvPr>
-          <p:cNvPicPr>
-            <a:picLocks noChangeAspect="1"/>
-          </p:cNvPicPr>
-          <p:nvPr/>
-        </p:nvPicPr>
-        <p:blipFill>
-          <a:blip r:embed="rId3"/>
-          <a:stretch>
-            <a:fillRect/>
-          </a:stretch>
-        </p:blipFill>
-        <p:spPr>
-          <a:xfrm>
-            <a:off x="4511244" y="3126940"/>
-            <a:ext cx="4198420" cy="1034452"/>
-          </a:xfrm>
-          <a:prstGeom prst="rect">
-            <a:avLst/>
-          </a:prstGeom>
-          <a:ln w="12700">
-            <a:solidFill>
-              <a:schemeClr val="tx1"/>
-            </a:solidFill>
-          </a:ln>
-          <a:effectLst>
-            <a:outerShdw blurRad="50800" dist="38100" dir="2700000" algn="tl" rotWithShape="0">
-              <a:prstClr val="black">
-                <a:alpha val="40000"/>
-              </a:prstClr>
-            </a:outerShdw>
-          </a:effectLst>
-        </p:spPr>
-      </p:pic>
+          <p:cNvSpPr>
+            <a:spLocks noGrp="1" noChangeArrowheads="1"/>
+          </p:cNvSpPr>
+          <p:nvPr>
+            <p:ph type="subTitle" idx="1"/>
+          </p:nvPr>
+        </p:nvSpPr>
+        <p:spPr/>
+        <p:txBody>
+          <a:bodyPr/>
+          <a:lstStyle/>
+          <a:p>
+            <a:pPr eaLnBrk="1" hangingPunct="1"/>
+            <a:r>
+              <a:rPr lang="en-US" altLang="en-US"/>
+              <a:t>More Mathematical Library Functions</a:t>
+            </a:r>
+          </a:p>
+        </p:txBody>
+      </p:sp>
     </p:spTree>
   </p:cSld>
   <p:clrMapOvr>
@@ -17767,1044 +17931,6 @@
           <p:cNvPr id="2" name="Title 1">
             <a:extLst>
               <a:ext uri="{FF2B5EF4-FFF2-40B4-BE49-F238E27FC236}">
-                <a16:creationId xmlns:a16="http://schemas.microsoft.com/office/drawing/2014/main" id="{04E016F7-689A-8A3B-9BE1-DF83DD57E06B}"/>
-              </a:ext>
-            </a:extLst>
-          </p:cNvPr>
-          <p:cNvSpPr>
-            <a:spLocks noGrp="1"/>
-          </p:cNvSpPr>
-          <p:nvPr>
-            <p:ph type="title"/>
-          </p:nvPr>
-        </p:nvSpPr>
-        <p:spPr/>
-        <p:txBody>
-          <a:bodyPr>
-            <a:normAutofit/>
-          </a:bodyPr>
-          <a:lstStyle/>
-          <a:p>
-            <a:pPr eaLnBrk="1" hangingPunct="1">
-              <a:defRPr/>
-            </a:pPr>
-            <a:r>
-              <a:rPr lang="en-US"/>
-              <a:t>Working with Characters and </a:t>
-            </a:r>
-            <a:r>
-              <a:rPr lang="en-US" b="1">
-                <a:latin typeface="Courier New" pitchFamily="49" charset="0"/>
-                <a:cs typeface="Courier New" pitchFamily="49" charset="0"/>
-              </a:rPr>
-              <a:t>string</a:t>
-            </a:r>
-            <a:r>
-              <a:rPr lang="en-US"/>
-              <a:t> Objects</a:t>
-            </a:r>
-          </a:p>
-        </p:txBody>
-      </p:sp>
-      <p:sp>
-        <p:nvSpPr>
-          <p:cNvPr id="51203" name="Content Placeholder 2">
-            <a:extLst>
-              <a:ext uri="{FF2B5EF4-FFF2-40B4-BE49-F238E27FC236}">
-                <a16:creationId xmlns:a16="http://schemas.microsoft.com/office/drawing/2014/main" id="{46A87A0A-332D-3430-01C3-BA5808FE1029}"/>
-              </a:ext>
-            </a:extLst>
-          </p:cNvPr>
-          <p:cNvSpPr>
-            <a:spLocks noGrp="1" noChangeArrowheads="1"/>
-          </p:cNvSpPr>
-          <p:nvPr>
-            <p:ph idx="1"/>
-          </p:nvPr>
-        </p:nvSpPr>
-        <p:spPr/>
-        <p:txBody>
-          <a:bodyPr/>
-          <a:lstStyle/>
-          <a:p>
-            <a:r>
-              <a:rPr lang="en-US" altLang="en-US"/>
-              <a:t>To read a single character:</a:t>
-            </a:r>
-          </a:p>
-          <a:p>
-            <a:pPr lvl="1"/>
-            <a:r>
-              <a:rPr lang="en-US" altLang="en-US"/>
-              <a:t>Use </a:t>
-            </a:r>
-            <a:r>
-              <a:rPr lang="en-US" altLang="en-US" err="1">
-                <a:latin typeface="Courier New" panose="02070309020205020404" pitchFamily="49" charset="0"/>
-              </a:rPr>
-              <a:t>cin</a:t>
-            </a:r>
-            <a:r>
-              <a:rPr lang="en-US" altLang="en-US"/>
-              <a:t>:</a:t>
-            </a:r>
-          </a:p>
-          <a:p>
-            <a:pPr marL="384048" lvl="2" indent="0">
-              <a:buClr>
-                <a:srgbClr val="008000"/>
-              </a:buClr>
-              <a:buNone/>
-            </a:pPr>
-            <a:r>
-              <a:rPr lang="en-US" altLang="en-US">
-                <a:latin typeface="Courier New" panose="02070309020205020404" pitchFamily="49" charset="0"/>
-              </a:rPr>
-              <a:t>	char </a:t>
-            </a:r>
-            <a:r>
-              <a:rPr lang="en-US" altLang="en-US" err="1">
-                <a:latin typeface="Courier New" panose="02070309020205020404" pitchFamily="49" charset="0"/>
-              </a:rPr>
-              <a:t>ch</a:t>
-            </a:r>
-            <a:r>
-              <a:rPr lang="en-US" altLang="en-US">
-                <a:latin typeface="Courier New" panose="02070309020205020404" pitchFamily="49" charset="0"/>
-              </a:rPr>
-              <a:t>;</a:t>
-            </a:r>
-          </a:p>
-          <a:p>
-            <a:pPr marL="384048" lvl="2" indent="0">
-              <a:buClr>
-                <a:srgbClr val="008000"/>
-              </a:buClr>
-              <a:buNone/>
-            </a:pPr>
-            <a:r>
-              <a:rPr lang="en-US" altLang="en-US">
-                <a:latin typeface="Courier New" panose="02070309020205020404" pitchFamily="49" charset="0"/>
-              </a:rPr>
-              <a:t>	</a:t>
-            </a:r>
-            <a:r>
-              <a:rPr lang="en-US" altLang="en-US" err="1">
-                <a:latin typeface="Courier New" panose="02070309020205020404" pitchFamily="49" charset="0"/>
-              </a:rPr>
-              <a:t>cout</a:t>
-            </a:r>
-            <a:r>
-              <a:rPr lang="en-US" altLang="en-US">
-                <a:latin typeface="Courier New" panose="02070309020205020404" pitchFamily="49" charset="0"/>
-              </a:rPr>
-              <a:t> &lt;&lt; "Strike any key to continue";</a:t>
-            </a:r>
-          </a:p>
-          <a:p>
-            <a:pPr marL="384048" lvl="2" indent="0">
-              <a:buClr>
-                <a:srgbClr val="008000"/>
-              </a:buClr>
-              <a:buNone/>
-            </a:pPr>
-            <a:r>
-              <a:rPr lang="en-US" altLang="en-US">
-                <a:latin typeface="Courier New" panose="02070309020205020404" pitchFamily="49" charset="0"/>
-              </a:rPr>
-              <a:t>	</a:t>
-            </a:r>
-            <a:r>
-              <a:rPr lang="en-US" altLang="en-US" err="1">
-                <a:latin typeface="Courier New" panose="02070309020205020404" pitchFamily="49" charset="0"/>
-              </a:rPr>
-              <a:t>cin</a:t>
-            </a:r>
-            <a:r>
-              <a:rPr lang="en-US" altLang="en-US">
-                <a:latin typeface="Courier New" panose="02070309020205020404" pitchFamily="49" charset="0"/>
-              </a:rPr>
-              <a:t> &gt;&gt; </a:t>
-            </a:r>
-            <a:r>
-              <a:rPr lang="en-US" altLang="en-US" err="1">
-                <a:latin typeface="Courier New" panose="02070309020205020404" pitchFamily="49" charset="0"/>
-              </a:rPr>
-              <a:t>ch</a:t>
-            </a:r>
-            <a:r>
-              <a:rPr lang="en-US" altLang="en-US">
-                <a:latin typeface="Courier New" panose="02070309020205020404" pitchFamily="49" charset="0"/>
-              </a:rPr>
-              <a:t>;</a:t>
-            </a:r>
-          </a:p>
-          <a:p>
-            <a:pPr lvl="2">
-              <a:buClr>
-                <a:srgbClr val="008000"/>
-              </a:buClr>
-            </a:pPr>
-            <a:r>
-              <a:rPr lang="en-US" altLang="en-US"/>
-              <a:t>Problem: will skip over blanks, tabs, </a:t>
-            </a:r>
-            <a:r>
-              <a:rPr lang="en-US" altLang="en-US">
-                <a:latin typeface="Courier New" panose="02070309020205020404" pitchFamily="49" charset="0"/>
-              </a:rPr>
-              <a:t>&lt;CR&gt;</a:t>
-            </a:r>
-          </a:p>
-          <a:p>
-            <a:pPr lvl="2">
-              <a:buClr>
-                <a:srgbClr val="008000"/>
-              </a:buClr>
-            </a:pPr>
-            <a:endParaRPr lang="en-US" altLang="en-US">
-              <a:latin typeface="Courier New" panose="02070309020205020404" pitchFamily="49" charset="0"/>
-            </a:endParaRPr>
-          </a:p>
-          <a:p>
-            <a:pPr lvl="1"/>
-            <a:r>
-              <a:rPr lang="en-US" altLang="en-US"/>
-              <a:t>Use </a:t>
-            </a:r>
-            <a:r>
-              <a:rPr lang="en-US" altLang="en-US" err="1">
-                <a:latin typeface="Courier New" panose="02070309020205020404" pitchFamily="49" charset="0"/>
-              </a:rPr>
-              <a:t>cin.get</a:t>
-            </a:r>
-            <a:r>
-              <a:rPr lang="en-US" altLang="en-US">
-                <a:latin typeface="Courier New" panose="02070309020205020404" pitchFamily="49" charset="0"/>
-              </a:rPr>
-              <a:t>()</a:t>
-            </a:r>
-            <a:r>
-              <a:rPr lang="en-US" altLang="en-US"/>
-              <a:t>:</a:t>
-            </a:r>
-          </a:p>
-          <a:p>
-            <a:pPr marL="384048" lvl="2" indent="0">
-              <a:buClr>
-                <a:schemeClr val="tx1"/>
-              </a:buClr>
-              <a:buNone/>
-            </a:pPr>
-            <a:r>
-              <a:rPr lang="en-US" altLang="en-US">
-                <a:latin typeface="Courier New" panose="02070309020205020404" pitchFamily="49" charset="0"/>
-              </a:rPr>
-              <a:t>	</a:t>
-            </a:r>
-            <a:r>
-              <a:rPr lang="en-US" altLang="en-US" err="1">
-                <a:latin typeface="Courier New" panose="02070309020205020404" pitchFamily="49" charset="0"/>
-              </a:rPr>
-              <a:t>cin.get</a:t>
-            </a:r>
-            <a:r>
-              <a:rPr lang="en-US" altLang="en-US">
-                <a:latin typeface="Courier New" panose="02070309020205020404" pitchFamily="49" charset="0"/>
-              </a:rPr>
-              <a:t>(</a:t>
-            </a:r>
-            <a:r>
-              <a:rPr lang="en-US" altLang="en-US" err="1">
-                <a:latin typeface="Courier New" panose="02070309020205020404" pitchFamily="49" charset="0"/>
-              </a:rPr>
-              <a:t>ch</a:t>
-            </a:r>
-            <a:r>
-              <a:rPr lang="en-US" altLang="en-US">
-                <a:latin typeface="Courier New" panose="02070309020205020404" pitchFamily="49" charset="0"/>
-              </a:rPr>
-              <a:t>);</a:t>
-            </a:r>
-          </a:p>
-          <a:p>
-            <a:pPr lvl="2">
-              <a:buClr>
-                <a:schemeClr val="tx1"/>
-              </a:buClr>
-            </a:pPr>
-            <a:r>
-              <a:rPr lang="en-US" altLang="en-US"/>
-              <a:t>Will read the next character entered, even whitespace</a:t>
-            </a:r>
-          </a:p>
-          <a:p>
-            <a:endParaRPr lang="en-US" altLang="en-US"/>
-          </a:p>
-        </p:txBody>
-      </p:sp>
-    </p:spTree>
-  </p:cSld>
-  <p:clrMapOvr>
-    <a:masterClrMapping/>
-  </p:clrMapOvr>
-</p:sld>
-</file>
-
-<file path=ppt/slides/slide51.xml><?xml version="1.0" encoding="utf-8"?>
-<p:sld xmlns:a="http://schemas.openxmlformats.org/drawingml/2006/main" xmlns:r="http://schemas.openxmlformats.org/officeDocument/2006/relationships" xmlns:p="http://schemas.openxmlformats.org/presentationml/2006/main">
-  <p:cSld>
-    <p:spTree>
-      <p:nvGrpSpPr>
-        <p:cNvPr id="1" name=""/>
-        <p:cNvGrpSpPr/>
-        <p:nvPr/>
-      </p:nvGrpSpPr>
-      <p:grpSpPr>
-        <a:xfrm>
-          <a:off x="0" y="0"/>
-          <a:ext cx="0" cy="0"/>
-          <a:chOff x="0" y="0"/>
-          <a:chExt cx="0" cy="0"/>
-        </a:xfrm>
-      </p:grpSpPr>
-      <p:sp>
-        <p:nvSpPr>
-          <p:cNvPr id="52226" name="Title 1">
-            <a:extLst>
-              <a:ext uri="{FF2B5EF4-FFF2-40B4-BE49-F238E27FC236}">
-                <a16:creationId xmlns:a16="http://schemas.microsoft.com/office/drawing/2014/main" id="{195ED69E-C2A0-C823-3C40-F802DBE9372C}"/>
-              </a:ext>
-            </a:extLst>
-          </p:cNvPr>
-          <p:cNvSpPr>
-            <a:spLocks noGrp="1" noChangeArrowheads="1"/>
-          </p:cNvSpPr>
-          <p:nvPr>
-            <p:ph type="title"/>
-          </p:nvPr>
-        </p:nvSpPr>
-        <p:spPr/>
-        <p:txBody>
-          <a:bodyPr/>
-          <a:lstStyle/>
-          <a:p>
-            <a:pPr eaLnBrk="1" hangingPunct="1"/>
-            <a:r>
-              <a:rPr lang="en-US" altLang="en-US"/>
-              <a:t>Using </a:t>
-            </a:r>
-            <a:r>
-              <a:rPr lang="en-US" altLang="en-US" b="1">
-                <a:latin typeface="Courier New" panose="02070309020205020404" pitchFamily="49" charset="0"/>
-                <a:cs typeface="Courier New" panose="02070309020205020404" pitchFamily="49" charset="0"/>
-              </a:rPr>
-              <a:t>cin.get()</a:t>
-            </a:r>
-            <a:endParaRPr lang="en-US" altLang="en-US"/>
-          </a:p>
-        </p:txBody>
-      </p:sp>
-      <p:pic>
-        <p:nvPicPr>
-          <p:cNvPr id="52227" name="Picture 2">
-            <a:extLst>
-              <a:ext uri="{FF2B5EF4-FFF2-40B4-BE49-F238E27FC236}">
-                <a16:creationId xmlns:a16="http://schemas.microsoft.com/office/drawing/2014/main" id="{BAAD528F-EBD3-FC89-469C-D1281510CB15}"/>
-              </a:ext>
-            </a:extLst>
-          </p:cNvPr>
-          <p:cNvPicPr>
-            <a:picLocks noChangeAspect="1" noChangeArrowheads="1"/>
-          </p:cNvPicPr>
-          <p:nvPr/>
-        </p:nvPicPr>
-        <p:blipFill>
-          <a:blip r:embed="rId2">
-            <a:extLst>
-              <a:ext uri="{28A0092B-C50C-407E-A947-70E740481C1C}">
-                <a14:useLocalDpi xmlns:a14="http://schemas.microsoft.com/office/drawing/2010/main" val="0"/>
-              </a:ext>
-            </a:extLst>
-          </a:blip>
-          <a:srcRect/>
-          <a:stretch>
-            <a:fillRect/>
-          </a:stretch>
-        </p:blipFill>
-        <p:spPr bwMode="auto">
-          <a:xfrm>
-            <a:off x="702271" y="1805369"/>
-            <a:ext cx="7739457" cy="4373628"/>
-          </a:xfrm>
-          <a:prstGeom prst="rect">
-            <a:avLst/>
-          </a:prstGeom>
-          <a:noFill/>
-          <a:ln>
-            <a:noFill/>
-          </a:ln>
-          <a:extLst>
-            <a:ext uri="{909E8E84-426E-40DD-AFC4-6F175D3DCCD1}">
-              <a14:hiddenFill xmlns:a14="http://schemas.microsoft.com/office/drawing/2010/main">
-                <a:solidFill>
-                  <a:srgbClr val="FFFFFF"/>
-                </a:solidFill>
-              </a14:hiddenFill>
-            </a:ext>
-            <a:ext uri="{91240B29-F687-4F45-9708-019B960494DF}">
-              <a14:hiddenLine xmlns:a14="http://schemas.microsoft.com/office/drawing/2010/main" w="9525">
-                <a:solidFill>
-                  <a:srgbClr val="000000"/>
-                </a:solidFill>
-                <a:miter lim="800000"/>
-                <a:headEnd/>
-                <a:tailEnd/>
-              </a14:hiddenLine>
-            </a:ext>
-          </a:extLst>
-        </p:spPr>
-      </p:pic>
-      <p:pic>
-        <p:nvPicPr>
-          <p:cNvPr id="4" name="Picture 3">
-            <a:extLst>
-              <a:ext uri="{FF2B5EF4-FFF2-40B4-BE49-F238E27FC236}">
-                <a16:creationId xmlns:a16="http://schemas.microsoft.com/office/drawing/2014/main" id="{32A296BB-958E-5868-66BB-538687495844}"/>
-              </a:ext>
-            </a:extLst>
-          </p:cNvPr>
-          <p:cNvPicPr>
-            <a:picLocks noChangeAspect="1"/>
-          </p:cNvPicPr>
-          <p:nvPr/>
-        </p:nvPicPr>
-        <p:blipFill>
-          <a:blip r:embed="rId3"/>
-          <a:stretch>
-            <a:fillRect/>
-          </a:stretch>
-        </p:blipFill>
-        <p:spPr>
-          <a:xfrm>
-            <a:off x="3594539" y="2989951"/>
-            <a:ext cx="5030647" cy="1002232"/>
-          </a:xfrm>
-          <a:prstGeom prst="rect">
-            <a:avLst/>
-          </a:prstGeom>
-          <a:ln>
-            <a:solidFill>
-              <a:schemeClr val="tx1"/>
-            </a:solidFill>
-          </a:ln>
-          <a:effectLst>
-            <a:outerShdw blurRad="50800" dist="38100" dir="2700000" algn="tl" rotWithShape="0">
-              <a:prstClr val="black">
-                <a:alpha val="40000"/>
-              </a:prstClr>
-            </a:outerShdw>
-          </a:effectLst>
-        </p:spPr>
-      </p:pic>
-    </p:spTree>
-  </p:cSld>
-  <p:clrMapOvr>
-    <a:masterClrMapping/>
-  </p:clrMapOvr>
-</p:sld>
-</file>
-
-<file path=ppt/slides/slide52.xml><?xml version="1.0" encoding="utf-8"?>
-<p:sld xmlns:a="http://schemas.openxmlformats.org/drawingml/2006/main" xmlns:r="http://schemas.openxmlformats.org/officeDocument/2006/relationships" xmlns:p="http://schemas.openxmlformats.org/presentationml/2006/main">
-  <p:cSld>
-    <p:spTree>
-      <p:nvGrpSpPr>
-        <p:cNvPr id="1" name=""/>
-        <p:cNvGrpSpPr/>
-        <p:nvPr/>
-      </p:nvGrpSpPr>
-      <p:grpSpPr>
-        <a:xfrm>
-          <a:off x="0" y="0"/>
-          <a:ext cx="0" cy="0"/>
-          <a:chOff x="0" y="0"/>
-          <a:chExt cx="0" cy="0"/>
-        </a:xfrm>
-      </p:grpSpPr>
-      <p:sp>
-        <p:nvSpPr>
-          <p:cNvPr id="2" name="Title 1">
-            <a:extLst>
-              <a:ext uri="{FF2B5EF4-FFF2-40B4-BE49-F238E27FC236}">
-                <a16:creationId xmlns:a16="http://schemas.microsoft.com/office/drawing/2014/main" id="{10633691-DB8B-D7CB-B0B4-0495FCFAE7F7}"/>
-              </a:ext>
-            </a:extLst>
-          </p:cNvPr>
-          <p:cNvSpPr>
-            <a:spLocks noGrp="1"/>
-          </p:cNvSpPr>
-          <p:nvPr>
-            <p:ph type="title"/>
-          </p:nvPr>
-        </p:nvSpPr>
-        <p:spPr/>
-        <p:txBody>
-          <a:bodyPr>
-            <a:normAutofit/>
-          </a:bodyPr>
-          <a:lstStyle/>
-          <a:p>
-            <a:pPr eaLnBrk="1" hangingPunct="1">
-              <a:defRPr/>
-            </a:pPr>
-            <a:r>
-              <a:rPr lang="en-US"/>
-              <a:t>Working with Characters and </a:t>
-            </a:r>
-            <a:r>
-              <a:rPr lang="en-US" b="1">
-                <a:latin typeface="Courier New" pitchFamily="49" charset="0"/>
-                <a:cs typeface="Courier New" pitchFamily="49" charset="0"/>
-              </a:rPr>
-              <a:t>string</a:t>
-            </a:r>
-            <a:r>
-              <a:rPr lang="en-US"/>
-              <a:t> Objects</a:t>
-            </a:r>
-          </a:p>
-        </p:txBody>
-      </p:sp>
-      <p:sp>
-        <p:nvSpPr>
-          <p:cNvPr id="53251" name="Content Placeholder 2">
-            <a:extLst>
-              <a:ext uri="{FF2B5EF4-FFF2-40B4-BE49-F238E27FC236}">
-                <a16:creationId xmlns:a16="http://schemas.microsoft.com/office/drawing/2014/main" id="{052BEE05-43FA-DAC1-F872-6653B850C962}"/>
-              </a:ext>
-            </a:extLst>
-          </p:cNvPr>
-          <p:cNvSpPr>
-            <a:spLocks noGrp="1" noChangeArrowheads="1"/>
-          </p:cNvSpPr>
-          <p:nvPr>
-            <p:ph idx="1"/>
-          </p:nvPr>
-        </p:nvSpPr>
-        <p:spPr/>
-        <p:txBody>
-          <a:bodyPr>
-            <a:normAutofit/>
-          </a:bodyPr>
-          <a:lstStyle/>
-          <a:p>
-            <a:r>
-              <a:rPr lang="en-US" altLang="en-US"/>
-              <a:t>Mixing </a:t>
-            </a:r>
-            <a:r>
-              <a:rPr lang="en-US" altLang="en-US" err="1">
-                <a:latin typeface="Courier New" panose="02070309020205020404" pitchFamily="49" charset="0"/>
-              </a:rPr>
-              <a:t>cin</a:t>
-            </a:r>
-            <a:r>
-              <a:rPr lang="en-US" altLang="en-US">
-                <a:latin typeface="Courier New" panose="02070309020205020404" pitchFamily="49" charset="0"/>
-              </a:rPr>
-              <a:t> &gt;&gt;</a:t>
-            </a:r>
-            <a:r>
-              <a:rPr lang="en-US" altLang="en-US"/>
-              <a:t> and </a:t>
-            </a:r>
-            <a:r>
-              <a:rPr lang="en-US" altLang="en-US" err="1">
-                <a:latin typeface="Courier New" panose="02070309020205020404" pitchFamily="49" charset="0"/>
-              </a:rPr>
-              <a:t>cin.get</a:t>
-            </a:r>
-            <a:r>
-              <a:rPr lang="en-US" altLang="en-US">
-                <a:latin typeface="Courier New" panose="02070309020205020404" pitchFamily="49" charset="0"/>
-              </a:rPr>
-              <a:t>()</a:t>
-            </a:r>
-            <a:r>
-              <a:rPr lang="en-US" altLang="en-US"/>
-              <a:t> in the same program can cause input errors that are hard to detect</a:t>
-            </a:r>
-          </a:p>
-          <a:p>
-            <a:r>
-              <a:rPr lang="en-US" altLang="en-US"/>
-              <a:t>To skip over unneeded characters that are still in the keyboard buffer, use </a:t>
-            </a:r>
-            <a:r>
-              <a:rPr lang="en-US" altLang="en-US" err="1">
-                <a:latin typeface="Courier New" panose="02070309020205020404" pitchFamily="49" charset="0"/>
-              </a:rPr>
-              <a:t>cin.ignore</a:t>
-            </a:r>
-            <a:r>
-              <a:rPr lang="en-US" altLang="en-US">
-                <a:latin typeface="Courier New" panose="02070309020205020404" pitchFamily="49" charset="0"/>
-              </a:rPr>
-              <a:t>()</a:t>
-            </a:r>
-            <a:r>
-              <a:rPr lang="en-US" altLang="en-US"/>
-              <a:t>:</a:t>
-            </a:r>
-          </a:p>
-          <a:p>
-            <a:pPr marL="201168" lvl="1" indent="0">
-              <a:buNone/>
-            </a:pPr>
-            <a:r>
-              <a:rPr lang="en-US" altLang="en-US" sz="2400"/>
-              <a:t>	</a:t>
-            </a:r>
-            <a:r>
-              <a:rPr lang="en-US" altLang="en-US" sz="1600">
-                <a:latin typeface="Courier New" panose="02070309020205020404" pitchFamily="49" charset="0"/>
-              </a:rPr>
-              <a:t>// skip next char</a:t>
-            </a:r>
-            <a:br>
-              <a:rPr lang="en-US" altLang="en-US" sz="1600">
-                <a:latin typeface="Courier New" panose="02070309020205020404" pitchFamily="49" charset="0"/>
-              </a:rPr>
-            </a:br>
-            <a:r>
-              <a:rPr lang="en-US" altLang="en-US" sz="1600">
-                <a:latin typeface="Courier New" panose="02070309020205020404" pitchFamily="49" charset="0"/>
-              </a:rPr>
-              <a:t>	</a:t>
-            </a:r>
-            <a:r>
-              <a:rPr lang="en-US" altLang="en-US" sz="1600" err="1">
-                <a:latin typeface="Courier New" panose="02070309020205020404" pitchFamily="49" charset="0"/>
-              </a:rPr>
-              <a:t>cin.ignore</a:t>
-            </a:r>
-            <a:r>
-              <a:rPr lang="en-US" altLang="en-US" sz="1600">
-                <a:latin typeface="Courier New" panose="02070309020205020404" pitchFamily="49" charset="0"/>
-              </a:rPr>
-              <a:t>(); </a:t>
-            </a:r>
-            <a:br>
-              <a:rPr lang="en-US" altLang="en-US" sz="1600">
-                <a:latin typeface="Courier New" panose="02070309020205020404" pitchFamily="49" charset="0"/>
-              </a:rPr>
-            </a:br>
-            <a:br>
-              <a:rPr lang="en-US" altLang="en-US" sz="1600">
-                <a:latin typeface="Courier New" panose="02070309020205020404" pitchFamily="49" charset="0"/>
-              </a:rPr>
-            </a:br>
-            <a:r>
-              <a:rPr lang="en-US" altLang="en-US" sz="1600">
-                <a:latin typeface="Courier New" panose="02070309020205020404" pitchFamily="49" charset="0"/>
-              </a:rPr>
-              <a:t>	// skip the next 10 chars or until '\n'</a:t>
-            </a:r>
-          </a:p>
-          <a:p>
-            <a:pPr marL="201168" lvl="1" indent="0">
-              <a:buNone/>
-            </a:pPr>
-            <a:r>
-              <a:rPr lang="en-US" altLang="en-US" sz="1600">
-                <a:latin typeface="Courier New" panose="02070309020205020404" pitchFamily="49" charset="0"/>
-              </a:rPr>
-              <a:t>	</a:t>
-            </a:r>
-            <a:r>
-              <a:rPr lang="en-US" altLang="en-US" sz="1600" err="1">
-                <a:latin typeface="Courier New" panose="02070309020205020404" pitchFamily="49" charset="0"/>
-              </a:rPr>
-              <a:t>cin.ignore</a:t>
-            </a:r>
-            <a:r>
-              <a:rPr lang="en-US" altLang="en-US" sz="1600">
-                <a:latin typeface="Courier New" panose="02070309020205020404" pitchFamily="49" charset="0"/>
-              </a:rPr>
-              <a:t>(10, '\n');</a:t>
-            </a:r>
-            <a:endParaRPr lang="en-US" altLang="en-US" sz="1600"/>
-          </a:p>
-        </p:txBody>
-      </p:sp>
-    </p:spTree>
-  </p:cSld>
-  <p:clrMapOvr>
-    <a:masterClrMapping/>
-  </p:clrMapOvr>
-</p:sld>
-</file>
-
-<file path=ppt/slides/slide53.xml><?xml version="1.0" encoding="utf-8"?>
-<p:sld xmlns:a="http://schemas.openxmlformats.org/drawingml/2006/main" xmlns:r="http://schemas.openxmlformats.org/officeDocument/2006/relationships" xmlns:p="http://schemas.openxmlformats.org/presentationml/2006/main">
-  <p:cSld>
-    <p:spTree>
-      <p:nvGrpSpPr>
-        <p:cNvPr id="1" name=""/>
-        <p:cNvGrpSpPr/>
-        <p:nvPr/>
-      </p:nvGrpSpPr>
-      <p:grpSpPr>
-        <a:xfrm>
-          <a:off x="0" y="0"/>
-          <a:ext cx="0" cy="0"/>
-          <a:chOff x="0" y="0"/>
-          <a:chExt cx="0" cy="0"/>
-        </a:xfrm>
-      </p:grpSpPr>
-      <p:sp>
-        <p:nvSpPr>
-          <p:cNvPr id="2" name="Title 1">
-            <a:extLst>
-              <a:ext uri="{FF2B5EF4-FFF2-40B4-BE49-F238E27FC236}">
-                <a16:creationId xmlns:a16="http://schemas.microsoft.com/office/drawing/2014/main" id="{58504005-3F57-5B3E-5748-F11C5C3DEAE2}"/>
-              </a:ext>
-            </a:extLst>
-          </p:cNvPr>
-          <p:cNvSpPr>
-            <a:spLocks noGrp="1"/>
-          </p:cNvSpPr>
-          <p:nvPr>
-            <p:ph type="title"/>
-          </p:nvPr>
-        </p:nvSpPr>
-        <p:spPr/>
-        <p:txBody>
-          <a:bodyPr>
-            <a:normAutofit/>
-          </a:bodyPr>
-          <a:lstStyle/>
-          <a:p>
-            <a:pPr eaLnBrk="1" hangingPunct="1">
-              <a:defRPr/>
-            </a:pPr>
-            <a:r>
-              <a:rPr lang="en-US" b="1">
-                <a:latin typeface="Courier New" pitchFamily="49" charset="0"/>
-                <a:cs typeface="Courier New" pitchFamily="49" charset="0"/>
-              </a:rPr>
-              <a:t>string</a:t>
-            </a:r>
-            <a:r>
-              <a:rPr lang="en-US" b="1"/>
-              <a:t> </a:t>
-            </a:r>
-            <a:r>
-              <a:rPr lang="en-US"/>
-              <a:t>Member Functions and Operators</a:t>
-            </a:r>
-          </a:p>
-        </p:txBody>
-      </p:sp>
-      <p:sp>
-        <p:nvSpPr>
-          <p:cNvPr id="54275" name="Content Placeholder 2">
-            <a:extLst>
-              <a:ext uri="{FF2B5EF4-FFF2-40B4-BE49-F238E27FC236}">
-                <a16:creationId xmlns:a16="http://schemas.microsoft.com/office/drawing/2014/main" id="{648ED915-00F5-4D64-DC32-12298FAA6B3D}"/>
-              </a:ext>
-            </a:extLst>
-          </p:cNvPr>
-          <p:cNvSpPr>
-            <a:spLocks noGrp="1" noChangeArrowheads="1"/>
-          </p:cNvSpPr>
-          <p:nvPr>
-            <p:ph idx="1"/>
-          </p:nvPr>
-        </p:nvSpPr>
-        <p:spPr/>
-        <p:txBody>
-          <a:bodyPr>
-            <a:normAutofit/>
-          </a:bodyPr>
-          <a:lstStyle/>
-          <a:p>
-            <a:r>
-              <a:rPr lang="en-US" altLang="en-US"/>
-              <a:t>To find the length of a string:</a:t>
-            </a:r>
-          </a:p>
-          <a:p>
-            <a:pPr eaLnBrk="1" hangingPunct="1">
-              <a:spcBef>
-                <a:spcPct val="0"/>
-              </a:spcBef>
-              <a:buFontTx/>
-              <a:buNone/>
-            </a:pPr>
-            <a:r>
-              <a:rPr lang="en-US" altLang="en-US">
-                <a:latin typeface="Courier New" panose="02070309020205020404" pitchFamily="49" charset="0"/>
-                <a:cs typeface="Courier New" panose="02070309020205020404" pitchFamily="49" charset="0"/>
-              </a:rPr>
-              <a:t>		</a:t>
-            </a:r>
-            <a:r>
-              <a:rPr lang="en-US" altLang="en-US" sz="1600">
-                <a:latin typeface="Courier New" panose="02070309020205020404" pitchFamily="49" charset="0"/>
-                <a:cs typeface="Courier New" panose="02070309020205020404" pitchFamily="49" charset="0"/>
-              </a:rPr>
-              <a:t>string state = "Texas";</a:t>
-            </a:r>
-          </a:p>
-          <a:p>
-            <a:pPr eaLnBrk="1" hangingPunct="1">
-              <a:spcBef>
-                <a:spcPct val="0"/>
-              </a:spcBef>
-              <a:buFontTx/>
-              <a:buNone/>
-            </a:pPr>
-            <a:r>
-              <a:rPr lang="en-US" altLang="en-US" sz="1600">
-                <a:latin typeface="Courier New" panose="02070309020205020404" pitchFamily="49" charset="0"/>
-                <a:cs typeface="Courier New" panose="02070309020205020404" pitchFamily="49" charset="0"/>
-              </a:rPr>
-              <a:t>		int size = </a:t>
-            </a:r>
-            <a:r>
-              <a:rPr lang="en-US" altLang="en-US" sz="1600" err="1">
-                <a:latin typeface="Courier New" panose="02070309020205020404" pitchFamily="49" charset="0"/>
-                <a:cs typeface="Courier New" panose="02070309020205020404" pitchFamily="49" charset="0"/>
-              </a:rPr>
-              <a:t>state.length</a:t>
-            </a:r>
-            <a:r>
-              <a:rPr lang="en-US" altLang="en-US" sz="1600">
-                <a:latin typeface="Courier New" panose="02070309020205020404" pitchFamily="49" charset="0"/>
-                <a:cs typeface="Courier New" panose="02070309020205020404" pitchFamily="49" charset="0"/>
-              </a:rPr>
-              <a:t>();</a:t>
-            </a:r>
-          </a:p>
-          <a:p>
-            <a:r>
-              <a:rPr lang="en-US" altLang="en-US"/>
-              <a:t>To concatenate (join) multiple strings:</a:t>
-            </a:r>
-          </a:p>
-          <a:p>
-            <a:pPr eaLnBrk="1" hangingPunct="1">
-              <a:spcBef>
-                <a:spcPct val="0"/>
-              </a:spcBef>
-              <a:buFontTx/>
-              <a:buNone/>
-            </a:pPr>
-            <a:r>
-              <a:rPr lang="en-US" altLang="en-US">
-                <a:latin typeface="Courier New" panose="02070309020205020404" pitchFamily="49" charset="0"/>
-                <a:cs typeface="Courier New" panose="02070309020205020404" pitchFamily="49" charset="0"/>
-              </a:rPr>
-              <a:t>		</a:t>
-            </a:r>
-            <a:r>
-              <a:rPr lang="en-US" altLang="en-US" sz="1600">
-                <a:latin typeface="Courier New" panose="02070309020205020404" pitchFamily="49" charset="0"/>
-                <a:cs typeface="Courier New" panose="02070309020205020404" pitchFamily="49" charset="0"/>
-              </a:rPr>
-              <a:t>greeting2 = greeting1 + name1;</a:t>
-            </a:r>
-          </a:p>
-          <a:p>
-            <a:pPr eaLnBrk="1" hangingPunct="1">
-              <a:spcBef>
-                <a:spcPct val="0"/>
-              </a:spcBef>
-              <a:buFontTx/>
-              <a:buNone/>
-            </a:pPr>
-            <a:r>
-              <a:rPr lang="en-US" altLang="en-US" sz="1600">
-                <a:latin typeface="Courier New" panose="02070309020205020404" pitchFamily="49" charset="0"/>
-                <a:cs typeface="Courier New" panose="02070309020205020404" pitchFamily="49" charset="0"/>
-              </a:rPr>
-              <a:t>		greeting1 = greeting1 + name2;</a:t>
-            </a:r>
-          </a:p>
-          <a:p>
-            <a:pPr eaLnBrk="1" hangingPunct="1">
-              <a:spcBef>
-                <a:spcPct val="0"/>
-              </a:spcBef>
-              <a:buFontTx/>
-              <a:buNone/>
-            </a:pPr>
-            <a:endParaRPr lang="en-US" altLang="en-US"/>
-          </a:p>
-          <a:p>
-            <a:pPr eaLnBrk="1" hangingPunct="1">
-              <a:spcBef>
-                <a:spcPct val="0"/>
-              </a:spcBef>
-              <a:buFontTx/>
-              <a:buNone/>
-            </a:pPr>
-            <a:r>
-              <a:rPr lang="en-US" altLang="en-US"/>
-              <a:t>Or using the </a:t>
-            </a:r>
-            <a:r>
-              <a:rPr lang="en-US" altLang="en-US" b="1">
-                <a:latin typeface="Courier New" panose="02070309020205020404" pitchFamily="49" charset="0"/>
-                <a:cs typeface="Courier New" panose="02070309020205020404" pitchFamily="49" charset="0"/>
-              </a:rPr>
-              <a:t>+=</a:t>
-            </a:r>
-            <a:r>
-              <a:rPr lang="en-US" altLang="en-US"/>
-              <a:t> combined assignment operator:</a:t>
-            </a:r>
-          </a:p>
-          <a:p>
-            <a:pPr eaLnBrk="1" hangingPunct="1">
-              <a:spcBef>
-                <a:spcPct val="0"/>
-              </a:spcBef>
-              <a:buFontTx/>
-              <a:buNone/>
-            </a:pPr>
-            <a:r>
-              <a:rPr lang="en-US" altLang="en-US"/>
-              <a:t>		</a:t>
-            </a:r>
-            <a:r>
-              <a:rPr lang="en-US" altLang="en-US" sz="1600">
-                <a:latin typeface="Courier New" panose="02070309020205020404" pitchFamily="49" charset="0"/>
-                <a:cs typeface="Courier New" panose="02070309020205020404" pitchFamily="49" charset="0"/>
-              </a:rPr>
-              <a:t>greeting1 += name2; </a:t>
-            </a:r>
-          </a:p>
-          <a:p>
-            <a:endParaRPr lang="en-US" altLang="en-US"/>
-          </a:p>
-        </p:txBody>
-      </p:sp>
-    </p:spTree>
-  </p:cSld>
-  <p:clrMapOvr>
-    <a:masterClrMapping/>
-  </p:clrMapOvr>
-</p:sld>
-</file>
-
-<file path=ppt/slides/slide54.xml><?xml version="1.0" encoding="utf-8"?>
-<p:sld xmlns:a="http://schemas.openxmlformats.org/drawingml/2006/main" xmlns:r="http://schemas.openxmlformats.org/officeDocument/2006/relationships" xmlns:p="http://schemas.openxmlformats.org/presentationml/2006/main">
-  <p:cSld>
-    <p:spTree>
-      <p:nvGrpSpPr>
-        <p:cNvPr id="1" name=""/>
-        <p:cNvGrpSpPr/>
-        <p:nvPr/>
-      </p:nvGrpSpPr>
-      <p:grpSpPr>
-        <a:xfrm>
-          <a:off x="0" y="0"/>
-          <a:ext cx="0" cy="0"/>
-          <a:chOff x="0" y="0"/>
-          <a:chExt cx="0" cy="0"/>
-        </a:xfrm>
-      </p:grpSpPr>
-      <p:sp>
-        <p:nvSpPr>
-          <p:cNvPr id="55298" name="Title 1">
-            <a:extLst>
-              <a:ext uri="{FF2B5EF4-FFF2-40B4-BE49-F238E27FC236}">
-                <a16:creationId xmlns:a16="http://schemas.microsoft.com/office/drawing/2014/main" id="{722E092B-123D-0A9C-0F1C-F9A6B7971E24}"/>
-              </a:ext>
-            </a:extLst>
-          </p:cNvPr>
-          <p:cNvSpPr>
-            <a:spLocks noGrp="1" noChangeArrowheads="1"/>
-          </p:cNvSpPr>
-          <p:nvPr>
-            <p:ph type="ctrTitle"/>
-          </p:nvPr>
-        </p:nvSpPr>
-        <p:spPr/>
-        <p:txBody>
-          <a:bodyPr/>
-          <a:lstStyle/>
-          <a:p>
-            <a:pPr eaLnBrk="1" hangingPunct="1"/>
-            <a:r>
-              <a:rPr lang="en-US" altLang="en-US"/>
-              <a:t>3.9</a:t>
-            </a:r>
-          </a:p>
-        </p:txBody>
-      </p:sp>
-      <p:sp>
-        <p:nvSpPr>
-          <p:cNvPr id="55299" name="Subtitle 2">
-            <a:extLst>
-              <a:ext uri="{FF2B5EF4-FFF2-40B4-BE49-F238E27FC236}">
-                <a16:creationId xmlns:a16="http://schemas.microsoft.com/office/drawing/2014/main" id="{EE410650-70F6-652B-9474-CB5F2DAB2BEB}"/>
-              </a:ext>
-            </a:extLst>
-          </p:cNvPr>
-          <p:cNvSpPr>
-            <a:spLocks noGrp="1" noChangeArrowheads="1"/>
-          </p:cNvSpPr>
-          <p:nvPr>
-            <p:ph type="subTitle" idx="1"/>
-          </p:nvPr>
-        </p:nvSpPr>
-        <p:spPr/>
-        <p:txBody>
-          <a:bodyPr/>
-          <a:lstStyle/>
-          <a:p>
-            <a:pPr eaLnBrk="1" hangingPunct="1"/>
-            <a:r>
-              <a:rPr lang="en-US" altLang="en-US"/>
-              <a:t>More Mathematical Library Functions</a:t>
-            </a:r>
-          </a:p>
-        </p:txBody>
-      </p:sp>
-    </p:spTree>
-  </p:cSld>
-  <p:clrMapOvr>
-    <a:masterClrMapping/>
-  </p:clrMapOvr>
-</p:sld>
-</file>
-
-<file path=ppt/slides/slide55.xml><?xml version="1.0" encoding="utf-8"?>
-<p:sld xmlns:a="http://schemas.openxmlformats.org/drawingml/2006/main" xmlns:r="http://schemas.openxmlformats.org/officeDocument/2006/relationships" xmlns:p="http://schemas.openxmlformats.org/presentationml/2006/main">
-  <p:cSld>
-    <p:spTree>
-      <p:nvGrpSpPr>
-        <p:cNvPr id="1" name=""/>
-        <p:cNvGrpSpPr/>
-        <p:nvPr/>
-      </p:nvGrpSpPr>
-      <p:grpSpPr>
-        <a:xfrm>
-          <a:off x="0" y="0"/>
-          <a:ext cx="0" cy="0"/>
-          <a:chOff x="0" y="0"/>
-          <a:chExt cx="0" cy="0"/>
-        </a:xfrm>
-      </p:grpSpPr>
-      <p:sp>
-        <p:nvSpPr>
-          <p:cNvPr id="2" name="Title 1">
-            <a:extLst>
-              <a:ext uri="{FF2B5EF4-FFF2-40B4-BE49-F238E27FC236}">
                 <a16:creationId xmlns:a16="http://schemas.microsoft.com/office/drawing/2014/main" id="{3B989B17-15D1-BC5F-8050-16B8C9A5E1D9}"/>
               </a:ext>
             </a:extLst>
@@ -18854,68 +17980,52 @@
           <a:bodyPr/>
           <a:lstStyle/>
           <a:p>
-            <a:pPr eaLnBrk="1" hangingPunct="1">
-              <a:buFontTx/>
-              <a:buChar char="•"/>
-            </a:pPr>
-            <a:r>
-              <a:rPr lang="en-US" altLang="en-US"/>
+            <a:r>
+              <a:rPr lang="en-US" altLang="en-US" dirty="0"/>
               <a:t>Require </a:t>
             </a:r>
             <a:r>
-              <a:rPr lang="en-US" altLang="en-US">
+              <a:rPr lang="en-US" altLang="en-US" dirty="0" err="1">
                 <a:latin typeface="Courier New" panose="02070309020205020404" pitchFamily="49" charset="0"/>
               </a:rPr>
               <a:t>cmath</a:t>
             </a:r>
             <a:r>
-              <a:rPr lang="en-US" altLang="en-US"/>
+              <a:rPr lang="en-US" altLang="en-US" dirty="0"/>
               <a:t> header file</a:t>
             </a:r>
           </a:p>
           <a:p>
-            <a:pPr eaLnBrk="1" hangingPunct="1">
-              <a:buFontTx/>
-              <a:buChar char="•"/>
-            </a:pPr>
-            <a:r>
-              <a:rPr lang="en-US" altLang="en-US"/>
+            <a:r>
+              <a:rPr lang="en-US" altLang="en-US" dirty="0"/>
               <a:t>Take </a:t>
             </a:r>
             <a:r>
-              <a:rPr lang="en-US" altLang="en-US">
+              <a:rPr lang="en-US" altLang="en-US" dirty="0">
                 <a:latin typeface="Courier New" panose="02070309020205020404" pitchFamily="49" charset="0"/>
               </a:rPr>
               <a:t>double</a:t>
             </a:r>
             <a:r>
-              <a:rPr lang="en-US" altLang="en-US"/>
+              <a:rPr lang="en-US" altLang="en-US" dirty="0"/>
               <a:t> as input, return a </a:t>
             </a:r>
             <a:r>
-              <a:rPr lang="en-US" altLang="en-US">
+              <a:rPr lang="en-US" altLang="en-US" dirty="0">
                 <a:latin typeface="Courier New" panose="02070309020205020404" pitchFamily="49" charset="0"/>
               </a:rPr>
               <a:t>double</a:t>
             </a:r>
-            <a:endParaRPr lang="en-US" altLang="en-US"/>
-          </a:p>
-          <a:p>
-            <a:pPr eaLnBrk="1" hangingPunct="1">
-              <a:buFontTx/>
-              <a:buChar char="•"/>
-            </a:pPr>
-            <a:r>
-              <a:rPr lang="en-US" altLang="en-US"/>
+            <a:endParaRPr lang="en-US" altLang="en-US" dirty="0"/>
+          </a:p>
+          <a:p>
+            <a:r>
+              <a:rPr lang="en-US" altLang="en-US" dirty="0"/>
               <a:t>Commonly used functions:</a:t>
             </a:r>
           </a:p>
           <a:p>
-            <a:pPr eaLnBrk="1" hangingPunct="1">
-              <a:buFontTx/>
-              <a:buChar char="•"/>
-            </a:pPr>
-            <a:endParaRPr lang="en-US" altLang="en-US"/>
+            <a:endParaRPr lang="en-US" altLang="en-US" dirty="0"/>
           </a:p>
         </p:txBody>
       </p:sp>
@@ -19772,7 +18882,7 @@
 </p:sld>
 </file>
 
-<file path=ppt/slides/slide56.xml><?xml version="1.0" encoding="utf-8"?>
+<file path=ppt/slides/slide51.xml><?xml version="1.0" encoding="utf-8"?>
 <p:sld xmlns:a="http://schemas.openxmlformats.org/drawingml/2006/main" xmlns:r="http://schemas.openxmlformats.org/officeDocument/2006/relationships" xmlns:p="http://schemas.openxmlformats.org/presentationml/2006/main">
   <p:cSld>
     <p:spTree>
@@ -19843,98 +18953,79 @@
           <a:bodyPr/>
           <a:lstStyle/>
           <a:p>
-            <a:pPr eaLnBrk="1" hangingPunct="1">
-              <a:lnSpc>
-                <a:spcPct val="90000"/>
-              </a:lnSpc>
-              <a:buFontTx/>
-              <a:buChar char="•"/>
-            </a:pPr>
-            <a:r>
-              <a:rPr lang="en-US" altLang="en-US"/>
+            <a:r>
+              <a:rPr lang="en-US" altLang="en-US" dirty="0"/>
               <a:t>These require </a:t>
             </a:r>
             <a:r>
-              <a:rPr lang="en-US" altLang="en-US">
+              <a:rPr lang="en-US" altLang="en-US" dirty="0" err="1">
                 <a:latin typeface="Courier New" panose="02070309020205020404" pitchFamily="49" charset="0"/>
               </a:rPr>
               <a:t>cstdlib</a:t>
             </a:r>
             <a:r>
-              <a:rPr lang="en-US" altLang="en-US"/>
+              <a:rPr lang="en-US" altLang="en-US" dirty="0"/>
               <a:t> header file</a:t>
             </a:r>
           </a:p>
           <a:p>
-            <a:pPr eaLnBrk="1" hangingPunct="1">
-              <a:lnSpc>
-                <a:spcPct val="90000"/>
-              </a:lnSpc>
-              <a:buFontTx/>
-              <a:buChar char="•"/>
-            </a:pPr>
-            <a:r>
-              <a:rPr lang="en-US" altLang="en-US">
+            <a:r>
+              <a:rPr lang="en-US" altLang="en-US" dirty="0">
                 <a:latin typeface="Courier New" panose="02070309020205020404" pitchFamily="49" charset="0"/>
               </a:rPr>
               <a:t>rand()</a:t>
             </a:r>
             <a:r>
-              <a:rPr lang="en-US" altLang="en-US"/>
+              <a:rPr lang="en-US" altLang="en-US" dirty="0"/>
               <a:t>: returns a random number (</a:t>
             </a:r>
             <a:r>
-              <a:rPr lang="en-US" altLang="en-US">
+              <a:rPr lang="en-US" altLang="en-US" dirty="0">
                 <a:latin typeface="Courier New" panose="02070309020205020404" pitchFamily="49" charset="0"/>
               </a:rPr>
               <a:t>int</a:t>
             </a:r>
             <a:r>
-              <a:rPr lang="en-US" altLang="en-US"/>
+              <a:rPr lang="en-US" altLang="en-US" dirty="0"/>
               <a:t>) between </a:t>
             </a:r>
             <a:r>
-              <a:rPr lang="en-US" altLang="en-US">
+              <a:rPr lang="en-US" altLang="en-US" dirty="0">
                 <a:latin typeface="Courier New" panose="02070309020205020404" pitchFamily="49" charset="0"/>
               </a:rPr>
               <a:t>0</a:t>
             </a:r>
             <a:r>
-              <a:rPr lang="en-US" altLang="en-US"/>
+              <a:rPr lang="en-US" altLang="en-US" dirty="0"/>
               <a:t> and the largest int the compute holds. Yields same sequence of numbers each time program is run.</a:t>
             </a:r>
           </a:p>
           <a:p>
-            <a:pPr eaLnBrk="1" hangingPunct="1">
-              <a:lnSpc>
-                <a:spcPct val="90000"/>
-              </a:lnSpc>
-              <a:buFontTx/>
-              <a:buChar char="•"/>
-            </a:pPr>
-            <a:r>
-              <a:rPr lang="en-US" altLang="en-US">
-                <a:latin typeface="Courier New" panose="02070309020205020404" pitchFamily="49" charset="0"/>
-              </a:rPr>
-              <a:t>srand(x)</a:t>
-            </a:r>
-            <a:r>
-              <a:rPr lang="en-US" altLang="en-US"/>
+            <a:r>
+              <a:rPr lang="en-US" altLang="en-US" dirty="0" err="1">
+                <a:latin typeface="Courier New" panose="02070309020205020404" pitchFamily="49" charset="0"/>
+              </a:rPr>
+              <a:t>srand</a:t>
+            </a:r>
+            <a:r>
+              <a:rPr lang="en-US" altLang="en-US" dirty="0">
+                <a:latin typeface="Courier New" panose="02070309020205020404" pitchFamily="49" charset="0"/>
+              </a:rPr>
+              <a:t>(x)</a:t>
+            </a:r>
+            <a:r>
+              <a:rPr lang="en-US" altLang="en-US" dirty="0"/>
               <a:t>: initializes random number generator with </a:t>
             </a:r>
             <a:r>
-              <a:rPr lang="en-US" altLang="en-US">
+              <a:rPr lang="en-US" altLang="en-US" dirty="0">
                 <a:latin typeface="Courier New" panose="02070309020205020404" pitchFamily="49" charset="0"/>
               </a:rPr>
               <a:t>unsigned int x</a:t>
             </a:r>
           </a:p>
           <a:p>
-            <a:pPr eaLnBrk="1" hangingPunct="1">
-              <a:buFontTx/>
-              <a:buChar char="•"/>
-            </a:pPr>
-            <a:endParaRPr lang="en-US" altLang="en-US"/>
+            <a:endParaRPr lang="en-US" altLang="en-US" dirty="0"/>
           </a:p>
         </p:txBody>
       </p:sp>
@@ -19946,7 +19037,7 @@
 </p:sld>
 </file>
 
-<file path=ppt/slides/slide57.xml><?xml version="1.0" encoding="utf-8"?>
+<file path=ppt/slides/slide52.xml><?xml version="1.0" encoding="utf-8"?>
 <p:sld xmlns:a="http://schemas.openxmlformats.org/drawingml/2006/main" xmlns:r="http://schemas.openxmlformats.org/officeDocument/2006/relationships" xmlns:p="http://schemas.openxmlformats.org/presentationml/2006/main">
   <p:cSld>
     <p:spTree>
@@ -20012,37 +19103,33 @@
           <a:bodyPr/>
           <a:lstStyle/>
           <a:p>
-            <a:pPr marL="0" indent="0">
-              <a:buFontTx/>
-              <a:buNone/>
-            </a:pPr>
-            <a:r>
-              <a:rPr lang="en-US" altLang="en-US"/>
+            <a:r>
+              <a:rPr lang="en-US" altLang="en-US" dirty="0"/>
               <a:t>Random numbers are useful in many applications, such as</a:t>
             </a:r>
             <a:br>
-              <a:rPr lang="en-US" altLang="en-US"/>
+              <a:rPr lang="en-US" altLang="en-US" dirty="0"/>
             </a:br>
-            <a:endParaRPr lang="en-US" altLang="en-US"/>
+            <a:endParaRPr lang="en-US" altLang="en-US" dirty="0"/>
           </a:p>
           <a:p>
             <a:pPr lvl="1"/>
             <a:r>
-              <a:rPr lang="en-US" altLang="en-US"/>
+              <a:rPr lang="en-US" altLang="en-US" dirty="0"/>
               <a:t>Games and simulations</a:t>
             </a:r>
           </a:p>
           <a:p>
             <a:pPr lvl="1"/>
             <a:r>
-              <a:rPr lang="en-US" altLang="en-US"/>
+              <a:rPr lang="en-US" altLang="en-US" dirty="0"/>
               <a:t>Statistical analysis</a:t>
             </a:r>
           </a:p>
           <a:p>
             <a:pPr lvl="1"/>
             <a:r>
-              <a:rPr lang="en-US" altLang="en-US"/>
+              <a:rPr lang="en-US" altLang="en-US" dirty="0"/>
               <a:t>Data encryption</a:t>
             </a:r>
           </a:p>
@@ -20056,7 +19143,7 @@
 </p:sld>
 </file>
 
-<file path=ppt/slides/slide58.xml><?xml version="1.0" encoding="utf-8"?>
+<file path=ppt/slides/slide53.xml><?xml version="1.0" encoding="utf-8"?>
 <p:sld xmlns:a="http://schemas.openxmlformats.org/drawingml/2006/main" xmlns:r="http://schemas.openxmlformats.org/officeDocument/2006/relationships" xmlns:p="http://schemas.openxmlformats.org/presentationml/2006/main">
   <p:cSld>
     <p:spTree>
@@ -20122,64 +19209,55 @@
           <a:bodyPr/>
           <a:lstStyle/>
           <a:p>
-            <a:pPr>
-              <a:buFontTx/>
-              <a:buChar char="•"/>
+            <a:r>
+              <a:rPr lang="en-US" altLang="en-US" sz="2800" dirty="0"/>
+              <a:t>Use this </a:t>
+            </a:r>
+            <a:r>
+              <a:rPr lang="en-US" altLang="en-US" sz="2800" dirty="0">
+                <a:latin typeface="Courier New" panose="02070309020205020404" pitchFamily="49" charset="0"/>
+                <a:cs typeface="Courier New" panose="02070309020205020404" pitchFamily="49" charset="0"/>
+              </a:rPr>
+              <a:t>#include </a:t>
+            </a:r>
+            <a:r>
+              <a:rPr lang="en-US" altLang="en-US" sz="2800" dirty="0"/>
+              <a:t>statement:</a:t>
+            </a:r>
+          </a:p>
+          <a:p>
+            <a:pPr marL="384048" lvl="2" indent="0">
+              <a:buNone/>
             </a:pPr>
             <a:r>
-              <a:rPr lang="en-US" altLang="en-US" sz="2800"/>
-              <a:t>Use this </a:t>
-            </a:r>
-            <a:r>
-              <a:rPr lang="en-US" altLang="en-US" sz="2800">
+              <a:rPr lang="en-US" altLang="en-US" sz="2200" dirty="0">
                 <a:latin typeface="Courier New" panose="02070309020205020404" pitchFamily="49" charset="0"/>
                 <a:cs typeface="Courier New" panose="02070309020205020404" pitchFamily="49" charset="0"/>
               </a:rPr>
-              <a:t>#include </a:t>
-            </a:r>
-            <a:r>
-              <a:rPr lang="en-US" altLang="en-US" sz="2800"/>
-              <a:t>statement:</a:t>
+              <a:t>#include &lt;random&gt;</a:t>
             </a:r>
             <a:br>
-              <a:rPr lang="en-US" altLang="en-US" sz="2800"/>
+              <a:rPr lang="en-US" altLang="en-US" sz="2200" dirty="0"/>
             </a:br>
-            <a:br>
-              <a:rPr lang="en-US" altLang="en-US" sz="2800"/>
-            </a:br>
-            <a:r>
-              <a:rPr lang="en-US" altLang="en-US" sz="2800">
-                <a:latin typeface="Courier New" panose="02070309020205020404" pitchFamily="49" charset="0"/>
-                <a:cs typeface="Courier New" panose="02070309020205020404" pitchFamily="49" charset="0"/>
-              </a:rPr>
-              <a:t>#include &lt;random&gt;</a:t>
-            </a:r>
-            <a:br>
-              <a:rPr lang="en-US" altLang="en-US" sz="2800"/>
-            </a:br>
-            <a:endParaRPr lang="en-US" altLang="en-US" sz="2800"/>
-          </a:p>
-          <a:p>
-            <a:pPr>
-              <a:buFontTx/>
-              <a:buChar char="•"/>
-            </a:pPr>
-            <a:r>
-              <a:rPr lang="en-US" altLang="en-US" sz="2800"/>
+            <a:endParaRPr lang="en-US" altLang="en-US" sz="2200" dirty="0"/>
+          </a:p>
+          <a:p>
+            <a:r>
+              <a:rPr lang="en-US" altLang="en-US" sz="2800" dirty="0"/>
               <a:t>Create the following objects:</a:t>
             </a:r>
           </a:p>
           <a:p>
             <a:pPr lvl="1"/>
             <a:r>
-              <a:rPr lang="en-US" altLang="en-US" sz="2400"/>
+              <a:rPr lang="en-US" altLang="en-US" sz="2400" dirty="0"/>
               <a:t>A random number engine to generate a random sequence of bits</a:t>
             </a:r>
           </a:p>
           <a:p>
             <a:pPr lvl="1"/>
             <a:r>
-              <a:rPr lang="en-US" altLang="en-US" sz="2400"/>
+              <a:rPr lang="en-US" altLang="en-US" sz="2400" dirty="0"/>
               <a:t>A distribution object to format the bits into numbers of a specific data type, within a specified range</a:t>
             </a:r>
           </a:p>
@@ -20193,7 +19271,7 @@
 </p:sld>
 </file>
 
-<file path=ppt/slides/slide59.xml><?xml version="1.0" encoding="utf-8"?>
+<file path=ppt/slides/slide54.xml><?xml version="1.0" encoding="utf-8"?>
 <p:sld xmlns:a="http://schemas.openxmlformats.org/drawingml/2006/main" xmlns:r="http://schemas.openxmlformats.org/officeDocument/2006/relationships" xmlns:p="http://schemas.openxmlformats.org/presentationml/2006/main">
   <p:cSld>
     <p:spTree>
@@ -20427,146 +19505,7 @@
 </p:sld>
 </file>
 
-<file path=ppt/slides/slide6.xml><?xml version="1.0" encoding="utf-8"?>
-<p:sld xmlns:a="http://schemas.openxmlformats.org/drawingml/2006/main" xmlns:r="http://schemas.openxmlformats.org/officeDocument/2006/relationships" xmlns:p="http://schemas.openxmlformats.org/presentationml/2006/main">
-  <p:cSld>
-    <p:spTree>
-      <p:nvGrpSpPr>
-        <p:cNvPr id="1" name=""/>
-        <p:cNvGrpSpPr/>
-        <p:nvPr/>
-      </p:nvGrpSpPr>
-      <p:grpSpPr>
-        <a:xfrm>
-          <a:off x="0" y="0"/>
-          <a:ext cx="0" cy="0"/>
-          <a:chOff x="0" y="0"/>
-          <a:chExt cx="0" cy="0"/>
-        </a:xfrm>
-      </p:grpSpPr>
-      <p:sp>
-        <p:nvSpPr>
-          <p:cNvPr id="10242" name="Title 1">
-            <a:extLst>
-              <a:ext uri="{FF2B5EF4-FFF2-40B4-BE49-F238E27FC236}">
-                <a16:creationId xmlns:a16="http://schemas.microsoft.com/office/drawing/2014/main" id="{E97CCE9A-F47A-F732-CA7D-2B696C6812E9}"/>
-              </a:ext>
-            </a:extLst>
-          </p:cNvPr>
-          <p:cNvSpPr>
-            <a:spLocks noGrp="1" noChangeArrowheads="1"/>
-          </p:cNvSpPr>
-          <p:nvPr>
-            <p:ph type="title"/>
-          </p:nvPr>
-        </p:nvSpPr>
-        <p:spPr/>
-        <p:txBody>
-          <a:bodyPr/>
-          <a:lstStyle/>
-          <a:p>
-            <a:pPr eaLnBrk="1" hangingPunct="1"/>
-            <a:r>
-              <a:rPr lang="en-US" altLang="en-US"/>
-              <a:t>The </a:t>
-            </a:r>
-            <a:r>
-              <a:rPr lang="en-US" altLang="en-US">
-                <a:latin typeface="Courier New" panose="02070309020205020404" pitchFamily="49" charset="0"/>
-                <a:cs typeface="Courier New" panose="02070309020205020404" pitchFamily="49" charset="0"/>
-              </a:rPr>
-              <a:t>cin</a:t>
-            </a:r>
-            <a:r>
-              <a:rPr lang="en-US" altLang="en-US"/>
-              <a:t> Object</a:t>
-            </a:r>
-          </a:p>
-        </p:txBody>
-      </p:sp>
-      <p:sp>
-        <p:nvSpPr>
-          <p:cNvPr id="10243" name="Content Placeholder 2">
-            <a:extLst>
-              <a:ext uri="{FF2B5EF4-FFF2-40B4-BE49-F238E27FC236}">
-                <a16:creationId xmlns:a16="http://schemas.microsoft.com/office/drawing/2014/main" id="{B73A4636-F0E2-8417-E67C-CA3B54B2210C}"/>
-              </a:ext>
-            </a:extLst>
-          </p:cNvPr>
-          <p:cNvSpPr>
-            <a:spLocks noGrp="1" noChangeArrowheads="1"/>
-          </p:cNvSpPr>
-          <p:nvPr>
-            <p:ph idx="1"/>
-          </p:nvPr>
-        </p:nvSpPr>
-        <p:spPr/>
-        <p:txBody>
-          <a:bodyPr/>
-          <a:lstStyle/>
-          <a:p>
-            <a:r>
-              <a:rPr lang="en-US" altLang="en-US" sz="2800"/>
-              <a:t>Can be used to input more than one value:</a:t>
-            </a:r>
-          </a:p>
-          <a:p>
-            <a:pPr marL="457200" lvl="1" indent="0">
-              <a:buNone/>
-            </a:pPr>
-            <a:r>
-              <a:rPr lang="en-US" altLang="en-US" sz="2400"/>
-              <a:t>	</a:t>
-            </a:r>
-            <a:r>
-              <a:rPr lang="en-US" altLang="en-US" sz="2400" err="1">
-                <a:latin typeface="Courier New" panose="02070309020205020404" pitchFamily="49" charset="0"/>
-              </a:rPr>
-              <a:t>cin</a:t>
-            </a:r>
-            <a:r>
-              <a:rPr lang="en-US" altLang="en-US" sz="2400">
-                <a:latin typeface="Courier New" panose="02070309020205020404" pitchFamily="49" charset="0"/>
-              </a:rPr>
-              <a:t> &gt;&gt; height &gt;&gt; width;</a:t>
-            </a:r>
-            <a:br>
-              <a:rPr lang="en-US" altLang="en-US" sz="2400">
-                <a:latin typeface="Courier New" panose="02070309020205020404" pitchFamily="49" charset="0"/>
-              </a:rPr>
-            </a:br>
-            <a:endParaRPr lang="en-US" altLang="en-US" sz="2400"/>
-          </a:p>
-          <a:p>
-            <a:r>
-              <a:rPr lang="en-US" altLang="en-US" sz="2800"/>
-              <a:t>Multiple values from keyboard must be separated by spaces</a:t>
-            </a:r>
-            <a:br>
-              <a:rPr lang="en-US" altLang="en-US" sz="2800"/>
-            </a:br>
-            <a:endParaRPr lang="en-US" altLang="en-US" sz="2800"/>
-          </a:p>
-          <a:p>
-            <a:r>
-              <a:rPr lang="en-US" altLang="en-US" sz="2800"/>
-              <a:t>Order is important: first value entered goes to first variable, etc.</a:t>
-            </a:r>
-          </a:p>
-          <a:p>
-            <a:endParaRPr lang="en-US" altLang="en-US"/>
-          </a:p>
-        </p:txBody>
-      </p:sp>
-    </p:spTree>
-  </p:cSld>
-  <p:clrMapOvr>
-    <a:masterClrMapping/>
-  </p:clrMapOvr>
-</p:sld>
-</file>
-
-<file path=ppt/slides/slide60.xml><?xml version="1.0" encoding="utf-8"?>
+<file path=ppt/slides/slide55.xml><?xml version="1.0" encoding="utf-8"?>
 <p:sld xmlns:a="http://schemas.openxmlformats.org/drawingml/2006/main" xmlns:r="http://schemas.openxmlformats.org/officeDocument/2006/relationships" xmlns:p="http://schemas.openxmlformats.org/presentationml/2006/main">
   <p:cSld>
     <p:spTree>
@@ -21069,7 +20008,7 @@
 </p:sld>
 </file>
 
-<file path=ppt/slides/slide61.xml><?xml version="1.0" encoding="utf-8"?>
+<file path=ppt/slides/slide56.xml><?xml version="1.0" encoding="utf-8"?>
 <p:sld xmlns:a="http://schemas.openxmlformats.org/drawingml/2006/main" xmlns:r="http://schemas.openxmlformats.org/officeDocument/2006/relationships" xmlns:p="http://schemas.openxmlformats.org/presentationml/2006/main">
   <p:cSld>
     <p:spTree>
@@ -21141,137 +20080,137 @@
               <a:defRPr/>
             </a:pPr>
             <a:r>
-              <a:rPr lang="en-US" sz="2400"/>
+              <a:rPr lang="en-US" sz="2400" dirty="0"/>
               <a:t>Example: Generate a random integer in the range 0-100:</a:t>
             </a:r>
             <a:br>
-              <a:rPr lang="en-US" sz="2400"/>
+              <a:rPr lang="en-US" sz="2400" dirty="0"/>
             </a:br>
             <a:br>
-              <a:rPr lang="en-US" sz="2400"/>
+              <a:rPr lang="en-US" sz="2400" dirty="0"/>
             </a:br>
             <a:br>
-              <a:rPr lang="en-US" sz="2400"/>
+              <a:rPr lang="en-US" sz="2400" dirty="0"/>
             </a:br>
             <a:r>
-              <a:rPr lang="en-US" sz="2000" err="1">
+              <a:rPr lang="en-US" sz="2000" dirty="0" err="1">
                 <a:latin typeface="Courier New" panose="02070309020205020404" pitchFamily="49" charset="0"/>
                 <a:cs typeface="Courier New" panose="02070309020205020404" pitchFamily="49" charset="0"/>
               </a:rPr>
               <a:t>random_device</a:t>
             </a:r>
             <a:r>
-              <a:rPr lang="en-US" sz="2000">
+              <a:rPr lang="en-US" sz="2000" dirty="0">
                 <a:latin typeface="Courier New" panose="02070309020205020404" pitchFamily="49" charset="0"/>
                 <a:cs typeface="Courier New" panose="02070309020205020404" pitchFamily="49" charset="0"/>
               </a:rPr>
               <a:t> </a:t>
             </a:r>
             <a:r>
-              <a:rPr lang="en-US" sz="2000" err="1">
+              <a:rPr lang="en-US" sz="2000" dirty="0" err="1">
                 <a:latin typeface="Courier New" panose="02070309020205020404" pitchFamily="49" charset="0"/>
                 <a:cs typeface="Courier New" panose="02070309020205020404" pitchFamily="49" charset="0"/>
               </a:rPr>
               <a:t>myEngine</a:t>
             </a:r>
             <a:r>
-              <a:rPr lang="en-US" sz="2000">
+              <a:rPr lang="en-US" sz="2000" dirty="0">
                 <a:latin typeface="Courier New" panose="02070309020205020404" pitchFamily="49" charset="0"/>
                 <a:cs typeface="Courier New" panose="02070309020205020404" pitchFamily="49" charset="0"/>
               </a:rPr>
               <a:t>;</a:t>
             </a:r>
             <a:br>
-              <a:rPr lang="en-US" sz="2000">
+              <a:rPr lang="en-US" sz="2000" dirty="0">
                 <a:latin typeface="Courier New" panose="02070309020205020404" pitchFamily="49" charset="0"/>
                 <a:cs typeface="Courier New" panose="02070309020205020404" pitchFamily="49" charset="0"/>
               </a:rPr>
             </a:br>
             <a:br>
-              <a:rPr lang="en-US" sz="2000">
+              <a:rPr lang="en-US" sz="2000" dirty="0">
                 <a:latin typeface="Courier New" panose="02070309020205020404" pitchFamily="49" charset="0"/>
                 <a:cs typeface="Courier New" panose="02070309020205020404" pitchFamily="49" charset="0"/>
               </a:rPr>
             </a:br>
             <a:r>
-              <a:rPr lang="en-US" sz="2000" err="1">
+              <a:rPr lang="en-US" sz="2000" dirty="0" err="1">
                 <a:latin typeface="Courier New" panose="02070309020205020404" pitchFamily="49" charset="0"/>
                 <a:cs typeface="Courier New" panose="02070309020205020404" pitchFamily="49" charset="0"/>
               </a:rPr>
               <a:t>uniform_int_distribution</a:t>
             </a:r>
             <a:r>
-              <a:rPr lang="en-US" sz="2000">
+              <a:rPr lang="en-US" sz="2000" dirty="0">
                 <a:latin typeface="Courier New" panose="02070309020205020404" pitchFamily="49" charset="0"/>
                 <a:cs typeface="Courier New" panose="02070309020205020404" pitchFamily="49" charset="0"/>
               </a:rPr>
               <a:t>&lt;int&gt; </a:t>
             </a:r>
             <a:r>
-              <a:rPr lang="en-US" sz="2000" err="1">
+              <a:rPr lang="en-US" sz="2000" dirty="0" err="1">
                 <a:latin typeface="Courier New" panose="02070309020205020404" pitchFamily="49" charset="0"/>
                 <a:cs typeface="Courier New" panose="02070309020205020404" pitchFamily="49" charset="0"/>
               </a:rPr>
               <a:t>randomInt</a:t>
             </a:r>
             <a:r>
-              <a:rPr lang="en-US" sz="2000">
+              <a:rPr lang="en-US" sz="2000" dirty="0">
                 <a:latin typeface="Courier New" panose="02070309020205020404" pitchFamily="49" charset="0"/>
                 <a:cs typeface="Courier New" panose="02070309020205020404" pitchFamily="49" charset="0"/>
               </a:rPr>
               <a:t>(0, 100);</a:t>
             </a:r>
             <a:br>
-              <a:rPr lang="en-US" sz="2000">
+              <a:rPr lang="en-US" sz="2000" dirty="0">
                 <a:latin typeface="Courier New" panose="02070309020205020404" pitchFamily="49" charset="0"/>
                 <a:cs typeface="Courier New" panose="02070309020205020404" pitchFamily="49" charset="0"/>
               </a:rPr>
             </a:br>
             <a:br>
-              <a:rPr lang="en-US" sz="2000">
+              <a:rPr lang="en-US" sz="2000" dirty="0">
                 <a:latin typeface="Courier New" panose="02070309020205020404" pitchFamily="49" charset="0"/>
                 <a:cs typeface="Courier New" panose="02070309020205020404" pitchFamily="49" charset="0"/>
               </a:rPr>
             </a:br>
             <a:r>
-              <a:rPr lang="en-US" sz="2000">
+              <a:rPr lang="en-US" sz="2000" dirty="0">
                 <a:latin typeface="Courier New" panose="02070309020205020404" pitchFamily="49" charset="0"/>
                 <a:cs typeface="Courier New" panose="02070309020205020404" pitchFamily="49" charset="0"/>
               </a:rPr>
               <a:t>int number = </a:t>
             </a:r>
             <a:r>
-              <a:rPr lang="en-US" sz="2000" err="1">
+              <a:rPr lang="en-US" sz="2000" dirty="0" err="1">
                 <a:latin typeface="Courier New" panose="02070309020205020404" pitchFamily="49" charset="0"/>
                 <a:cs typeface="Courier New" panose="02070309020205020404" pitchFamily="49" charset="0"/>
               </a:rPr>
               <a:t>randomInt</a:t>
             </a:r>
             <a:r>
-              <a:rPr lang="en-US" sz="2000">
+              <a:rPr lang="en-US" sz="2000" dirty="0">
                 <a:latin typeface="Courier New" panose="02070309020205020404" pitchFamily="49" charset="0"/>
                 <a:cs typeface="Courier New" panose="02070309020205020404" pitchFamily="49" charset="0"/>
               </a:rPr>
               <a:t>(</a:t>
             </a:r>
             <a:r>
-              <a:rPr lang="en-US" sz="2000" err="1">
+              <a:rPr lang="en-US" sz="2000" dirty="0" err="1">
                 <a:latin typeface="Courier New" panose="02070309020205020404" pitchFamily="49" charset="0"/>
                 <a:cs typeface="Courier New" panose="02070309020205020404" pitchFamily="49" charset="0"/>
               </a:rPr>
               <a:t>myEngine</a:t>
             </a:r>
             <a:r>
-              <a:rPr lang="en-US" sz="2000">
+              <a:rPr lang="en-US" sz="2000" dirty="0">
                 <a:latin typeface="Courier New" panose="02070309020205020404" pitchFamily="49" charset="0"/>
                 <a:cs typeface="Courier New" panose="02070309020205020404" pitchFamily="49" charset="0"/>
               </a:rPr>
               <a:t>);</a:t>
             </a:r>
             <a:br>
-              <a:rPr lang="en-US" sz="2400"/>
+              <a:rPr lang="en-US" sz="2400" dirty="0"/>
             </a:br>
-            <a:endParaRPr lang="en-US" sz="2400"/>
+            <a:endParaRPr lang="en-US" sz="2400" dirty="0"/>
           </a:p>
           <a:p>
             <a:pPr marL="0" indent="0">
@@ -21280,18 +20219,18 @@
               <a:defRPr/>
             </a:pPr>
             <a:br>
-              <a:rPr lang="en-US" sz="2400"/>
+              <a:rPr lang="en-US" sz="2400" dirty="0"/>
             </a:br>
             <a:br>
-              <a:rPr lang="en-US" sz="2400"/>
+              <a:rPr lang="en-US" sz="2400" dirty="0"/>
             </a:br>
             <a:br>
-              <a:rPr lang="en-US" sz="2400">
+              <a:rPr lang="en-US" sz="2400" dirty="0">
                 <a:latin typeface="Courier New" panose="02070309020205020404" pitchFamily="49" charset="0"/>
                 <a:cs typeface="Courier New" panose="02070309020205020404" pitchFamily="49" charset="0"/>
               </a:rPr>
             </a:br>
-            <a:endParaRPr lang="en-US" sz="2400"/>
+            <a:endParaRPr lang="en-US" sz="2400" dirty="0"/>
           </a:p>
         </p:txBody>
       </p:sp>
@@ -21538,8 +20477,8 @@
         </p:nvCxnSpPr>
         <p:spPr>
           <a:xfrm flipH="1">
-            <a:off x="5638800" y="2994025"/>
-            <a:ext cx="228600" cy="425450"/>
+            <a:off x="6748272" y="2851573"/>
+            <a:ext cx="426720" cy="357971"/>
           </a:xfrm>
           <a:prstGeom prst="straightConnector1">
             <a:avLst/>
@@ -21574,7 +20513,7 @@
 </p:sld>
 </file>
 
-<file path=ppt/slides/slide62.xml><?xml version="1.0" encoding="utf-8"?>
+<file path=ppt/slides/slide57.xml><?xml version="1.0" encoding="utf-8"?>
 <p:sld xmlns:a="http://schemas.openxmlformats.org/drawingml/2006/main" xmlns:r="http://schemas.openxmlformats.org/officeDocument/2006/relationships" xmlns:p="http://schemas.openxmlformats.org/presentationml/2006/main">
   <p:cSld>
     <p:spTree>
@@ -22080,7 +21019,7 @@
 </p:sld>
 </file>
 
-<file path=ppt/slides/slide63.xml><?xml version="1.0" encoding="utf-8"?>
+<file path=ppt/slides/slide58.xml><?xml version="1.0" encoding="utf-8"?>
 <p:sld xmlns:a="http://schemas.openxmlformats.org/drawingml/2006/main" xmlns:r="http://schemas.openxmlformats.org/officeDocument/2006/relationships" xmlns:p="http://schemas.openxmlformats.org/presentationml/2006/main">
   <p:cSld>
     <p:spTree>
@@ -22389,7 +21328,7 @@
 </p:sld>
 </file>
 
-<file path=ppt/slides/slide64.xml><?xml version="1.0" encoding="utf-8"?>
+<file path=ppt/slides/slide59.xml><?xml version="1.0" encoding="utf-8"?>
 <p:sld xmlns:a="http://schemas.openxmlformats.org/drawingml/2006/main" xmlns:r="http://schemas.openxmlformats.org/officeDocument/2006/relationships" xmlns:p="http://schemas.openxmlformats.org/presentationml/2006/main">
   <p:cSld>
     <p:spTree>
@@ -22502,7 +21441,146 @@
 </p:sld>
 </file>
 
-<file path=ppt/slides/slide65.xml><?xml version="1.0" encoding="utf-8"?>
+<file path=ppt/slides/slide6.xml><?xml version="1.0" encoding="utf-8"?>
+<p:sld xmlns:a="http://schemas.openxmlformats.org/drawingml/2006/main" xmlns:r="http://schemas.openxmlformats.org/officeDocument/2006/relationships" xmlns:p="http://schemas.openxmlformats.org/presentationml/2006/main">
+  <p:cSld>
+    <p:spTree>
+      <p:nvGrpSpPr>
+        <p:cNvPr id="1" name=""/>
+        <p:cNvGrpSpPr/>
+        <p:nvPr/>
+      </p:nvGrpSpPr>
+      <p:grpSpPr>
+        <a:xfrm>
+          <a:off x="0" y="0"/>
+          <a:ext cx="0" cy="0"/>
+          <a:chOff x="0" y="0"/>
+          <a:chExt cx="0" cy="0"/>
+        </a:xfrm>
+      </p:grpSpPr>
+      <p:sp>
+        <p:nvSpPr>
+          <p:cNvPr id="10242" name="Title 1">
+            <a:extLst>
+              <a:ext uri="{FF2B5EF4-FFF2-40B4-BE49-F238E27FC236}">
+                <a16:creationId xmlns:a16="http://schemas.microsoft.com/office/drawing/2014/main" id="{E97CCE9A-F47A-F732-CA7D-2B696C6812E9}"/>
+              </a:ext>
+            </a:extLst>
+          </p:cNvPr>
+          <p:cNvSpPr>
+            <a:spLocks noGrp="1" noChangeArrowheads="1"/>
+          </p:cNvSpPr>
+          <p:nvPr>
+            <p:ph type="title"/>
+          </p:nvPr>
+        </p:nvSpPr>
+        <p:spPr/>
+        <p:txBody>
+          <a:bodyPr/>
+          <a:lstStyle/>
+          <a:p>
+            <a:pPr eaLnBrk="1" hangingPunct="1"/>
+            <a:r>
+              <a:rPr lang="en-US" altLang="en-US"/>
+              <a:t>The </a:t>
+            </a:r>
+            <a:r>
+              <a:rPr lang="en-US" altLang="en-US">
+                <a:latin typeface="Courier New" panose="02070309020205020404" pitchFamily="49" charset="0"/>
+                <a:cs typeface="Courier New" panose="02070309020205020404" pitchFamily="49" charset="0"/>
+              </a:rPr>
+              <a:t>cin</a:t>
+            </a:r>
+            <a:r>
+              <a:rPr lang="en-US" altLang="en-US"/>
+              <a:t> Object</a:t>
+            </a:r>
+          </a:p>
+        </p:txBody>
+      </p:sp>
+      <p:sp>
+        <p:nvSpPr>
+          <p:cNvPr id="10243" name="Content Placeholder 2">
+            <a:extLst>
+              <a:ext uri="{FF2B5EF4-FFF2-40B4-BE49-F238E27FC236}">
+                <a16:creationId xmlns:a16="http://schemas.microsoft.com/office/drawing/2014/main" id="{B73A4636-F0E2-8417-E67C-CA3B54B2210C}"/>
+              </a:ext>
+            </a:extLst>
+          </p:cNvPr>
+          <p:cNvSpPr>
+            <a:spLocks noGrp="1" noChangeArrowheads="1"/>
+          </p:cNvSpPr>
+          <p:nvPr>
+            <p:ph idx="1"/>
+          </p:nvPr>
+        </p:nvSpPr>
+        <p:spPr/>
+        <p:txBody>
+          <a:bodyPr/>
+          <a:lstStyle/>
+          <a:p>
+            <a:r>
+              <a:rPr lang="en-US" altLang="en-US" sz="2800"/>
+              <a:t>Can be used to input more than one value:</a:t>
+            </a:r>
+          </a:p>
+          <a:p>
+            <a:pPr marL="457200" lvl="1" indent="0">
+              <a:buNone/>
+            </a:pPr>
+            <a:r>
+              <a:rPr lang="en-US" altLang="en-US" sz="2400"/>
+              <a:t>	</a:t>
+            </a:r>
+            <a:r>
+              <a:rPr lang="en-US" altLang="en-US" sz="2400" err="1">
+                <a:latin typeface="Courier New" panose="02070309020205020404" pitchFamily="49" charset="0"/>
+              </a:rPr>
+              <a:t>cin</a:t>
+            </a:r>
+            <a:r>
+              <a:rPr lang="en-US" altLang="en-US" sz="2400">
+                <a:latin typeface="Courier New" panose="02070309020205020404" pitchFamily="49" charset="0"/>
+              </a:rPr>
+              <a:t> &gt;&gt; height &gt;&gt; width;</a:t>
+            </a:r>
+            <a:br>
+              <a:rPr lang="en-US" altLang="en-US" sz="2400">
+                <a:latin typeface="Courier New" panose="02070309020205020404" pitchFamily="49" charset="0"/>
+              </a:rPr>
+            </a:br>
+            <a:endParaRPr lang="en-US" altLang="en-US" sz="2400"/>
+          </a:p>
+          <a:p>
+            <a:r>
+              <a:rPr lang="en-US" altLang="en-US" sz="2800"/>
+              <a:t>Multiple values from keyboard must be separated by spaces</a:t>
+            </a:r>
+            <a:br>
+              <a:rPr lang="en-US" altLang="en-US" sz="2800"/>
+            </a:br>
+            <a:endParaRPr lang="en-US" altLang="en-US" sz="2800"/>
+          </a:p>
+          <a:p>
+            <a:r>
+              <a:rPr lang="en-US" altLang="en-US" sz="2800"/>
+              <a:t>Order is important: first value entered goes to first variable, etc.</a:t>
+            </a:r>
+          </a:p>
+          <a:p>
+            <a:endParaRPr lang="en-US" altLang="en-US"/>
+          </a:p>
+        </p:txBody>
+      </p:sp>
+    </p:spTree>
+  </p:cSld>
+  <p:clrMapOvr>
+    <a:masterClrMapping/>
+  </p:clrMapOvr>
+</p:sld>
+</file>
+
+<file path=ppt/slides/slide60.xml><?xml version="1.0" encoding="utf-8"?>
 <p:sld xmlns:a="http://schemas.openxmlformats.org/drawingml/2006/main" xmlns:r="http://schemas.openxmlformats.org/officeDocument/2006/relationships" xmlns:p="http://schemas.openxmlformats.org/presentationml/2006/main">
   <p:cSld>
     <p:spTree>
@@ -22585,7 +21663,7 @@
 </p:sld>
 </file>
 
-<file path=ppt/slides/slide66.xml><?xml version="1.0" encoding="utf-8"?>
+<file path=ppt/slides/slide61.xml><?xml version="1.0" encoding="utf-8"?>
 <p:sld xmlns:a="http://schemas.openxmlformats.org/drawingml/2006/main" xmlns:r="http://schemas.openxmlformats.org/officeDocument/2006/relationships" xmlns:p="http://schemas.openxmlformats.org/presentationml/2006/main">
   <p:cSld>
     <p:spTree>
@@ -22716,7 +21794,7 @@
 </p:sld>
 </file>
 
-<file path=ppt/slides/slide67.xml><?xml version="1.0" encoding="utf-8"?>
+<file path=ppt/slides/slide62.xml><?xml version="1.0" encoding="utf-8"?>
 <p:sld xmlns:a="http://schemas.openxmlformats.org/drawingml/2006/main" xmlns:r="http://schemas.openxmlformats.org/officeDocument/2006/relationships" xmlns:p="http://schemas.openxmlformats.org/presentationml/2006/main">
   <p:cSld>
     <p:spTree>
@@ -22834,7 +21912,7 @@
 </p:sld>
 </file>
 
-<file path=ppt/slides/slide68.xml><?xml version="1.0" encoding="utf-8"?>
+<file path=ppt/slides/slide63.xml><?xml version="1.0" encoding="utf-8"?>
 <p:sld xmlns:a="http://schemas.openxmlformats.org/drawingml/2006/main" xmlns:r="http://schemas.openxmlformats.org/officeDocument/2006/relationships" xmlns:p="http://schemas.openxmlformats.org/presentationml/2006/main">
   <p:cSld>
     <p:spTree>
@@ -22915,7 +21993,7 @@
 </p:sld>
 </file>
 
-<file path=ppt/slides/slide69.xml><?xml version="1.0" encoding="utf-8"?>
+<file path=ppt/slides/slide64.xml><?xml version="1.0" encoding="utf-8"?>
 <p:sld xmlns:a="http://schemas.openxmlformats.org/drawingml/2006/main" xmlns:r="http://schemas.openxmlformats.org/officeDocument/2006/relationships" xmlns:p="http://schemas.openxmlformats.org/presentationml/2006/main">
   <p:cSld>
     <p:spTree>
@@ -23053,201 +22131,7 @@
 </p:sld>
 </file>
 
-<file path=ppt/slides/slide7.xml><?xml version="1.0" encoding="utf-8"?>
-<p:sld xmlns:a="http://schemas.openxmlformats.org/drawingml/2006/main" xmlns:r="http://schemas.openxmlformats.org/officeDocument/2006/relationships" xmlns:p="http://schemas.openxmlformats.org/presentationml/2006/main">
-  <p:cSld>
-    <p:spTree>
-      <p:nvGrpSpPr>
-        <p:cNvPr id="1" name=""/>
-        <p:cNvGrpSpPr/>
-        <p:nvPr/>
-      </p:nvGrpSpPr>
-      <p:grpSpPr>
-        <a:xfrm>
-          <a:off x="0" y="0"/>
-          <a:ext cx="0" cy="0"/>
-          <a:chOff x="0" y="0"/>
-          <a:chExt cx="0" cy="0"/>
-        </a:xfrm>
-      </p:grpSpPr>
-      <p:sp>
-        <p:nvSpPr>
-          <p:cNvPr id="2" name="Title 1">
-            <a:extLst>
-              <a:ext uri="{FF2B5EF4-FFF2-40B4-BE49-F238E27FC236}">
-                <a16:creationId xmlns:a16="http://schemas.microsoft.com/office/drawing/2014/main" id="{F0FED0E4-0CC7-08CB-5F93-422E53B20734}"/>
-              </a:ext>
-            </a:extLst>
-          </p:cNvPr>
-          <p:cNvSpPr>
-            <a:spLocks noGrp="1"/>
-          </p:cNvSpPr>
-          <p:nvPr>
-            <p:ph type="title"/>
-          </p:nvPr>
-        </p:nvSpPr>
-        <p:spPr/>
-        <p:txBody>
-          <a:bodyPr>
-            <a:normAutofit/>
-          </a:bodyPr>
-          <a:lstStyle/>
-          <a:p>
-            <a:pPr eaLnBrk="1" hangingPunct="1">
-              <a:defRPr/>
-            </a:pPr>
-            <a:r>
-              <a:rPr lang="en-US"/>
-              <a:t>Using </a:t>
-            </a:r>
-            <a:r>
-              <a:rPr lang="en-US" err="1">
-                <a:latin typeface="Courier New" pitchFamily="49" charset="0"/>
-                <a:cs typeface="Courier New" pitchFamily="49" charset="0"/>
-              </a:rPr>
-              <a:t>cin</a:t>
-            </a:r>
-            <a:r>
-              <a:rPr lang="en-US"/>
-              <a:t> To Read Multiple Values</a:t>
-            </a:r>
-          </a:p>
-        </p:txBody>
-      </p:sp>
-      <p:grpSp>
-        <p:nvGrpSpPr>
-          <p:cNvPr id="3" name="Group 2">
-            <a:extLst>
-              <a:ext uri="{FF2B5EF4-FFF2-40B4-BE49-F238E27FC236}">
-                <a16:creationId xmlns:a16="http://schemas.microsoft.com/office/drawing/2014/main" id="{608ACF98-B65D-BB71-297F-9A4AA25C49C6}"/>
-              </a:ext>
-            </a:extLst>
-          </p:cNvPr>
-          <p:cNvGrpSpPr>
-            <a:grpSpLocks noChangeAspect="1"/>
-          </p:cNvGrpSpPr>
-          <p:nvPr/>
-        </p:nvGrpSpPr>
-        <p:grpSpPr>
-          <a:xfrm>
-            <a:off x="914400" y="1828800"/>
-            <a:ext cx="7315200" cy="4388303"/>
-            <a:chOff x="457200" y="1128713"/>
-            <a:chExt cx="8534400" cy="5119687"/>
-          </a:xfrm>
-        </p:grpSpPr>
-        <p:pic>
-          <p:nvPicPr>
-            <p:cNvPr id="11267" name="Picture 3">
-              <a:extLst>
-                <a:ext uri="{FF2B5EF4-FFF2-40B4-BE49-F238E27FC236}">
-                  <a16:creationId xmlns:a16="http://schemas.microsoft.com/office/drawing/2014/main" id="{DE2985C6-A855-922E-C49F-18006FEEF43E}"/>
-                </a:ext>
-              </a:extLst>
-            </p:cNvPr>
-            <p:cNvPicPr>
-              <a:picLocks noChangeAspect="1" noChangeArrowheads="1"/>
-            </p:cNvPicPr>
-            <p:nvPr/>
-          </p:nvPicPr>
-          <p:blipFill>
-            <a:blip r:embed="rId2">
-              <a:extLst>
-                <a:ext uri="{28A0092B-C50C-407E-A947-70E740481C1C}">
-                  <a14:useLocalDpi xmlns:a14="http://schemas.microsoft.com/office/drawing/2010/main" val="0"/>
-                </a:ext>
-              </a:extLst>
-            </a:blip>
-            <a:srcRect/>
-            <a:stretch>
-              <a:fillRect/>
-            </a:stretch>
-          </p:blipFill>
-          <p:spPr bwMode="auto">
-            <a:xfrm>
-              <a:off x="457200" y="1128713"/>
-              <a:ext cx="7907338" cy="5119687"/>
-            </a:xfrm>
-            <a:prstGeom prst="rect">
-              <a:avLst/>
-            </a:prstGeom>
-            <a:noFill/>
-            <a:ln>
-              <a:noFill/>
-            </a:ln>
-            <a:extLst>
-              <a:ext uri="{909E8E84-426E-40DD-AFC4-6F175D3DCCD1}">
-                <a14:hiddenFill xmlns:a14="http://schemas.microsoft.com/office/drawing/2010/main">
-                  <a:solidFill>
-                    <a:srgbClr val="FFFFFF"/>
-                  </a:solidFill>
-                </a14:hiddenFill>
-              </a:ext>
-              <a:ext uri="{91240B29-F687-4F45-9708-019B960494DF}">
-                <a14:hiddenLine xmlns:a14="http://schemas.microsoft.com/office/drawing/2010/main" w="9525">
-                  <a:solidFill>
-                    <a:srgbClr val="000000"/>
-                  </a:solidFill>
-                  <a:miter lim="800000"/>
-                  <a:headEnd/>
-                  <a:tailEnd/>
-                </a14:hiddenLine>
-              </a:ext>
-            </a:extLst>
-          </p:spPr>
-        </p:pic>
-        <p:pic>
-          <p:nvPicPr>
-            <p:cNvPr id="5" name="Picture 4">
-              <a:extLst>
-                <a:ext uri="{FF2B5EF4-FFF2-40B4-BE49-F238E27FC236}">
-                  <a16:creationId xmlns:a16="http://schemas.microsoft.com/office/drawing/2014/main" id="{8657946F-6EC9-E032-E8AE-14383F5AE4AB}"/>
-                </a:ext>
-              </a:extLst>
-            </p:cNvPr>
-            <p:cNvPicPr>
-              <a:picLocks noChangeAspect="1"/>
-            </p:cNvPicPr>
-            <p:nvPr/>
-          </p:nvPicPr>
-          <p:blipFill>
-            <a:blip r:embed="rId3"/>
-            <a:stretch>
-              <a:fillRect/>
-            </a:stretch>
-          </p:blipFill>
-          <p:spPr>
-            <a:xfrm>
-              <a:off x="3581400" y="2471738"/>
-              <a:ext cx="5410200" cy="993775"/>
-            </a:xfrm>
-            <a:prstGeom prst="rect">
-              <a:avLst/>
-            </a:prstGeom>
-            <a:ln w="12700">
-              <a:solidFill>
-                <a:schemeClr val="tx1"/>
-              </a:solidFill>
-            </a:ln>
-            <a:effectLst>
-              <a:outerShdw blurRad="50800" dist="38100" dir="2700000" algn="tl" rotWithShape="0">
-                <a:prstClr val="black">
-                  <a:alpha val="40000"/>
-                </a:prstClr>
-              </a:outerShdw>
-            </a:effectLst>
-          </p:spPr>
-        </p:pic>
-      </p:grpSp>
-    </p:spTree>
-  </p:cSld>
-  <p:clrMapOvr>
-    <a:masterClrMapping/>
-  </p:clrMapOvr>
-</p:sld>
-</file>
-
-<file path=ppt/slides/slide70.xml><?xml version="1.0" encoding="utf-8"?>
+<file path=ppt/slides/slide65.xml><?xml version="1.0" encoding="utf-8"?>
 <p:sld xmlns:a="http://schemas.openxmlformats.org/drawingml/2006/main" xmlns:r="http://schemas.openxmlformats.org/officeDocument/2006/relationships" xmlns:p="http://schemas.openxmlformats.org/presentationml/2006/main">
   <p:cSld>
     <p:spTree>
@@ -23360,7 +22244,7 @@
 </p:sld>
 </file>
 
-<file path=ppt/slides/slide71.xml><?xml version="1.0" encoding="utf-8"?>
+<file path=ppt/slides/slide66.xml><?xml version="1.0" encoding="utf-8"?>
 <p:sld xmlns:a="http://schemas.openxmlformats.org/drawingml/2006/main" xmlns:r="http://schemas.openxmlformats.org/officeDocument/2006/relationships" xmlns:p="http://schemas.openxmlformats.org/presentationml/2006/main">
   <p:cSld>
     <p:spTree>
@@ -23749,7 +22633,7 @@
 </p:sld>
 </file>
 
-<file path=ppt/slides/slide72.xml><?xml version="1.0" encoding="utf-8"?>
+<file path=ppt/slides/slide67.xml><?xml version="1.0" encoding="utf-8"?>
 <p:sld xmlns:a="http://schemas.openxmlformats.org/drawingml/2006/main" xmlns:r="http://schemas.openxmlformats.org/officeDocument/2006/relationships" xmlns:p="http://schemas.openxmlformats.org/presentationml/2006/main">
   <p:cSld>
     <p:spTree>
@@ -23862,7 +22746,7 @@
 </p:sld>
 </file>
 
-<file path=ppt/slides/slide73.xml><?xml version="1.0" encoding="utf-8"?>
+<file path=ppt/slides/slide68.xml><?xml version="1.0" encoding="utf-8"?>
 <p:sld xmlns:a="http://schemas.openxmlformats.org/drawingml/2006/main" xmlns:r="http://schemas.openxmlformats.org/officeDocument/2006/relationships" xmlns:p="http://schemas.openxmlformats.org/presentationml/2006/main">
   <p:cSld>
     <p:spTree>
@@ -23975,7 +22859,7 @@
 </p:sld>
 </file>
 
-<file path=ppt/slides/slide74.xml><?xml version="1.0" encoding="utf-8"?>
+<file path=ppt/slides/slide69.xml><?xml version="1.0" encoding="utf-8"?>
 <p:sld xmlns:a="http://schemas.openxmlformats.org/drawingml/2006/main" xmlns:r="http://schemas.openxmlformats.org/officeDocument/2006/relationships" xmlns:p="http://schemas.openxmlformats.org/presentationml/2006/main">
   <p:cSld>
     <p:spTree>
@@ -24093,7 +22977,201 @@
 </p:sld>
 </file>
 
-<file path=ppt/slides/slide75.xml><?xml version="1.0" encoding="utf-8"?>
+<file path=ppt/slides/slide7.xml><?xml version="1.0" encoding="utf-8"?>
+<p:sld xmlns:a="http://schemas.openxmlformats.org/drawingml/2006/main" xmlns:r="http://schemas.openxmlformats.org/officeDocument/2006/relationships" xmlns:p="http://schemas.openxmlformats.org/presentationml/2006/main">
+  <p:cSld>
+    <p:spTree>
+      <p:nvGrpSpPr>
+        <p:cNvPr id="1" name=""/>
+        <p:cNvGrpSpPr/>
+        <p:nvPr/>
+      </p:nvGrpSpPr>
+      <p:grpSpPr>
+        <a:xfrm>
+          <a:off x="0" y="0"/>
+          <a:ext cx="0" cy="0"/>
+          <a:chOff x="0" y="0"/>
+          <a:chExt cx="0" cy="0"/>
+        </a:xfrm>
+      </p:grpSpPr>
+      <p:sp>
+        <p:nvSpPr>
+          <p:cNvPr id="2" name="Title 1">
+            <a:extLst>
+              <a:ext uri="{FF2B5EF4-FFF2-40B4-BE49-F238E27FC236}">
+                <a16:creationId xmlns:a16="http://schemas.microsoft.com/office/drawing/2014/main" id="{F0FED0E4-0CC7-08CB-5F93-422E53B20734}"/>
+              </a:ext>
+            </a:extLst>
+          </p:cNvPr>
+          <p:cNvSpPr>
+            <a:spLocks noGrp="1"/>
+          </p:cNvSpPr>
+          <p:nvPr>
+            <p:ph type="title"/>
+          </p:nvPr>
+        </p:nvSpPr>
+        <p:spPr/>
+        <p:txBody>
+          <a:bodyPr>
+            <a:normAutofit/>
+          </a:bodyPr>
+          <a:lstStyle/>
+          <a:p>
+            <a:pPr eaLnBrk="1" hangingPunct="1">
+              <a:defRPr/>
+            </a:pPr>
+            <a:r>
+              <a:rPr lang="en-US"/>
+              <a:t>Using </a:t>
+            </a:r>
+            <a:r>
+              <a:rPr lang="en-US" err="1">
+                <a:latin typeface="Courier New" pitchFamily="49" charset="0"/>
+                <a:cs typeface="Courier New" pitchFamily="49" charset="0"/>
+              </a:rPr>
+              <a:t>cin</a:t>
+            </a:r>
+            <a:r>
+              <a:rPr lang="en-US"/>
+              <a:t> To Read Multiple Values</a:t>
+            </a:r>
+          </a:p>
+        </p:txBody>
+      </p:sp>
+      <p:grpSp>
+        <p:nvGrpSpPr>
+          <p:cNvPr id="3" name="Group 2">
+            <a:extLst>
+              <a:ext uri="{FF2B5EF4-FFF2-40B4-BE49-F238E27FC236}">
+                <a16:creationId xmlns:a16="http://schemas.microsoft.com/office/drawing/2014/main" id="{608ACF98-B65D-BB71-297F-9A4AA25C49C6}"/>
+              </a:ext>
+            </a:extLst>
+          </p:cNvPr>
+          <p:cNvGrpSpPr>
+            <a:grpSpLocks noChangeAspect="1"/>
+          </p:cNvGrpSpPr>
+          <p:nvPr/>
+        </p:nvGrpSpPr>
+        <p:grpSpPr>
+          <a:xfrm>
+            <a:off x="914400" y="1828800"/>
+            <a:ext cx="7315200" cy="4388303"/>
+            <a:chOff x="457200" y="1128713"/>
+            <a:chExt cx="8534400" cy="5119687"/>
+          </a:xfrm>
+        </p:grpSpPr>
+        <p:pic>
+          <p:nvPicPr>
+            <p:cNvPr id="11267" name="Picture 3">
+              <a:extLst>
+                <a:ext uri="{FF2B5EF4-FFF2-40B4-BE49-F238E27FC236}">
+                  <a16:creationId xmlns:a16="http://schemas.microsoft.com/office/drawing/2014/main" id="{DE2985C6-A855-922E-C49F-18006FEEF43E}"/>
+                </a:ext>
+              </a:extLst>
+            </p:cNvPr>
+            <p:cNvPicPr>
+              <a:picLocks noChangeAspect="1" noChangeArrowheads="1"/>
+            </p:cNvPicPr>
+            <p:nvPr/>
+          </p:nvPicPr>
+          <p:blipFill>
+            <a:blip r:embed="rId2">
+              <a:extLst>
+                <a:ext uri="{28A0092B-C50C-407E-A947-70E740481C1C}">
+                  <a14:useLocalDpi xmlns:a14="http://schemas.microsoft.com/office/drawing/2010/main" val="0"/>
+                </a:ext>
+              </a:extLst>
+            </a:blip>
+            <a:srcRect/>
+            <a:stretch>
+              <a:fillRect/>
+            </a:stretch>
+          </p:blipFill>
+          <p:spPr bwMode="auto">
+            <a:xfrm>
+              <a:off x="457200" y="1128713"/>
+              <a:ext cx="7907338" cy="5119687"/>
+            </a:xfrm>
+            <a:prstGeom prst="rect">
+              <a:avLst/>
+            </a:prstGeom>
+            <a:noFill/>
+            <a:ln>
+              <a:noFill/>
+            </a:ln>
+            <a:extLst>
+              <a:ext uri="{909E8E84-426E-40DD-AFC4-6F175D3DCCD1}">
+                <a14:hiddenFill xmlns:a14="http://schemas.microsoft.com/office/drawing/2010/main">
+                  <a:solidFill>
+                    <a:srgbClr val="FFFFFF"/>
+                  </a:solidFill>
+                </a14:hiddenFill>
+              </a:ext>
+              <a:ext uri="{91240B29-F687-4F45-9708-019B960494DF}">
+                <a14:hiddenLine xmlns:a14="http://schemas.microsoft.com/office/drawing/2010/main" w="9525">
+                  <a:solidFill>
+                    <a:srgbClr val="000000"/>
+                  </a:solidFill>
+                  <a:miter lim="800000"/>
+                  <a:headEnd/>
+                  <a:tailEnd/>
+                </a14:hiddenLine>
+              </a:ext>
+            </a:extLst>
+          </p:spPr>
+        </p:pic>
+        <p:pic>
+          <p:nvPicPr>
+            <p:cNvPr id="5" name="Picture 4">
+              <a:extLst>
+                <a:ext uri="{FF2B5EF4-FFF2-40B4-BE49-F238E27FC236}">
+                  <a16:creationId xmlns:a16="http://schemas.microsoft.com/office/drawing/2014/main" id="{8657946F-6EC9-E032-E8AE-14383F5AE4AB}"/>
+                </a:ext>
+              </a:extLst>
+            </p:cNvPr>
+            <p:cNvPicPr>
+              <a:picLocks noChangeAspect="1"/>
+            </p:cNvPicPr>
+            <p:nvPr/>
+          </p:nvPicPr>
+          <p:blipFill>
+            <a:blip r:embed="rId3"/>
+            <a:stretch>
+              <a:fillRect/>
+            </a:stretch>
+          </p:blipFill>
+          <p:spPr>
+            <a:xfrm>
+              <a:off x="3581400" y="2471738"/>
+              <a:ext cx="5410200" cy="993775"/>
+            </a:xfrm>
+            <a:prstGeom prst="rect">
+              <a:avLst/>
+            </a:prstGeom>
+            <a:ln w="12700">
+              <a:solidFill>
+                <a:schemeClr val="tx1"/>
+              </a:solidFill>
+            </a:ln>
+            <a:effectLst>
+              <a:outerShdw blurRad="50800" dist="38100" dir="2700000" algn="tl" rotWithShape="0">
+                <a:prstClr val="black">
+                  <a:alpha val="40000"/>
+                </a:prstClr>
+              </a:outerShdw>
+            </a:effectLst>
+          </p:spPr>
+        </p:pic>
+      </p:grpSp>
+    </p:spTree>
+  </p:cSld>
+  <p:clrMapOvr>
+    <a:masterClrMapping/>
+  </p:clrMapOvr>
+</p:sld>
+</file>
+
+<file path=ppt/slides/slide70.xml><?xml version="1.0" encoding="utf-8"?>
 <p:sld xmlns:a="http://schemas.openxmlformats.org/drawingml/2006/main" xmlns:r="http://schemas.openxmlformats.org/officeDocument/2006/relationships" xmlns:p="http://schemas.openxmlformats.org/presentationml/2006/main">
   <p:cSld>
     <p:spTree>
@@ -24206,7 +23284,7 @@
 </p:sld>
 </file>
 
-<file path=ppt/slides/slide76.xml><?xml version="1.0" encoding="utf-8"?>
+<file path=ppt/slides/slide71.xml><?xml version="1.0" encoding="utf-8"?>
 <p:sld xmlns:a="http://schemas.openxmlformats.org/drawingml/2006/main" xmlns:r="http://schemas.openxmlformats.org/officeDocument/2006/relationships" xmlns:p="http://schemas.openxmlformats.org/presentationml/2006/main">
   <p:cSld>
     <p:spTree>
@@ -24586,7 +23664,7 @@
 </p:sld>
 </file>
 
-<file path=ppt/slides/slide77.xml><?xml version="1.0" encoding="utf-8"?>
+<file path=ppt/slides/slide72.xml><?xml version="1.0" encoding="utf-8"?>
 <p:sld xmlns:a="http://schemas.openxmlformats.org/drawingml/2006/main" xmlns:r="http://schemas.openxmlformats.org/officeDocument/2006/relationships" xmlns:p="http://schemas.openxmlformats.org/presentationml/2006/main">
   <p:cSld>
     <p:spTree>
@@ -24927,7 +24005,7 @@
 </p:sld>
 </file>
 
-<file path=ppt/slides/slide78.xml><?xml version="1.0" encoding="utf-8"?>
+<file path=ppt/slides/slide73.xml><?xml version="1.0" encoding="utf-8"?>
 <p:sld xmlns:a="http://schemas.openxmlformats.org/drawingml/2006/main" xmlns:r="http://schemas.openxmlformats.org/officeDocument/2006/relationships" xmlns:p="http://schemas.openxmlformats.org/presentationml/2006/main">
   <p:cSld>
     <p:spTree>
@@ -25236,7 +24314,7 @@
 </p:sld>
 </file>
 
-<file path=ppt/slides/slide79.xml><?xml version="1.0" encoding="utf-8"?>
+<file path=ppt/slides/slide74.xml><?xml version="1.0" encoding="utf-8"?>
 <p:sld xmlns:a="http://schemas.openxmlformats.org/drawingml/2006/main" xmlns:r="http://schemas.openxmlformats.org/officeDocument/2006/relationships" xmlns:p="http://schemas.openxmlformats.org/presentationml/2006/main">
   <p:cSld>
     <p:spTree>
@@ -25545,6 +24623,119 @@
 </p:sld>
 </file>
 
+<file path=ppt/slides/slide75.xml><?xml version="1.0" encoding="utf-8"?>
+<p:sld xmlns:a="http://schemas.openxmlformats.org/drawingml/2006/main" xmlns:r="http://schemas.openxmlformats.org/officeDocument/2006/relationships" xmlns:p="http://schemas.openxmlformats.org/presentationml/2006/main">
+  <p:cSld>
+    <p:spTree>
+      <p:nvGrpSpPr>
+        <p:cNvPr id="1" name=""/>
+        <p:cNvGrpSpPr/>
+        <p:nvPr/>
+      </p:nvGrpSpPr>
+      <p:grpSpPr>
+        <a:xfrm>
+          <a:off x="0" y="0"/>
+          <a:ext cx="0" cy="0"/>
+          <a:chOff x="0" y="0"/>
+          <a:chExt cx="0" cy="0"/>
+        </a:xfrm>
+      </p:grpSpPr>
+      <p:sp>
+        <p:nvSpPr>
+          <p:cNvPr id="81922" name="Title 1">
+            <a:extLst>
+              <a:ext uri="{FF2B5EF4-FFF2-40B4-BE49-F238E27FC236}">
+                <a16:creationId xmlns:a16="http://schemas.microsoft.com/office/drawing/2014/main" id="{7AFA6515-62A4-787C-4470-30365BF9C447}"/>
+              </a:ext>
+            </a:extLst>
+          </p:cNvPr>
+          <p:cNvSpPr>
+            <a:spLocks noGrp="1" noChangeArrowheads="1"/>
+          </p:cNvSpPr>
+          <p:nvPr>
+            <p:ph type="title"/>
+          </p:nvPr>
+        </p:nvSpPr>
+        <p:spPr/>
+        <p:txBody>
+          <a:bodyPr/>
+          <a:lstStyle/>
+          <a:p>
+            <a:r>
+              <a:rPr lang="en-US" altLang="en-US"/>
+              <a:t>The Program</a:t>
+            </a:r>
+          </a:p>
+        </p:txBody>
+      </p:sp>
+      <p:pic>
+        <p:nvPicPr>
+          <p:cNvPr id="81923" name="Picture 1">
+            <a:extLst>
+              <a:ext uri="{FF2B5EF4-FFF2-40B4-BE49-F238E27FC236}">
+                <a16:creationId xmlns:a16="http://schemas.microsoft.com/office/drawing/2014/main" id="{98959DF1-6C43-364C-D1E9-614AC15D2BCB}"/>
+              </a:ext>
+            </a:extLst>
+          </p:cNvPr>
+          <p:cNvPicPr>
+            <a:picLocks noChangeAspect="1" noChangeArrowheads="1"/>
+          </p:cNvPicPr>
+          <p:nvPr/>
+        </p:nvPicPr>
+        <p:blipFill>
+          <a:blip r:embed="rId2">
+            <a:extLst>
+              <a:ext uri="{28A0092B-C50C-407E-A947-70E740481C1C}">
+                <a14:useLocalDpi xmlns:a14="http://schemas.microsoft.com/office/drawing/2010/main" val="0"/>
+              </a:ext>
+            </a:extLst>
+          </a:blip>
+          <a:srcRect/>
+          <a:stretch>
+            <a:fillRect/>
+          </a:stretch>
+        </p:blipFill>
+        <p:spPr bwMode="auto">
+          <a:xfrm>
+            <a:off x="990600" y="1295400"/>
+            <a:ext cx="6934200" cy="5113338"/>
+          </a:xfrm>
+          <a:prstGeom prst="rect">
+            <a:avLst/>
+          </a:prstGeom>
+          <a:noFill/>
+          <a:ln>
+            <a:noFill/>
+          </a:ln>
+          <a:extLst>
+            <a:ext uri="{909E8E84-426E-40DD-AFC4-6F175D3DCCD1}">
+              <a14:hiddenFill xmlns:a14="http://schemas.microsoft.com/office/drawing/2010/main">
+                <a:solidFill>
+                  <a:srgbClr val="FFFFFF"/>
+                </a:solidFill>
+              </a14:hiddenFill>
+            </a:ext>
+            <a:ext uri="{91240B29-F687-4F45-9708-019B960494DF}">
+              <a14:hiddenLine xmlns:a14="http://schemas.microsoft.com/office/drawing/2010/main" w="9525">
+                <a:solidFill>
+                  <a:srgbClr val="000000"/>
+                </a:solidFill>
+                <a:miter lim="800000"/>
+                <a:headEnd/>
+                <a:tailEnd/>
+              </a14:hiddenLine>
+            </a:ext>
+          </a:extLst>
+        </p:spPr>
+      </p:pic>
+    </p:spTree>
+  </p:cSld>
+  <p:clrMapOvr>
+    <a:masterClrMapping/>
+  </p:clrMapOvr>
+</p:sld>
+</file>
+
 <file path=ppt/slides/slide8.xml><?xml version="1.0" encoding="utf-8"?>
 <p:sld xmlns:a="http://schemas.openxmlformats.org/drawingml/2006/main" xmlns:r="http://schemas.openxmlformats.org/officeDocument/2006/relationships" xmlns:p="http://schemas.openxmlformats.org/presentationml/2006/main">
   <p:cSld>
@@ -25728,119 +24919,6 @@
           </p:spPr>
         </p:pic>
       </p:grpSp>
-    </p:spTree>
-  </p:cSld>
-  <p:clrMapOvr>
-    <a:masterClrMapping/>
-  </p:clrMapOvr>
-</p:sld>
-</file>
-
-<file path=ppt/slides/slide80.xml><?xml version="1.0" encoding="utf-8"?>
-<p:sld xmlns:a="http://schemas.openxmlformats.org/drawingml/2006/main" xmlns:r="http://schemas.openxmlformats.org/officeDocument/2006/relationships" xmlns:p="http://schemas.openxmlformats.org/presentationml/2006/main">
-  <p:cSld>
-    <p:spTree>
-      <p:nvGrpSpPr>
-        <p:cNvPr id="1" name=""/>
-        <p:cNvGrpSpPr/>
-        <p:nvPr/>
-      </p:nvGrpSpPr>
-      <p:grpSpPr>
-        <a:xfrm>
-          <a:off x="0" y="0"/>
-          <a:ext cx="0" cy="0"/>
-          <a:chOff x="0" y="0"/>
-          <a:chExt cx="0" cy="0"/>
-        </a:xfrm>
-      </p:grpSpPr>
-      <p:sp>
-        <p:nvSpPr>
-          <p:cNvPr id="81922" name="Title 1">
-            <a:extLst>
-              <a:ext uri="{FF2B5EF4-FFF2-40B4-BE49-F238E27FC236}">
-                <a16:creationId xmlns:a16="http://schemas.microsoft.com/office/drawing/2014/main" id="{7AFA6515-62A4-787C-4470-30365BF9C447}"/>
-              </a:ext>
-            </a:extLst>
-          </p:cNvPr>
-          <p:cNvSpPr>
-            <a:spLocks noGrp="1" noChangeArrowheads="1"/>
-          </p:cNvSpPr>
-          <p:nvPr>
-            <p:ph type="title"/>
-          </p:nvPr>
-        </p:nvSpPr>
-        <p:spPr/>
-        <p:txBody>
-          <a:bodyPr/>
-          <a:lstStyle/>
-          <a:p>
-            <a:r>
-              <a:rPr lang="en-US" altLang="en-US"/>
-              <a:t>The Program</a:t>
-            </a:r>
-          </a:p>
-        </p:txBody>
-      </p:sp>
-      <p:pic>
-        <p:nvPicPr>
-          <p:cNvPr id="81923" name="Picture 1">
-            <a:extLst>
-              <a:ext uri="{FF2B5EF4-FFF2-40B4-BE49-F238E27FC236}">
-                <a16:creationId xmlns:a16="http://schemas.microsoft.com/office/drawing/2014/main" id="{98959DF1-6C43-364C-D1E9-614AC15D2BCB}"/>
-              </a:ext>
-            </a:extLst>
-          </p:cNvPr>
-          <p:cNvPicPr>
-            <a:picLocks noChangeAspect="1" noChangeArrowheads="1"/>
-          </p:cNvPicPr>
-          <p:nvPr/>
-        </p:nvPicPr>
-        <p:blipFill>
-          <a:blip r:embed="rId2">
-            <a:extLst>
-              <a:ext uri="{28A0092B-C50C-407E-A947-70E740481C1C}">
-                <a14:useLocalDpi xmlns:a14="http://schemas.microsoft.com/office/drawing/2010/main" val="0"/>
-              </a:ext>
-            </a:extLst>
-          </a:blip>
-          <a:srcRect/>
-          <a:stretch>
-            <a:fillRect/>
-          </a:stretch>
-        </p:blipFill>
-        <p:spPr bwMode="auto">
-          <a:xfrm>
-            <a:off x="990600" y="1295400"/>
-            <a:ext cx="6934200" cy="5113338"/>
-          </a:xfrm>
-          <a:prstGeom prst="rect">
-            <a:avLst/>
-          </a:prstGeom>
-          <a:noFill/>
-          <a:ln>
-            <a:noFill/>
-          </a:ln>
-          <a:extLst>
-            <a:ext uri="{909E8E84-426E-40DD-AFC4-6F175D3DCCD1}">
-              <a14:hiddenFill xmlns:a14="http://schemas.microsoft.com/office/drawing/2010/main">
-                <a:solidFill>
-                  <a:srgbClr val="FFFFFF"/>
-                </a:solidFill>
-              </a14:hiddenFill>
-            </a:ext>
-            <a:ext uri="{91240B29-F687-4F45-9708-019B960494DF}">
-              <a14:hiddenLine xmlns:a14="http://schemas.microsoft.com/office/drawing/2010/main" w="9525">
-                <a:solidFill>
-                  <a:srgbClr val="000000"/>
-                </a:solidFill>
-                <a:miter lim="800000"/>
-                <a:headEnd/>
-                <a:tailEnd/>
-              </a14:hiddenLine>
-            </a:ext>
-          </a:extLst>
-        </p:spPr>
-      </p:pic>
     </p:spTree>
   </p:cSld>
   <p:clrMapOvr>

--- a/1400_03_Expressions and Interactivity.pptx
+++ b/1400_03_Expressions and Interactivity.pptx
@@ -5,7 +5,7 @@
     <p:sldMasterId id="2147483864" r:id="rId1"/>
   </p:sldMasterIdLst>
   <p:handoutMasterIdLst>
-    <p:handoutMasterId r:id="rId77"/>
+    <p:handoutMasterId r:id="rId71"/>
   </p:handoutMasterIdLst>
   <p:sldIdLst>
     <p:sldId id="338" r:id="rId2"/>
@@ -61,28 +61,22 @@
     <p:sldId id="313" r:id="rId52"/>
     <p:sldId id="330" r:id="rId53"/>
     <p:sldId id="331" r:id="rId54"/>
-    <p:sldId id="332" r:id="rId55"/>
-    <p:sldId id="333" r:id="rId56"/>
-    <p:sldId id="334" r:id="rId57"/>
-    <p:sldId id="335" r:id="rId58"/>
-    <p:sldId id="336" r:id="rId59"/>
-    <p:sldId id="337" r:id="rId60"/>
-    <p:sldId id="314" r:id="rId61"/>
-    <p:sldId id="315" r:id="rId62"/>
-    <p:sldId id="316" r:id="rId63"/>
-    <p:sldId id="317" r:id="rId64"/>
-    <p:sldId id="318" r:id="rId65"/>
-    <p:sldId id="319" r:id="rId66"/>
-    <p:sldId id="320" r:id="rId67"/>
-    <p:sldId id="321" r:id="rId68"/>
-    <p:sldId id="322" r:id="rId69"/>
-    <p:sldId id="323" r:id="rId70"/>
-    <p:sldId id="324" r:id="rId71"/>
-    <p:sldId id="325" r:id="rId72"/>
-    <p:sldId id="326" r:id="rId73"/>
-    <p:sldId id="327" r:id="rId74"/>
-    <p:sldId id="328" r:id="rId75"/>
-    <p:sldId id="329" r:id="rId76"/>
+    <p:sldId id="314" r:id="rId55"/>
+    <p:sldId id="315" r:id="rId56"/>
+    <p:sldId id="316" r:id="rId57"/>
+    <p:sldId id="317" r:id="rId58"/>
+    <p:sldId id="318" r:id="rId59"/>
+    <p:sldId id="319" r:id="rId60"/>
+    <p:sldId id="320" r:id="rId61"/>
+    <p:sldId id="321" r:id="rId62"/>
+    <p:sldId id="322" r:id="rId63"/>
+    <p:sldId id="323" r:id="rId64"/>
+    <p:sldId id="324" r:id="rId65"/>
+    <p:sldId id="325" r:id="rId66"/>
+    <p:sldId id="326" r:id="rId67"/>
+    <p:sldId id="327" r:id="rId68"/>
+    <p:sldId id="328" r:id="rId69"/>
+    <p:sldId id="329" r:id="rId70"/>
   </p:sldIdLst>
   <p:sldSz cx="9144000" cy="6858000" type="screen4x3"/>
   <p:notesSz cx="6858000" cy="9144000"/>
@@ -2535,7 +2529,7 @@
               <a:pPr>
                 <a:defRPr/>
               </a:pPr>
-              <a:t>9/26/2022</a:t>
+              <a:t>9/28/2022</a:t>
             </a:fld>
             <a:endParaRPr lang="en-US"/>
           </a:p>
@@ -2829,7 +2823,7 @@
           <a:p>
             <a:fld id="{96DFF08F-DC6B-4601-B491-B0F83F6DD2DA}" type="datetimeFigureOut">
               <a:rPr lang="en-US" smtClean="0"/>
-              <a:t>9/26/2022</a:t>
+              <a:t>9/28/2022</a:t>
             </a:fld>
             <a:endParaRPr lang="en-US"/>
           </a:p>
@@ -3079,7 +3073,7 @@
           <a:p>
             <a:fld id="{96DFF08F-DC6B-4601-B491-B0F83F6DD2DA}" type="datetimeFigureOut">
               <a:rPr lang="en-US" smtClean="0"/>
-              <a:t>9/26/2022</a:t>
+              <a:t>9/28/2022</a:t>
             </a:fld>
             <a:endParaRPr lang="en-US"/>
           </a:p>
@@ -3341,7 +3335,7 @@
           <a:p>
             <a:fld id="{96DFF08F-DC6B-4601-B491-B0F83F6DD2DA}" type="datetimeFigureOut">
               <a:rPr lang="en-US" smtClean="0"/>
-              <a:t>9/26/2022</a:t>
+              <a:t>9/28/2022</a:t>
             </a:fld>
             <a:endParaRPr lang="en-US"/>
           </a:p>
@@ -3515,7 +3509,7 @@
           <a:p>
             <a:fld id="{A3E28D29-1ECB-41DF-951B-2A23F95AD026}" type="datetimeFigureOut">
               <a:rPr lang="en-US" smtClean="0"/>
-              <a:t>9/26/2022</a:t>
+              <a:t>9/28/2022</a:t>
             </a:fld>
             <a:endParaRPr lang="en-US"/>
           </a:p>
@@ -3819,7 +3813,7 @@
           <a:p>
             <a:fld id="{96DFF08F-DC6B-4601-B491-B0F83F6DD2DA}" type="datetimeFigureOut">
               <a:rPr lang="en-US" smtClean="0"/>
-              <a:t>9/26/2022</a:t>
+              <a:t>9/28/2022</a:t>
             </a:fld>
             <a:endParaRPr lang="en-US"/>
           </a:p>
@@ -4135,7 +4129,7 @@
           <a:p>
             <a:fld id="{96DFF08F-DC6B-4601-B491-B0F83F6DD2DA}" type="datetimeFigureOut">
               <a:rPr lang="en-US" smtClean="0"/>
-              <a:t>9/26/2022</a:t>
+              <a:t>9/28/2022</a:t>
             </a:fld>
             <a:endParaRPr lang="en-US"/>
           </a:p>
@@ -4517,7 +4511,7 @@
           <a:p>
             <a:fld id="{96DFF08F-DC6B-4601-B491-B0F83F6DD2DA}" type="datetimeFigureOut">
               <a:rPr lang="en-US" smtClean="0"/>
-              <a:t>9/26/2022</a:t>
+              <a:t>9/28/2022</a:t>
             </a:fld>
             <a:endParaRPr lang="en-US"/>
           </a:p>
@@ -4640,7 +4634,7 @@
           <a:p>
             <a:fld id="{96DFF08F-DC6B-4601-B491-B0F83F6DD2DA}" type="datetimeFigureOut">
               <a:rPr lang="en-US" smtClean="0"/>
-              <a:t>9/26/2022</a:t>
+              <a:t>9/28/2022</a:t>
             </a:fld>
             <a:endParaRPr lang="en-US"/>
           </a:p>
@@ -4820,7 +4814,7 @@
             <a:fld id="{96DFF08F-DC6B-4601-B491-B0F83F6DD2DA}" type="datetimeFigureOut">
               <a:rPr lang="en-US" smtClean="0"/>
               <a:pPr/>
-              <a:t>9/26/2022</a:t>
+              <a:t>9/28/2022</a:t>
             </a:fld>
             <a:endParaRPr lang="en-US"/>
           </a:p>
@@ -5181,7 +5175,7 @@
             <a:fld id="{96DFF08F-DC6B-4601-B491-B0F83F6DD2DA}" type="datetimeFigureOut">
               <a:rPr lang="en-US" smtClean="0"/>
               <a:pPr/>
-              <a:t>9/26/2022</a:t>
+              <a:t>9/28/2022</a:t>
             </a:fld>
             <a:endParaRPr lang="en-US"/>
           </a:p>
@@ -5564,7 +5558,7 @@
           <a:p>
             <a:fld id="{96DFF08F-DC6B-4601-B491-B0F83F6DD2DA}" type="datetimeFigureOut">
               <a:rPr lang="en-US" smtClean="0"/>
-              <a:t>9/26/2022</a:t>
+              <a:t>9/28/2022</a:t>
             </a:fld>
             <a:endParaRPr lang="en-US"/>
           </a:p>
@@ -5858,7 +5852,7 @@
             <a:fld id="{96DFF08F-DC6B-4601-B491-B0F83F6DD2DA}" type="datetimeFigureOut">
               <a:rPr lang="en-US" smtClean="0"/>
               <a:pPr/>
-              <a:t>9/26/2022</a:t>
+              <a:t>9/28/2022</a:t>
             </a:fld>
             <a:endParaRPr lang="en-US"/>
           </a:p>
@@ -19290,10 +19284,10 @@
       </p:grpSpPr>
       <p:sp>
         <p:nvSpPr>
-          <p:cNvPr id="60418" name="Title 1">
+          <p:cNvPr id="66562" name="Title 1">
             <a:extLst>
               <a:ext uri="{FF2B5EF4-FFF2-40B4-BE49-F238E27FC236}">
-                <a16:creationId xmlns:a16="http://schemas.microsoft.com/office/drawing/2014/main" id="{09AED57D-0A3D-4FAE-E463-D98CD64A6F7E}"/>
+                <a16:creationId xmlns:a16="http://schemas.microsoft.com/office/drawing/2014/main" id="{FFEA66D1-8694-8AA9-A29C-BC000D9C032B}"/>
               </a:ext>
             </a:extLst>
           </p:cNvPr>
@@ -19301,7 +19295,7 @@
             <a:spLocks noGrp="1" noChangeArrowheads="1"/>
           </p:cNvSpPr>
           <p:nvPr>
-            <p:ph type="title"/>
+            <p:ph type="ctrTitle"/>
           </p:nvPr>
         </p:nvSpPr>
         <p:spPr/>
@@ -19309,191 +19303,40 @@
           <a:bodyPr/>
           <a:lstStyle/>
           <a:p>
+            <a:pPr eaLnBrk="1" hangingPunct="1"/>
             <a:r>
               <a:rPr lang="en-US" altLang="en-US"/>
-              <a:t>Generating Random Numbers</a:t>
+              <a:t>3.10</a:t>
             </a:r>
           </a:p>
         </p:txBody>
       </p:sp>
       <p:sp>
         <p:nvSpPr>
-          <p:cNvPr id="3" name="Content Placeholder 2">
+          <p:cNvPr id="66563" name="Subtitle 2">
             <a:extLst>
               <a:ext uri="{FF2B5EF4-FFF2-40B4-BE49-F238E27FC236}">
-                <a16:creationId xmlns:a16="http://schemas.microsoft.com/office/drawing/2014/main" id="{4C628B53-55FB-6A93-97A1-2B7195FAC9F7}"/>
+                <a16:creationId xmlns:a16="http://schemas.microsoft.com/office/drawing/2014/main" id="{80F4D9B7-5317-1712-FF0B-976CA7F99147}"/>
               </a:ext>
             </a:extLst>
           </p:cNvPr>
           <p:cNvSpPr>
-            <a:spLocks noGrp="1"/>
+            <a:spLocks noGrp="1" noChangeArrowheads="1"/>
           </p:cNvSpPr>
           <p:nvPr>
-            <p:ph idx="1"/>
+            <p:ph type="subTitle" idx="1"/>
           </p:nvPr>
         </p:nvSpPr>
         <p:spPr/>
         <p:txBody>
-          <a:bodyPr>
-            <a:normAutofit lnSpcReduction="10000"/>
-          </a:bodyPr>
+          <a:bodyPr/>
           <a:lstStyle/>
           <a:p>
-            <a:pPr>
-              <a:defRPr/>
-            </a:pPr>
-            <a:r>
-              <a:rPr lang="en-US" sz="2400"/>
-              <a:t>Example: Generate a random integer in the range 0-100:</a:t>
-            </a:r>
-            <a:br>
-              <a:rPr lang="en-US" sz="2400"/>
-            </a:br>
-            <a:br>
-              <a:rPr lang="en-US" sz="2400"/>
-            </a:br>
-            <a:br>
-              <a:rPr lang="en-US" sz="2400"/>
-            </a:br>
-            <a:r>
-              <a:rPr lang="en-US" sz="2000" err="1">
-                <a:latin typeface="Courier New" panose="02070309020205020404" pitchFamily="49" charset="0"/>
-                <a:cs typeface="Courier New" panose="02070309020205020404" pitchFamily="49" charset="0"/>
-              </a:rPr>
-              <a:t>random_device</a:t>
-            </a:r>
-            <a:r>
-              <a:rPr lang="en-US" sz="2000">
-                <a:latin typeface="Courier New" panose="02070309020205020404" pitchFamily="49" charset="0"/>
-                <a:cs typeface="Courier New" panose="02070309020205020404" pitchFamily="49" charset="0"/>
-              </a:rPr>
-              <a:t> </a:t>
-            </a:r>
-            <a:r>
-              <a:rPr lang="en-US" sz="2000" err="1">
-                <a:latin typeface="Courier New" panose="02070309020205020404" pitchFamily="49" charset="0"/>
-                <a:cs typeface="Courier New" panose="02070309020205020404" pitchFamily="49" charset="0"/>
-              </a:rPr>
-              <a:t>myEngine</a:t>
-            </a:r>
-            <a:r>
-              <a:rPr lang="en-US" sz="2000">
-                <a:latin typeface="Courier New" panose="02070309020205020404" pitchFamily="49" charset="0"/>
-                <a:cs typeface="Courier New" panose="02070309020205020404" pitchFamily="49" charset="0"/>
-              </a:rPr>
-              <a:t>;</a:t>
-            </a:r>
-            <a:br>
-              <a:rPr lang="en-US" sz="2000">
-                <a:latin typeface="Courier New" panose="02070309020205020404" pitchFamily="49" charset="0"/>
-                <a:cs typeface="Courier New" panose="02070309020205020404" pitchFamily="49" charset="0"/>
-              </a:rPr>
-            </a:br>
-            <a:br>
-              <a:rPr lang="en-US" sz="2000">
-                <a:latin typeface="Courier New" panose="02070309020205020404" pitchFamily="49" charset="0"/>
-                <a:cs typeface="Courier New" panose="02070309020205020404" pitchFamily="49" charset="0"/>
-              </a:rPr>
-            </a:br>
-            <a:r>
-              <a:rPr lang="en-US" sz="2000" err="1">
-                <a:latin typeface="Courier New" panose="02070309020205020404" pitchFamily="49" charset="0"/>
-                <a:cs typeface="Courier New" panose="02070309020205020404" pitchFamily="49" charset="0"/>
-              </a:rPr>
-              <a:t>uniform_int_distribution</a:t>
-            </a:r>
-            <a:r>
-              <a:rPr lang="en-US" sz="2000">
-                <a:latin typeface="Courier New" panose="02070309020205020404" pitchFamily="49" charset="0"/>
-                <a:cs typeface="Courier New" panose="02070309020205020404" pitchFamily="49" charset="0"/>
-              </a:rPr>
-              <a:t>&lt;int&gt; </a:t>
-            </a:r>
-            <a:r>
-              <a:rPr lang="en-US" sz="2000" err="1">
-                <a:latin typeface="Courier New" panose="02070309020205020404" pitchFamily="49" charset="0"/>
-                <a:cs typeface="Courier New" panose="02070309020205020404" pitchFamily="49" charset="0"/>
-              </a:rPr>
-              <a:t>randomInt</a:t>
-            </a:r>
-            <a:r>
-              <a:rPr lang="en-US" sz="2000">
-                <a:latin typeface="Courier New" panose="02070309020205020404" pitchFamily="49" charset="0"/>
-                <a:cs typeface="Courier New" panose="02070309020205020404" pitchFamily="49" charset="0"/>
-              </a:rPr>
-              <a:t>(0, 100);</a:t>
-            </a:r>
-            <a:br>
-              <a:rPr lang="en-US" sz="2000">
-                <a:latin typeface="Courier New" panose="02070309020205020404" pitchFamily="49" charset="0"/>
-                <a:cs typeface="Courier New" panose="02070309020205020404" pitchFamily="49" charset="0"/>
-              </a:rPr>
-            </a:br>
-            <a:br>
-              <a:rPr lang="en-US" sz="2000">
-                <a:latin typeface="Courier New" panose="02070309020205020404" pitchFamily="49" charset="0"/>
-                <a:cs typeface="Courier New" panose="02070309020205020404" pitchFamily="49" charset="0"/>
-              </a:rPr>
-            </a:br>
-            <a:r>
-              <a:rPr lang="en-US" sz="2000">
-                <a:latin typeface="Courier New" panose="02070309020205020404" pitchFamily="49" charset="0"/>
-                <a:cs typeface="Courier New" panose="02070309020205020404" pitchFamily="49" charset="0"/>
-              </a:rPr>
-              <a:t>int number = </a:t>
-            </a:r>
-            <a:r>
-              <a:rPr lang="en-US" sz="2000" err="1">
-                <a:latin typeface="Courier New" panose="02070309020205020404" pitchFamily="49" charset="0"/>
-                <a:cs typeface="Courier New" panose="02070309020205020404" pitchFamily="49" charset="0"/>
-              </a:rPr>
-              <a:t>randomInt</a:t>
-            </a:r>
-            <a:r>
-              <a:rPr lang="en-US" sz="2000">
-                <a:latin typeface="Courier New" panose="02070309020205020404" pitchFamily="49" charset="0"/>
-                <a:cs typeface="Courier New" panose="02070309020205020404" pitchFamily="49" charset="0"/>
-              </a:rPr>
-              <a:t>(</a:t>
-            </a:r>
-            <a:r>
-              <a:rPr lang="en-US" sz="2000" err="1">
-                <a:latin typeface="Courier New" panose="02070309020205020404" pitchFamily="49" charset="0"/>
-                <a:cs typeface="Courier New" panose="02070309020205020404" pitchFamily="49" charset="0"/>
-              </a:rPr>
-              <a:t>myEngine</a:t>
-            </a:r>
-            <a:r>
-              <a:rPr lang="en-US" sz="2000">
-                <a:latin typeface="Courier New" panose="02070309020205020404" pitchFamily="49" charset="0"/>
-                <a:cs typeface="Courier New" panose="02070309020205020404" pitchFamily="49" charset="0"/>
-              </a:rPr>
-              <a:t>);</a:t>
-            </a:r>
-            <a:br>
-              <a:rPr lang="en-US" sz="2400"/>
-            </a:br>
-            <a:endParaRPr lang="en-US" sz="2400"/>
-          </a:p>
-          <a:p>
-            <a:pPr marL="0" indent="0">
-              <a:buFontTx/>
-              <a:buNone/>
-              <a:defRPr/>
-            </a:pPr>
-            <a:br>
-              <a:rPr lang="en-US" sz="2400"/>
-            </a:br>
-            <a:br>
-              <a:rPr lang="en-US" sz="2400"/>
-            </a:br>
-            <a:br>
-              <a:rPr lang="en-US" sz="2400">
-                <a:latin typeface="Courier New" panose="02070309020205020404" pitchFamily="49" charset="0"/>
-                <a:cs typeface="Courier New" panose="02070309020205020404" pitchFamily="49" charset="0"/>
-              </a:rPr>
-            </a:br>
-            <a:endParaRPr lang="en-US" sz="2400"/>
+            <a:pPr eaLnBrk="1" hangingPunct="1"/>
+            <a:r>
+              <a:rPr lang="en-US" altLang="en-US"/>
+              <a:t>Hand Tracing a Program</a:t>
+            </a:r>
           </a:p>
         </p:txBody>
       </p:sp>
@@ -19524,10 +19367,10 @@
       </p:grpSpPr>
       <p:sp>
         <p:nvSpPr>
-          <p:cNvPr id="61442" name="Title 1">
+          <p:cNvPr id="67586" name="Title 1">
             <a:extLst>
               <a:ext uri="{FF2B5EF4-FFF2-40B4-BE49-F238E27FC236}">
-                <a16:creationId xmlns:a16="http://schemas.microsoft.com/office/drawing/2014/main" id="{58BDA499-5AF6-9C90-3531-E0D37747D102}"/>
+                <a16:creationId xmlns:a16="http://schemas.microsoft.com/office/drawing/2014/main" id="{2A88FDAC-7ACA-9C7C-F162-5C08B66B4F0F}"/>
               </a:ext>
             </a:extLst>
           </p:cNvPr>
@@ -19543,463 +19386,70 @@
           <a:bodyPr/>
           <a:lstStyle/>
           <a:p>
+            <a:pPr eaLnBrk="1" hangingPunct="1"/>
             <a:r>
               <a:rPr lang="en-US" altLang="en-US"/>
-              <a:t>Generating Random Numbers</a:t>
+              <a:t>Hand Tracing a Program</a:t>
             </a:r>
           </a:p>
         </p:txBody>
       </p:sp>
       <p:sp>
         <p:nvSpPr>
-          <p:cNvPr id="3" name="Content Placeholder 2">
+          <p:cNvPr id="67587" name="Content Placeholder 2">
             <a:extLst>
               <a:ext uri="{FF2B5EF4-FFF2-40B4-BE49-F238E27FC236}">
-                <a16:creationId xmlns:a16="http://schemas.microsoft.com/office/drawing/2014/main" id="{2A782272-99CA-E0C9-A043-34E5EBF150E5}"/>
+                <a16:creationId xmlns:a16="http://schemas.microsoft.com/office/drawing/2014/main" id="{AD934783-F5EB-0044-9088-1AC5FE7B41DE}"/>
               </a:ext>
             </a:extLst>
           </p:cNvPr>
           <p:cNvSpPr>
-            <a:spLocks noGrp="1"/>
+            <a:spLocks noGrp="1" noChangeArrowheads="1"/>
           </p:cNvSpPr>
           <p:nvPr>
             <p:ph idx="1"/>
           </p:nvPr>
         </p:nvSpPr>
-        <p:spPr/>
+        <p:spPr>
+          <a:xfrm>
+            <a:off x="822959" y="1864145"/>
+            <a:ext cx="7543801" cy="4023360"/>
+          </a:xfrm>
+        </p:spPr>
         <p:txBody>
-          <a:bodyPr>
-            <a:normAutofit lnSpcReduction="10000"/>
-          </a:bodyPr>
+          <a:bodyPr/>
           <a:lstStyle/>
           <a:p>
-            <a:pPr>
-              <a:defRPr/>
-            </a:pPr>
-            <a:r>
-              <a:rPr lang="en-US" sz="2400"/>
-              <a:t>Example: Generate a random integer in the range 0-100:</a:t>
-            </a:r>
-            <a:br>
-              <a:rPr lang="en-US" sz="2400"/>
-            </a:br>
-            <a:br>
-              <a:rPr lang="en-US" sz="2400"/>
-            </a:br>
-            <a:br>
-              <a:rPr lang="en-US" sz="2400"/>
-            </a:br>
-            <a:r>
-              <a:rPr lang="en-US" sz="2000" err="1">
-                <a:latin typeface="Courier New" panose="02070309020205020404" pitchFamily="49" charset="0"/>
-                <a:cs typeface="Courier New" panose="02070309020205020404" pitchFamily="49" charset="0"/>
-              </a:rPr>
-              <a:t>random_device</a:t>
-            </a:r>
-            <a:r>
-              <a:rPr lang="en-US" sz="2000">
-                <a:latin typeface="Courier New" panose="02070309020205020404" pitchFamily="49" charset="0"/>
-                <a:cs typeface="Courier New" panose="02070309020205020404" pitchFamily="49" charset="0"/>
-              </a:rPr>
-              <a:t> </a:t>
-            </a:r>
-            <a:r>
-              <a:rPr lang="en-US" sz="2000" err="1">
-                <a:latin typeface="Courier New" panose="02070309020205020404" pitchFamily="49" charset="0"/>
-                <a:cs typeface="Courier New" panose="02070309020205020404" pitchFamily="49" charset="0"/>
-              </a:rPr>
-              <a:t>myEngine</a:t>
-            </a:r>
-            <a:r>
-              <a:rPr lang="en-US" sz="2000">
-                <a:latin typeface="Courier New" panose="02070309020205020404" pitchFamily="49" charset="0"/>
-                <a:cs typeface="Courier New" panose="02070309020205020404" pitchFamily="49" charset="0"/>
-              </a:rPr>
-              <a:t>;</a:t>
-            </a:r>
-            <a:br>
-              <a:rPr lang="en-US" sz="2000">
-                <a:latin typeface="Courier New" panose="02070309020205020404" pitchFamily="49" charset="0"/>
-                <a:cs typeface="Courier New" panose="02070309020205020404" pitchFamily="49" charset="0"/>
-              </a:rPr>
-            </a:br>
-            <a:br>
-              <a:rPr lang="en-US" sz="2000">
-                <a:latin typeface="Courier New" panose="02070309020205020404" pitchFamily="49" charset="0"/>
-                <a:cs typeface="Courier New" panose="02070309020205020404" pitchFamily="49" charset="0"/>
-              </a:rPr>
-            </a:br>
-            <a:r>
-              <a:rPr lang="en-US" sz="2000" err="1">
-                <a:latin typeface="Courier New" panose="02070309020205020404" pitchFamily="49" charset="0"/>
-                <a:cs typeface="Courier New" panose="02070309020205020404" pitchFamily="49" charset="0"/>
-              </a:rPr>
-              <a:t>uniform_int_distribution</a:t>
-            </a:r>
-            <a:r>
-              <a:rPr lang="en-US" sz="2000">
-                <a:latin typeface="Courier New" panose="02070309020205020404" pitchFamily="49" charset="0"/>
-                <a:cs typeface="Courier New" panose="02070309020205020404" pitchFamily="49" charset="0"/>
-              </a:rPr>
-              <a:t>&lt;int&gt; </a:t>
-            </a:r>
-            <a:r>
-              <a:rPr lang="en-US" sz="2000" err="1">
-                <a:latin typeface="Courier New" panose="02070309020205020404" pitchFamily="49" charset="0"/>
-                <a:cs typeface="Courier New" panose="02070309020205020404" pitchFamily="49" charset="0"/>
-              </a:rPr>
-              <a:t>randomInt</a:t>
-            </a:r>
-            <a:r>
-              <a:rPr lang="en-US" sz="2000">
-                <a:latin typeface="Courier New" panose="02070309020205020404" pitchFamily="49" charset="0"/>
-                <a:cs typeface="Courier New" panose="02070309020205020404" pitchFamily="49" charset="0"/>
-              </a:rPr>
-              <a:t>(0, 100);</a:t>
-            </a:r>
-            <a:br>
-              <a:rPr lang="en-US" sz="2000">
-                <a:latin typeface="Courier New" panose="02070309020205020404" pitchFamily="49" charset="0"/>
-                <a:cs typeface="Courier New" panose="02070309020205020404" pitchFamily="49" charset="0"/>
-              </a:rPr>
-            </a:br>
-            <a:br>
-              <a:rPr lang="en-US" sz="2000">
-                <a:latin typeface="Courier New" panose="02070309020205020404" pitchFamily="49" charset="0"/>
-                <a:cs typeface="Courier New" panose="02070309020205020404" pitchFamily="49" charset="0"/>
-              </a:rPr>
-            </a:br>
-            <a:r>
-              <a:rPr lang="en-US" sz="2000">
-                <a:latin typeface="Courier New" panose="02070309020205020404" pitchFamily="49" charset="0"/>
-                <a:cs typeface="Courier New" panose="02070309020205020404" pitchFamily="49" charset="0"/>
-              </a:rPr>
-              <a:t>int number = </a:t>
-            </a:r>
-            <a:r>
-              <a:rPr lang="en-US" sz="2000" err="1">
-                <a:latin typeface="Courier New" panose="02070309020205020404" pitchFamily="49" charset="0"/>
-                <a:cs typeface="Courier New" panose="02070309020205020404" pitchFamily="49" charset="0"/>
-              </a:rPr>
-              <a:t>randomInt</a:t>
-            </a:r>
-            <a:r>
-              <a:rPr lang="en-US" sz="2000">
-                <a:latin typeface="Courier New" panose="02070309020205020404" pitchFamily="49" charset="0"/>
-                <a:cs typeface="Courier New" panose="02070309020205020404" pitchFamily="49" charset="0"/>
-              </a:rPr>
-              <a:t>(</a:t>
-            </a:r>
-            <a:r>
-              <a:rPr lang="en-US" sz="2000" err="1">
-                <a:latin typeface="Courier New" panose="02070309020205020404" pitchFamily="49" charset="0"/>
-                <a:cs typeface="Courier New" panose="02070309020205020404" pitchFamily="49" charset="0"/>
-              </a:rPr>
-              <a:t>myEngine</a:t>
-            </a:r>
-            <a:r>
-              <a:rPr lang="en-US" sz="2000">
-                <a:latin typeface="Courier New" panose="02070309020205020404" pitchFamily="49" charset="0"/>
-                <a:cs typeface="Courier New" panose="02070309020205020404" pitchFamily="49" charset="0"/>
-              </a:rPr>
-              <a:t>);</a:t>
-            </a:r>
-            <a:br>
-              <a:rPr lang="en-US" sz="2400"/>
-            </a:br>
-            <a:endParaRPr lang="en-US" sz="2400"/>
-          </a:p>
-          <a:p>
-            <a:pPr marL="0" indent="0">
-              <a:buFontTx/>
-              <a:buNone/>
-              <a:defRPr/>
-            </a:pPr>
-            <a:br>
-              <a:rPr lang="en-US" sz="2400"/>
-            </a:br>
-            <a:br>
-              <a:rPr lang="en-US" sz="2400"/>
-            </a:br>
-            <a:br>
-              <a:rPr lang="en-US" sz="2400">
-                <a:latin typeface="Courier New" panose="02070309020205020404" pitchFamily="49" charset="0"/>
-                <a:cs typeface="Courier New" panose="02070309020205020404" pitchFamily="49" charset="0"/>
-              </a:rPr>
-            </a:br>
-            <a:endParaRPr lang="en-US" sz="2400"/>
+            <a:r>
+              <a:rPr lang="en-US" altLang="en-US" dirty="0"/>
+              <a:t>Hand trace a program: act as if you are the computer, executing a program:</a:t>
+            </a:r>
+          </a:p>
+          <a:p>
+            <a:pPr lvl="1"/>
+            <a:r>
+              <a:rPr lang="en-US" altLang="en-US" dirty="0"/>
+              <a:t>step through and ‘execute’ each statement, one-by-one</a:t>
+            </a:r>
+          </a:p>
+          <a:p>
+            <a:pPr lvl="1"/>
+            <a:r>
+              <a:rPr lang="en-US" altLang="en-US" dirty="0"/>
+              <a:t>record the contents of variables after statement execution, using a hand trace chart (table)</a:t>
+            </a:r>
+          </a:p>
+          <a:p>
+            <a:r>
+              <a:rPr lang="en-US" altLang="en-US" dirty="0"/>
+              <a:t>Useful to locate logic or mathematical errors</a:t>
+            </a:r>
+          </a:p>
+          <a:p>
+            <a:endParaRPr lang="en-US" altLang="en-US" dirty="0"/>
           </a:p>
         </p:txBody>
       </p:sp>
-      <p:sp>
-        <p:nvSpPr>
-          <p:cNvPr id="61444" name="TextBox 3">
-            <a:extLst>
-              <a:ext uri="{FF2B5EF4-FFF2-40B4-BE49-F238E27FC236}">
-                <a16:creationId xmlns:a16="http://schemas.microsoft.com/office/drawing/2014/main" id="{69B5D4B3-E088-3010-2DD5-5E55945C13EA}"/>
-              </a:ext>
-            </a:extLst>
-          </p:cNvPr>
-          <p:cNvSpPr txBox="1">
-            <a:spLocks noChangeArrowheads="1"/>
-          </p:cNvSpPr>
-          <p:nvPr/>
-        </p:nvSpPr>
-        <p:spPr bwMode="auto">
-          <a:xfrm>
-            <a:off x="5053013" y="2362200"/>
-            <a:ext cx="3633787" cy="646113"/>
-          </a:xfrm>
-          <a:prstGeom prst="rect">
-            <a:avLst/>
-          </a:prstGeom>
-          <a:noFill/>
-          <a:ln>
-            <a:noFill/>
-          </a:ln>
-          <a:extLst>
-            <a:ext uri="{909E8E84-426E-40DD-AFC4-6F175D3DCCD1}">
-              <a14:hiddenFill xmlns:a14="http://schemas.microsoft.com/office/drawing/2010/main">
-                <a:solidFill>
-                  <a:srgbClr val="FFFFFF"/>
-                </a:solidFill>
-              </a14:hiddenFill>
-            </a:ext>
-            <a:ext uri="{91240B29-F687-4F45-9708-019B960494DF}">
-              <a14:hiddenLine xmlns:a14="http://schemas.microsoft.com/office/drawing/2010/main" w="9525">
-                <a:solidFill>
-                  <a:srgbClr val="000000"/>
-                </a:solidFill>
-                <a:miter lim="800000"/>
-                <a:headEnd/>
-                <a:tailEnd/>
-              </a14:hiddenLine>
-            </a:ext>
-          </a:extLst>
-        </p:spPr>
-        <p:txBody>
-          <a:bodyPr wrap="none">
-            <a:spAutoFit/>
-          </a:bodyPr>
-          <a:lstStyle>
-            <a:lvl1pPr>
-              <a:spcBef>
-                <a:spcPct val="20000"/>
-              </a:spcBef>
-              <a:buChar char="•"/>
-              <a:defRPr sz="3200">
-                <a:solidFill>
-                  <a:schemeClr val="tx1"/>
-                </a:solidFill>
-                <a:latin typeface="Arial" panose="020B0604020202020204" pitchFamily="34" charset="0"/>
-                <a:cs typeface="Arial" panose="020B0604020202020204" pitchFamily="34" charset="0"/>
-              </a:defRPr>
-            </a:lvl1pPr>
-            <a:lvl2pPr marL="742950" indent="-285750">
-              <a:spcBef>
-                <a:spcPct val="20000"/>
-              </a:spcBef>
-              <a:buChar char="–"/>
-              <a:defRPr sz="2800">
-                <a:solidFill>
-                  <a:schemeClr val="tx1"/>
-                </a:solidFill>
-                <a:latin typeface="Arial" panose="020B0604020202020204" pitchFamily="34" charset="0"/>
-                <a:cs typeface="Arial" panose="020B0604020202020204" pitchFamily="34" charset="0"/>
-              </a:defRPr>
-            </a:lvl2pPr>
-            <a:lvl3pPr marL="1143000" indent="-228600">
-              <a:spcBef>
-                <a:spcPct val="20000"/>
-              </a:spcBef>
-              <a:buChar char="•"/>
-              <a:defRPr sz="2400">
-                <a:solidFill>
-                  <a:schemeClr val="tx1"/>
-                </a:solidFill>
-                <a:latin typeface="Arial" panose="020B0604020202020204" pitchFamily="34" charset="0"/>
-                <a:cs typeface="Arial" panose="020B0604020202020204" pitchFamily="34" charset="0"/>
-              </a:defRPr>
-            </a:lvl3pPr>
-            <a:lvl4pPr marL="1600200" indent="-228600">
-              <a:spcBef>
-                <a:spcPct val="20000"/>
-              </a:spcBef>
-              <a:buChar char="–"/>
-              <a:defRPr sz="2000">
-                <a:solidFill>
-                  <a:schemeClr val="tx1"/>
-                </a:solidFill>
-                <a:latin typeface="Arial" panose="020B0604020202020204" pitchFamily="34" charset="0"/>
-                <a:cs typeface="Arial" panose="020B0604020202020204" pitchFamily="34" charset="0"/>
-              </a:defRPr>
-            </a:lvl4pPr>
-            <a:lvl5pPr marL="2057400" indent="-228600">
-              <a:spcBef>
-                <a:spcPct val="20000"/>
-              </a:spcBef>
-              <a:buChar char="»"/>
-              <a:defRPr sz="2000">
-                <a:solidFill>
-                  <a:schemeClr val="tx1"/>
-                </a:solidFill>
-                <a:latin typeface="Arial" panose="020B0604020202020204" pitchFamily="34" charset="0"/>
-                <a:cs typeface="Arial" panose="020B0604020202020204" pitchFamily="34" charset="0"/>
-              </a:defRPr>
-            </a:lvl5pPr>
-            <a:lvl6pPr marL="2514600" indent="-228600" eaLnBrk="0" fontAlgn="base" hangingPunct="0">
-              <a:spcBef>
-                <a:spcPct val="20000"/>
-              </a:spcBef>
-              <a:spcAft>
-                <a:spcPct val="0"/>
-              </a:spcAft>
-              <a:buChar char="»"/>
-              <a:defRPr sz="2000">
-                <a:solidFill>
-                  <a:schemeClr val="tx1"/>
-                </a:solidFill>
-                <a:latin typeface="Arial" panose="020B0604020202020204" pitchFamily="34" charset="0"/>
-                <a:cs typeface="Arial" panose="020B0604020202020204" pitchFamily="34" charset="0"/>
-              </a:defRPr>
-            </a:lvl6pPr>
-            <a:lvl7pPr marL="2971800" indent="-228600" eaLnBrk="0" fontAlgn="base" hangingPunct="0">
-              <a:spcBef>
-                <a:spcPct val="20000"/>
-              </a:spcBef>
-              <a:spcAft>
-                <a:spcPct val="0"/>
-              </a:spcAft>
-              <a:buChar char="»"/>
-              <a:defRPr sz="2000">
-                <a:solidFill>
-                  <a:schemeClr val="tx1"/>
-                </a:solidFill>
-                <a:latin typeface="Arial" panose="020B0604020202020204" pitchFamily="34" charset="0"/>
-                <a:cs typeface="Arial" panose="020B0604020202020204" pitchFamily="34" charset="0"/>
-              </a:defRPr>
-            </a:lvl7pPr>
-            <a:lvl8pPr marL="3429000" indent="-228600" eaLnBrk="0" fontAlgn="base" hangingPunct="0">
-              <a:spcBef>
-                <a:spcPct val="20000"/>
-              </a:spcBef>
-              <a:spcAft>
-                <a:spcPct val="0"/>
-              </a:spcAft>
-              <a:buChar char="»"/>
-              <a:defRPr sz="2000">
-                <a:solidFill>
-                  <a:schemeClr val="tx1"/>
-                </a:solidFill>
-                <a:latin typeface="Arial" panose="020B0604020202020204" pitchFamily="34" charset="0"/>
-                <a:cs typeface="Arial" panose="020B0604020202020204" pitchFamily="34" charset="0"/>
-              </a:defRPr>
-            </a:lvl8pPr>
-            <a:lvl9pPr marL="3886200" indent="-228600" eaLnBrk="0" fontAlgn="base" hangingPunct="0">
-              <a:spcBef>
-                <a:spcPct val="20000"/>
-              </a:spcBef>
-              <a:spcAft>
-                <a:spcPct val="0"/>
-              </a:spcAft>
-              <a:buChar char="»"/>
-              <a:defRPr sz="2000">
-                <a:solidFill>
-                  <a:schemeClr val="tx1"/>
-                </a:solidFill>
-                <a:latin typeface="Arial" panose="020B0604020202020204" pitchFamily="34" charset="0"/>
-                <a:cs typeface="Arial" panose="020B0604020202020204" pitchFamily="34" charset="0"/>
-              </a:defRPr>
-            </a:lvl9pPr>
-          </a:lstStyle>
-          <a:p>
-            <a:pPr>
-              <a:spcBef>
-                <a:spcPct val="0"/>
-              </a:spcBef>
-              <a:buFontTx/>
-              <a:buNone/>
-            </a:pPr>
-            <a:r>
-              <a:rPr lang="en-US" altLang="en-US" sz="1800">
-                <a:solidFill>
-                  <a:srgbClr val="FA8218"/>
-                </a:solidFill>
-              </a:rPr>
-              <a:t>Creates a random number engine</a:t>
-            </a:r>
-          </a:p>
-          <a:p>
-            <a:pPr>
-              <a:spcBef>
-                <a:spcPct val="0"/>
-              </a:spcBef>
-              <a:buFontTx/>
-              <a:buNone/>
-            </a:pPr>
-            <a:r>
-              <a:rPr lang="en-US" altLang="en-US" sz="1800">
-                <a:solidFill>
-                  <a:srgbClr val="FA8218"/>
-                </a:solidFill>
-              </a:rPr>
-              <a:t>named </a:t>
-            </a:r>
-            <a:r>
-              <a:rPr lang="en-US" altLang="en-US" sz="1800" b="1">
-                <a:solidFill>
-                  <a:srgbClr val="FA8218"/>
-                </a:solidFill>
-                <a:latin typeface="Courier New" panose="02070309020205020404" pitchFamily="49" charset="0"/>
-                <a:cs typeface="Courier New" panose="02070309020205020404" pitchFamily="49" charset="0"/>
-              </a:rPr>
-              <a:t>myEngine</a:t>
-            </a:r>
-          </a:p>
-        </p:txBody>
-      </p:sp>
-      <p:cxnSp>
-        <p:nvCxnSpPr>
-          <p:cNvPr id="6" name="Straight Arrow Connector 5">
-            <a:extLst>
-              <a:ext uri="{FF2B5EF4-FFF2-40B4-BE49-F238E27FC236}">
-                <a16:creationId xmlns:a16="http://schemas.microsoft.com/office/drawing/2014/main" id="{CD00B06E-49C6-F34B-18B2-5DDCB46E0A27}"/>
-              </a:ext>
-            </a:extLst>
-          </p:cNvPr>
-          <p:cNvCxnSpPr/>
-          <p:nvPr/>
-        </p:nvCxnSpPr>
-        <p:spPr>
-          <a:xfrm flipH="1">
-            <a:off x="4419600" y="2686050"/>
-            <a:ext cx="633413" cy="209550"/>
-          </a:xfrm>
-          <a:prstGeom prst="straightConnector1">
-            <a:avLst/>
-          </a:prstGeom>
-          <a:ln w="38100">
-            <a:solidFill>
-              <a:srgbClr val="FA8218"/>
-            </a:solidFill>
-            <a:tailEnd type="triangle"/>
-          </a:ln>
-        </p:spPr>
-        <p:style>
-          <a:lnRef idx="1">
-            <a:schemeClr val="accent1"/>
-          </a:lnRef>
-          <a:fillRef idx="0">
-            <a:schemeClr val="accent1"/>
-          </a:fillRef>
-          <a:effectRef idx="0">
-            <a:schemeClr val="accent1"/>
-          </a:effectRef>
-          <a:fontRef idx="minor">
-            <a:schemeClr val="tx1"/>
-          </a:fontRef>
-        </p:style>
-      </p:cxnSp>
     </p:spTree>
   </p:cSld>
   <p:clrMapOvr>
@@ -20027,15 +19477,15 @@
       </p:grpSpPr>
       <p:sp>
         <p:nvSpPr>
-          <p:cNvPr id="62466" name="Title 1">
+          <p:cNvPr id="2" name="Title 1">
             <a:extLst>
               <a:ext uri="{FF2B5EF4-FFF2-40B4-BE49-F238E27FC236}">
-                <a16:creationId xmlns:a16="http://schemas.microsoft.com/office/drawing/2014/main" id="{D43258F8-25DD-1E3E-09FD-9119A16D28B5}"/>
+                <a16:creationId xmlns:a16="http://schemas.microsoft.com/office/drawing/2014/main" id="{A01B6B5C-7CEA-BC40-6212-7EBBE64A3E8C}"/>
               </a:ext>
             </a:extLst>
           </p:cNvPr>
           <p:cNvSpPr>
-            <a:spLocks noGrp="1" noChangeArrowheads="1"/>
+            <a:spLocks noGrp="1"/>
           </p:cNvSpPr>
           <p:nvPr>
             <p:ph type="title"/>
@@ -20043,36 +19493,8 @@
         </p:nvSpPr>
         <p:spPr/>
         <p:txBody>
-          <a:bodyPr/>
-          <a:lstStyle/>
-          <a:p>
-            <a:r>
-              <a:rPr lang="en-US" altLang="en-US"/>
-              <a:t>Generating Random Numbers</a:t>
-            </a:r>
-          </a:p>
-        </p:txBody>
-      </p:sp>
-      <p:sp>
-        <p:nvSpPr>
-          <p:cNvPr id="3" name="Content Placeholder 2">
-            <a:extLst>
-              <a:ext uri="{FF2B5EF4-FFF2-40B4-BE49-F238E27FC236}">
-                <a16:creationId xmlns:a16="http://schemas.microsoft.com/office/drawing/2014/main" id="{F8009224-9EA5-E5BB-7532-19E642349CD3}"/>
-              </a:ext>
-            </a:extLst>
-          </p:cNvPr>
-          <p:cNvSpPr>
-            <a:spLocks noGrp="1"/>
-          </p:cNvSpPr>
-          <p:nvPr>
-            <p:ph idx="1"/>
-          </p:nvPr>
-        </p:nvSpPr>
-        <p:spPr/>
-        <p:txBody>
           <a:bodyPr>
-            <a:normAutofit lnSpcReduction="10000"/>
+            <a:normAutofit/>
           </a:bodyPr>
           <a:lstStyle/>
           <a:p>
@@ -20080,996 +19502,18 @@
               <a:defRPr/>
             </a:pPr>
             <a:r>
-              <a:rPr lang="en-US" sz="2400" dirty="0"/>
-              <a:t>Example: Generate a random integer in the range 0-100:</a:t>
-            </a:r>
-            <a:br>
-              <a:rPr lang="en-US" sz="2400" dirty="0"/>
-            </a:br>
-            <a:br>
-              <a:rPr lang="en-US" sz="2400" dirty="0"/>
-            </a:br>
-            <a:br>
-              <a:rPr lang="en-US" sz="2400" dirty="0"/>
-            </a:br>
-            <a:r>
-              <a:rPr lang="en-US" sz="2000" dirty="0" err="1">
-                <a:latin typeface="Courier New" panose="02070309020205020404" pitchFamily="49" charset="0"/>
-                <a:cs typeface="Courier New" panose="02070309020205020404" pitchFamily="49" charset="0"/>
-              </a:rPr>
-              <a:t>random_device</a:t>
-            </a:r>
-            <a:r>
-              <a:rPr lang="en-US" sz="2000" dirty="0">
-                <a:latin typeface="Courier New" panose="02070309020205020404" pitchFamily="49" charset="0"/>
-                <a:cs typeface="Courier New" panose="02070309020205020404" pitchFamily="49" charset="0"/>
-              </a:rPr>
-              <a:t> </a:t>
-            </a:r>
-            <a:r>
-              <a:rPr lang="en-US" sz="2000" dirty="0" err="1">
-                <a:latin typeface="Courier New" panose="02070309020205020404" pitchFamily="49" charset="0"/>
-                <a:cs typeface="Courier New" panose="02070309020205020404" pitchFamily="49" charset="0"/>
-              </a:rPr>
-              <a:t>myEngine</a:t>
-            </a:r>
-            <a:r>
-              <a:rPr lang="en-US" sz="2000" dirty="0">
-                <a:latin typeface="Courier New" panose="02070309020205020404" pitchFamily="49" charset="0"/>
-                <a:cs typeface="Courier New" panose="02070309020205020404" pitchFamily="49" charset="0"/>
-              </a:rPr>
-              <a:t>;</a:t>
-            </a:r>
-            <a:br>
-              <a:rPr lang="en-US" sz="2000" dirty="0">
-                <a:latin typeface="Courier New" panose="02070309020205020404" pitchFamily="49" charset="0"/>
-                <a:cs typeface="Courier New" panose="02070309020205020404" pitchFamily="49" charset="0"/>
-              </a:rPr>
-            </a:br>
-            <a:br>
-              <a:rPr lang="en-US" sz="2000" dirty="0">
-                <a:latin typeface="Courier New" panose="02070309020205020404" pitchFamily="49" charset="0"/>
-                <a:cs typeface="Courier New" panose="02070309020205020404" pitchFamily="49" charset="0"/>
-              </a:rPr>
-            </a:br>
-            <a:r>
-              <a:rPr lang="en-US" sz="2000" dirty="0" err="1">
-                <a:latin typeface="Courier New" panose="02070309020205020404" pitchFamily="49" charset="0"/>
-                <a:cs typeface="Courier New" panose="02070309020205020404" pitchFamily="49" charset="0"/>
-              </a:rPr>
-              <a:t>uniform_int_distribution</a:t>
-            </a:r>
-            <a:r>
-              <a:rPr lang="en-US" sz="2000" dirty="0">
-                <a:latin typeface="Courier New" panose="02070309020205020404" pitchFamily="49" charset="0"/>
-                <a:cs typeface="Courier New" panose="02070309020205020404" pitchFamily="49" charset="0"/>
-              </a:rPr>
-              <a:t>&lt;int&gt; </a:t>
-            </a:r>
-            <a:r>
-              <a:rPr lang="en-US" sz="2000" dirty="0" err="1">
-                <a:latin typeface="Courier New" panose="02070309020205020404" pitchFamily="49" charset="0"/>
-                <a:cs typeface="Courier New" panose="02070309020205020404" pitchFamily="49" charset="0"/>
-              </a:rPr>
-              <a:t>randomInt</a:t>
-            </a:r>
-            <a:r>
-              <a:rPr lang="en-US" sz="2000" dirty="0">
-                <a:latin typeface="Courier New" panose="02070309020205020404" pitchFamily="49" charset="0"/>
-                <a:cs typeface="Courier New" panose="02070309020205020404" pitchFamily="49" charset="0"/>
-              </a:rPr>
-              <a:t>(0, 100);</a:t>
-            </a:r>
-            <a:br>
-              <a:rPr lang="en-US" sz="2000" dirty="0">
-                <a:latin typeface="Courier New" panose="02070309020205020404" pitchFamily="49" charset="0"/>
-                <a:cs typeface="Courier New" panose="02070309020205020404" pitchFamily="49" charset="0"/>
-              </a:rPr>
-            </a:br>
-            <a:br>
-              <a:rPr lang="en-US" sz="2000" dirty="0">
-                <a:latin typeface="Courier New" panose="02070309020205020404" pitchFamily="49" charset="0"/>
-                <a:cs typeface="Courier New" panose="02070309020205020404" pitchFamily="49" charset="0"/>
-              </a:rPr>
-            </a:br>
-            <a:r>
-              <a:rPr lang="en-US" sz="2000" dirty="0">
-                <a:latin typeface="Courier New" panose="02070309020205020404" pitchFamily="49" charset="0"/>
-                <a:cs typeface="Courier New" panose="02070309020205020404" pitchFamily="49" charset="0"/>
-              </a:rPr>
-              <a:t>int number = </a:t>
-            </a:r>
-            <a:r>
-              <a:rPr lang="en-US" sz="2000" dirty="0" err="1">
-                <a:latin typeface="Courier New" panose="02070309020205020404" pitchFamily="49" charset="0"/>
-                <a:cs typeface="Courier New" panose="02070309020205020404" pitchFamily="49" charset="0"/>
-              </a:rPr>
-              <a:t>randomInt</a:t>
-            </a:r>
-            <a:r>
-              <a:rPr lang="en-US" sz="2000" dirty="0">
-                <a:latin typeface="Courier New" panose="02070309020205020404" pitchFamily="49" charset="0"/>
-                <a:cs typeface="Courier New" panose="02070309020205020404" pitchFamily="49" charset="0"/>
-              </a:rPr>
-              <a:t>(</a:t>
-            </a:r>
-            <a:r>
-              <a:rPr lang="en-US" sz="2000" dirty="0" err="1">
-                <a:latin typeface="Courier New" panose="02070309020205020404" pitchFamily="49" charset="0"/>
-                <a:cs typeface="Courier New" panose="02070309020205020404" pitchFamily="49" charset="0"/>
-              </a:rPr>
-              <a:t>myEngine</a:t>
-            </a:r>
-            <a:r>
-              <a:rPr lang="en-US" sz="2000" dirty="0">
-                <a:latin typeface="Courier New" panose="02070309020205020404" pitchFamily="49" charset="0"/>
-                <a:cs typeface="Courier New" panose="02070309020205020404" pitchFamily="49" charset="0"/>
-              </a:rPr>
-              <a:t>);</a:t>
-            </a:r>
-            <a:br>
-              <a:rPr lang="en-US" sz="2400" dirty="0"/>
-            </a:br>
-            <a:endParaRPr lang="en-US" sz="2400" dirty="0"/>
-          </a:p>
-          <a:p>
-            <a:pPr marL="0" indent="0">
-              <a:buFontTx/>
-              <a:buNone/>
-              <a:defRPr/>
-            </a:pPr>
-            <a:br>
-              <a:rPr lang="en-US" sz="2400" dirty="0"/>
-            </a:br>
-            <a:br>
-              <a:rPr lang="en-US" sz="2400" dirty="0"/>
-            </a:br>
-            <a:br>
-              <a:rPr lang="en-US" sz="2400" dirty="0">
-                <a:latin typeface="Courier New" panose="02070309020205020404" pitchFamily="49" charset="0"/>
-                <a:cs typeface="Courier New" panose="02070309020205020404" pitchFamily="49" charset="0"/>
-              </a:rPr>
-            </a:br>
-            <a:endParaRPr lang="en-US" sz="2400" dirty="0"/>
-          </a:p>
-        </p:txBody>
-      </p:sp>
-      <p:sp>
-        <p:nvSpPr>
-          <p:cNvPr id="62468" name="TextBox 3">
-            <a:extLst>
-              <a:ext uri="{FF2B5EF4-FFF2-40B4-BE49-F238E27FC236}">
-                <a16:creationId xmlns:a16="http://schemas.microsoft.com/office/drawing/2014/main" id="{EBF2DBDE-6E33-D227-8EA9-8C66AEAD7FC3}"/>
-              </a:ext>
-            </a:extLst>
-          </p:cNvPr>
-          <p:cNvSpPr txBox="1">
-            <a:spLocks noChangeArrowheads="1"/>
-          </p:cNvSpPr>
-          <p:nvPr/>
-        </p:nvSpPr>
-        <p:spPr bwMode="auto">
-          <a:xfrm>
-            <a:off x="5029200" y="2309813"/>
-            <a:ext cx="3044825" cy="646112"/>
-          </a:xfrm>
-          <a:prstGeom prst="rect">
-            <a:avLst/>
-          </a:prstGeom>
-          <a:noFill/>
-          <a:ln>
-            <a:noFill/>
-          </a:ln>
-          <a:extLst>
-            <a:ext uri="{909E8E84-426E-40DD-AFC4-6F175D3DCCD1}">
-              <a14:hiddenFill xmlns:a14="http://schemas.microsoft.com/office/drawing/2010/main">
-                <a:solidFill>
-                  <a:srgbClr val="FFFFFF"/>
-                </a:solidFill>
-              </a14:hiddenFill>
-            </a:ext>
-            <a:ext uri="{91240B29-F687-4F45-9708-019B960494DF}">
-              <a14:hiddenLine xmlns:a14="http://schemas.microsoft.com/office/drawing/2010/main" w="9525">
-                <a:solidFill>
-                  <a:srgbClr val="000000"/>
-                </a:solidFill>
-                <a:miter lim="800000"/>
-                <a:headEnd/>
-                <a:tailEnd/>
-              </a14:hiddenLine>
-            </a:ext>
-          </a:extLst>
-        </p:spPr>
-        <p:txBody>
-          <a:bodyPr wrap="none">
-            <a:spAutoFit/>
-          </a:bodyPr>
-          <a:lstStyle>
-            <a:lvl1pPr>
-              <a:spcBef>
-                <a:spcPct val="20000"/>
-              </a:spcBef>
-              <a:buChar char="•"/>
-              <a:defRPr sz="3200">
-                <a:solidFill>
-                  <a:schemeClr val="tx1"/>
-                </a:solidFill>
-                <a:latin typeface="Arial" panose="020B0604020202020204" pitchFamily="34" charset="0"/>
-                <a:cs typeface="Arial" panose="020B0604020202020204" pitchFamily="34" charset="0"/>
-              </a:defRPr>
-            </a:lvl1pPr>
-            <a:lvl2pPr marL="742950" indent="-285750">
-              <a:spcBef>
-                <a:spcPct val="20000"/>
-              </a:spcBef>
-              <a:buChar char="–"/>
-              <a:defRPr sz="2800">
-                <a:solidFill>
-                  <a:schemeClr val="tx1"/>
-                </a:solidFill>
-                <a:latin typeface="Arial" panose="020B0604020202020204" pitchFamily="34" charset="0"/>
-                <a:cs typeface="Arial" panose="020B0604020202020204" pitchFamily="34" charset="0"/>
-              </a:defRPr>
-            </a:lvl2pPr>
-            <a:lvl3pPr marL="1143000" indent="-228600">
-              <a:spcBef>
-                <a:spcPct val="20000"/>
-              </a:spcBef>
-              <a:buChar char="•"/>
-              <a:defRPr sz="2400">
-                <a:solidFill>
-                  <a:schemeClr val="tx1"/>
-                </a:solidFill>
-                <a:latin typeface="Arial" panose="020B0604020202020204" pitchFamily="34" charset="0"/>
-                <a:cs typeface="Arial" panose="020B0604020202020204" pitchFamily="34" charset="0"/>
-              </a:defRPr>
-            </a:lvl3pPr>
-            <a:lvl4pPr marL="1600200" indent="-228600">
-              <a:spcBef>
-                <a:spcPct val="20000"/>
-              </a:spcBef>
-              <a:buChar char="–"/>
-              <a:defRPr sz="2000">
-                <a:solidFill>
-                  <a:schemeClr val="tx1"/>
-                </a:solidFill>
-                <a:latin typeface="Arial" panose="020B0604020202020204" pitchFamily="34" charset="0"/>
-                <a:cs typeface="Arial" panose="020B0604020202020204" pitchFamily="34" charset="0"/>
-              </a:defRPr>
-            </a:lvl4pPr>
-            <a:lvl5pPr marL="2057400" indent="-228600">
-              <a:spcBef>
-                <a:spcPct val="20000"/>
-              </a:spcBef>
-              <a:buChar char="»"/>
-              <a:defRPr sz="2000">
-                <a:solidFill>
-                  <a:schemeClr val="tx1"/>
-                </a:solidFill>
-                <a:latin typeface="Arial" panose="020B0604020202020204" pitchFamily="34" charset="0"/>
-                <a:cs typeface="Arial" panose="020B0604020202020204" pitchFamily="34" charset="0"/>
-              </a:defRPr>
-            </a:lvl5pPr>
-            <a:lvl6pPr marL="2514600" indent="-228600" eaLnBrk="0" fontAlgn="base" hangingPunct="0">
-              <a:spcBef>
-                <a:spcPct val="20000"/>
-              </a:spcBef>
-              <a:spcAft>
-                <a:spcPct val="0"/>
-              </a:spcAft>
-              <a:buChar char="»"/>
-              <a:defRPr sz="2000">
-                <a:solidFill>
-                  <a:schemeClr val="tx1"/>
-                </a:solidFill>
-                <a:latin typeface="Arial" panose="020B0604020202020204" pitchFamily="34" charset="0"/>
-                <a:cs typeface="Arial" panose="020B0604020202020204" pitchFamily="34" charset="0"/>
-              </a:defRPr>
-            </a:lvl6pPr>
-            <a:lvl7pPr marL="2971800" indent="-228600" eaLnBrk="0" fontAlgn="base" hangingPunct="0">
-              <a:spcBef>
-                <a:spcPct val="20000"/>
-              </a:spcBef>
-              <a:spcAft>
-                <a:spcPct val="0"/>
-              </a:spcAft>
-              <a:buChar char="»"/>
-              <a:defRPr sz="2000">
-                <a:solidFill>
-                  <a:schemeClr val="tx1"/>
-                </a:solidFill>
-                <a:latin typeface="Arial" panose="020B0604020202020204" pitchFamily="34" charset="0"/>
-                <a:cs typeface="Arial" panose="020B0604020202020204" pitchFamily="34" charset="0"/>
-              </a:defRPr>
-            </a:lvl7pPr>
-            <a:lvl8pPr marL="3429000" indent="-228600" eaLnBrk="0" fontAlgn="base" hangingPunct="0">
-              <a:spcBef>
-                <a:spcPct val="20000"/>
-              </a:spcBef>
-              <a:spcAft>
-                <a:spcPct val="0"/>
-              </a:spcAft>
-              <a:buChar char="»"/>
-              <a:defRPr sz="2000">
-                <a:solidFill>
-                  <a:schemeClr val="tx1"/>
-                </a:solidFill>
-                <a:latin typeface="Arial" panose="020B0604020202020204" pitchFamily="34" charset="0"/>
-                <a:cs typeface="Arial" panose="020B0604020202020204" pitchFamily="34" charset="0"/>
-              </a:defRPr>
-            </a:lvl8pPr>
-            <a:lvl9pPr marL="3886200" indent="-228600" eaLnBrk="0" fontAlgn="base" hangingPunct="0">
-              <a:spcBef>
-                <a:spcPct val="20000"/>
-              </a:spcBef>
-              <a:spcAft>
-                <a:spcPct val="0"/>
-              </a:spcAft>
-              <a:buChar char="»"/>
-              <a:defRPr sz="2000">
-                <a:solidFill>
-                  <a:schemeClr val="tx1"/>
-                </a:solidFill>
-                <a:latin typeface="Arial" panose="020B0604020202020204" pitchFamily="34" charset="0"/>
-                <a:cs typeface="Arial" panose="020B0604020202020204" pitchFamily="34" charset="0"/>
-              </a:defRPr>
-            </a:lvl9pPr>
-          </a:lstStyle>
-          <a:p>
-            <a:pPr>
-              <a:spcBef>
-                <a:spcPct val="0"/>
-              </a:spcBef>
-              <a:buFontTx/>
-              <a:buNone/>
-            </a:pPr>
-            <a:r>
-              <a:rPr lang="en-US" altLang="en-US" sz="1800">
-                <a:solidFill>
-                  <a:srgbClr val="FA8218"/>
-                </a:solidFill>
-              </a:rPr>
-              <a:t>Creates a distribution object</a:t>
-            </a:r>
-          </a:p>
-          <a:p>
-            <a:pPr>
-              <a:spcBef>
-                <a:spcPct val="0"/>
-              </a:spcBef>
-              <a:buFontTx/>
-              <a:buNone/>
-            </a:pPr>
-            <a:r>
-              <a:rPr lang="en-US" altLang="en-US" sz="1800">
-                <a:solidFill>
-                  <a:srgbClr val="FA8218"/>
-                </a:solidFill>
-              </a:rPr>
-              <a:t>named </a:t>
-            </a:r>
-            <a:r>
-              <a:rPr lang="en-US" altLang="en-US" sz="1800" b="1">
-                <a:solidFill>
-                  <a:srgbClr val="FA8218"/>
-                </a:solidFill>
-                <a:latin typeface="Courier New" panose="02070309020205020404" pitchFamily="49" charset="0"/>
-                <a:cs typeface="Courier New" panose="02070309020205020404" pitchFamily="49" charset="0"/>
-              </a:rPr>
-              <a:t>randomInt</a:t>
-            </a:r>
-          </a:p>
-        </p:txBody>
-      </p:sp>
-      <p:cxnSp>
-        <p:nvCxnSpPr>
-          <p:cNvPr id="6" name="Straight Arrow Connector 5">
-            <a:extLst>
-              <a:ext uri="{FF2B5EF4-FFF2-40B4-BE49-F238E27FC236}">
-                <a16:creationId xmlns:a16="http://schemas.microsoft.com/office/drawing/2014/main" id="{69D1E59E-E9C1-FF95-351B-2FF5923B9B6E}"/>
-              </a:ext>
-            </a:extLst>
-          </p:cNvPr>
-          <p:cNvCxnSpPr>
-            <a:cxnSpLocks/>
-          </p:cNvCxnSpPr>
-          <p:nvPr/>
-        </p:nvCxnSpPr>
-        <p:spPr>
-          <a:xfrm flipH="1">
-            <a:off x="6748272" y="2851573"/>
-            <a:ext cx="426720" cy="357971"/>
-          </a:xfrm>
-          <a:prstGeom prst="straightConnector1">
-            <a:avLst/>
-          </a:prstGeom>
-          <a:ln w="38100">
-            <a:solidFill>
-              <a:srgbClr val="FA8218"/>
-            </a:solidFill>
-            <a:tailEnd type="triangle"/>
-          </a:ln>
-        </p:spPr>
-        <p:style>
-          <a:lnRef idx="1">
-            <a:schemeClr val="accent1"/>
-          </a:lnRef>
-          <a:fillRef idx="0">
-            <a:schemeClr val="accent1"/>
-          </a:fillRef>
-          <a:effectRef idx="0">
-            <a:schemeClr val="accent1"/>
-          </a:effectRef>
-          <a:fontRef idx="minor">
-            <a:schemeClr val="tx1"/>
-          </a:fontRef>
-        </p:style>
-      </p:cxnSp>
-    </p:spTree>
-  </p:cSld>
-  <p:clrMapOvr>
-    <a:masterClrMapping/>
-  </p:clrMapOvr>
-</p:sld>
-</file>
-
-<file path=ppt/slides/slide57.xml><?xml version="1.0" encoding="utf-8"?>
-<p:sld xmlns:a="http://schemas.openxmlformats.org/drawingml/2006/main" xmlns:r="http://schemas.openxmlformats.org/officeDocument/2006/relationships" xmlns:p="http://schemas.openxmlformats.org/presentationml/2006/main">
-  <p:cSld>
-    <p:spTree>
-      <p:nvGrpSpPr>
-        <p:cNvPr id="1" name=""/>
-        <p:cNvGrpSpPr/>
-        <p:nvPr/>
-      </p:nvGrpSpPr>
-      <p:grpSpPr>
-        <a:xfrm>
-          <a:off x="0" y="0"/>
-          <a:ext cx="0" cy="0"/>
-          <a:chOff x="0" y="0"/>
-          <a:chExt cx="0" cy="0"/>
-        </a:xfrm>
-      </p:grpSpPr>
-      <p:sp>
-        <p:nvSpPr>
-          <p:cNvPr id="63490" name="Title 1">
-            <a:extLst>
-              <a:ext uri="{FF2B5EF4-FFF2-40B4-BE49-F238E27FC236}">
-                <a16:creationId xmlns:a16="http://schemas.microsoft.com/office/drawing/2014/main" id="{69F486B8-8288-9599-B81B-CFAEA419636C}"/>
-              </a:ext>
-            </a:extLst>
-          </p:cNvPr>
-          <p:cNvSpPr>
-            <a:spLocks noGrp="1" noChangeArrowheads="1"/>
-          </p:cNvSpPr>
-          <p:nvPr>
-            <p:ph type="title"/>
-          </p:nvPr>
-        </p:nvSpPr>
-        <p:spPr/>
-        <p:txBody>
-          <a:bodyPr/>
-          <a:lstStyle/>
-          <a:p>
-            <a:r>
-              <a:rPr lang="en-US" altLang="en-US"/>
-              <a:t>Generating Random Numbers</a:t>
-            </a:r>
-          </a:p>
-        </p:txBody>
-      </p:sp>
-      <p:sp>
-        <p:nvSpPr>
-          <p:cNvPr id="3" name="Content Placeholder 2">
-            <a:extLst>
-              <a:ext uri="{FF2B5EF4-FFF2-40B4-BE49-F238E27FC236}">
-                <a16:creationId xmlns:a16="http://schemas.microsoft.com/office/drawing/2014/main" id="{72FB0C72-87BE-5076-E6D9-9EB4FBF1793A}"/>
-              </a:ext>
-            </a:extLst>
-          </p:cNvPr>
-          <p:cNvSpPr>
-            <a:spLocks noGrp="1"/>
-          </p:cNvSpPr>
-          <p:nvPr>
-            <p:ph idx="1"/>
-          </p:nvPr>
-        </p:nvSpPr>
-        <p:spPr/>
-        <p:txBody>
-          <a:bodyPr>
-            <a:normAutofit lnSpcReduction="10000"/>
-          </a:bodyPr>
-          <a:lstStyle/>
-          <a:p>
-            <a:pPr>
-              <a:defRPr/>
-            </a:pPr>
-            <a:r>
-              <a:rPr lang="en-US" sz="2400"/>
-              <a:t>Example: Generate a random integer in the range 0-100:</a:t>
-            </a:r>
-            <a:br>
-              <a:rPr lang="en-US" sz="2400"/>
-            </a:br>
-            <a:br>
-              <a:rPr lang="en-US" sz="2400"/>
-            </a:br>
-            <a:br>
-              <a:rPr lang="en-US" sz="2400"/>
-            </a:br>
-            <a:r>
-              <a:rPr lang="en-US" sz="2000" err="1">
-                <a:latin typeface="Courier New" panose="02070309020205020404" pitchFamily="49" charset="0"/>
-                <a:cs typeface="Courier New" panose="02070309020205020404" pitchFamily="49" charset="0"/>
-              </a:rPr>
-              <a:t>random_device</a:t>
-            </a:r>
-            <a:r>
-              <a:rPr lang="en-US" sz="2000">
-                <a:latin typeface="Courier New" panose="02070309020205020404" pitchFamily="49" charset="0"/>
-                <a:cs typeface="Courier New" panose="02070309020205020404" pitchFamily="49" charset="0"/>
-              </a:rPr>
-              <a:t> </a:t>
-            </a:r>
-            <a:r>
-              <a:rPr lang="en-US" sz="2000" err="1">
-                <a:latin typeface="Courier New" panose="02070309020205020404" pitchFamily="49" charset="0"/>
-                <a:cs typeface="Courier New" panose="02070309020205020404" pitchFamily="49" charset="0"/>
-              </a:rPr>
-              <a:t>myEngine</a:t>
-            </a:r>
-            <a:r>
-              <a:rPr lang="en-US" sz="2000">
-                <a:latin typeface="Courier New" panose="02070309020205020404" pitchFamily="49" charset="0"/>
-                <a:cs typeface="Courier New" panose="02070309020205020404" pitchFamily="49" charset="0"/>
-              </a:rPr>
-              <a:t>;</a:t>
-            </a:r>
-            <a:br>
-              <a:rPr lang="en-US" sz="2000">
-                <a:latin typeface="Courier New" panose="02070309020205020404" pitchFamily="49" charset="0"/>
-                <a:cs typeface="Courier New" panose="02070309020205020404" pitchFamily="49" charset="0"/>
-              </a:rPr>
-            </a:br>
-            <a:br>
-              <a:rPr lang="en-US" sz="2000">
-                <a:latin typeface="Courier New" panose="02070309020205020404" pitchFamily="49" charset="0"/>
-                <a:cs typeface="Courier New" panose="02070309020205020404" pitchFamily="49" charset="0"/>
-              </a:rPr>
-            </a:br>
-            <a:r>
-              <a:rPr lang="en-US" sz="2000" err="1">
-                <a:latin typeface="Courier New" panose="02070309020205020404" pitchFamily="49" charset="0"/>
-                <a:cs typeface="Courier New" panose="02070309020205020404" pitchFamily="49" charset="0"/>
-              </a:rPr>
-              <a:t>uniform_int_distribution</a:t>
-            </a:r>
-            <a:r>
-              <a:rPr lang="en-US" sz="2000">
-                <a:latin typeface="Courier New" panose="02070309020205020404" pitchFamily="49" charset="0"/>
-                <a:cs typeface="Courier New" panose="02070309020205020404" pitchFamily="49" charset="0"/>
-              </a:rPr>
-              <a:t>&lt;int&gt; </a:t>
-            </a:r>
-            <a:r>
-              <a:rPr lang="en-US" sz="2000" err="1">
-                <a:latin typeface="Courier New" panose="02070309020205020404" pitchFamily="49" charset="0"/>
-                <a:cs typeface="Courier New" panose="02070309020205020404" pitchFamily="49" charset="0"/>
-              </a:rPr>
-              <a:t>randomInt</a:t>
-            </a:r>
-            <a:r>
-              <a:rPr lang="en-US" sz="2000">
-                <a:latin typeface="Courier New" panose="02070309020205020404" pitchFamily="49" charset="0"/>
-                <a:cs typeface="Courier New" panose="02070309020205020404" pitchFamily="49" charset="0"/>
-              </a:rPr>
-              <a:t>(0, 100);</a:t>
-            </a:r>
-            <a:br>
-              <a:rPr lang="en-US" sz="2000">
-                <a:latin typeface="Courier New" panose="02070309020205020404" pitchFamily="49" charset="0"/>
-                <a:cs typeface="Courier New" panose="02070309020205020404" pitchFamily="49" charset="0"/>
-              </a:rPr>
-            </a:br>
-            <a:br>
-              <a:rPr lang="en-US" sz="2000">
-                <a:latin typeface="Courier New" panose="02070309020205020404" pitchFamily="49" charset="0"/>
-                <a:cs typeface="Courier New" panose="02070309020205020404" pitchFamily="49" charset="0"/>
-              </a:rPr>
-            </a:br>
-            <a:r>
-              <a:rPr lang="en-US" sz="2000">
-                <a:latin typeface="Courier New" panose="02070309020205020404" pitchFamily="49" charset="0"/>
-                <a:cs typeface="Courier New" panose="02070309020205020404" pitchFamily="49" charset="0"/>
-              </a:rPr>
-              <a:t>int number = </a:t>
-            </a:r>
-            <a:r>
-              <a:rPr lang="en-US" sz="2000" err="1">
-                <a:latin typeface="Courier New" panose="02070309020205020404" pitchFamily="49" charset="0"/>
-                <a:cs typeface="Courier New" panose="02070309020205020404" pitchFamily="49" charset="0"/>
-              </a:rPr>
-              <a:t>randomInt</a:t>
-            </a:r>
-            <a:r>
-              <a:rPr lang="en-US" sz="2000">
-                <a:latin typeface="Courier New" panose="02070309020205020404" pitchFamily="49" charset="0"/>
-                <a:cs typeface="Courier New" panose="02070309020205020404" pitchFamily="49" charset="0"/>
-              </a:rPr>
-              <a:t>(</a:t>
-            </a:r>
-            <a:r>
-              <a:rPr lang="en-US" sz="2000" err="1">
-                <a:latin typeface="Courier New" panose="02070309020205020404" pitchFamily="49" charset="0"/>
-                <a:cs typeface="Courier New" panose="02070309020205020404" pitchFamily="49" charset="0"/>
-              </a:rPr>
-              <a:t>myEngine</a:t>
-            </a:r>
-            <a:r>
-              <a:rPr lang="en-US" sz="2000">
-                <a:latin typeface="Courier New" panose="02070309020205020404" pitchFamily="49" charset="0"/>
-                <a:cs typeface="Courier New" panose="02070309020205020404" pitchFamily="49" charset="0"/>
-              </a:rPr>
-              <a:t>);</a:t>
-            </a:r>
-            <a:br>
-              <a:rPr lang="en-US" sz="2400"/>
-            </a:br>
-            <a:endParaRPr lang="en-US" sz="2400"/>
-          </a:p>
-          <a:p>
-            <a:pPr marL="0" indent="0">
-              <a:buFontTx/>
-              <a:buNone/>
-              <a:defRPr/>
-            </a:pPr>
-            <a:br>
-              <a:rPr lang="en-US" sz="2400"/>
-            </a:br>
-            <a:br>
-              <a:rPr lang="en-US" sz="2400"/>
-            </a:br>
-            <a:br>
-              <a:rPr lang="en-US" sz="2400">
-                <a:latin typeface="Courier New" panose="02070309020205020404" pitchFamily="49" charset="0"/>
-                <a:cs typeface="Courier New" panose="02070309020205020404" pitchFamily="49" charset="0"/>
-              </a:rPr>
-            </a:br>
-            <a:endParaRPr lang="en-US" sz="2400"/>
-          </a:p>
-        </p:txBody>
-      </p:sp>
-      <p:sp>
-        <p:nvSpPr>
-          <p:cNvPr id="63492" name="TextBox 3">
-            <a:extLst>
-              <a:ext uri="{FF2B5EF4-FFF2-40B4-BE49-F238E27FC236}">
-                <a16:creationId xmlns:a16="http://schemas.microsoft.com/office/drawing/2014/main" id="{27B640DD-77FC-31DC-C98A-AE4568632EA7}"/>
-              </a:ext>
-            </a:extLst>
-          </p:cNvPr>
-          <p:cNvSpPr txBox="1">
-            <a:spLocks noChangeArrowheads="1"/>
-          </p:cNvSpPr>
-          <p:nvPr/>
-        </p:nvSpPr>
-        <p:spPr bwMode="auto">
-          <a:xfrm>
-            <a:off x="3467100" y="4933950"/>
-            <a:ext cx="4800600" cy="647700"/>
-          </a:xfrm>
-          <a:prstGeom prst="rect">
-            <a:avLst/>
-          </a:prstGeom>
-          <a:noFill/>
-          <a:ln>
-            <a:noFill/>
-          </a:ln>
-          <a:extLst>
-            <a:ext uri="{909E8E84-426E-40DD-AFC4-6F175D3DCCD1}">
-              <a14:hiddenFill xmlns:a14="http://schemas.microsoft.com/office/drawing/2010/main">
-                <a:solidFill>
-                  <a:srgbClr val="FFFFFF"/>
-                </a:solidFill>
-              </a14:hiddenFill>
-            </a:ext>
-            <a:ext uri="{91240B29-F687-4F45-9708-019B960494DF}">
-              <a14:hiddenLine xmlns:a14="http://schemas.microsoft.com/office/drawing/2010/main" w="9525">
-                <a:solidFill>
-                  <a:srgbClr val="000000"/>
-                </a:solidFill>
-                <a:miter lim="800000"/>
-                <a:headEnd/>
-                <a:tailEnd/>
-              </a14:hiddenLine>
-            </a:ext>
-          </a:extLst>
-        </p:spPr>
-        <p:txBody>
-          <a:bodyPr>
-            <a:spAutoFit/>
-          </a:bodyPr>
-          <a:lstStyle>
-            <a:lvl1pPr>
-              <a:spcBef>
-                <a:spcPct val="20000"/>
-              </a:spcBef>
-              <a:buChar char="•"/>
-              <a:defRPr sz="3200">
-                <a:solidFill>
-                  <a:schemeClr val="tx1"/>
-                </a:solidFill>
-                <a:latin typeface="Arial" panose="020B0604020202020204" pitchFamily="34" charset="0"/>
-                <a:cs typeface="Arial" panose="020B0604020202020204" pitchFamily="34" charset="0"/>
-              </a:defRPr>
-            </a:lvl1pPr>
-            <a:lvl2pPr marL="742950" indent="-285750">
-              <a:spcBef>
-                <a:spcPct val="20000"/>
-              </a:spcBef>
-              <a:buChar char="–"/>
-              <a:defRPr sz="2800">
-                <a:solidFill>
-                  <a:schemeClr val="tx1"/>
-                </a:solidFill>
-                <a:latin typeface="Arial" panose="020B0604020202020204" pitchFamily="34" charset="0"/>
-                <a:cs typeface="Arial" panose="020B0604020202020204" pitchFamily="34" charset="0"/>
-              </a:defRPr>
-            </a:lvl2pPr>
-            <a:lvl3pPr marL="1143000" indent="-228600">
-              <a:spcBef>
-                <a:spcPct val="20000"/>
-              </a:spcBef>
-              <a:buChar char="•"/>
-              <a:defRPr sz="2400">
-                <a:solidFill>
-                  <a:schemeClr val="tx1"/>
-                </a:solidFill>
-                <a:latin typeface="Arial" panose="020B0604020202020204" pitchFamily="34" charset="0"/>
-                <a:cs typeface="Arial" panose="020B0604020202020204" pitchFamily="34" charset="0"/>
-              </a:defRPr>
-            </a:lvl3pPr>
-            <a:lvl4pPr marL="1600200" indent="-228600">
-              <a:spcBef>
-                <a:spcPct val="20000"/>
-              </a:spcBef>
-              <a:buChar char="–"/>
-              <a:defRPr sz="2000">
-                <a:solidFill>
-                  <a:schemeClr val="tx1"/>
-                </a:solidFill>
-                <a:latin typeface="Arial" panose="020B0604020202020204" pitchFamily="34" charset="0"/>
-                <a:cs typeface="Arial" panose="020B0604020202020204" pitchFamily="34" charset="0"/>
-              </a:defRPr>
-            </a:lvl4pPr>
-            <a:lvl5pPr marL="2057400" indent="-228600">
-              <a:spcBef>
-                <a:spcPct val="20000"/>
-              </a:spcBef>
-              <a:buChar char="»"/>
-              <a:defRPr sz="2000">
-                <a:solidFill>
-                  <a:schemeClr val="tx1"/>
-                </a:solidFill>
-                <a:latin typeface="Arial" panose="020B0604020202020204" pitchFamily="34" charset="0"/>
-                <a:cs typeface="Arial" panose="020B0604020202020204" pitchFamily="34" charset="0"/>
-              </a:defRPr>
-            </a:lvl5pPr>
-            <a:lvl6pPr marL="2514600" indent="-228600" eaLnBrk="0" fontAlgn="base" hangingPunct="0">
-              <a:spcBef>
-                <a:spcPct val="20000"/>
-              </a:spcBef>
-              <a:spcAft>
-                <a:spcPct val="0"/>
-              </a:spcAft>
-              <a:buChar char="»"/>
-              <a:defRPr sz="2000">
-                <a:solidFill>
-                  <a:schemeClr val="tx1"/>
-                </a:solidFill>
-                <a:latin typeface="Arial" panose="020B0604020202020204" pitchFamily="34" charset="0"/>
-                <a:cs typeface="Arial" panose="020B0604020202020204" pitchFamily="34" charset="0"/>
-              </a:defRPr>
-            </a:lvl6pPr>
-            <a:lvl7pPr marL="2971800" indent="-228600" eaLnBrk="0" fontAlgn="base" hangingPunct="0">
-              <a:spcBef>
-                <a:spcPct val="20000"/>
-              </a:spcBef>
-              <a:spcAft>
-                <a:spcPct val="0"/>
-              </a:spcAft>
-              <a:buChar char="»"/>
-              <a:defRPr sz="2000">
-                <a:solidFill>
-                  <a:schemeClr val="tx1"/>
-                </a:solidFill>
-                <a:latin typeface="Arial" panose="020B0604020202020204" pitchFamily="34" charset="0"/>
-                <a:cs typeface="Arial" panose="020B0604020202020204" pitchFamily="34" charset="0"/>
-              </a:defRPr>
-            </a:lvl7pPr>
-            <a:lvl8pPr marL="3429000" indent="-228600" eaLnBrk="0" fontAlgn="base" hangingPunct="0">
-              <a:spcBef>
-                <a:spcPct val="20000"/>
-              </a:spcBef>
-              <a:spcAft>
-                <a:spcPct val="0"/>
-              </a:spcAft>
-              <a:buChar char="»"/>
-              <a:defRPr sz="2000">
-                <a:solidFill>
-                  <a:schemeClr val="tx1"/>
-                </a:solidFill>
-                <a:latin typeface="Arial" panose="020B0604020202020204" pitchFamily="34" charset="0"/>
-                <a:cs typeface="Arial" panose="020B0604020202020204" pitchFamily="34" charset="0"/>
-              </a:defRPr>
-            </a:lvl8pPr>
-            <a:lvl9pPr marL="3886200" indent="-228600" eaLnBrk="0" fontAlgn="base" hangingPunct="0">
-              <a:spcBef>
-                <a:spcPct val="20000"/>
-              </a:spcBef>
-              <a:spcAft>
-                <a:spcPct val="0"/>
-              </a:spcAft>
-              <a:buChar char="»"/>
-              <a:defRPr sz="2000">
-                <a:solidFill>
-                  <a:schemeClr val="tx1"/>
-                </a:solidFill>
-                <a:latin typeface="Arial" panose="020B0604020202020204" pitchFamily="34" charset="0"/>
-                <a:cs typeface="Arial" panose="020B0604020202020204" pitchFamily="34" charset="0"/>
-              </a:defRPr>
-            </a:lvl9pPr>
-          </a:lstStyle>
-          <a:p>
-            <a:pPr>
-              <a:spcBef>
-                <a:spcPct val="0"/>
-              </a:spcBef>
-              <a:buFontTx/>
-              <a:buNone/>
-            </a:pPr>
-            <a:r>
-              <a:rPr lang="en-US" altLang="en-US" sz="1800">
-                <a:solidFill>
-                  <a:srgbClr val="FA8218"/>
-                </a:solidFill>
-              </a:rPr>
-              <a:t>Generates a random </a:t>
-            </a:r>
-            <a:r>
-              <a:rPr lang="en-US" altLang="en-US" sz="1800" b="1">
-                <a:solidFill>
-                  <a:srgbClr val="FA8218"/>
-                </a:solidFill>
-                <a:latin typeface="Courier New" panose="02070309020205020404" pitchFamily="49" charset="0"/>
-                <a:cs typeface="Courier New" panose="02070309020205020404" pitchFamily="49" charset="0"/>
-              </a:rPr>
-              <a:t>int</a:t>
-            </a:r>
-            <a:r>
-              <a:rPr lang="en-US" altLang="en-US" sz="1800">
-                <a:solidFill>
-                  <a:srgbClr val="FA8218"/>
-                </a:solidFill>
-              </a:rPr>
-              <a:t> in the range 0-100 and assigns it to </a:t>
-            </a:r>
-            <a:r>
-              <a:rPr lang="en-US" altLang="en-US" sz="1800" b="1">
-                <a:solidFill>
-                  <a:srgbClr val="FA8218"/>
-                </a:solidFill>
-                <a:latin typeface="Courier New" panose="02070309020205020404" pitchFamily="49" charset="0"/>
-                <a:cs typeface="Courier New" panose="02070309020205020404" pitchFamily="49" charset="0"/>
-              </a:rPr>
-              <a:t>number</a:t>
-            </a:r>
-          </a:p>
-        </p:txBody>
-      </p:sp>
-      <p:cxnSp>
-        <p:nvCxnSpPr>
-          <p:cNvPr id="6" name="Straight Arrow Connector 5">
-            <a:extLst>
-              <a:ext uri="{FF2B5EF4-FFF2-40B4-BE49-F238E27FC236}">
-                <a16:creationId xmlns:a16="http://schemas.microsoft.com/office/drawing/2014/main" id="{EE081E0B-9CDD-6CBE-D3C6-F9BFFA97AD9A}"/>
-              </a:ext>
-            </a:extLst>
-          </p:cNvPr>
-          <p:cNvCxnSpPr>
-            <a:cxnSpLocks/>
-          </p:cNvCxnSpPr>
-          <p:nvPr/>
-        </p:nvCxnSpPr>
-        <p:spPr>
-          <a:xfrm flipH="1" flipV="1">
-            <a:off x="4038600" y="4373563"/>
-            <a:ext cx="762000" cy="560387"/>
-          </a:xfrm>
-          <a:prstGeom prst="straightConnector1">
-            <a:avLst/>
-          </a:prstGeom>
-          <a:ln w="38100">
-            <a:solidFill>
-              <a:srgbClr val="FA8218"/>
-            </a:solidFill>
-            <a:tailEnd type="triangle"/>
-          </a:ln>
-        </p:spPr>
-        <p:style>
-          <a:lnRef idx="1">
-            <a:schemeClr val="accent1"/>
-          </a:lnRef>
-          <a:fillRef idx="0">
-            <a:schemeClr val="accent1"/>
-          </a:fillRef>
-          <a:effectRef idx="0">
-            <a:schemeClr val="accent1"/>
-          </a:effectRef>
-          <a:fontRef idx="minor">
-            <a:schemeClr val="tx1"/>
-          </a:fontRef>
-        </p:style>
-      </p:cxnSp>
-    </p:spTree>
-  </p:cSld>
-  <p:clrMapOvr>
-    <a:masterClrMapping/>
-  </p:clrMapOvr>
-</p:sld>
-</file>
-
-<file path=ppt/slides/slide58.xml><?xml version="1.0" encoding="utf-8"?>
-<p:sld xmlns:a="http://schemas.openxmlformats.org/drawingml/2006/main" xmlns:r="http://schemas.openxmlformats.org/officeDocument/2006/relationships" xmlns:p="http://schemas.openxmlformats.org/presentationml/2006/main">
-  <p:cSld>
-    <p:spTree>
-      <p:nvGrpSpPr>
-        <p:cNvPr id="1" name=""/>
-        <p:cNvGrpSpPr/>
-        <p:nvPr/>
-      </p:nvGrpSpPr>
-      <p:grpSpPr>
-        <a:xfrm>
-          <a:off x="0" y="0"/>
-          <a:ext cx="0" cy="0"/>
-          <a:chOff x="0" y="0"/>
-          <a:chExt cx="0" cy="0"/>
-        </a:xfrm>
-      </p:grpSpPr>
-      <p:sp>
-        <p:nvSpPr>
-          <p:cNvPr id="64514" name="Title 1">
-            <a:extLst>
-              <a:ext uri="{FF2B5EF4-FFF2-40B4-BE49-F238E27FC236}">
-                <a16:creationId xmlns:a16="http://schemas.microsoft.com/office/drawing/2014/main" id="{F59F8246-802B-77BB-0FB1-1702F06402F6}"/>
-              </a:ext>
-            </a:extLst>
-          </p:cNvPr>
-          <p:cNvSpPr>
-            <a:spLocks noGrp="1" noChangeArrowheads="1"/>
-          </p:cNvSpPr>
-          <p:nvPr>
-            <p:ph type="title"/>
-          </p:nvPr>
-        </p:nvSpPr>
-        <p:spPr/>
-        <p:txBody>
-          <a:bodyPr/>
-          <a:lstStyle/>
-          <a:p>
-            <a:r>
-              <a:rPr lang="en-US" altLang="en-US"/>
-              <a:t>Simulating Dice</a:t>
+              <a:rPr lang="en-US"/>
+              <a:t>Program 3-26 with Hand Trace Chart</a:t>
             </a:r>
           </a:p>
         </p:txBody>
       </p:sp>
       <p:pic>
         <p:nvPicPr>
-          <p:cNvPr id="64515" name="Picture 3">
+          <p:cNvPr id="68611" name="Picture 2">
             <a:extLst>
               <a:ext uri="{FF2B5EF4-FFF2-40B4-BE49-F238E27FC236}">
-                <a16:creationId xmlns:a16="http://schemas.microsoft.com/office/drawing/2014/main" id="{BA140858-8823-A2F4-393A-A04422F73965}"/>
+                <a16:creationId xmlns:a16="http://schemas.microsoft.com/office/drawing/2014/main" id="{3341D719-B8D8-F042-5DC9-210D1643833D}"/>
               </a:ext>
             </a:extLst>
           </p:cNvPr>
@@ -21093,8 +19537,8 @@
         </p:blipFill>
         <p:spPr bwMode="auto">
           <a:xfrm>
-            <a:off x="1219200" y="1219200"/>
-            <a:ext cx="6324600" cy="5114925"/>
+            <a:off x="1556207" y="1784307"/>
+            <a:ext cx="6077306" cy="4469207"/>
           </a:xfrm>
           <a:prstGeom prst="rect">
             <a:avLst/>
@@ -21124,12 +19568,1594 @@
           </a:extLst>
         </p:spPr>
       </p:pic>
+    </p:spTree>
+  </p:cSld>
+  <p:clrMapOvr>
+    <a:masterClrMapping/>
+  </p:clrMapOvr>
+</p:sld>
+</file>
+
+<file path=ppt/slides/slide57.xml><?xml version="1.0" encoding="utf-8"?>
+<p:sld xmlns:a="http://schemas.openxmlformats.org/drawingml/2006/main" xmlns:r="http://schemas.openxmlformats.org/officeDocument/2006/relationships" xmlns:p="http://schemas.openxmlformats.org/presentationml/2006/main">
+  <p:cSld>
+    <p:spTree>
+      <p:nvGrpSpPr>
+        <p:cNvPr id="1" name=""/>
+        <p:cNvGrpSpPr/>
+        <p:nvPr/>
+      </p:nvGrpSpPr>
+      <p:grpSpPr>
+        <a:xfrm>
+          <a:off x="0" y="0"/>
+          <a:ext cx="0" cy="0"/>
+          <a:chOff x="0" y="0"/>
+          <a:chExt cx="0" cy="0"/>
+        </a:xfrm>
+      </p:grpSpPr>
       <p:sp>
         <p:nvSpPr>
-          <p:cNvPr id="64516" name="TextBox 4">
+          <p:cNvPr id="69634" name="Title 1">
             <a:extLst>
               <a:ext uri="{FF2B5EF4-FFF2-40B4-BE49-F238E27FC236}">
-                <a16:creationId xmlns:a16="http://schemas.microsoft.com/office/drawing/2014/main" id="{119F0E9F-34D9-F3D8-17F0-0BD124D0260C}"/>
+                <a16:creationId xmlns:a16="http://schemas.microsoft.com/office/drawing/2014/main" id="{6B6DD9DA-DAA8-FAB4-4298-7AC71CE502FA}"/>
+              </a:ext>
+            </a:extLst>
+          </p:cNvPr>
+          <p:cNvSpPr>
+            <a:spLocks noGrp="1" noChangeArrowheads="1"/>
+          </p:cNvSpPr>
+          <p:nvPr>
+            <p:ph type="ctrTitle"/>
+          </p:nvPr>
+        </p:nvSpPr>
+        <p:spPr/>
+        <p:txBody>
+          <a:bodyPr/>
+          <a:lstStyle/>
+          <a:p>
+            <a:r>
+              <a:rPr lang="en-US" altLang="en-US"/>
+              <a:t>3.11</a:t>
+            </a:r>
+          </a:p>
+        </p:txBody>
+      </p:sp>
+      <p:sp>
+        <p:nvSpPr>
+          <p:cNvPr id="69635" name="Subtitle 2">
+            <a:extLst>
+              <a:ext uri="{FF2B5EF4-FFF2-40B4-BE49-F238E27FC236}">
+                <a16:creationId xmlns:a16="http://schemas.microsoft.com/office/drawing/2014/main" id="{67BCD6DA-3BDB-A654-E4F4-BE0F34621B89}"/>
+              </a:ext>
+            </a:extLst>
+          </p:cNvPr>
+          <p:cNvSpPr>
+            <a:spLocks noGrp="1" noChangeArrowheads="1"/>
+          </p:cNvSpPr>
+          <p:nvPr>
+            <p:ph type="subTitle" idx="1"/>
+          </p:nvPr>
+        </p:nvSpPr>
+        <p:spPr/>
+        <p:txBody>
+          <a:bodyPr/>
+          <a:lstStyle/>
+          <a:p>
+            <a:r>
+              <a:rPr lang="en-US" altLang="en-US"/>
+              <a:t>A Case Study</a:t>
+            </a:r>
+          </a:p>
+        </p:txBody>
+      </p:sp>
+    </p:spTree>
+  </p:cSld>
+  <p:clrMapOvr>
+    <a:masterClrMapping/>
+  </p:clrMapOvr>
+</p:sld>
+</file>
+
+<file path=ppt/slides/slide58.xml><?xml version="1.0" encoding="utf-8"?>
+<p:sld xmlns:a="http://schemas.openxmlformats.org/drawingml/2006/main" xmlns:r="http://schemas.openxmlformats.org/officeDocument/2006/relationships" xmlns:p="http://schemas.openxmlformats.org/presentationml/2006/main">
+  <p:cSld>
+    <p:spTree>
+      <p:nvGrpSpPr>
+        <p:cNvPr id="1" name=""/>
+        <p:cNvGrpSpPr/>
+        <p:nvPr/>
+      </p:nvGrpSpPr>
+      <p:grpSpPr>
+        <a:xfrm>
+          <a:off x="0" y="0"/>
+          <a:ext cx="0" cy="0"/>
+          <a:chOff x="0" y="0"/>
+          <a:chExt cx="0" cy="0"/>
+        </a:xfrm>
+      </p:grpSpPr>
+      <p:sp>
+        <p:nvSpPr>
+          <p:cNvPr id="70658" name="Title 1">
+            <a:extLst>
+              <a:ext uri="{FF2B5EF4-FFF2-40B4-BE49-F238E27FC236}">
+                <a16:creationId xmlns:a16="http://schemas.microsoft.com/office/drawing/2014/main" id="{41D7AA6F-F850-07E6-4295-C6BC0535ED88}"/>
+              </a:ext>
+            </a:extLst>
+          </p:cNvPr>
+          <p:cNvSpPr>
+            <a:spLocks noGrp="1" noChangeArrowheads="1"/>
+          </p:cNvSpPr>
+          <p:nvPr>
+            <p:ph type="title"/>
+          </p:nvPr>
+        </p:nvSpPr>
+        <p:spPr/>
+        <p:txBody>
+          <a:bodyPr/>
+          <a:lstStyle/>
+          <a:p>
+            <a:r>
+              <a:rPr lang="en-US" altLang="en-US"/>
+              <a:t>A Case Study</a:t>
+            </a:r>
+          </a:p>
+        </p:txBody>
+      </p:sp>
+      <p:sp>
+        <p:nvSpPr>
+          <p:cNvPr id="3" name="Content Placeholder 2">
+            <a:extLst>
+              <a:ext uri="{FF2B5EF4-FFF2-40B4-BE49-F238E27FC236}">
+                <a16:creationId xmlns:a16="http://schemas.microsoft.com/office/drawing/2014/main" id="{4FF4CF8B-67E6-B31C-FBAF-6553B823263D}"/>
+              </a:ext>
+            </a:extLst>
+          </p:cNvPr>
+          <p:cNvSpPr>
+            <a:spLocks noGrp="1"/>
+          </p:cNvSpPr>
+          <p:nvPr>
+            <p:ph idx="1"/>
+          </p:nvPr>
+        </p:nvSpPr>
+        <p:spPr/>
+        <p:txBody>
+          <a:bodyPr/>
+          <a:lstStyle/>
+          <a:p>
+            <a:pPr>
+              <a:defRPr/>
+            </a:pPr>
+            <a:r>
+              <a:rPr lang="en-US" dirty="0"/>
+              <a:t>General Crates, Inc. builds custom-designed wooden crates. </a:t>
+            </a:r>
+          </a:p>
+          <a:p>
+            <a:pPr>
+              <a:defRPr/>
+            </a:pPr>
+            <a:r>
+              <a:rPr lang="en-US" dirty="0"/>
+              <a:t>You have been asked to write a program that calculates the:</a:t>
+            </a:r>
+          </a:p>
+          <a:p>
+            <a:pPr lvl="1">
+              <a:defRPr/>
+            </a:pPr>
+            <a:r>
+              <a:rPr lang="en-US" dirty="0">
+                <a:ea typeface="+mn-ea"/>
+              </a:rPr>
+              <a:t>Volume (in cubic feet)</a:t>
+            </a:r>
+          </a:p>
+          <a:p>
+            <a:pPr lvl="1">
+              <a:defRPr/>
+            </a:pPr>
+            <a:r>
+              <a:rPr lang="en-US" dirty="0">
+                <a:ea typeface="+mn-ea"/>
+              </a:rPr>
+              <a:t>Cost</a:t>
+            </a:r>
+          </a:p>
+          <a:p>
+            <a:pPr lvl="1">
+              <a:defRPr/>
+            </a:pPr>
+            <a:r>
+              <a:rPr lang="en-US" dirty="0">
+                <a:ea typeface="+mn-ea"/>
+              </a:rPr>
+              <a:t>Customer price</a:t>
+            </a:r>
+          </a:p>
+          <a:p>
+            <a:pPr lvl="1">
+              <a:defRPr/>
+            </a:pPr>
+            <a:r>
+              <a:rPr lang="en-US" dirty="0">
+                <a:ea typeface="+mn-ea"/>
+              </a:rPr>
+              <a:t>Profit of any crate GCI builds</a:t>
+            </a:r>
+            <a:endParaRPr lang="en-US" dirty="0"/>
+          </a:p>
+        </p:txBody>
+      </p:sp>
+    </p:spTree>
+  </p:cSld>
+  <p:clrMapOvr>
+    <a:masterClrMapping/>
+  </p:clrMapOvr>
+</p:sld>
+</file>
+
+<file path=ppt/slides/slide59.xml><?xml version="1.0" encoding="utf-8"?>
+<p:sld xmlns:a="http://schemas.openxmlformats.org/drawingml/2006/main" xmlns:r="http://schemas.openxmlformats.org/officeDocument/2006/relationships" xmlns:p="http://schemas.openxmlformats.org/presentationml/2006/main">
+  <p:cSld>
+    <p:spTree>
+      <p:nvGrpSpPr>
+        <p:cNvPr id="1" name=""/>
+        <p:cNvGrpSpPr/>
+        <p:nvPr/>
+      </p:nvGrpSpPr>
+      <p:grpSpPr>
+        <a:xfrm>
+          <a:off x="0" y="0"/>
+          <a:ext cx="0" cy="0"/>
+          <a:chOff x="0" y="0"/>
+          <a:chExt cx="0" cy="0"/>
+        </a:xfrm>
+      </p:grpSpPr>
+      <p:sp>
+        <p:nvSpPr>
+          <p:cNvPr id="71682" name="Title 1">
+            <a:extLst>
+              <a:ext uri="{FF2B5EF4-FFF2-40B4-BE49-F238E27FC236}">
+                <a16:creationId xmlns:a16="http://schemas.microsoft.com/office/drawing/2014/main" id="{4FD6B536-C9DD-2F3B-D9B0-A36C820EEB6F}"/>
+              </a:ext>
+            </a:extLst>
+          </p:cNvPr>
+          <p:cNvSpPr>
+            <a:spLocks noGrp="1" noChangeArrowheads="1"/>
+          </p:cNvSpPr>
+          <p:nvPr>
+            <p:ph type="title"/>
+          </p:nvPr>
+        </p:nvSpPr>
+        <p:spPr/>
+        <p:txBody>
+          <a:bodyPr/>
+          <a:lstStyle/>
+          <a:p>
+            <a:r>
+              <a:rPr lang="en-US" altLang="en-US"/>
+              <a:t>Variables</a:t>
+            </a:r>
+          </a:p>
+        </p:txBody>
+      </p:sp>
+      <p:pic>
+        <p:nvPicPr>
+          <p:cNvPr id="71683" name="Picture 2">
+            <a:extLst>
+              <a:ext uri="{FF2B5EF4-FFF2-40B4-BE49-F238E27FC236}">
+                <a16:creationId xmlns:a16="http://schemas.microsoft.com/office/drawing/2014/main" id="{344CC553-D875-F7CC-A4CE-DAE9DFCE5EEC}"/>
+              </a:ext>
+            </a:extLst>
+          </p:cNvPr>
+          <p:cNvPicPr>
+            <a:picLocks noChangeAspect="1" noChangeArrowheads="1"/>
+          </p:cNvPicPr>
+          <p:nvPr/>
+        </p:nvPicPr>
+        <p:blipFill>
+          <a:blip r:embed="rId2">
+            <a:extLst>
+              <a:ext uri="{28A0092B-C50C-407E-A947-70E740481C1C}">
+                <a14:useLocalDpi xmlns:a14="http://schemas.microsoft.com/office/drawing/2010/main" val="0"/>
+              </a:ext>
+            </a:extLst>
+          </a:blip>
+          <a:srcRect/>
+          <a:stretch>
+            <a:fillRect/>
+          </a:stretch>
+        </p:blipFill>
+        <p:spPr bwMode="auto">
+          <a:xfrm>
+            <a:off x="1075749" y="1786890"/>
+            <a:ext cx="6992501" cy="4529369"/>
+          </a:xfrm>
+          <a:prstGeom prst="rect">
+            <a:avLst/>
+          </a:prstGeom>
+          <a:noFill/>
+          <a:ln>
+            <a:noFill/>
+          </a:ln>
+          <a:extLst>
+            <a:ext uri="{909E8E84-426E-40DD-AFC4-6F175D3DCCD1}">
+              <a14:hiddenFill xmlns:a14="http://schemas.microsoft.com/office/drawing/2010/main">
+                <a:solidFill>
+                  <a:srgbClr val="FFFFFF"/>
+                </a:solidFill>
+              </a14:hiddenFill>
+            </a:ext>
+            <a:ext uri="{91240B29-F687-4F45-9708-019B960494DF}">
+              <a14:hiddenLine xmlns:a14="http://schemas.microsoft.com/office/drawing/2010/main" w="9525">
+                <a:solidFill>
+                  <a:srgbClr val="000000"/>
+                </a:solidFill>
+                <a:miter lim="800000"/>
+                <a:headEnd/>
+                <a:tailEnd/>
+              </a14:hiddenLine>
+            </a:ext>
+          </a:extLst>
+        </p:spPr>
+      </p:pic>
+    </p:spTree>
+  </p:cSld>
+  <p:clrMapOvr>
+    <a:masterClrMapping/>
+  </p:clrMapOvr>
+</p:sld>
+</file>
+
+<file path=ppt/slides/slide6.xml><?xml version="1.0" encoding="utf-8"?>
+<p:sld xmlns:a="http://schemas.openxmlformats.org/drawingml/2006/main" xmlns:r="http://schemas.openxmlformats.org/officeDocument/2006/relationships" xmlns:p="http://schemas.openxmlformats.org/presentationml/2006/main">
+  <p:cSld>
+    <p:spTree>
+      <p:nvGrpSpPr>
+        <p:cNvPr id="1" name=""/>
+        <p:cNvGrpSpPr/>
+        <p:nvPr/>
+      </p:nvGrpSpPr>
+      <p:grpSpPr>
+        <a:xfrm>
+          <a:off x="0" y="0"/>
+          <a:ext cx="0" cy="0"/>
+          <a:chOff x="0" y="0"/>
+          <a:chExt cx="0" cy="0"/>
+        </a:xfrm>
+      </p:grpSpPr>
+      <p:sp>
+        <p:nvSpPr>
+          <p:cNvPr id="10242" name="Title 1">
+            <a:extLst>
+              <a:ext uri="{FF2B5EF4-FFF2-40B4-BE49-F238E27FC236}">
+                <a16:creationId xmlns:a16="http://schemas.microsoft.com/office/drawing/2014/main" id="{E97CCE9A-F47A-F732-CA7D-2B696C6812E9}"/>
+              </a:ext>
+            </a:extLst>
+          </p:cNvPr>
+          <p:cNvSpPr>
+            <a:spLocks noGrp="1" noChangeArrowheads="1"/>
+          </p:cNvSpPr>
+          <p:nvPr>
+            <p:ph type="title"/>
+          </p:nvPr>
+        </p:nvSpPr>
+        <p:spPr/>
+        <p:txBody>
+          <a:bodyPr/>
+          <a:lstStyle/>
+          <a:p>
+            <a:pPr eaLnBrk="1" hangingPunct="1"/>
+            <a:r>
+              <a:rPr lang="en-US" altLang="en-US"/>
+              <a:t>The </a:t>
+            </a:r>
+            <a:r>
+              <a:rPr lang="en-US" altLang="en-US">
+                <a:latin typeface="Courier New" panose="02070309020205020404" pitchFamily="49" charset="0"/>
+                <a:cs typeface="Courier New" panose="02070309020205020404" pitchFamily="49" charset="0"/>
+              </a:rPr>
+              <a:t>cin</a:t>
+            </a:r>
+            <a:r>
+              <a:rPr lang="en-US" altLang="en-US"/>
+              <a:t> Object</a:t>
+            </a:r>
+          </a:p>
+        </p:txBody>
+      </p:sp>
+      <p:sp>
+        <p:nvSpPr>
+          <p:cNvPr id="10243" name="Content Placeholder 2">
+            <a:extLst>
+              <a:ext uri="{FF2B5EF4-FFF2-40B4-BE49-F238E27FC236}">
+                <a16:creationId xmlns:a16="http://schemas.microsoft.com/office/drawing/2014/main" id="{B73A4636-F0E2-8417-E67C-CA3B54B2210C}"/>
+              </a:ext>
+            </a:extLst>
+          </p:cNvPr>
+          <p:cNvSpPr>
+            <a:spLocks noGrp="1" noChangeArrowheads="1"/>
+          </p:cNvSpPr>
+          <p:nvPr>
+            <p:ph idx="1"/>
+          </p:nvPr>
+        </p:nvSpPr>
+        <p:spPr/>
+        <p:txBody>
+          <a:bodyPr/>
+          <a:lstStyle/>
+          <a:p>
+            <a:r>
+              <a:rPr lang="en-US" altLang="en-US" sz="2800"/>
+              <a:t>Can be used to input more than one value:</a:t>
+            </a:r>
+          </a:p>
+          <a:p>
+            <a:pPr marL="457200" lvl="1" indent="0">
+              <a:buNone/>
+            </a:pPr>
+            <a:r>
+              <a:rPr lang="en-US" altLang="en-US" sz="2400"/>
+              <a:t>	</a:t>
+            </a:r>
+            <a:r>
+              <a:rPr lang="en-US" altLang="en-US" sz="2400" err="1">
+                <a:latin typeface="Courier New" panose="02070309020205020404" pitchFamily="49" charset="0"/>
+              </a:rPr>
+              <a:t>cin</a:t>
+            </a:r>
+            <a:r>
+              <a:rPr lang="en-US" altLang="en-US" sz="2400">
+                <a:latin typeface="Courier New" panose="02070309020205020404" pitchFamily="49" charset="0"/>
+              </a:rPr>
+              <a:t> &gt;&gt; height &gt;&gt; width;</a:t>
+            </a:r>
+            <a:br>
+              <a:rPr lang="en-US" altLang="en-US" sz="2400">
+                <a:latin typeface="Courier New" panose="02070309020205020404" pitchFamily="49" charset="0"/>
+              </a:rPr>
+            </a:br>
+            <a:endParaRPr lang="en-US" altLang="en-US" sz="2400"/>
+          </a:p>
+          <a:p>
+            <a:r>
+              <a:rPr lang="en-US" altLang="en-US" sz="2800"/>
+              <a:t>Multiple values from keyboard must be separated by spaces</a:t>
+            </a:r>
+            <a:br>
+              <a:rPr lang="en-US" altLang="en-US" sz="2800"/>
+            </a:br>
+            <a:endParaRPr lang="en-US" altLang="en-US" sz="2800"/>
+          </a:p>
+          <a:p>
+            <a:r>
+              <a:rPr lang="en-US" altLang="en-US" sz="2800"/>
+              <a:t>Order is important: first value entered goes to first variable, etc.</a:t>
+            </a:r>
+          </a:p>
+          <a:p>
+            <a:endParaRPr lang="en-US" altLang="en-US"/>
+          </a:p>
+        </p:txBody>
+      </p:sp>
+    </p:spTree>
+  </p:cSld>
+  <p:clrMapOvr>
+    <a:masterClrMapping/>
+  </p:clrMapOvr>
+</p:sld>
+</file>
+
+<file path=ppt/slides/slide60.xml><?xml version="1.0" encoding="utf-8"?>
+<p:sld xmlns:a="http://schemas.openxmlformats.org/drawingml/2006/main" xmlns:r="http://schemas.openxmlformats.org/officeDocument/2006/relationships" xmlns:p="http://schemas.openxmlformats.org/presentationml/2006/main">
+  <p:cSld>
+    <p:spTree>
+      <p:nvGrpSpPr>
+        <p:cNvPr id="1" name=""/>
+        <p:cNvGrpSpPr/>
+        <p:nvPr/>
+      </p:nvGrpSpPr>
+      <p:grpSpPr>
+        <a:xfrm>
+          <a:off x="0" y="0"/>
+          <a:ext cx="0" cy="0"/>
+          <a:chOff x="0" y="0"/>
+          <a:chExt cx="0" cy="0"/>
+        </a:xfrm>
+      </p:grpSpPr>
+      <p:sp>
+        <p:nvSpPr>
+          <p:cNvPr id="72706" name="Title 1">
+            <a:extLst>
+              <a:ext uri="{FF2B5EF4-FFF2-40B4-BE49-F238E27FC236}">
+                <a16:creationId xmlns:a16="http://schemas.microsoft.com/office/drawing/2014/main" id="{6C0A6086-6E89-7108-00C0-E783068508CF}"/>
+              </a:ext>
+            </a:extLst>
+          </p:cNvPr>
+          <p:cNvSpPr>
+            <a:spLocks noGrp="1" noChangeArrowheads="1"/>
+          </p:cNvSpPr>
+          <p:nvPr>
+            <p:ph type="title"/>
+          </p:nvPr>
+        </p:nvSpPr>
+        <p:spPr/>
+        <p:txBody>
+          <a:bodyPr/>
+          <a:lstStyle/>
+          <a:p>
+            <a:r>
+              <a:rPr lang="en-US" altLang="en-US"/>
+              <a:t>Program Design</a:t>
+            </a:r>
+          </a:p>
+        </p:txBody>
+      </p:sp>
+      <p:sp>
+        <p:nvSpPr>
+          <p:cNvPr id="2" name="Content Placeholder 1">
+            <a:extLst>
+              <a:ext uri="{FF2B5EF4-FFF2-40B4-BE49-F238E27FC236}">
+                <a16:creationId xmlns:a16="http://schemas.microsoft.com/office/drawing/2014/main" id="{6929D991-B3A9-5362-EE57-72FBCC729D08}"/>
+              </a:ext>
+            </a:extLst>
+          </p:cNvPr>
+          <p:cNvSpPr>
+            <a:spLocks noGrp="1"/>
+          </p:cNvSpPr>
+          <p:nvPr>
+            <p:ph idx="1"/>
+          </p:nvPr>
+        </p:nvSpPr>
+        <p:spPr/>
+        <p:txBody>
+          <a:bodyPr/>
+          <a:lstStyle/>
+          <a:p>
+            <a:pPr eaLnBrk="1" hangingPunct="1">
+              <a:spcBef>
+                <a:spcPct val="0"/>
+              </a:spcBef>
+              <a:buFontTx/>
+              <a:buNone/>
+            </a:pPr>
+            <a:r>
+              <a:rPr lang="en-US" altLang="en-US" sz="2000" dirty="0"/>
+              <a:t>The program must perform the following general steps:</a:t>
+            </a:r>
+          </a:p>
+          <a:p>
+            <a:pPr eaLnBrk="1" hangingPunct="1">
+              <a:spcBef>
+                <a:spcPct val="0"/>
+              </a:spcBef>
+              <a:buFontTx/>
+              <a:buNone/>
+            </a:pPr>
+            <a:endParaRPr lang="en-US" altLang="en-US" sz="2000" dirty="0"/>
+          </a:p>
+          <a:p>
+            <a:pPr eaLnBrk="1" hangingPunct="1">
+              <a:spcBef>
+                <a:spcPct val="0"/>
+              </a:spcBef>
+              <a:buFontTx/>
+              <a:buNone/>
+            </a:pPr>
+            <a:r>
+              <a:rPr lang="en-US" altLang="en-US" sz="2000" dirty="0"/>
+              <a:t>Step 1:</a:t>
+            </a:r>
+          </a:p>
+          <a:p>
+            <a:pPr eaLnBrk="1" hangingPunct="1">
+              <a:spcBef>
+                <a:spcPct val="0"/>
+              </a:spcBef>
+              <a:buFontTx/>
+              <a:buNone/>
+            </a:pPr>
+            <a:r>
+              <a:rPr lang="en-US" altLang="en-US" sz="2000" dirty="0"/>
+              <a:t>	Ask the user to enter the dimensions of the crate</a:t>
+            </a:r>
+          </a:p>
+          <a:p>
+            <a:pPr eaLnBrk="1" hangingPunct="1">
+              <a:spcBef>
+                <a:spcPct val="0"/>
+              </a:spcBef>
+              <a:buFontTx/>
+              <a:buNone/>
+            </a:pPr>
+            <a:r>
+              <a:rPr lang="en-US" altLang="en-US" sz="2000" dirty="0"/>
+              <a:t>Step 2:</a:t>
+            </a:r>
+          </a:p>
+          <a:p>
+            <a:pPr eaLnBrk="1" hangingPunct="1">
+              <a:spcBef>
+                <a:spcPct val="0"/>
+              </a:spcBef>
+              <a:buFontTx/>
+              <a:buNone/>
+            </a:pPr>
+            <a:r>
+              <a:rPr lang="en-US" altLang="en-US" sz="2000" dirty="0"/>
+              <a:t>	Calculate:</a:t>
+            </a:r>
+          </a:p>
+          <a:p>
+            <a:pPr eaLnBrk="1" hangingPunct="1">
+              <a:spcBef>
+                <a:spcPct val="0"/>
+              </a:spcBef>
+              <a:buFontTx/>
+              <a:buNone/>
+            </a:pPr>
+            <a:r>
+              <a:rPr lang="en-US" altLang="en-US" sz="2000" dirty="0"/>
+              <a:t>		the crate’s volume </a:t>
+            </a:r>
+          </a:p>
+          <a:p>
+            <a:pPr eaLnBrk="1" hangingPunct="1">
+              <a:spcBef>
+                <a:spcPct val="0"/>
+              </a:spcBef>
+              <a:buFontTx/>
+              <a:buNone/>
+            </a:pPr>
+            <a:r>
+              <a:rPr lang="en-US" altLang="en-US" sz="2000" dirty="0"/>
+              <a:t>		the cost of building the crate</a:t>
+            </a:r>
+          </a:p>
+          <a:p>
+            <a:pPr eaLnBrk="1" hangingPunct="1">
+              <a:spcBef>
+                <a:spcPct val="0"/>
+              </a:spcBef>
+              <a:buFontTx/>
+              <a:buNone/>
+            </a:pPr>
+            <a:r>
+              <a:rPr lang="en-US" altLang="en-US" sz="2000" dirty="0"/>
+              <a:t>		the customer’s charge</a:t>
+            </a:r>
+          </a:p>
+          <a:p>
+            <a:pPr eaLnBrk="1" hangingPunct="1">
+              <a:spcBef>
+                <a:spcPct val="0"/>
+              </a:spcBef>
+              <a:buFontTx/>
+              <a:buNone/>
+            </a:pPr>
+            <a:r>
+              <a:rPr lang="en-US" altLang="en-US" sz="2000" dirty="0"/>
+              <a:t>		the profit made</a:t>
+            </a:r>
+          </a:p>
+          <a:p>
+            <a:pPr eaLnBrk="1" hangingPunct="1">
+              <a:spcBef>
+                <a:spcPct val="0"/>
+              </a:spcBef>
+              <a:buFontTx/>
+              <a:buNone/>
+            </a:pPr>
+            <a:r>
+              <a:rPr lang="en-US" altLang="en-US" sz="2000" dirty="0"/>
+              <a:t>Step 3:</a:t>
+            </a:r>
+          </a:p>
+          <a:p>
+            <a:pPr eaLnBrk="1" hangingPunct="1">
+              <a:spcBef>
+                <a:spcPct val="0"/>
+              </a:spcBef>
+              <a:buFontTx/>
+              <a:buNone/>
+            </a:pPr>
+            <a:r>
+              <a:rPr lang="en-US" altLang="en-US" sz="2000" dirty="0"/>
+              <a:t>	Display the data calculated in Step 2.</a:t>
+            </a:r>
+          </a:p>
+          <a:p>
+            <a:endParaRPr lang="en-US" dirty="0"/>
+          </a:p>
+        </p:txBody>
+      </p:sp>
+    </p:spTree>
+  </p:cSld>
+  <p:clrMapOvr>
+    <a:masterClrMapping/>
+  </p:clrMapOvr>
+</p:sld>
+</file>
+
+<file path=ppt/slides/slide61.xml><?xml version="1.0" encoding="utf-8"?>
+<p:sld xmlns:a="http://schemas.openxmlformats.org/drawingml/2006/main" xmlns:r="http://schemas.openxmlformats.org/officeDocument/2006/relationships" xmlns:p="http://schemas.openxmlformats.org/presentationml/2006/main">
+  <p:cSld>
+    <p:spTree>
+      <p:nvGrpSpPr>
+        <p:cNvPr id="1" name=""/>
+        <p:cNvGrpSpPr/>
+        <p:nvPr/>
+      </p:nvGrpSpPr>
+      <p:grpSpPr>
+        <a:xfrm>
+          <a:off x="0" y="0"/>
+          <a:ext cx="0" cy="0"/>
+          <a:chOff x="0" y="0"/>
+          <a:chExt cx="0" cy="0"/>
+        </a:xfrm>
+      </p:grpSpPr>
+      <p:sp>
+        <p:nvSpPr>
+          <p:cNvPr id="73730" name="Title 1">
+            <a:extLst>
+              <a:ext uri="{FF2B5EF4-FFF2-40B4-BE49-F238E27FC236}">
+                <a16:creationId xmlns:a16="http://schemas.microsoft.com/office/drawing/2014/main" id="{0DCCF52E-FFFB-4A23-2E86-5DF5F8654F41}"/>
+              </a:ext>
+            </a:extLst>
+          </p:cNvPr>
+          <p:cNvSpPr>
+            <a:spLocks noGrp="1" noChangeArrowheads="1"/>
+          </p:cNvSpPr>
+          <p:nvPr>
+            <p:ph type="title"/>
+          </p:nvPr>
+        </p:nvSpPr>
+        <p:spPr/>
+        <p:txBody>
+          <a:bodyPr/>
+          <a:lstStyle/>
+          <a:p>
+            <a:r>
+              <a:rPr lang="en-US" altLang="en-US"/>
+              <a:t>General Hierarchy Chart</a:t>
+            </a:r>
+          </a:p>
+        </p:txBody>
+      </p:sp>
+      <p:pic>
+        <p:nvPicPr>
+          <p:cNvPr id="73731" name="Picture 2">
+            <a:extLst>
+              <a:ext uri="{FF2B5EF4-FFF2-40B4-BE49-F238E27FC236}">
+                <a16:creationId xmlns:a16="http://schemas.microsoft.com/office/drawing/2014/main" id="{FEDA4AF2-696C-B202-7950-C635197B9133}"/>
+              </a:ext>
+            </a:extLst>
+          </p:cNvPr>
+          <p:cNvPicPr>
+            <a:picLocks noChangeAspect="1" noChangeArrowheads="1"/>
+          </p:cNvPicPr>
+          <p:nvPr/>
+        </p:nvPicPr>
+        <p:blipFill>
+          <a:blip r:embed="rId2">
+            <a:extLst>
+              <a:ext uri="{28A0092B-C50C-407E-A947-70E740481C1C}">
+                <a14:useLocalDpi xmlns:a14="http://schemas.microsoft.com/office/drawing/2010/main" val="0"/>
+              </a:ext>
+            </a:extLst>
+          </a:blip>
+          <a:srcRect/>
+          <a:stretch>
+            <a:fillRect/>
+          </a:stretch>
+        </p:blipFill>
+        <p:spPr bwMode="auto">
+          <a:xfrm>
+            <a:off x="396875" y="2209800"/>
+            <a:ext cx="8350250" cy="2514600"/>
+          </a:xfrm>
+          <a:prstGeom prst="rect">
+            <a:avLst/>
+          </a:prstGeom>
+          <a:noFill/>
+          <a:ln>
+            <a:noFill/>
+          </a:ln>
+          <a:extLst>
+            <a:ext uri="{909E8E84-426E-40DD-AFC4-6F175D3DCCD1}">
+              <a14:hiddenFill xmlns:a14="http://schemas.microsoft.com/office/drawing/2010/main">
+                <a:solidFill>
+                  <a:srgbClr val="FFFFFF"/>
+                </a:solidFill>
+              </a14:hiddenFill>
+            </a:ext>
+            <a:ext uri="{91240B29-F687-4F45-9708-019B960494DF}">
+              <a14:hiddenLine xmlns:a14="http://schemas.microsoft.com/office/drawing/2010/main" w="9525">
+                <a:solidFill>
+                  <a:srgbClr val="000000"/>
+                </a:solidFill>
+                <a:miter lim="800000"/>
+                <a:headEnd/>
+                <a:tailEnd/>
+              </a14:hiddenLine>
+            </a:ext>
+          </a:extLst>
+        </p:spPr>
+      </p:pic>
+    </p:spTree>
+  </p:cSld>
+  <p:clrMapOvr>
+    <a:masterClrMapping/>
+  </p:clrMapOvr>
+</p:sld>
+</file>
+
+<file path=ppt/slides/slide62.xml><?xml version="1.0" encoding="utf-8"?>
+<p:sld xmlns:a="http://schemas.openxmlformats.org/drawingml/2006/main" xmlns:r="http://schemas.openxmlformats.org/officeDocument/2006/relationships" xmlns:p="http://schemas.openxmlformats.org/presentationml/2006/main">
+  <p:cSld>
+    <p:spTree>
+      <p:nvGrpSpPr>
+        <p:cNvPr id="1" name=""/>
+        <p:cNvGrpSpPr/>
+        <p:nvPr/>
+      </p:nvGrpSpPr>
+      <p:grpSpPr>
+        <a:xfrm>
+          <a:off x="0" y="0"/>
+          <a:ext cx="0" cy="0"/>
+          <a:chOff x="0" y="0"/>
+          <a:chExt cx="0" cy="0"/>
+        </a:xfrm>
+      </p:grpSpPr>
+      <p:sp>
+        <p:nvSpPr>
+          <p:cNvPr id="74754" name="Title 1">
+            <a:extLst>
+              <a:ext uri="{FF2B5EF4-FFF2-40B4-BE49-F238E27FC236}">
+                <a16:creationId xmlns:a16="http://schemas.microsoft.com/office/drawing/2014/main" id="{85D84D32-A1EF-B0B6-A2A7-90AF85EC3D77}"/>
+              </a:ext>
+            </a:extLst>
+          </p:cNvPr>
+          <p:cNvSpPr>
+            <a:spLocks noGrp="1" noChangeArrowheads="1"/>
+          </p:cNvSpPr>
+          <p:nvPr>
+            <p:ph type="title"/>
+          </p:nvPr>
+        </p:nvSpPr>
+        <p:spPr/>
+        <p:txBody>
+          <a:bodyPr/>
+          <a:lstStyle/>
+          <a:p>
+            <a:r>
+              <a:rPr lang="en-US" altLang="en-US"/>
+              <a:t>Get Crate Dimensions</a:t>
+            </a:r>
+          </a:p>
+        </p:txBody>
+      </p:sp>
+      <p:pic>
+        <p:nvPicPr>
+          <p:cNvPr id="74755" name="Picture 2">
+            <a:extLst>
+              <a:ext uri="{FF2B5EF4-FFF2-40B4-BE49-F238E27FC236}">
+                <a16:creationId xmlns:a16="http://schemas.microsoft.com/office/drawing/2014/main" id="{D16C661B-BDC6-FC3B-8B73-676374035F7D}"/>
+              </a:ext>
+            </a:extLst>
+          </p:cNvPr>
+          <p:cNvPicPr>
+            <a:picLocks noChangeAspect="1" noChangeArrowheads="1"/>
+          </p:cNvPicPr>
+          <p:nvPr/>
+        </p:nvPicPr>
+        <p:blipFill>
+          <a:blip r:embed="rId2">
+            <a:extLst>
+              <a:ext uri="{28A0092B-C50C-407E-A947-70E740481C1C}">
+                <a14:useLocalDpi xmlns:a14="http://schemas.microsoft.com/office/drawing/2010/main" val="0"/>
+              </a:ext>
+            </a:extLst>
+          </a:blip>
+          <a:srcRect/>
+          <a:stretch>
+            <a:fillRect/>
+          </a:stretch>
+        </p:blipFill>
+        <p:spPr bwMode="auto">
+          <a:xfrm>
+            <a:off x="152400" y="2174875"/>
+            <a:ext cx="8839200" cy="2801938"/>
+          </a:xfrm>
+          <a:prstGeom prst="rect">
+            <a:avLst/>
+          </a:prstGeom>
+          <a:noFill/>
+          <a:ln>
+            <a:noFill/>
+          </a:ln>
+          <a:extLst>
+            <a:ext uri="{909E8E84-426E-40DD-AFC4-6F175D3DCCD1}">
+              <a14:hiddenFill xmlns:a14="http://schemas.microsoft.com/office/drawing/2010/main">
+                <a:solidFill>
+                  <a:srgbClr val="FFFFFF"/>
+                </a:solidFill>
+              </a14:hiddenFill>
+            </a:ext>
+            <a:ext uri="{91240B29-F687-4F45-9708-019B960494DF}">
+              <a14:hiddenLine xmlns:a14="http://schemas.microsoft.com/office/drawing/2010/main" w="9525">
+                <a:solidFill>
+                  <a:srgbClr val="000000"/>
+                </a:solidFill>
+                <a:miter lim="800000"/>
+                <a:headEnd/>
+                <a:tailEnd/>
+              </a14:hiddenLine>
+            </a:ext>
+          </a:extLst>
+        </p:spPr>
+      </p:pic>
+    </p:spTree>
+  </p:cSld>
+  <p:clrMapOvr>
+    <a:masterClrMapping/>
+  </p:clrMapOvr>
+</p:sld>
+</file>
+
+<file path=ppt/slides/slide63.xml><?xml version="1.0" encoding="utf-8"?>
+<p:sld xmlns:a="http://schemas.openxmlformats.org/drawingml/2006/main" xmlns:r="http://schemas.openxmlformats.org/officeDocument/2006/relationships" xmlns:p="http://schemas.openxmlformats.org/presentationml/2006/main">
+  <p:cSld>
+    <p:spTree>
+      <p:nvGrpSpPr>
+        <p:cNvPr id="1" name=""/>
+        <p:cNvGrpSpPr/>
+        <p:nvPr/>
+      </p:nvGrpSpPr>
+      <p:grpSpPr>
+        <a:xfrm>
+          <a:off x="0" y="0"/>
+          <a:ext cx="0" cy="0"/>
+          <a:chOff x="0" y="0"/>
+          <a:chExt cx="0" cy="0"/>
+        </a:xfrm>
+      </p:grpSpPr>
+      <p:sp>
+        <p:nvSpPr>
+          <p:cNvPr id="2" name="Title 1">
+            <a:extLst>
+              <a:ext uri="{FF2B5EF4-FFF2-40B4-BE49-F238E27FC236}">
+                <a16:creationId xmlns:a16="http://schemas.microsoft.com/office/drawing/2014/main" id="{823A4883-F566-A3C4-3E13-B8FA665276EA}"/>
+              </a:ext>
+            </a:extLst>
+          </p:cNvPr>
+          <p:cNvSpPr>
+            <a:spLocks noGrp="1"/>
+          </p:cNvSpPr>
+          <p:nvPr>
+            <p:ph type="title"/>
+          </p:nvPr>
+        </p:nvSpPr>
+        <p:spPr/>
+        <p:txBody>
+          <a:bodyPr>
+            <a:normAutofit/>
+          </a:bodyPr>
+          <a:lstStyle/>
+          <a:p>
+            <a:pPr>
+              <a:defRPr/>
+            </a:pPr>
+            <a:r>
+              <a:rPr lang="en-US"/>
+              <a:t>Calculate Volume, Cost, Customer Charge, and Profit</a:t>
+            </a:r>
+          </a:p>
+        </p:txBody>
+      </p:sp>
+      <p:pic>
+        <p:nvPicPr>
+          <p:cNvPr id="75779" name="Picture 2">
+            <a:extLst>
+              <a:ext uri="{FF2B5EF4-FFF2-40B4-BE49-F238E27FC236}">
+                <a16:creationId xmlns:a16="http://schemas.microsoft.com/office/drawing/2014/main" id="{3730DBA9-2DD6-66AE-B41F-926F460F6626}"/>
+              </a:ext>
+            </a:extLst>
+          </p:cNvPr>
+          <p:cNvPicPr>
+            <a:picLocks noChangeAspect="1" noChangeArrowheads="1"/>
+          </p:cNvPicPr>
+          <p:nvPr/>
+        </p:nvPicPr>
+        <p:blipFill>
+          <a:blip r:embed="rId2">
+            <a:extLst>
+              <a:ext uri="{28A0092B-C50C-407E-A947-70E740481C1C}">
+                <a14:useLocalDpi xmlns:a14="http://schemas.microsoft.com/office/drawing/2010/main" val="0"/>
+              </a:ext>
+            </a:extLst>
+          </a:blip>
+          <a:srcRect/>
+          <a:stretch>
+            <a:fillRect/>
+          </a:stretch>
+        </p:blipFill>
+        <p:spPr bwMode="auto">
+          <a:xfrm>
+            <a:off x="239713" y="2376488"/>
+            <a:ext cx="8664575" cy="2590800"/>
+          </a:xfrm>
+          <a:prstGeom prst="rect">
+            <a:avLst/>
+          </a:prstGeom>
+          <a:noFill/>
+          <a:ln>
+            <a:noFill/>
+          </a:ln>
+          <a:extLst>
+            <a:ext uri="{909E8E84-426E-40DD-AFC4-6F175D3DCCD1}">
+              <a14:hiddenFill xmlns:a14="http://schemas.microsoft.com/office/drawing/2010/main">
+                <a:solidFill>
+                  <a:srgbClr val="FFFFFF"/>
+                </a:solidFill>
+              </a14:hiddenFill>
+            </a:ext>
+            <a:ext uri="{91240B29-F687-4F45-9708-019B960494DF}">
+              <a14:hiddenLine xmlns:a14="http://schemas.microsoft.com/office/drawing/2010/main" w="9525">
+                <a:solidFill>
+                  <a:srgbClr val="000000"/>
+                </a:solidFill>
+                <a:miter lim="800000"/>
+                <a:headEnd/>
+                <a:tailEnd/>
+              </a14:hiddenLine>
+            </a:ext>
+          </a:extLst>
+        </p:spPr>
+      </p:pic>
+    </p:spTree>
+  </p:cSld>
+  <p:clrMapOvr>
+    <a:masterClrMapping/>
+  </p:clrMapOvr>
+</p:sld>
+</file>
+
+<file path=ppt/slides/slide64.xml><?xml version="1.0" encoding="utf-8"?>
+<p:sld xmlns:a="http://schemas.openxmlformats.org/drawingml/2006/main" xmlns:r="http://schemas.openxmlformats.org/officeDocument/2006/relationships" xmlns:p="http://schemas.openxmlformats.org/presentationml/2006/main">
+  <p:cSld>
+    <p:spTree>
+      <p:nvGrpSpPr>
+        <p:cNvPr id="1" name=""/>
+        <p:cNvGrpSpPr/>
+        <p:nvPr/>
+      </p:nvGrpSpPr>
+      <p:grpSpPr>
+        <a:xfrm>
+          <a:off x="0" y="0"/>
+          <a:ext cx="0" cy="0"/>
+          <a:chOff x="0" y="0"/>
+          <a:chExt cx="0" cy="0"/>
+        </a:xfrm>
+      </p:grpSpPr>
+      <p:sp>
+        <p:nvSpPr>
+          <p:cNvPr id="76802" name="Title 1">
+            <a:extLst>
+              <a:ext uri="{FF2B5EF4-FFF2-40B4-BE49-F238E27FC236}">
+                <a16:creationId xmlns:a16="http://schemas.microsoft.com/office/drawing/2014/main" id="{D17EBB84-E391-29BD-525C-BF96835EE774}"/>
+              </a:ext>
+            </a:extLst>
+          </p:cNvPr>
+          <p:cNvSpPr>
+            <a:spLocks noGrp="1" noChangeArrowheads="1"/>
+          </p:cNvSpPr>
+          <p:nvPr>
+            <p:ph type="title"/>
+          </p:nvPr>
+        </p:nvSpPr>
+        <p:spPr/>
+        <p:txBody>
+          <a:bodyPr/>
+          <a:lstStyle/>
+          <a:p>
+            <a:r>
+              <a:rPr lang="en-US" altLang="en-US"/>
+              <a:t>Display Calculated Data</a:t>
+            </a:r>
+          </a:p>
+        </p:txBody>
+      </p:sp>
+      <p:pic>
+        <p:nvPicPr>
+          <p:cNvPr id="76803" name="Picture 2">
+            <a:extLst>
+              <a:ext uri="{FF2B5EF4-FFF2-40B4-BE49-F238E27FC236}">
+                <a16:creationId xmlns:a16="http://schemas.microsoft.com/office/drawing/2014/main" id="{B3C20F90-EEA9-D7AC-2EE1-B93A46CA867E}"/>
+              </a:ext>
+            </a:extLst>
+          </p:cNvPr>
+          <p:cNvPicPr>
+            <a:picLocks noChangeAspect="1" noChangeArrowheads="1"/>
+          </p:cNvPicPr>
+          <p:nvPr/>
+        </p:nvPicPr>
+        <p:blipFill>
+          <a:blip r:embed="rId2">
+            <a:extLst>
+              <a:ext uri="{28A0092B-C50C-407E-A947-70E740481C1C}">
+                <a14:useLocalDpi xmlns:a14="http://schemas.microsoft.com/office/drawing/2010/main" val="0"/>
+              </a:ext>
+            </a:extLst>
+          </a:blip>
+          <a:srcRect/>
+          <a:stretch>
+            <a:fillRect/>
+          </a:stretch>
+        </p:blipFill>
+        <p:spPr bwMode="auto">
+          <a:xfrm>
+            <a:off x="228600" y="2286000"/>
+            <a:ext cx="8686800" cy="2641600"/>
+          </a:xfrm>
+          <a:prstGeom prst="rect">
+            <a:avLst/>
+          </a:prstGeom>
+          <a:noFill/>
+          <a:ln>
+            <a:noFill/>
+          </a:ln>
+          <a:extLst>
+            <a:ext uri="{909E8E84-426E-40DD-AFC4-6F175D3DCCD1}">
+              <a14:hiddenFill xmlns:a14="http://schemas.microsoft.com/office/drawing/2010/main">
+                <a:solidFill>
+                  <a:srgbClr val="FFFFFF"/>
+                </a:solidFill>
+              </a14:hiddenFill>
+            </a:ext>
+            <a:ext uri="{91240B29-F687-4F45-9708-019B960494DF}">
+              <a14:hiddenLine xmlns:a14="http://schemas.microsoft.com/office/drawing/2010/main" w="9525">
+                <a:solidFill>
+                  <a:srgbClr val="000000"/>
+                </a:solidFill>
+                <a:miter lim="800000"/>
+                <a:headEnd/>
+                <a:tailEnd/>
+              </a14:hiddenLine>
+            </a:ext>
+          </a:extLst>
+        </p:spPr>
+      </p:pic>
+    </p:spTree>
+  </p:cSld>
+  <p:clrMapOvr>
+    <a:masterClrMapping/>
+  </p:clrMapOvr>
+</p:sld>
+</file>
+
+<file path=ppt/slides/slide65.xml><?xml version="1.0" encoding="utf-8"?>
+<p:sld xmlns:a="http://schemas.openxmlformats.org/drawingml/2006/main" xmlns:r="http://schemas.openxmlformats.org/officeDocument/2006/relationships" xmlns:p="http://schemas.openxmlformats.org/presentationml/2006/main">
+  <p:cSld>
+    <p:spTree>
+      <p:nvGrpSpPr>
+        <p:cNvPr id="1" name=""/>
+        <p:cNvGrpSpPr/>
+        <p:nvPr/>
+      </p:nvGrpSpPr>
+      <p:grpSpPr>
+        <a:xfrm>
+          <a:off x="0" y="0"/>
+          <a:ext cx="0" cy="0"/>
+          <a:chOff x="0" y="0"/>
+          <a:chExt cx="0" cy="0"/>
+        </a:xfrm>
+      </p:grpSpPr>
+      <p:sp>
+        <p:nvSpPr>
+          <p:cNvPr id="77826" name="Title 1">
+            <a:extLst>
+              <a:ext uri="{FF2B5EF4-FFF2-40B4-BE49-F238E27FC236}">
+                <a16:creationId xmlns:a16="http://schemas.microsoft.com/office/drawing/2014/main" id="{559A649C-43BB-3E96-3C52-D6232E7BE117}"/>
+              </a:ext>
+            </a:extLst>
+          </p:cNvPr>
+          <p:cNvSpPr>
+            <a:spLocks noGrp="1" noChangeArrowheads="1"/>
+          </p:cNvSpPr>
+          <p:nvPr>
+            <p:ph type="title"/>
+          </p:nvPr>
+        </p:nvSpPr>
+        <p:spPr/>
+        <p:txBody>
+          <a:bodyPr/>
+          <a:lstStyle/>
+          <a:p>
+            <a:r>
+              <a:rPr lang="en-US" altLang="en-US"/>
+              <a:t>Psuedocode</a:t>
+            </a:r>
+          </a:p>
+        </p:txBody>
+      </p:sp>
+      <p:sp>
+        <p:nvSpPr>
+          <p:cNvPr id="2" name="Content Placeholder 1">
+            <a:extLst>
+              <a:ext uri="{FF2B5EF4-FFF2-40B4-BE49-F238E27FC236}">
+                <a16:creationId xmlns:a16="http://schemas.microsoft.com/office/drawing/2014/main" id="{513E88CB-42E2-0F9A-41AC-A4E54A12F373}"/>
+              </a:ext>
+            </a:extLst>
+          </p:cNvPr>
+          <p:cNvSpPr>
+            <a:spLocks noGrp="1"/>
+          </p:cNvSpPr>
+          <p:nvPr>
+            <p:ph idx="1"/>
+          </p:nvPr>
+        </p:nvSpPr>
+        <p:spPr/>
+        <p:txBody>
+          <a:bodyPr>
+            <a:normAutofit fontScale="85000" lnSpcReduction="20000"/>
+          </a:bodyPr>
+          <a:lstStyle/>
+          <a:p>
+            <a:pPr marL="457200" indent="-457200">
+              <a:buFont typeface="+mj-lt"/>
+              <a:buAutoNum type="arabicPeriod"/>
+            </a:pPr>
+            <a:r>
+              <a:rPr lang="en-US" dirty="0"/>
+              <a:t>Ask the user to input the crate's length.</a:t>
+            </a:r>
+          </a:p>
+          <a:p>
+            <a:pPr marL="457200" indent="-457200">
+              <a:buFont typeface="+mj-lt"/>
+              <a:buAutoNum type="arabicPeriod"/>
+            </a:pPr>
+            <a:r>
+              <a:rPr lang="en-US" dirty="0"/>
+              <a:t>Ask the user to input the crate's width.</a:t>
+            </a:r>
+          </a:p>
+          <a:p>
+            <a:pPr marL="457200" indent="-457200">
+              <a:buFont typeface="+mj-lt"/>
+              <a:buAutoNum type="arabicPeriod"/>
+            </a:pPr>
+            <a:r>
+              <a:rPr lang="en-US" dirty="0"/>
+              <a:t>Ask the user to input the crate's height.</a:t>
+            </a:r>
+          </a:p>
+          <a:p>
+            <a:pPr marL="457200" indent="-457200">
+              <a:buFont typeface="+mj-lt"/>
+              <a:buAutoNum type="arabicPeriod"/>
+            </a:pPr>
+            <a:r>
+              <a:rPr lang="en-US" dirty="0"/>
+              <a:t>Calculate the crate's volume.</a:t>
+            </a:r>
+          </a:p>
+          <a:p>
+            <a:pPr marL="457200" indent="-457200">
+              <a:buFont typeface="+mj-lt"/>
+              <a:buAutoNum type="arabicPeriod"/>
+            </a:pPr>
+            <a:r>
+              <a:rPr lang="en-US" dirty="0"/>
+              <a:t>Calculate the cost of building the crate.</a:t>
+            </a:r>
+          </a:p>
+          <a:p>
+            <a:pPr marL="457200" indent="-457200">
+              <a:buFont typeface="+mj-lt"/>
+              <a:buAutoNum type="arabicPeriod"/>
+            </a:pPr>
+            <a:r>
+              <a:rPr lang="en-US" dirty="0"/>
+              <a:t>Calculate the customer's charge for the crate.</a:t>
+            </a:r>
+          </a:p>
+          <a:p>
+            <a:pPr marL="457200" indent="-457200">
+              <a:buFont typeface="+mj-lt"/>
+              <a:buAutoNum type="arabicPeriod"/>
+            </a:pPr>
+            <a:r>
+              <a:rPr lang="en-US" dirty="0"/>
+              <a:t>Calculate the profit made from the crate.</a:t>
+            </a:r>
+          </a:p>
+          <a:p>
+            <a:pPr marL="457200" indent="-457200">
+              <a:buFont typeface="+mj-lt"/>
+              <a:buAutoNum type="arabicPeriod"/>
+            </a:pPr>
+            <a:r>
+              <a:rPr lang="en-US" dirty="0"/>
+              <a:t>Display the crate's volume.</a:t>
+            </a:r>
+          </a:p>
+          <a:p>
+            <a:pPr marL="457200" indent="-457200">
+              <a:buFont typeface="+mj-lt"/>
+              <a:buAutoNum type="arabicPeriod"/>
+            </a:pPr>
+            <a:r>
+              <a:rPr lang="en-US" dirty="0"/>
+              <a:t>Display the cost of building the crate.</a:t>
+            </a:r>
+          </a:p>
+          <a:p>
+            <a:pPr marL="457200" indent="-457200">
+              <a:buFont typeface="+mj-lt"/>
+              <a:buAutoNum type="arabicPeriod"/>
+            </a:pPr>
+            <a:r>
+              <a:rPr lang="en-US" dirty="0"/>
+              <a:t>Display the customer's charge for the crate.</a:t>
+            </a:r>
+          </a:p>
+          <a:p>
+            <a:pPr marL="457200" indent="-457200">
+              <a:buFont typeface="+mj-lt"/>
+              <a:buAutoNum type="arabicPeriod"/>
+            </a:pPr>
+            <a:r>
+              <a:rPr lang="en-US" dirty="0"/>
+              <a:t>Display the profit made from the crate.</a:t>
+            </a:r>
+          </a:p>
+        </p:txBody>
+      </p:sp>
+    </p:spTree>
+  </p:cSld>
+  <p:clrMapOvr>
+    <a:masterClrMapping/>
+  </p:clrMapOvr>
+</p:sld>
+</file>
+
+<file path=ppt/slides/slide66.xml><?xml version="1.0" encoding="utf-8"?>
+<p:sld xmlns:a="http://schemas.openxmlformats.org/drawingml/2006/main" xmlns:r="http://schemas.openxmlformats.org/officeDocument/2006/relationships" xmlns:p="http://schemas.openxmlformats.org/presentationml/2006/main">
+  <p:cSld>
+    <p:spTree>
+      <p:nvGrpSpPr>
+        <p:cNvPr id="1" name=""/>
+        <p:cNvGrpSpPr/>
+        <p:nvPr/>
+      </p:nvGrpSpPr>
+      <p:grpSpPr>
+        <a:xfrm>
+          <a:off x="0" y="0"/>
+          <a:ext cx="0" cy="0"/>
+          <a:chOff x="0" y="0"/>
+          <a:chExt cx="0" cy="0"/>
+        </a:xfrm>
+      </p:grpSpPr>
+      <p:sp>
+        <p:nvSpPr>
+          <p:cNvPr id="78850" name="Title 1">
+            <a:extLst>
+              <a:ext uri="{FF2B5EF4-FFF2-40B4-BE49-F238E27FC236}">
+                <a16:creationId xmlns:a16="http://schemas.microsoft.com/office/drawing/2014/main" id="{4C953FAD-D233-673A-ECF4-AF9D8EBF3917}"/>
+              </a:ext>
+            </a:extLst>
+          </p:cNvPr>
+          <p:cNvSpPr>
+            <a:spLocks noGrp="1" noChangeArrowheads="1"/>
+          </p:cNvSpPr>
+          <p:nvPr>
+            <p:ph type="title"/>
+          </p:nvPr>
+        </p:nvSpPr>
+        <p:spPr/>
+        <p:txBody>
+          <a:bodyPr/>
+          <a:lstStyle/>
+          <a:p>
+            <a:r>
+              <a:rPr lang="en-US" altLang="en-US"/>
+              <a:t>Calculations</a:t>
+            </a:r>
+          </a:p>
+        </p:txBody>
+      </p:sp>
+      <p:sp>
+        <p:nvSpPr>
+          <p:cNvPr id="2" name="Content Placeholder 1">
+            <a:extLst>
+              <a:ext uri="{FF2B5EF4-FFF2-40B4-BE49-F238E27FC236}">
+                <a16:creationId xmlns:a16="http://schemas.microsoft.com/office/drawing/2014/main" id="{9652F5C5-F848-CFA7-48B4-DD6EAFF2A18E}"/>
+              </a:ext>
+            </a:extLst>
+          </p:cNvPr>
+          <p:cNvSpPr>
+            <a:spLocks noGrp="1"/>
+          </p:cNvSpPr>
+          <p:nvPr>
+            <p:ph idx="1"/>
+          </p:nvPr>
+        </p:nvSpPr>
+        <p:spPr/>
+        <p:txBody>
+          <a:bodyPr/>
+          <a:lstStyle/>
+          <a:p>
+            <a:pPr eaLnBrk="1" hangingPunct="1">
+              <a:spcBef>
+                <a:spcPct val="0"/>
+              </a:spcBef>
+              <a:buFontTx/>
+              <a:buNone/>
+            </a:pPr>
+            <a:r>
+              <a:rPr lang="en-US" altLang="en-US" sz="2000" dirty="0"/>
+              <a:t>The following formulas will be used to calculate the crate’s volume, cost, charge, and profit:</a:t>
+            </a:r>
+          </a:p>
+          <a:p>
+            <a:pPr eaLnBrk="1" hangingPunct="1">
+              <a:spcBef>
+                <a:spcPct val="0"/>
+              </a:spcBef>
+              <a:buFontTx/>
+              <a:buNone/>
+            </a:pPr>
+            <a:endParaRPr lang="en-US" altLang="en-US" sz="2000" dirty="0"/>
+          </a:p>
+          <a:p>
+            <a:pPr eaLnBrk="1" hangingPunct="1">
+              <a:spcBef>
+                <a:spcPct val="0"/>
+              </a:spcBef>
+              <a:buFontTx/>
+              <a:buNone/>
+            </a:pPr>
+            <a:r>
+              <a:rPr lang="en-US" altLang="en-US" sz="2000" dirty="0"/>
+              <a:t>	volume = length × width × height</a:t>
+            </a:r>
+          </a:p>
+          <a:p>
+            <a:pPr eaLnBrk="1" hangingPunct="1">
+              <a:spcBef>
+                <a:spcPct val="0"/>
+              </a:spcBef>
+              <a:buFontTx/>
+              <a:buNone/>
+            </a:pPr>
+            <a:endParaRPr lang="en-US" altLang="en-US" sz="2000" dirty="0"/>
+          </a:p>
+          <a:p>
+            <a:pPr eaLnBrk="1" hangingPunct="1">
+              <a:spcBef>
+                <a:spcPct val="0"/>
+              </a:spcBef>
+              <a:buFontTx/>
+              <a:buNone/>
+            </a:pPr>
+            <a:r>
+              <a:rPr lang="en-US" altLang="en-US" sz="2000" dirty="0"/>
+              <a:t>	cost = volume × 0.23</a:t>
+            </a:r>
+          </a:p>
+          <a:p>
+            <a:pPr eaLnBrk="1" hangingPunct="1">
+              <a:spcBef>
+                <a:spcPct val="0"/>
+              </a:spcBef>
+              <a:buFontTx/>
+              <a:buNone/>
+            </a:pPr>
+            <a:endParaRPr lang="en-US" altLang="en-US" sz="2000" dirty="0"/>
+          </a:p>
+          <a:p>
+            <a:pPr eaLnBrk="1" hangingPunct="1">
+              <a:spcBef>
+                <a:spcPct val="0"/>
+              </a:spcBef>
+              <a:buFontTx/>
+              <a:buNone/>
+            </a:pPr>
+            <a:r>
+              <a:rPr lang="en-US" altLang="en-US" sz="2000" dirty="0"/>
+              <a:t>	charge = volume × 0.5</a:t>
+            </a:r>
+          </a:p>
+          <a:p>
+            <a:pPr eaLnBrk="1" hangingPunct="1">
+              <a:spcBef>
+                <a:spcPct val="0"/>
+              </a:spcBef>
+              <a:buFontTx/>
+              <a:buNone/>
+            </a:pPr>
+            <a:endParaRPr lang="en-US" altLang="en-US" sz="2000" dirty="0"/>
+          </a:p>
+          <a:p>
+            <a:pPr eaLnBrk="1" hangingPunct="1">
+              <a:spcBef>
+                <a:spcPct val="0"/>
+              </a:spcBef>
+              <a:buFontTx/>
+              <a:buNone/>
+            </a:pPr>
+            <a:r>
+              <a:rPr lang="en-US" altLang="en-US" sz="2000" dirty="0"/>
+              <a:t>	profit = charge − cost</a:t>
+            </a:r>
+          </a:p>
+          <a:p>
+            <a:endParaRPr lang="en-US" dirty="0"/>
+          </a:p>
+        </p:txBody>
+      </p:sp>
+    </p:spTree>
+  </p:cSld>
+  <p:clrMapOvr>
+    <a:masterClrMapping/>
+  </p:clrMapOvr>
+</p:sld>
+</file>
+
+<file path=ppt/slides/slide67.xml><?xml version="1.0" encoding="utf-8"?>
+<p:sld xmlns:a="http://schemas.openxmlformats.org/drawingml/2006/main" xmlns:r="http://schemas.openxmlformats.org/officeDocument/2006/relationships" xmlns:p="http://schemas.openxmlformats.org/presentationml/2006/main">
+  <p:cSld>
+    <p:spTree>
+      <p:nvGrpSpPr>
+        <p:cNvPr id="1" name=""/>
+        <p:cNvGrpSpPr/>
+        <p:nvPr/>
+      </p:nvGrpSpPr>
+      <p:grpSpPr>
+        <a:xfrm>
+          <a:off x="0" y="0"/>
+          <a:ext cx="0" cy="0"/>
+          <a:chOff x="0" y="0"/>
+          <a:chExt cx="0" cy="0"/>
+        </a:xfrm>
+      </p:grpSpPr>
+      <p:sp>
+        <p:nvSpPr>
+          <p:cNvPr id="79874" name="Title 1">
+            <a:extLst>
+              <a:ext uri="{FF2B5EF4-FFF2-40B4-BE49-F238E27FC236}">
+                <a16:creationId xmlns:a16="http://schemas.microsoft.com/office/drawing/2014/main" id="{612F7C39-F97F-CEC2-E38D-80652CACA534}"/>
+              </a:ext>
+            </a:extLst>
+          </p:cNvPr>
+          <p:cNvSpPr>
+            <a:spLocks noGrp="1" noChangeArrowheads="1"/>
+          </p:cNvSpPr>
+          <p:nvPr>
+            <p:ph type="title"/>
+          </p:nvPr>
+        </p:nvSpPr>
+        <p:spPr/>
+        <p:txBody>
+          <a:bodyPr/>
+          <a:lstStyle/>
+          <a:p>
+            <a:r>
+              <a:rPr lang="en-US" altLang="en-US"/>
+              <a:t>The Program</a:t>
+            </a:r>
+          </a:p>
+        </p:txBody>
+      </p:sp>
+      <p:sp>
+        <p:nvSpPr>
+          <p:cNvPr id="79875" name="TextBox 3">
+            <a:extLst>
+              <a:ext uri="{FF2B5EF4-FFF2-40B4-BE49-F238E27FC236}">
+                <a16:creationId xmlns:a16="http://schemas.microsoft.com/office/drawing/2014/main" id="{B3C30EF6-F685-47B7-7F64-EB19EDECFCB2}"/>
               </a:ext>
             </a:extLst>
           </p:cNvPr>
@@ -21140,7 +21166,7 @@
         </p:nvSpPr>
         <p:spPr bwMode="auto">
           <a:xfrm>
-            <a:off x="6705600" y="5943600"/>
+            <a:off x="7481923" y="6019800"/>
             <a:ext cx="1466850" cy="369888"/>
           </a:xfrm>
           <a:prstGeom prst="rect">
@@ -21306,7 +21332,7 @@
             </a:lvl9pPr>
           </a:lstStyle>
           <a:p>
-            <a:pPr>
+            <a:pPr eaLnBrk="1" hangingPunct="1">
               <a:spcBef>
                 <a:spcPct val="0"/>
               </a:spcBef>
@@ -21314,71 +21340,18 @@
               <a:buNone/>
             </a:pPr>
             <a:r>
-              <a:rPr lang="en-US" altLang="en-US" sz="1800"/>
+              <a:rPr lang="en-US" altLang="en-US" sz="1800" dirty="0"/>
               <a:t>Continued…</a:t>
-            </a:r>
-          </a:p>
-        </p:txBody>
-      </p:sp>
-    </p:spTree>
-  </p:cSld>
-  <p:clrMapOvr>
-    <a:masterClrMapping/>
-  </p:clrMapOvr>
-</p:sld>
-</file>
-
-<file path=ppt/slides/slide59.xml><?xml version="1.0" encoding="utf-8"?>
-<p:sld xmlns:a="http://schemas.openxmlformats.org/drawingml/2006/main" xmlns:r="http://schemas.openxmlformats.org/officeDocument/2006/relationships" xmlns:p="http://schemas.openxmlformats.org/presentationml/2006/main">
-  <p:cSld>
-    <p:spTree>
-      <p:nvGrpSpPr>
-        <p:cNvPr id="1" name=""/>
-        <p:cNvGrpSpPr/>
-        <p:nvPr/>
-      </p:nvGrpSpPr>
-      <p:grpSpPr>
-        <a:xfrm>
-          <a:off x="0" y="0"/>
-          <a:ext cx="0" cy="0"/>
-          <a:chOff x="0" y="0"/>
-          <a:chExt cx="0" cy="0"/>
-        </a:xfrm>
-      </p:grpSpPr>
-      <p:sp>
-        <p:nvSpPr>
-          <p:cNvPr id="65538" name="Title 1">
-            <a:extLst>
-              <a:ext uri="{FF2B5EF4-FFF2-40B4-BE49-F238E27FC236}">
-                <a16:creationId xmlns:a16="http://schemas.microsoft.com/office/drawing/2014/main" id="{2505AAE3-F250-D627-7802-A2941DA3F308}"/>
-              </a:ext>
-            </a:extLst>
-          </p:cNvPr>
-          <p:cNvSpPr>
-            <a:spLocks noGrp="1" noChangeArrowheads="1"/>
-          </p:cNvSpPr>
-          <p:nvPr>
-            <p:ph type="title"/>
-          </p:nvPr>
-        </p:nvSpPr>
-        <p:spPr/>
-        <p:txBody>
-          <a:bodyPr/>
-          <a:lstStyle/>
-          <a:p>
-            <a:r>
-              <a:rPr lang="en-US" altLang="en-US"/>
-              <a:t>Simulating Dice</a:t>
             </a:r>
           </a:p>
         </p:txBody>
       </p:sp>
       <p:pic>
         <p:nvPicPr>
-          <p:cNvPr id="65539" name="Picture 2">
+          <p:cNvPr id="79876" name="Picture 1">
             <a:extLst>
               <a:ext uri="{FF2B5EF4-FFF2-40B4-BE49-F238E27FC236}">
-                <a16:creationId xmlns:a16="http://schemas.microsoft.com/office/drawing/2014/main" id="{8D4416EA-1F0A-EC7E-8813-F7DDEEACB0F4}"/>
+                <a16:creationId xmlns:a16="http://schemas.microsoft.com/office/drawing/2014/main" id="{F46B377D-95AE-15F0-C353-AAF282D879CB}"/>
               </a:ext>
             </a:extLst>
           </p:cNvPr>
@@ -21402,1313 +21375,8 @@
         </p:blipFill>
         <p:spPr bwMode="auto">
           <a:xfrm>
-            <a:off x="990600" y="1600200"/>
-            <a:ext cx="5973763" cy="4419600"/>
-          </a:xfrm>
-          <a:prstGeom prst="rect">
-            <a:avLst/>
-          </a:prstGeom>
-          <a:noFill/>
-          <a:ln>
-            <a:noFill/>
-          </a:ln>
-          <a:extLst>
-            <a:ext uri="{909E8E84-426E-40DD-AFC4-6F175D3DCCD1}">
-              <a14:hiddenFill xmlns:a14="http://schemas.microsoft.com/office/drawing/2010/main">
-                <a:solidFill>
-                  <a:srgbClr val="FFFFFF"/>
-                </a:solidFill>
-              </a14:hiddenFill>
-            </a:ext>
-            <a:ext uri="{91240B29-F687-4F45-9708-019B960494DF}">
-              <a14:hiddenLine xmlns:a14="http://schemas.microsoft.com/office/drawing/2010/main" w="9525">
-                <a:solidFill>
-                  <a:srgbClr val="000000"/>
-                </a:solidFill>
-                <a:miter lim="800000"/>
-                <a:headEnd/>
-                <a:tailEnd/>
-              </a14:hiddenLine>
-            </a:ext>
-          </a:extLst>
-        </p:spPr>
-      </p:pic>
-    </p:spTree>
-  </p:cSld>
-  <p:clrMapOvr>
-    <a:masterClrMapping/>
-  </p:clrMapOvr>
-</p:sld>
-</file>
-
-<file path=ppt/slides/slide6.xml><?xml version="1.0" encoding="utf-8"?>
-<p:sld xmlns:a="http://schemas.openxmlformats.org/drawingml/2006/main" xmlns:r="http://schemas.openxmlformats.org/officeDocument/2006/relationships" xmlns:p="http://schemas.openxmlformats.org/presentationml/2006/main">
-  <p:cSld>
-    <p:spTree>
-      <p:nvGrpSpPr>
-        <p:cNvPr id="1" name=""/>
-        <p:cNvGrpSpPr/>
-        <p:nvPr/>
-      </p:nvGrpSpPr>
-      <p:grpSpPr>
-        <a:xfrm>
-          <a:off x="0" y="0"/>
-          <a:ext cx="0" cy="0"/>
-          <a:chOff x="0" y="0"/>
-          <a:chExt cx="0" cy="0"/>
-        </a:xfrm>
-      </p:grpSpPr>
-      <p:sp>
-        <p:nvSpPr>
-          <p:cNvPr id="10242" name="Title 1">
-            <a:extLst>
-              <a:ext uri="{FF2B5EF4-FFF2-40B4-BE49-F238E27FC236}">
-                <a16:creationId xmlns:a16="http://schemas.microsoft.com/office/drawing/2014/main" id="{E97CCE9A-F47A-F732-CA7D-2B696C6812E9}"/>
-              </a:ext>
-            </a:extLst>
-          </p:cNvPr>
-          <p:cNvSpPr>
-            <a:spLocks noGrp="1" noChangeArrowheads="1"/>
-          </p:cNvSpPr>
-          <p:nvPr>
-            <p:ph type="title"/>
-          </p:nvPr>
-        </p:nvSpPr>
-        <p:spPr/>
-        <p:txBody>
-          <a:bodyPr/>
-          <a:lstStyle/>
-          <a:p>
-            <a:pPr eaLnBrk="1" hangingPunct="1"/>
-            <a:r>
-              <a:rPr lang="en-US" altLang="en-US"/>
-              <a:t>The </a:t>
-            </a:r>
-            <a:r>
-              <a:rPr lang="en-US" altLang="en-US">
-                <a:latin typeface="Courier New" panose="02070309020205020404" pitchFamily="49" charset="0"/>
-                <a:cs typeface="Courier New" panose="02070309020205020404" pitchFamily="49" charset="0"/>
-              </a:rPr>
-              <a:t>cin</a:t>
-            </a:r>
-            <a:r>
-              <a:rPr lang="en-US" altLang="en-US"/>
-              <a:t> Object</a:t>
-            </a:r>
-          </a:p>
-        </p:txBody>
-      </p:sp>
-      <p:sp>
-        <p:nvSpPr>
-          <p:cNvPr id="10243" name="Content Placeholder 2">
-            <a:extLst>
-              <a:ext uri="{FF2B5EF4-FFF2-40B4-BE49-F238E27FC236}">
-                <a16:creationId xmlns:a16="http://schemas.microsoft.com/office/drawing/2014/main" id="{B73A4636-F0E2-8417-E67C-CA3B54B2210C}"/>
-              </a:ext>
-            </a:extLst>
-          </p:cNvPr>
-          <p:cNvSpPr>
-            <a:spLocks noGrp="1" noChangeArrowheads="1"/>
-          </p:cNvSpPr>
-          <p:nvPr>
-            <p:ph idx="1"/>
-          </p:nvPr>
-        </p:nvSpPr>
-        <p:spPr/>
-        <p:txBody>
-          <a:bodyPr/>
-          <a:lstStyle/>
-          <a:p>
-            <a:r>
-              <a:rPr lang="en-US" altLang="en-US" sz="2800"/>
-              <a:t>Can be used to input more than one value:</a:t>
-            </a:r>
-          </a:p>
-          <a:p>
-            <a:pPr marL="457200" lvl="1" indent="0">
-              <a:buNone/>
-            </a:pPr>
-            <a:r>
-              <a:rPr lang="en-US" altLang="en-US" sz="2400"/>
-              <a:t>	</a:t>
-            </a:r>
-            <a:r>
-              <a:rPr lang="en-US" altLang="en-US" sz="2400" err="1">
-                <a:latin typeface="Courier New" panose="02070309020205020404" pitchFamily="49" charset="0"/>
-              </a:rPr>
-              <a:t>cin</a:t>
-            </a:r>
-            <a:r>
-              <a:rPr lang="en-US" altLang="en-US" sz="2400">
-                <a:latin typeface="Courier New" panose="02070309020205020404" pitchFamily="49" charset="0"/>
-              </a:rPr>
-              <a:t> &gt;&gt; height &gt;&gt; width;</a:t>
-            </a:r>
-            <a:br>
-              <a:rPr lang="en-US" altLang="en-US" sz="2400">
-                <a:latin typeface="Courier New" panose="02070309020205020404" pitchFamily="49" charset="0"/>
-              </a:rPr>
-            </a:br>
-            <a:endParaRPr lang="en-US" altLang="en-US" sz="2400"/>
-          </a:p>
-          <a:p>
-            <a:r>
-              <a:rPr lang="en-US" altLang="en-US" sz="2800"/>
-              <a:t>Multiple values from keyboard must be separated by spaces</a:t>
-            </a:r>
-            <a:br>
-              <a:rPr lang="en-US" altLang="en-US" sz="2800"/>
-            </a:br>
-            <a:endParaRPr lang="en-US" altLang="en-US" sz="2800"/>
-          </a:p>
-          <a:p>
-            <a:r>
-              <a:rPr lang="en-US" altLang="en-US" sz="2800"/>
-              <a:t>Order is important: first value entered goes to first variable, etc.</a:t>
-            </a:r>
-          </a:p>
-          <a:p>
-            <a:endParaRPr lang="en-US" altLang="en-US"/>
-          </a:p>
-        </p:txBody>
-      </p:sp>
-    </p:spTree>
-  </p:cSld>
-  <p:clrMapOvr>
-    <a:masterClrMapping/>
-  </p:clrMapOvr>
-</p:sld>
-</file>
-
-<file path=ppt/slides/slide60.xml><?xml version="1.0" encoding="utf-8"?>
-<p:sld xmlns:a="http://schemas.openxmlformats.org/drawingml/2006/main" xmlns:r="http://schemas.openxmlformats.org/officeDocument/2006/relationships" xmlns:p="http://schemas.openxmlformats.org/presentationml/2006/main">
-  <p:cSld>
-    <p:spTree>
-      <p:nvGrpSpPr>
-        <p:cNvPr id="1" name=""/>
-        <p:cNvGrpSpPr/>
-        <p:nvPr/>
-      </p:nvGrpSpPr>
-      <p:grpSpPr>
-        <a:xfrm>
-          <a:off x="0" y="0"/>
-          <a:ext cx="0" cy="0"/>
-          <a:chOff x="0" y="0"/>
-          <a:chExt cx="0" cy="0"/>
-        </a:xfrm>
-      </p:grpSpPr>
-      <p:sp>
-        <p:nvSpPr>
-          <p:cNvPr id="66562" name="Title 1">
-            <a:extLst>
-              <a:ext uri="{FF2B5EF4-FFF2-40B4-BE49-F238E27FC236}">
-                <a16:creationId xmlns:a16="http://schemas.microsoft.com/office/drawing/2014/main" id="{FFEA66D1-8694-8AA9-A29C-BC000D9C032B}"/>
-              </a:ext>
-            </a:extLst>
-          </p:cNvPr>
-          <p:cNvSpPr>
-            <a:spLocks noGrp="1" noChangeArrowheads="1"/>
-          </p:cNvSpPr>
-          <p:nvPr>
-            <p:ph type="ctrTitle"/>
-          </p:nvPr>
-        </p:nvSpPr>
-        <p:spPr/>
-        <p:txBody>
-          <a:bodyPr/>
-          <a:lstStyle/>
-          <a:p>
-            <a:pPr eaLnBrk="1" hangingPunct="1"/>
-            <a:r>
-              <a:rPr lang="en-US" altLang="en-US"/>
-              <a:t>3.10</a:t>
-            </a:r>
-          </a:p>
-        </p:txBody>
-      </p:sp>
-      <p:sp>
-        <p:nvSpPr>
-          <p:cNvPr id="66563" name="Subtitle 2">
-            <a:extLst>
-              <a:ext uri="{FF2B5EF4-FFF2-40B4-BE49-F238E27FC236}">
-                <a16:creationId xmlns:a16="http://schemas.microsoft.com/office/drawing/2014/main" id="{80F4D9B7-5317-1712-FF0B-976CA7F99147}"/>
-              </a:ext>
-            </a:extLst>
-          </p:cNvPr>
-          <p:cNvSpPr>
-            <a:spLocks noGrp="1" noChangeArrowheads="1"/>
-          </p:cNvSpPr>
-          <p:nvPr>
-            <p:ph type="subTitle" idx="1"/>
-          </p:nvPr>
-        </p:nvSpPr>
-        <p:spPr/>
-        <p:txBody>
-          <a:bodyPr/>
-          <a:lstStyle/>
-          <a:p>
-            <a:pPr eaLnBrk="1" hangingPunct="1"/>
-            <a:r>
-              <a:rPr lang="en-US" altLang="en-US"/>
-              <a:t>Hand Tracing a Program</a:t>
-            </a:r>
-          </a:p>
-        </p:txBody>
-      </p:sp>
-    </p:spTree>
-  </p:cSld>
-  <p:clrMapOvr>
-    <a:masterClrMapping/>
-  </p:clrMapOvr>
-</p:sld>
-</file>
-
-<file path=ppt/slides/slide61.xml><?xml version="1.0" encoding="utf-8"?>
-<p:sld xmlns:a="http://schemas.openxmlformats.org/drawingml/2006/main" xmlns:r="http://schemas.openxmlformats.org/officeDocument/2006/relationships" xmlns:p="http://schemas.openxmlformats.org/presentationml/2006/main">
-  <p:cSld>
-    <p:spTree>
-      <p:nvGrpSpPr>
-        <p:cNvPr id="1" name=""/>
-        <p:cNvGrpSpPr/>
-        <p:nvPr/>
-      </p:nvGrpSpPr>
-      <p:grpSpPr>
-        <a:xfrm>
-          <a:off x="0" y="0"/>
-          <a:ext cx="0" cy="0"/>
-          <a:chOff x="0" y="0"/>
-          <a:chExt cx="0" cy="0"/>
-        </a:xfrm>
-      </p:grpSpPr>
-      <p:sp>
-        <p:nvSpPr>
-          <p:cNvPr id="67586" name="Title 1">
-            <a:extLst>
-              <a:ext uri="{FF2B5EF4-FFF2-40B4-BE49-F238E27FC236}">
-                <a16:creationId xmlns:a16="http://schemas.microsoft.com/office/drawing/2014/main" id="{2A88FDAC-7ACA-9C7C-F162-5C08B66B4F0F}"/>
-              </a:ext>
-            </a:extLst>
-          </p:cNvPr>
-          <p:cNvSpPr>
-            <a:spLocks noGrp="1" noChangeArrowheads="1"/>
-          </p:cNvSpPr>
-          <p:nvPr>
-            <p:ph type="title"/>
-          </p:nvPr>
-        </p:nvSpPr>
-        <p:spPr/>
-        <p:txBody>
-          <a:bodyPr/>
-          <a:lstStyle/>
-          <a:p>
-            <a:pPr eaLnBrk="1" hangingPunct="1"/>
-            <a:r>
-              <a:rPr lang="en-US" altLang="en-US"/>
-              <a:t>Hand Tracing a Program</a:t>
-            </a:r>
-          </a:p>
-        </p:txBody>
-      </p:sp>
-      <p:sp>
-        <p:nvSpPr>
-          <p:cNvPr id="67587" name="Content Placeholder 2">
-            <a:extLst>
-              <a:ext uri="{FF2B5EF4-FFF2-40B4-BE49-F238E27FC236}">
-                <a16:creationId xmlns:a16="http://schemas.microsoft.com/office/drawing/2014/main" id="{AD934783-F5EB-0044-9088-1AC5FE7B41DE}"/>
-              </a:ext>
-            </a:extLst>
-          </p:cNvPr>
-          <p:cNvSpPr>
-            <a:spLocks noGrp="1" noChangeArrowheads="1"/>
-          </p:cNvSpPr>
-          <p:nvPr>
-            <p:ph idx="1"/>
-          </p:nvPr>
-        </p:nvSpPr>
-        <p:spPr/>
-        <p:txBody>
-          <a:bodyPr/>
-          <a:lstStyle/>
-          <a:p>
-            <a:pPr eaLnBrk="1" hangingPunct="1">
-              <a:lnSpc>
-                <a:spcPct val="90000"/>
-              </a:lnSpc>
-              <a:buFontTx/>
-              <a:buChar char="•"/>
-            </a:pPr>
-            <a:r>
-              <a:rPr lang="en-US" altLang="en-US"/>
-              <a:t>Hand trace a program: act as if you are the computer, executing a program:</a:t>
-            </a:r>
-          </a:p>
-          <a:p>
-            <a:pPr lvl="1" eaLnBrk="1" hangingPunct="1">
-              <a:lnSpc>
-                <a:spcPct val="90000"/>
-              </a:lnSpc>
-            </a:pPr>
-            <a:r>
-              <a:rPr lang="en-US" altLang="en-US"/>
-              <a:t>step through and ‘execute’ each statement, one-by-one</a:t>
-            </a:r>
-          </a:p>
-          <a:p>
-            <a:pPr lvl="1" eaLnBrk="1" hangingPunct="1">
-              <a:lnSpc>
-                <a:spcPct val="90000"/>
-              </a:lnSpc>
-            </a:pPr>
-            <a:r>
-              <a:rPr lang="en-US" altLang="en-US"/>
-              <a:t>record the contents of variables after statement execution, using a hand trace chart (table)</a:t>
-            </a:r>
-          </a:p>
-          <a:p>
-            <a:pPr eaLnBrk="1" hangingPunct="1">
-              <a:lnSpc>
-                <a:spcPct val="90000"/>
-              </a:lnSpc>
-              <a:buFontTx/>
-              <a:buChar char="•"/>
-            </a:pPr>
-            <a:r>
-              <a:rPr lang="en-US" altLang="en-US"/>
-              <a:t>Useful to locate logic or mathematical errors</a:t>
-            </a:r>
-          </a:p>
-          <a:p>
-            <a:pPr eaLnBrk="1" hangingPunct="1">
-              <a:buFontTx/>
-              <a:buChar char="•"/>
-            </a:pPr>
-            <a:endParaRPr lang="en-US" altLang="en-US"/>
-          </a:p>
-        </p:txBody>
-      </p:sp>
-    </p:spTree>
-  </p:cSld>
-  <p:clrMapOvr>
-    <a:masterClrMapping/>
-  </p:clrMapOvr>
-</p:sld>
-</file>
-
-<file path=ppt/slides/slide62.xml><?xml version="1.0" encoding="utf-8"?>
-<p:sld xmlns:a="http://schemas.openxmlformats.org/drawingml/2006/main" xmlns:r="http://schemas.openxmlformats.org/officeDocument/2006/relationships" xmlns:p="http://schemas.openxmlformats.org/presentationml/2006/main">
-  <p:cSld>
-    <p:spTree>
-      <p:nvGrpSpPr>
-        <p:cNvPr id="1" name=""/>
-        <p:cNvGrpSpPr/>
-        <p:nvPr/>
-      </p:nvGrpSpPr>
-      <p:grpSpPr>
-        <a:xfrm>
-          <a:off x="0" y="0"/>
-          <a:ext cx="0" cy="0"/>
-          <a:chOff x="0" y="0"/>
-          <a:chExt cx="0" cy="0"/>
-        </a:xfrm>
-      </p:grpSpPr>
-      <p:sp>
-        <p:nvSpPr>
-          <p:cNvPr id="2" name="Title 1">
-            <a:extLst>
-              <a:ext uri="{FF2B5EF4-FFF2-40B4-BE49-F238E27FC236}">
-                <a16:creationId xmlns:a16="http://schemas.microsoft.com/office/drawing/2014/main" id="{A01B6B5C-7CEA-BC40-6212-7EBBE64A3E8C}"/>
-              </a:ext>
-            </a:extLst>
-          </p:cNvPr>
-          <p:cNvSpPr>
-            <a:spLocks noGrp="1"/>
-          </p:cNvSpPr>
-          <p:nvPr>
-            <p:ph type="title"/>
-          </p:nvPr>
-        </p:nvSpPr>
-        <p:spPr/>
-        <p:txBody>
-          <a:bodyPr>
-            <a:normAutofit/>
-          </a:bodyPr>
-          <a:lstStyle/>
-          <a:p>
-            <a:pPr>
-              <a:defRPr/>
-            </a:pPr>
-            <a:r>
-              <a:rPr lang="en-US"/>
-              <a:t>Program 3-26 with Hand Trace Chart</a:t>
-            </a:r>
-          </a:p>
-        </p:txBody>
-      </p:sp>
-      <p:pic>
-        <p:nvPicPr>
-          <p:cNvPr id="68611" name="Picture 2">
-            <a:extLst>
-              <a:ext uri="{FF2B5EF4-FFF2-40B4-BE49-F238E27FC236}">
-                <a16:creationId xmlns:a16="http://schemas.microsoft.com/office/drawing/2014/main" id="{3341D719-B8D8-F042-5DC9-210D1643833D}"/>
-              </a:ext>
-            </a:extLst>
-          </p:cNvPr>
-          <p:cNvPicPr>
-            <a:picLocks noChangeAspect="1" noChangeArrowheads="1"/>
-          </p:cNvPicPr>
-          <p:nvPr/>
-        </p:nvPicPr>
-        <p:blipFill>
-          <a:blip r:embed="rId2">
-            <a:extLst>
-              <a:ext uri="{28A0092B-C50C-407E-A947-70E740481C1C}">
-                <a14:useLocalDpi xmlns:a14="http://schemas.microsoft.com/office/drawing/2010/main" val="0"/>
-              </a:ext>
-            </a:extLst>
-          </a:blip>
-          <a:srcRect/>
-          <a:stretch>
-            <a:fillRect/>
-          </a:stretch>
-        </p:blipFill>
-        <p:spPr bwMode="auto">
-          <a:xfrm>
-            <a:off x="533400" y="1600200"/>
-            <a:ext cx="6629400" cy="4875213"/>
-          </a:xfrm>
-          <a:prstGeom prst="rect">
-            <a:avLst/>
-          </a:prstGeom>
-          <a:noFill/>
-          <a:ln>
-            <a:noFill/>
-          </a:ln>
-          <a:extLst>
-            <a:ext uri="{909E8E84-426E-40DD-AFC4-6F175D3DCCD1}">
-              <a14:hiddenFill xmlns:a14="http://schemas.microsoft.com/office/drawing/2010/main">
-                <a:solidFill>
-                  <a:srgbClr val="FFFFFF"/>
-                </a:solidFill>
-              </a14:hiddenFill>
-            </a:ext>
-            <a:ext uri="{91240B29-F687-4F45-9708-019B960494DF}">
-              <a14:hiddenLine xmlns:a14="http://schemas.microsoft.com/office/drawing/2010/main" w="9525">
-                <a:solidFill>
-                  <a:srgbClr val="000000"/>
-                </a:solidFill>
-                <a:miter lim="800000"/>
-                <a:headEnd/>
-                <a:tailEnd/>
-              </a14:hiddenLine>
-            </a:ext>
-          </a:extLst>
-        </p:spPr>
-      </p:pic>
-    </p:spTree>
-  </p:cSld>
-  <p:clrMapOvr>
-    <a:masterClrMapping/>
-  </p:clrMapOvr>
-</p:sld>
-</file>
-
-<file path=ppt/slides/slide63.xml><?xml version="1.0" encoding="utf-8"?>
-<p:sld xmlns:a="http://schemas.openxmlformats.org/drawingml/2006/main" xmlns:r="http://schemas.openxmlformats.org/officeDocument/2006/relationships" xmlns:p="http://schemas.openxmlformats.org/presentationml/2006/main">
-  <p:cSld>
-    <p:spTree>
-      <p:nvGrpSpPr>
-        <p:cNvPr id="1" name=""/>
-        <p:cNvGrpSpPr/>
-        <p:nvPr/>
-      </p:nvGrpSpPr>
-      <p:grpSpPr>
-        <a:xfrm>
-          <a:off x="0" y="0"/>
-          <a:ext cx="0" cy="0"/>
-          <a:chOff x="0" y="0"/>
-          <a:chExt cx="0" cy="0"/>
-        </a:xfrm>
-      </p:grpSpPr>
-      <p:sp>
-        <p:nvSpPr>
-          <p:cNvPr id="69634" name="Title 1">
-            <a:extLst>
-              <a:ext uri="{FF2B5EF4-FFF2-40B4-BE49-F238E27FC236}">
-                <a16:creationId xmlns:a16="http://schemas.microsoft.com/office/drawing/2014/main" id="{6B6DD9DA-DAA8-FAB4-4298-7AC71CE502FA}"/>
-              </a:ext>
-            </a:extLst>
-          </p:cNvPr>
-          <p:cNvSpPr>
-            <a:spLocks noGrp="1" noChangeArrowheads="1"/>
-          </p:cNvSpPr>
-          <p:nvPr>
-            <p:ph type="ctrTitle"/>
-          </p:nvPr>
-        </p:nvSpPr>
-        <p:spPr/>
-        <p:txBody>
-          <a:bodyPr/>
-          <a:lstStyle/>
-          <a:p>
-            <a:r>
-              <a:rPr lang="en-US" altLang="en-US"/>
-              <a:t>3.11</a:t>
-            </a:r>
-          </a:p>
-        </p:txBody>
-      </p:sp>
-      <p:sp>
-        <p:nvSpPr>
-          <p:cNvPr id="69635" name="Subtitle 2">
-            <a:extLst>
-              <a:ext uri="{FF2B5EF4-FFF2-40B4-BE49-F238E27FC236}">
-                <a16:creationId xmlns:a16="http://schemas.microsoft.com/office/drawing/2014/main" id="{67BCD6DA-3BDB-A654-E4F4-BE0F34621B89}"/>
-              </a:ext>
-            </a:extLst>
-          </p:cNvPr>
-          <p:cNvSpPr>
-            <a:spLocks noGrp="1" noChangeArrowheads="1"/>
-          </p:cNvSpPr>
-          <p:nvPr>
-            <p:ph type="subTitle" idx="1"/>
-          </p:nvPr>
-        </p:nvSpPr>
-        <p:spPr/>
-        <p:txBody>
-          <a:bodyPr/>
-          <a:lstStyle/>
-          <a:p>
-            <a:r>
-              <a:rPr lang="en-US" altLang="en-US"/>
-              <a:t>A Case Study</a:t>
-            </a:r>
-          </a:p>
-        </p:txBody>
-      </p:sp>
-    </p:spTree>
-  </p:cSld>
-  <p:clrMapOvr>
-    <a:masterClrMapping/>
-  </p:clrMapOvr>
-</p:sld>
-</file>
-
-<file path=ppt/slides/slide64.xml><?xml version="1.0" encoding="utf-8"?>
-<p:sld xmlns:a="http://schemas.openxmlformats.org/drawingml/2006/main" xmlns:r="http://schemas.openxmlformats.org/officeDocument/2006/relationships" xmlns:p="http://schemas.openxmlformats.org/presentationml/2006/main">
-  <p:cSld>
-    <p:spTree>
-      <p:nvGrpSpPr>
-        <p:cNvPr id="1" name=""/>
-        <p:cNvGrpSpPr/>
-        <p:nvPr/>
-      </p:nvGrpSpPr>
-      <p:grpSpPr>
-        <a:xfrm>
-          <a:off x="0" y="0"/>
-          <a:ext cx="0" cy="0"/>
-          <a:chOff x="0" y="0"/>
-          <a:chExt cx="0" cy="0"/>
-        </a:xfrm>
-      </p:grpSpPr>
-      <p:sp>
-        <p:nvSpPr>
-          <p:cNvPr id="70658" name="Title 1">
-            <a:extLst>
-              <a:ext uri="{FF2B5EF4-FFF2-40B4-BE49-F238E27FC236}">
-                <a16:creationId xmlns:a16="http://schemas.microsoft.com/office/drawing/2014/main" id="{41D7AA6F-F850-07E6-4295-C6BC0535ED88}"/>
-              </a:ext>
-            </a:extLst>
-          </p:cNvPr>
-          <p:cNvSpPr>
-            <a:spLocks noGrp="1" noChangeArrowheads="1"/>
-          </p:cNvSpPr>
-          <p:nvPr>
-            <p:ph type="title"/>
-          </p:nvPr>
-        </p:nvSpPr>
-        <p:spPr/>
-        <p:txBody>
-          <a:bodyPr/>
-          <a:lstStyle/>
-          <a:p>
-            <a:r>
-              <a:rPr lang="en-US" altLang="en-US"/>
-              <a:t>A Case Study</a:t>
-            </a:r>
-          </a:p>
-        </p:txBody>
-      </p:sp>
-      <p:sp>
-        <p:nvSpPr>
-          <p:cNvPr id="3" name="Content Placeholder 2">
-            <a:extLst>
-              <a:ext uri="{FF2B5EF4-FFF2-40B4-BE49-F238E27FC236}">
-                <a16:creationId xmlns:a16="http://schemas.microsoft.com/office/drawing/2014/main" id="{4FF4CF8B-67E6-B31C-FBAF-6553B823263D}"/>
-              </a:ext>
-            </a:extLst>
-          </p:cNvPr>
-          <p:cNvSpPr>
-            <a:spLocks noGrp="1"/>
-          </p:cNvSpPr>
-          <p:nvPr>
-            <p:ph idx="1"/>
-          </p:nvPr>
-        </p:nvSpPr>
-        <p:spPr/>
-        <p:txBody>
-          <a:bodyPr/>
-          <a:lstStyle/>
-          <a:p>
-            <a:pPr>
-              <a:defRPr/>
-            </a:pPr>
-            <a:r>
-              <a:rPr lang="en-US"/>
-              <a:t>General Crates, Inc. builds custom-designed wooden crates. </a:t>
-            </a:r>
-          </a:p>
-          <a:p>
-            <a:pPr>
-              <a:defRPr/>
-            </a:pPr>
-            <a:r>
-              <a:rPr lang="en-US"/>
-              <a:t>You have been asked to write a program that calculates the:</a:t>
-            </a:r>
-          </a:p>
-          <a:p>
-            <a:pPr lvl="1">
-              <a:defRPr/>
-            </a:pPr>
-            <a:r>
-              <a:rPr lang="en-US">
-                <a:ea typeface="+mn-ea"/>
-              </a:rPr>
-              <a:t>Volume (in cubic feet)</a:t>
-            </a:r>
-          </a:p>
-          <a:p>
-            <a:pPr lvl="1">
-              <a:defRPr/>
-            </a:pPr>
-            <a:r>
-              <a:rPr lang="en-US">
-                <a:ea typeface="+mn-ea"/>
-              </a:rPr>
-              <a:t>Cost</a:t>
-            </a:r>
-          </a:p>
-          <a:p>
-            <a:pPr lvl="1">
-              <a:defRPr/>
-            </a:pPr>
-            <a:r>
-              <a:rPr lang="en-US">
-                <a:ea typeface="+mn-ea"/>
-              </a:rPr>
-              <a:t>Customer price</a:t>
-            </a:r>
-          </a:p>
-          <a:p>
-            <a:pPr lvl="1">
-              <a:defRPr/>
-            </a:pPr>
-            <a:r>
-              <a:rPr lang="en-US">
-                <a:ea typeface="+mn-ea"/>
-              </a:rPr>
-              <a:t>Profit of any crate GCI builds</a:t>
-            </a:r>
-            <a:endParaRPr lang="en-US"/>
-          </a:p>
-        </p:txBody>
-      </p:sp>
-    </p:spTree>
-  </p:cSld>
-  <p:clrMapOvr>
-    <a:masterClrMapping/>
-  </p:clrMapOvr>
-</p:sld>
-</file>
-
-<file path=ppt/slides/slide65.xml><?xml version="1.0" encoding="utf-8"?>
-<p:sld xmlns:a="http://schemas.openxmlformats.org/drawingml/2006/main" xmlns:r="http://schemas.openxmlformats.org/officeDocument/2006/relationships" xmlns:p="http://schemas.openxmlformats.org/presentationml/2006/main">
-  <p:cSld>
-    <p:spTree>
-      <p:nvGrpSpPr>
-        <p:cNvPr id="1" name=""/>
-        <p:cNvGrpSpPr/>
-        <p:nvPr/>
-      </p:nvGrpSpPr>
-      <p:grpSpPr>
-        <a:xfrm>
-          <a:off x="0" y="0"/>
-          <a:ext cx="0" cy="0"/>
-          <a:chOff x="0" y="0"/>
-          <a:chExt cx="0" cy="0"/>
-        </a:xfrm>
-      </p:grpSpPr>
-      <p:sp>
-        <p:nvSpPr>
-          <p:cNvPr id="71682" name="Title 1">
-            <a:extLst>
-              <a:ext uri="{FF2B5EF4-FFF2-40B4-BE49-F238E27FC236}">
-                <a16:creationId xmlns:a16="http://schemas.microsoft.com/office/drawing/2014/main" id="{4FD6B536-C9DD-2F3B-D9B0-A36C820EEB6F}"/>
-              </a:ext>
-            </a:extLst>
-          </p:cNvPr>
-          <p:cNvSpPr>
-            <a:spLocks noGrp="1" noChangeArrowheads="1"/>
-          </p:cNvSpPr>
-          <p:nvPr>
-            <p:ph type="title"/>
-          </p:nvPr>
-        </p:nvSpPr>
-        <p:spPr/>
-        <p:txBody>
-          <a:bodyPr/>
-          <a:lstStyle/>
-          <a:p>
-            <a:r>
-              <a:rPr lang="en-US" altLang="en-US"/>
-              <a:t>Variables</a:t>
-            </a:r>
-          </a:p>
-        </p:txBody>
-      </p:sp>
-      <p:pic>
-        <p:nvPicPr>
-          <p:cNvPr id="71683" name="Picture 2">
-            <a:extLst>
-              <a:ext uri="{FF2B5EF4-FFF2-40B4-BE49-F238E27FC236}">
-                <a16:creationId xmlns:a16="http://schemas.microsoft.com/office/drawing/2014/main" id="{344CC553-D875-F7CC-A4CE-DAE9DFCE5EEC}"/>
-              </a:ext>
-            </a:extLst>
-          </p:cNvPr>
-          <p:cNvPicPr>
-            <a:picLocks noChangeAspect="1" noChangeArrowheads="1"/>
-          </p:cNvPicPr>
-          <p:nvPr/>
-        </p:nvPicPr>
-        <p:blipFill>
-          <a:blip r:embed="rId2">
-            <a:extLst>
-              <a:ext uri="{28A0092B-C50C-407E-A947-70E740481C1C}">
-                <a14:useLocalDpi xmlns:a14="http://schemas.microsoft.com/office/drawing/2010/main" val="0"/>
-              </a:ext>
-            </a:extLst>
-          </a:blip>
-          <a:srcRect/>
-          <a:stretch>
-            <a:fillRect/>
-          </a:stretch>
-        </p:blipFill>
-        <p:spPr bwMode="auto">
-          <a:xfrm>
-            <a:off x="838200" y="1558925"/>
-            <a:ext cx="7467600" cy="4837113"/>
-          </a:xfrm>
-          <a:prstGeom prst="rect">
-            <a:avLst/>
-          </a:prstGeom>
-          <a:noFill/>
-          <a:ln>
-            <a:noFill/>
-          </a:ln>
-          <a:extLst>
-            <a:ext uri="{909E8E84-426E-40DD-AFC4-6F175D3DCCD1}">
-              <a14:hiddenFill xmlns:a14="http://schemas.microsoft.com/office/drawing/2010/main">
-                <a:solidFill>
-                  <a:srgbClr val="FFFFFF"/>
-                </a:solidFill>
-              </a14:hiddenFill>
-            </a:ext>
-            <a:ext uri="{91240B29-F687-4F45-9708-019B960494DF}">
-              <a14:hiddenLine xmlns:a14="http://schemas.microsoft.com/office/drawing/2010/main" w="9525">
-                <a:solidFill>
-                  <a:srgbClr val="000000"/>
-                </a:solidFill>
-                <a:miter lim="800000"/>
-                <a:headEnd/>
-                <a:tailEnd/>
-              </a14:hiddenLine>
-            </a:ext>
-          </a:extLst>
-        </p:spPr>
-      </p:pic>
-    </p:spTree>
-  </p:cSld>
-  <p:clrMapOvr>
-    <a:masterClrMapping/>
-  </p:clrMapOvr>
-</p:sld>
-</file>
-
-<file path=ppt/slides/slide66.xml><?xml version="1.0" encoding="utf-8"?>
-<p:sld xmlns:a="http://schemas.openxmlformats.org/drawingml/2006/main" xmlns:r="http://schemas.openxmlformats.org/officeDocument/2006/relationships" xmlns:p="http://schemas.openxmlformats.org/presentationml/2006/main">
-  <p:cSld>
-    <p:spTree>
-      <p:nvGrpSpPr>
-        <p:cNvPr id="1" name=""/>
-        <p:cNvGrpSpPr/>
-        <p:nvPr/>
-      </p:nvGrpSpPr>
-      <p:grpSpPr>
-        <a:xfrm>
-          <a:off x="0" y="0"/>
-          <a:ext cx="0" cy="0"/>
-          <a:chOff x="0" y="0"/>
-          <a:chExt cx="0" cy="0"/>
-        </a:xfrm>
-      </p:grpSpPr>
-      <p:sp>
-        <p:nvSpPr>
-          <p:cNvPr id="72706" name="Title 1">
-            <a:extLst>
-              <a:ext uri="{FF2B5EF4-FFF2-40B4-BE49-F238E27FC236}">
-                <a16:creationId xmlns:a16="http://schemas.microsoft.com/office/drawing/2014/main" id="{6C0A6086-6E89-7108-00C0-E783068508CF}"/>
-              </a:ext>
-            </a:extLst>
-          </p:cNvPr>
-          <p:cNvSpPr>
-            <a:spLocks noGrp="1" noChangeArrowheads="1"/>
-          </p:cNvSpPr>
-          <p:nvPr>
-            <p:ph type="title"/>
-          </p:nvPr>
-        </p:nvSpPr>
-        <p:spPr/>
-        <p:txBody>
-          <a:bodyPr/>
-          <a:lstStyle/>
-          <a:p>
-            <a:r>
-              <a:rPr lang="en-US" altLang="en-US"/>
-              <a:t>Program Design</a:t>
-            </a:r>
-          </a:p>
-        </p:txBody>
-      </p:sp>
-      <p:sp>
-        <p:nvSpPr>
-          <p:cNvPr id="72707" name="Rectangle 4">
-            <a:extLst>
-              <a:ext uri="{FF2B5EF4-FFF2-40B4-BE49-F238E27FC236}">
-                <a16:creationId xmlns:a16="http://schemas.microsoft.com/office/drawing/2014/main" id="{EDC797EA-ECCA-1482-986E-9674A5A5626C}"/>
-              </a:ext>
-            </a:extLst>
-          </p:cNvPr>
-          <p:cNvSpPr>
-            <a:spLocks noChangeArrowheads="1"/>
-          </p:cNvSpPr>
-          <p:nvPr/>
-        </p:nvSpPr>
-        <p:spPr bwMode="auto">
-          <a:xfrm>
-            <a:off x="762000" y="1371600"/>
-            <a:ext cx="7696200" cy="4524375"/>
-          </a:xfrm>
-          <a:prstGeom prst="rect">
-            <a:avLst/>
-          </a:prstGeom>
-          <a:noFill/>
-          <a:ln>
-            <a:noFill/>
-          </a:ln>
-          <a:extLst>
-            <a:ext uri="{909E8E84-426E-40DD-AFC4-6F175D3DCCD1}">
-              <a14:hiddenFill xmlns:a14="http://schemas.microsoft.com/office/drawing/2010/main">
-                <a:solidFill>
-                  <a:srgbClr val="FFFFFF"/>
-                </a:solidFill>
-              </a14:hiddenFill>
-            </a:ext>
-            <a:ext uri="{91240B29-F687-4F45-9708-019B960494DF}">
-              <a14:hiddenLine xmlns:a14="http://schemas.microsoft.com/office/drawing/2010/main" w="9525">
-                <a:solidFill>
-                  <a:srgbClr val="000000"/>
-                </a:solidFill>
-                <a:miter lim="800000"/>
-                <a:headEnd/>
-                <a:tailEnd/>
-              </a14:hiddenLine>
-            </a:ext>
-          </a:extLst>
-        </p:spPr>
-        <p:txBody>
-          <a:bodyPr>
-            <a:spAutoFit/>
-          </a:bodyPr>
-          <a:lstStyle>
-            <a:lvl1pPr>
-              <a:spcBef>
-                <a:spcPct val="20000"/>
-              </a:spcBef>
-              <a:buChar char="•"/>
-              <a:defRPr sz="3200">
-                <a:solidFill>
-                  <a:schemeClr val="tx1"/>
-                </a:solidFill>
-                <a:latin typeface="Arial" panose="020B0604020202020204" pitchFamily="34" charset="0"/>
-                <a:cs typeface="Arial" panose="020B0604020202020204" pitchFamily="34" charset="0"/>
-              </a:defRPr>
-            </a:lvl1pPr>
-            <a:lvl2pPr marL="742950" indent="-285750">
-              <a:spcBef>
-                <a:spcPct val="20000"/>
-              </a:spcBef>
-              <a:buChar char="–"/>
-              <a:defRPr sz="2800">
-                <a:solidFill>
-                  <a:schemeClr val="tx1"/>
-                </a:solidFill>
-                <a:latin typeface="Arial" panose="020B0604020202020204" pitchFamily="34" charset="0"/>
-                <a:cs typeface="Arial" panose="020B0604020202020204" pitchFamily="34" charset="0"/>
-              </a:defRPr>
-            </a:lvl2pPr>
-            <a:lvl3pPr marL="1143000" indent="-228600">
-              <a:spcBef>
-                <a:spcPct val="20000"/>
-              </a:spcBef>
-              <a:buChar char="•"/>
-              <a:defRPr sz="2400">
-                <a:solidFill>
-                  <a:schemeClr val="tx1"/>
-                </a:solidFill>
-                <a:latin typeface="Arial" panose="020B0604020202020204" pitchFamily="34" charset="0"/>
-                <a:cs typeface="Arial" panose="020B0604020202020204" pitchFamily="34" charset="0"/>
-              </a:defRPr>
-            </a:lvl3pPr>
-            <a:lvl4pPr marL="1600200" indent="-228600">
-              <a:spcBef>
-                <a:spcPct val="20000"/>
-              </a:spcBef>
-              <a:buChar char="–"/>
-              <a:defRPr sz="2000">
-                <a:solidFill>
-                  <a:schemeClr val="tx1"/>
-                </a:solidFill>
-                <a:latin typeface="Arial" panose="020B0604020202020204" pitchFamily="34" charset="0"/>
-                <a:cs typeface="Arial" panose="020B0604020202020204" pitchFamily="34" charset="0"/>
-              </a:defRPr>
-            </a:lvl4pPr>
-            <a:lvl5pPr marL="2057400" indent="-228600">
-              <a:spcBef>
-                <a:spcPct val="20000"/>
-              </a:spcBef>
-              <a:buChar char="»"/>
-              <a:defRPr sz="2000">
-                <a:solidFill>
-                  <a:schemeClr val="tx1"/>
-                </a:solidFill>
-                <a:latin typeface="Arial" panose="020B0604020202020204" pitchFamily="34" charset="0"/>
-                <a:cs typeface="Arial" panose="020B0604020202020204" pitchFamily="34" charset="0"/>
-              </a:defRPr>
-            </a:lvl5pPr>
-            <a:lvl6pPr marL="2514600" indent="-228600" eaLnBrk="0" fontAlgn="base" hangingPunct="0">
-              <a:spcBef>
-                <a:spcPct val="20000"/>
-              </a:spcBef>
-              <a:spcAft>
-                <a:spcPct val="0"/>
-              </a:spcAft>
-              <a:buChar char="»"/>
-              <a:defRPr sz="2000">
-                <a:solidFill>
-                  <a:schemeClr val="tx1"/>
-                </a:solidFill>
-                <a:latin typeface="Arial" panose="020B0604020202020204" pitchFamily="34" charset="0"/>
-                <a:cs typeface="Arial" panose="020B0604020202020204" pitchFamily="34" charset="0"/>
-              </a:defRPr>
-            </a:lvl6pPr>
-            <a:lvl7pPr marL="2971800" indent="-228600" eaLnBrk="0" fontAlgn="base" hangingPunct="0">
-              <a:spcBef>
-                <a:spcPct val="20000"/>
-              </a:spcBef>
-              <a:spcAft>
-                <a:spcPct val="0"/>
-              </a:spcAft>
-              <a:buChar char="»"/>
-              <a:defRPr sz="2000">
-                <a:solidFill>
-                  <a:schemeClr val="tx1"/>
-                </a:solidFill>
-                <a:latin typeface="Arial" panose="020B0604020202020204" pitchFamily="34" charset="0"/>
-                <a:cs typeface="Arial" panose="020B0604020202020204" pitchFamily="34" charset="0"/>
-              </a:defRPr>
-            </a:lvl7pPr>
-            <a:lvl8pPr marL="3429000" indent="-228600" eaLnBrk="0" fontAlgn="base" hangingPunct="0">
-              <a:spcBef>
-                <a:spcPct val="20000"/>
-              </a:spcBef>
-              <a:spcAft>
-                <a:spcPct val="0"/>
-              </a:spcAft>
-              <a:buChar char="»"/>
-              <a:defRPr sz="2000">
-                <a:solidFill>
-                  <a:schemeClr val="tx1"/>
-                </a:solidFill>
-                <a:latin typeface="Arial" panose="020B0604020202020204" pitchFamily="34" charset="0"/>
-                <a:cs typeface="Arial" panose="020B0604020202020204" pitchFamily="34" charset="0"/>
-              </a:defRPr>
-            </a:lvl8pPr>
-            <a:lvl9pPr marL="3886200" indent="-228600" eaLnBrk="0" fontAlgn="base" hangingPunct="0">
-              <a:spcBef>
-                <a:spcPct val="20000"/>
-              </a:spcBef>
-              <a:spcAft>
-                <a:spcPct val="0"/>
-              </a:spcAft>
-              <a:buChar char="»"/>
-              <a:defRPr sz="2000">
-                <a:solidFill>
-                  <a:schemeClr val="tx1"/>
-                </a:solidFill>
-                <a:latin typeface="Arial" panose="020B0604020202020204" pitchFamily="34" charset="0"/>
-                <a:cs typeface="Arial" panose="020B0604020202020204" pitchFamily="34" charset="0"/>
-              </a:defRPr>
-            </a:lvl9pPr>
-          </a:lstStyle>
-          <a:p>
-            <a:pPr eaLnBrk="1" hangingPunct="1">
-              <a:spcBef>
-                <a:spcPct val="0"/>
-              </a:spcBef>
-              <a:buFontTx/>
-              <a:buNone/>
-            </a:pPr>
-            <a:r>
-              <a:rPr lang="en-US" altLang="en-US" sz="2400"/>
-              <a:t>The program must perform the following general steps:</a:t>
-            </a:r>
-          </a:p>
-          <a:p>
-            <a:pPr eaLnBrk="1" hangingPunct="1">
-              <a:spcBef>
-                <a:spcPct val="0"/>
-              </a:spcBef>
-              <a:buFontTx/>
-              <a:buNone/>
-            </a:pPr>
-            <a:endParaRPr lang="en-US" altLang="en-US" sz="2400"/>
-          </a:p>
-          <a:p>
-            <a:pPr eaLnBrk="1" hangingPunct="1">
-              <a:spcBef>
-                <a:spcPct val="0"/>
-              </a:spcBef>
-              <a:buFontTx/>
-              <a:buNone/>
-            </a:pPr>
-            <a:r>
-              <a:rPr lang="en-US" altLang="en-US" sz="2400"/>
-              <a:t>Step 1:</a:t>
-            </a:r>
-          </a:p>
-          <a:p>
-            <a:pPr eaLnBrk="1" hangingPunct="1">
-              <a:spcBef>
-                <a:spcPct val="0"/>
-              </a:spcBef>
-              <a:buFontTx/>
-              <a:buNone/>
-            </a:pPr>
-            <a:r>
-              <a:rPr lang="en-US" altLang="en-US" sz="2400"/>
-              <a:t>	Ask the user to enter the dimensions of the crate</a:t>
-            </a:r>
-          </a:p>
-          <a:p>
-            <a:pPr eaLnBrk="1" hangingPunct="1">
-              <a:spcBef>
-                <a:spcPct val="0"/>
-              </a:spcBef>
-              <a:buFontTx/>
-              <a:buNone/>
-            </a:pPr>
-            <a:r>
-              <a:rPr lang="en-US" altLang="en-US" sz="2400"/>
-              <a:t>Step 2:</a:t>
-            </a:r>
-          </a:p>
-          <a:p>
-            <a:pPr eaLnBrk="1" hangingPunct="1">
-              <a:spcBef>
-                <a:spcPct val="0"/>
-              </a:spcBef>
-              <a:buFontTx/>
-              <a:buNone/>
-            </a:pPr>
-            <a:r>
-              <a:rPr lang="en-US" altLang="en-US" sz="2400"/>
-              <a:t>	Calculate:</a:t>
-            </a:r>
-          </a:p>
-          <a:p>
-            <a:pPr eaLnBrk="1" hangingPunct="1">
-              <a:spcBef>
-                <a:spcPct val="0"/>
-              </a:spcBef>
-              <a:buFontTx/>
-              <a:buNone/>
-            </a:pPr>
-            <a:r>
-              <a:rPr lang="en-US" altLang="en-US" sz="2400"/>
-              <a:t>		the crate’s volume </a:t>
-            </a:r>
-          </a:p>
-          <a:p>
-            <a:pPr eaLnBrk="1" hangingPunct="1">
-              <a:spcBef>
-                <a:spcPct val="0"/>
-              </a:spcBef>
-              <a:buFontTx/>
-              <a:buNone/>
-            </a:pPr>
-            <a:r>
-              <a:rPr lang="en-US" altLang="en-US" sz="2400"/>
-              <a:t>		the cost of building the crate</a:t>
-            </a:r>
-          </a:p>
-          <a:p>
-            <a:pPr eaLnBrk="1" hangingPunct="1">
-              <a:spcBef>
-                <a:spcPct val="0"/>
-              </a:spcBef>
-              <a:buFontTx/>
-              <a:buNone/>
-            </a:pPr>
-            <a:r>
-              <a:rPr lang="en-US" altLang="en-US" sz="2400"/>
-              <a:t>		the customer’s charge</a:t>
-            </a:r>
-          </a:p>
-          <a:p>
-            <a:pPr eaLnBrk="1" hangingPunct="1">
-              <a:spcBef>
-                <a:spcPct val="0"/>
-              </a:spcBef>
-              <a:buFontTx/>
-              <a:buNone/>
-            </a:pPr>
-            <a:r>
-              <a:rPr lang="en-US" altLang="en-US" sz="2400"/>
-              <a:t>		the profit made</a:t>
-            </a:r>
-          </a:p>
-          <a:p>
-            <a:pPr eaLnBrk="1" hangingPunct="1">
-              <a:spcBef>
-                <a:spcPct val="0"/>
-              </a:spcBef>
-              <a:buFontTx/>
-              <a:buNone/>
-            </a:pPr>
-            <a:r>
-              <a:rPr lang="en-US" altLang="en-US" sz="2400"/>
-              <a:t>Step 3:</a:t>
-            </a:r>
-          </a:p>
-          <a:p>
-            <a:pPr eaLnBrk="1" hangingPunct="1">
-              <a:spcBef>
-                <a:spcPct val="0"/>
-              </a:spcBef>
-              <a:buFontTx/>
-              <a:buNone/>
-            </a:pPr>
-            <a:r>
-              <a:rPr lang="en-US" altLang="en-US" sz="2400"/>
-              <a:t>	Display the data calculated in Step 2.</a:t>
-            </a:r>
-          </a:p>
-        </p:txBody>
-      </p:sp>
-    </p:spTree>
-  </p:cSld>
-  <p:clrMapOvr>
-    <a:masterClrMapping/>
-  </p:clrMapOvr>
-</p:sld>
-</file>
-
-<file path=ppt/slides/slide67.xml><?xml version="1.0" encoding="utf-8"?>
-<p:sld xmlns:a="http://schemas.openxmlformats.org/drawingml/2006/main" xmlns:r="http://schemas.openxmlformats.org/officeDocument/2006/relationships" xmlns:p="http://schemas.openxmlformats.org/presentationml/2006/main">
-  <p:cSld>
-    <p:spTree>
-      <p:nvGrpSpPr>
-        <p:cNvPr id="1" name=""/>
-        <p:cNvGrpSpPr/>
-        <p:nvPr/>
-      </p:nvGrpSpPr>
-      <p:grpSpPr>
-        <a:xfrm>
-          <a:off x="0" y="0"/>
-          <a:ext cx="0" cy="0"/>
-          <a:chOff x="0" y="0"/>
-          <a:chExt cx="0" cy="0"/>
-        </a:xfrm>
-      </p:grpSpPr>
-      <p:sp>
-        <p:nvSpPr>
-          <p:cNvPr id="73730" name="Title 1">
-            <a:extLst>
-              <a:ext uri="{FF2B5EF4-FFF2-40B4-BE49-F238E27FC236}">
-                <a16:creationId xmlns:a16="http://schemas.microsoft.com/office/drawing/2014/main" id="{0DCCF52E-FFFB-4A23-2E86-5DF5F8654F41}"/>
-              </a:ext>
-            </a:extLst>
-          </p:cNvPr>
-          <p:cNvSpPr>
-            <a:spLocks noGrp="1" noChangeArrowheads="1"/>
-          </p:cNvSpPr>
-          <p:nvPr>
-            <p:ph type="title"/>
-          </p:nvPr>
-        </p:nvSpPr>
-        <p:spPr/>
-        <p:txBody>
-          <a:bodyPr/>
-          <a:lstStyle/>
-          <a:p>
-            <a:r>
-              <a:rPr lang="en-US" altLang="en-US"/>
-              <a:t>General Hierarchy Chart</a:t>
-            </a:r>
-          </a:p>
-        </p:txBody>
-      </p:sp>
-      <p:pic>
-        <p:nvPicPr>
-          <p:cNvPr id="73731" name="Picture 2">
-            <a:extLst>
-              <a:ext uri="{FF2B5EF4-FFF2-40B4-BE49-F238E27FC236}">
-                <a16:creationId xmlns:a16="http://schemas.microsoft.com/office/drawing/2014/main" id="{FEDA4AF2-696C-B202-7950-C635197B9133}"/>
-              </a:ext>
-            </a:extLst>
-          </p:cNvPr>
-          <p:cNvPicPr>
-            <a:picLocks noChangeAspect="1" noChangeArrowheads="1"/>
-          </p:cNvPicPr>
-          <p:nvPr/>
-        </p:nvPicPr>
-        <p:blipFill>
-          <a:blip r:embed="rId2">
-            <a:extLst>
-              <a:ext uri="{28A0092B-C50C-407E-A947-70E740481C1C}">
-                <a14:useLocalDpi xmlns:a14="http://schemas.microsoft.com/office/drawing/2010/main" val="0"/>
-              </a:ext>
-            </a:extLst>
-          </a:blip>
-          <a:srcRect/>
-          <a:stretch>
-            <a:fillRect/>
-          </a:stretch>
-        </p:blipFill>
-        <p:spPr bwMode="auto">
-          <a:xfrm>
-            <a:off x="396875" y="2209800"/>
-            <a:ext cx="8350250" cy="2514600"/>
+            <a:off x="1851408" y="1766511"/>
+            <a:ext cx="5441183" cy="4529183"/>
           </a:xfrm>
           <a:prstGeom prst="rect">
             <a:avLst/>
@@ -22765,1574 +21433,6 @@
       </p:grpSpPr>
       <p:sp>
         <p:nvSpPr>
-          <p:cNvPr id="74754" name="Title 1">
-            <a:extLst>
-              <a:ext uri="{FF2B5EF4-FFF2-40B4-BE49-F238E27FC236}">
-                <a16:creationId xmlns:a16="http://schemas.microsoft.com/office/drawing/2014/main" id="{85D84D32-A1EF-B0B6-A2A7-90AF85EC3D77}"/>
-              </a:ext>
-            </a:extLst>
-          </p:cNvPr>
-          <p:cNvSpPr>
-            <a:spLocks noGrp="1" noChangeArrowheads="1"/>
-          </p:cNvSpPr>
-          <p:nvPr>
-            <p:ph type="title"/>
-          </p:nvPr>
-        </p:nvSpPr>
-        <p:spPr/>
-        <p:txBody>
-          <a:bodyPr/>
-          <a:lstStyle/>
-          <a:p>
-            <a:r>
-              <a:rPr lang="en-US" altLang="en-US"/>
-              <a:t>Get Crate Dimensions</a:t>
-            </a:r>
-          </a:p>
-        </p:txBody>
-      </p:sp>
-      <p:pic>
-        <p:nvPicPr>
-          <p:cNvPr id="74755" name="Picture 2">
-            <a:extLst>
-              <a:ext uri="{FF2B5EF4-FFF2-40B4-BE49-F238E27FC236}">
-                <a16:creationId xmlns:a16="http://schemas.microsoft.com/office/drawing/2014/main" id="{D16C661B-BDC6-FC3B-8B73-676374035F7D}"/>
-              </a:ext>
-            </a:extLst>
-          </p:cNvPr>
-          <p:cNvPicPr>
-            <a:picLocks noChangeAspect="1" noChangeArrowheads="1"/>
-          </p:cNvPicPr>
-          <p:nvPr/>
-        </p:nvPicPr>
-        <p:blipFill>
-          <a:blip r:embed="rId2">
-            <a:extLst>
-              <a:ext uri="{28A0092B-C50C-407E-A947-70E740481C1C}">
-                <a14:useLocalDpi xmlns:a14="http://schemas.microsoft.com/office/drawing/2010/main" val="0"/>
-              </a:ext>
-            </a:extLst>
-          </a:blip>
-          <a:srcRect/>
-          <a:stretch>
-            <a:fillRect/>
-          </a:stretch>
-        </p:blipFill>
-        <p:spPr bwMode="auto">
-          <a:xfrm>
-            <a:off x="152400" y="2174875"/>
-            <a:ext cx="8839200" cy="2801938"/>
-          </a:xfrm>
-          <a:prstGeom prst="rect">
-            <a:avLst/>
-          </a:prstGeom>
-          <a:noFill/>
-          <a:ln>
-            <a:noFill/>
-          </a:ln>
-          <a:extLst>
-            <a:ext uri="{909E8E84-426E-40DD-AFC4-6F175D3DCCD1}">
-              <a14:hiddenFill xmlns:a14="http://schemas.microsoft.com/office/drawing/2010/main">
-                <a:solidFill>
-                  <a:srgbClr val="FFFFFF"/>
-                </a:solidFill>
-              </a14:hiddenFill>
-            </a:ext>
-            <a:ext uri="{91240B29-F687-4F45-9708-019B960494DF}">
-              <a14:hiddenLine xmlns:a14="http://schemas.microsoft.com/office/drawing/2010/main" w="9525">
-                <a:solidFill>
-                  <a:srgbClr val="000000"/>
-                </a:solidFill>
-                <a:miter lim="800000"/>
-                <a:headEnd/>
-                <a:tailEnd/>
-              </a14:hiddenLine>
-            </a:ext>
-          </a:extLst>
-        </p:spPr>
-      </p:pic>
-    </p:spTree>
-  </p:cSld>
-  <p:clrMapOvr>
-    <a:masterClrMapping/>
-  </p:clrMapOvr>
-</p:sld>
-</file>
-
-<file path=ppt/slides/slide69.xml><?xml version="1.0" encoding="utf-8"?>
-<p:sld xmlns:a="http://schemas.openxmlformats.org/drawingml/2006/main" xmlns:r="http://schemas.openxmlformats.org/officeDocument/2006/relationships" xmlns:p="http://schemas.openxmlformats.org/presentationml/2006/main">
-  <p:cSld>
-    <p:spTree>
-      <p:nvGrpSpPr>
-        <p:cNvPr id="1" name=""/>
-        <p:cNvGrpSpPr/>
-        <p:nvPr/>
-      </p:nvGrpSpPr>
-      <p:grpSpPr>
-        <a:xfrm>
-          <a:off x="0" y="0"/>
-          <a:ext cx="0" cy="0"/>
-          <a:chOff x="0" y="0"/>
-          <a:chExt cx="0" cy="0"/>
-        </a:xfrm>
-      </p:grpSpPr>
-      <p:sp>
-        <p:nvSpPr>
-          <p:cNvPr id="2" name="Title 1">
-            <a:extLst>
-              <a:ext uri="{FF2B5EF4-FFF2-40B4-BE49-F238E27FC236}">
-                <a16:creationId xmlns:a16="http://schemas.microsoft.com/office/drawing/2014/main" id="{823A4883-F566-A3C4-3E13-B8FA665276EA}"/>
-              </a:ext>
-            </a:extLst>
-          </p:cNvPr>
-          <p:cNvSpPr>
-            <a:spLocks noGrp="1"/>
-          </p:cNvSpPr>
-          <p:nvPr>
-            <p:ph type="title"/>
-          </p:nvPr>
-        </p:nvSpPr>
-        <p:spPr/>
-        <p:txBody>
-          <a:bodyPr>
-            <a:normAutofit/>
-          </a:bodyPr>
-          <a:lstStyle/>
-          <a:p>
-            <a:pPr>
-              <a:defRPr/>
-            </a:pPr>
-            <a:r>
-              <a:rPr lang="en-US"/>
-              <a:t>Calculate Volume, Cost, Customer Charge, and Profit</a:t>
-            </a:r>
-          </a:p>
-        </p:txBody>
-      </p:sp>
-      <p:pic>
-        <p:nvPicPr>
-          <p:cNvPr id="75779" name="Picture 2">
-            <a:extLst>
-              <a:ext uri="{FF2B5EF4-FFF2-40B4-BE49-F238E27FC236}">
-                <a16:creationId xmlns:a16="http://schemas.microsoft.com/office/drawing/2014/main" id="{3730DBA9-2DD6-66AE-B41F-926F460F6626}"/>
-              </a:ext>
-            </a:extLst>
-          </p:cNvPr>
-          <p:cNvPicPr>
-            <a:picLocks noChangeAspect="1" noChangeArrowheads="1"/>
-          </p:cNvPicPr>
-          <p:nvPr/>
-        </p:nvPicPr>
-        <p:blipFill>
-          <a:blip r:embed="rId2">
-            <a:extLst>
-              <a:ext uri="{28A0092B-C50C-407E-A947-70E740481C1C}">
-                <a14:useLocalDpi xmlns:a14="http://schemas.microsoft.com/office/drawing/2010/main" val="0"/>
-              </a:ext>
-            </a:extLst>
-          </a:blip>
-          <a:srcRect/>
-          <a:stretch>
-            <a:fillRect/>
-          </a:stretch>
-        </p:blipFill>
-        <p:spPr bwMode="auto">
-          <a:xfrm>
-            <a:off x="239713" y="2376488"/>
-            <a:ext cx="8664575" cy="2590800"/>
-          </a:xfrm>
-          <a:prstGeom prst="rect">
-            <a:avLst/>
-          </a:prstGeom>
-          <a:noFill/>
-          <a:ln>
-            <a:noFill/>
-          </a:ln>
-          <a:extLst>
-            <a:ext uri="{909E8E84-426E-40DD-AFC4-6F175D3DCCD1}">
-              <a14:hiddenFill xmlns:a14="http://schemas.microsoft.com/office/drawing/2010/main">
-                <a:solidFill>
-                  <a:srgbClr val="FFFFFF"/>
-                </a:solidFill>
-              </a14:hiddenFill>
-            </a:ext>
-            <a:ext uri="{91240B29-F687-4F45-9708-019B960494DF}">
-              <a14:hiddenLine xmlns:a14="http://schemas.microsoft.com/office/drawing/2010/main" w="9525">
-                <a:solidFill>
-                  <a:srgbClr val="000000"/>
-                </a:solidFill>
-                <a:miter lim="800000"/>
-                <a:headEnd/>
-                <a:tailEnd/>
-              </a14:hiddenLine>
-            </a:ext>
-          </a:extLst>
-        </p:spPr>
-      </p:pic>
-    </p:spTree>
-  </p:cSld>
-  <p:clrMapOvr>
-    <a:masterClrMapping/>
-  </p:clrMapOvr>
-</p:sld>
-</file>
-
-<file path=ppt/slides/slide7.xml><?xml version="1.0" encoding="utf-8"?>
-<p:sld xmlns:a="http://schemas.openxmlformats.org/drawingml/2006/main" xmlns:r="http://schemas.openxmlformats.org/officeDocument/2006/relationships" xmlns:p="http://schemas.openxmlformats.org/presentationml/2006/main">
-  <p:cSld>
-    <p:spTree>
-      <p:nvGrpSpPr>
-        <p:cNvPr id="1" name=""/>
-        <p:cNvGrpSpPr/>
-        <p:nvPr/>
-      </p:nvGrpSpPr>
-      <p:grpSpPr>
-        <a:xfrm>
-          <a:off x="0" y="0"/>
-          <a:ext cx="0" cy="0"/>
-          <a:chOff x="0" y="0"/>
-          <a:chExt cx="0" cy="0"/>
-        </a:xfrm>
-      </p:grpSpPr>
-      <p:sp>
-        <p:nvSpPr>
-          <p:cNvPr id="2" name="Title 1">
-            <a:extLst>
-              <a:ext uri="{FF2B5EF4-FFF2-40B4-BE49-F238E27FC236}">
-                <a16:creationId xmlns:a16="http://schemas.microsoft.com/office/drawing/2014/main" id="{F0FED0E4-0CC7-08CB-5F93-422E53B20734}"/>
-              </a:ext>
-            </a:extLst>
-          </p:cNvPr>
-          <p:cNvSpPr>
-            <a:spLocks noGrp="1"/>
-          </p:cNvSpPr>
-          <p:nvPr>
-            <p:ph type="title"/>
-          </p:nvPr>
-        </p:nvSpPr>
-        <p:spPr/>
-        <p:txBody>
-          <a:bodyPr>
-            <a:normAutofit/>
-          </a:bodyPr>
-          <a:lstStyle/>
-          <a:p>
-            <a:pPr eaLnBrk="1" hangingPunct="1">
-              <a:defRPr/>
-            </a:pPr>
-            <a:r>
-              <a:rPr lang="en-US"/>
-              <a:t>Using </a:t>
-            </a:r>
-            <a:r>
-              <a:rPr lang="en-US" err="1">
-                <a:latin typeface="Courier New" pitchFamily="49" charset="0"/>
-                <a:cs typeface="Courier New" pitchFamily="49" charset="0"/>
-              </a:rPr>
-              <a:t>cin</a:t>
-            </a:r>
-            <a:r>
-              <a:rPr lang="en-US"/>
-              <a:t> To Read Multiple Values</a:t>
-            </a:r>
-          </a:p>
-        </p:txBody>
-      </p:sp>
-      <p:grpSp>
-        <p:nvGrpSpPr>
-          <p:cNvPr id="3" name="Group 2">
-            <a:extLst>
-              <a:ext uri="{FF2B5EF4-FFF2-40B4-BE49-F238E27FC236}">
-                <a16:creationId xmlns:a16="http://schemas.microsoft.com/office/drawing/2014/main" id="{608ACF98-B65D-BB71-297F-9A4AA25C49C6}"/>
-              </a:ext>
-            </a:extLst>
-          </p:cNvPr>
-          <p:cNvGrpSpPr>
-            <a:grpSpLocks noChangeAspect="1"/>
-          </p:cNvGrpSpPr>
-          <p:nvPr/>
-        </p:nvGrpSpPr>
-        <p:grpSpPr>
-          <a:xfrm>
-            <a:off x="914400" y="1828800"/>
-            <a:ext cx="7315200" cy="4388303"/>
-            <a:chOff x="457200" y="1128713"/>
-            <a:chExt cx="8534400" cy="5119687"/>
-          </a:xfrm>
-        </p:grpSpPr>
-        <p:pic>
-          <p:nvPicPr>
-            <p:cNvPr id="11267" name="Picture 3">
-              <a:extLst>
-                <a:ext uri="{FF2B5EF4-FFF2-40B4-BE49-F238E27FC236}">
-                  <a16:creationId xmlns:a16="http://schemas.microsoft.com/office/drawing/2014/main" id="{DE2985C6-A855-922E-C49F-18006FEEF43E}"/>
-                </a:ext>
-              </a:extLst>
-            </p:cNvPr>
-            <p:cNvPicPr>
-              <a:picLocks noChangeAspect="1" noChangeArrowheads="1"/>
-            </p:cNvPicPr>
-            <p:nvPr/>
-          </p:nvPicPr>
-          <p:blipFill>
-            <a:blip r:embed="rId2">
-              <a:extLst>
-                <a:ext uri="{28A0092B-C50C-407E-A947-70E740481C1C}">
-                  <a14:useLocalDpi xmlns:a14="http://schemas.microsoft.com/office/drawing/2010/main" val="0"/>
-                </a:ext>
-              </a:extLst>
-            </a:blip>
-            <a:srcRect/>
-            <a:stretch>
-              <a:fillRect/>
-            </a:stretch>
-          </p:blipFill>
-          <p:spPr bwMode="auto">
-            <a:xfrm>
-              <a:off x="457200" y="1128713"/>
-              <a:ext cx="7907338" cy="5119687"/>
-            </a:xfrm>
-            <a:prstGeom prst="rect">
-              <a:avLst/>
-            </a:prstGeom>
-            <a:noFill/>
-            <a:ln>
-              <a:noFill/>
-            </a:ln>
-            <a:extLst>
-              <a:ext uri="{909E8E84-426E-40DD-AFC4-6F175D3DCCD1}">
-                <a14:hiddenFill xmlns:a14="http://schemas.microsoft.com/office/drawing/2010/main">
-                  <a:solidFill>
-                    <a:srgbClr val="FFFFFF"/>
-                  </a:solidFill>
-                </a14:hiddenFill>
-              </a:ext>
-              <a:ext uri="{91240B29-F687-4F45-9708-019B960494DF}">
-                <a14:hiddenLine xmlns:a14="http://schemas.microsoft.com/office/drawing/2010/main" w="9525">
-                  <a:solidFill>
-                    <a:srgbClr val="000000"/>
-                  </a:solidFill>
-                  <a:miter lim="800000"/>
-                  <a:headEnd/>
-                  <a:tailEnd/>
-                </a14:hiddenLine>
-              </a:ext>
-            </a:extLst>
-          </p:spPr>
-        </p:pic>
-        <p:pic>
-          <p:nvPicPr>
-            <p:cNvPr id="5" name="Picture 4">
-              <a:extLst>
-                <a:ext uri="{FF2B5EF4-FFF2-40B4-BE49-F238E27FC236}">
-                  <a16:creationId xmlns:a16="http://schemas.microsoft.com/office/drawing/2014/main" id="{8657946F-6EC9-E032-E8AE-14383F5AE4AB}"/>
-                </a:ext>
-              </a:extLst>
-            </p:cNvPr>
-            <p:cNvPicPr>
-              <a:picLocks noChangeAspect="1"/>
-            </p:cNvPicPr>
-            <p:nvPr/>
-          </p:nvPicPr>
-          <p:blipFill>
-            <a:blip r:embed="rId3"/>
-            <a:stretch>
-              <a:fillRect/>
-            </a:stretch>
-          </p:blipFill>
-          <p:spPr>
-            <a:xfrm>
-              <a:off x="3581400" y="2471738"/>
-              <a:ext cx="5410200" cy="993775"/>
-            </a:xfrm>
-            <a:prstGeom prst="rect">
-              <a:avLst/>
-            </a:prstGeom>
-            <a:ln w="12700">
-              <a:solidFill>
-                <a:schemeClr val="tx1"/>
-              </a:solidFill>
-            </a:ln>
-            <a:effectLst>
-              <a:outerShdw blurRad="50800" dist="38100" dir="2700000" algn="tl" rotWithShape="0">
-                <a:prstClr val="black">
-                  <a:alpha val="40000"/>
-                </a:prstClr>
-              </a:outerShdw>
-            </a:effectLst>
-          </p:spPr>
-        </p:pic>
-      </p:grpSp>
-    </p:spTree>
-  </p:cSld>
-  <p:clrMapOvr>
-    <a:masterClrMapping/>
-  </p:clrMapOvr>
-</p:sld>
-</file>
-
-<file path=ppt/slides/slide70.xml><?xml version="1.0" encoding="utf-8"?>
-<p:sld xmlns:a="http://schemas.openxmlformats.org/drawingml/2006/main" xmlns:r="http://schemas.openxmlformats.org/officeDocument/2006/relationships" xmlns:p="http://schemas.openxmlformats.org/presentationml/2006/main">
-  <p:cSld>
-    <p:spTree>
-      <p:nvGrpSpPr>
-        <p:cNvPr id="1" name=""/>
-        <p:cNvGrpSpPr/>
-        <p:nvPr/>
-      </p:nvGrpSpPr>
-      <p:grpSpPr>
-        <a:xfrm>
-          <a:off x="0" y="0"/>
-          <a:ext cx="0" cy="0"/>
-          <a:chOff x="0" y="0"/>
-          <a:chExt cx="0" cy="0"/>
-        </a:xfrm>
-      </p:grpSpPr>
-      <p:sp>
-        <p:nvSpPr>
-          <p:cNvPr id="76802" name="Title 1">
-            <a:extLst>
-              <a:ext uri="{FF2B5EF4-FFF2-40B4-BE49-F238E27FC236}">
-                <a16:creationId xmlns:a16="http://schemas.microsoft.com/office/drawing/2014/main" id="{D17EBB84-E391-29BD-525C-BF96835EE774}"/>
-              </a:ext>
-            </a:extLst>
-          </p:cNvPr>
-          <p:cNvSpPr>
-            <a:spLocks noGrp="1" noChangeArrowheads="1"/>
-          </p:cNvSpPr>
-          <p:nvPr>
-            <p:ph type="title"/>
-          </p:nvPr>
-        </p:nvSpPr>
-        <p:spPr/>
-        <p:txBody>
-          <a:bodyPr/>
-          <a:lstStyle/>
-          <a:p>
-            <a:r>
-              <a:rPr lang="en-US" altLang="en-US"/>
-              <a:t>Display Calculated Data</a:t>
-            </a:r>
-          </a:p>
-        </p:txBody>
-      </p:sp>
-      <p:pic>
-        <p:nvPicPr>
-          <p:cNvPr id="76803" name="Picture 2">
-            <a:extLst>
-              <a:ext uri="{FF2B5EF4-FFF2-40B4-BE49-F238E27FC236}">
-                <a16:creationId xmlns:a16="http://schemas.microsoft.com/office/drawing/2014/main" id="{B3C20F90-EEA9-D7AC-2EE1-B93A46CA867E}"/>
-              </a:ext>
-            </a:extLst>
-          </p:cNvPr>
-          <p:cNvPicPr>
-            <a:picLocks noChangeAspect="1" noChangeArrowheads="1"/>
-          </p:cNvPicPr>
-          <p:nvPr/>
-        </p:nvPicPr>
-        <p:blipFill>
-          <a:blip r:embed="rId2">
-            <a:extLst>
-              <a:ext uri="{28A0092B-C50C-407E-A947-70E740481C1C}">
-                <a14:useLocalDpi xmlns:a14="http://schemas.microsoft.com/office/drawing/2010/main" val="0"/>
-              </a:ext>
-            </a:extLst>
-          </a:blip>
-          <a:srcRect/>
-          <a:stretch>
-            <a:fillRect/>
-          </a:stretch>
-        </p:blipFill>
-        <p:spPr bwMode="auto">
-          <a:xfrm>
-            <a:off x="228600" y="2286000"/>
-            <a:ext cx="8686800" cy="2641600"/>
-          </a:xfrm>
-          <a:prstGeom prst="rect">
-            <a:avLst/>
-          </a:prstGeom>
-          <a:noFill/>
-          <a:ln>
-            <a:noFill/>
-          </a:ln>
-          <a:extLst>
-            <a:ext uri="{909E8E84-426E-40DD-AFC4-6F175D3DCCD1}">
-              <a14:hiddenFill xmlns:a14="http://schemas.microsoft.com/office/drawing/2010/main">
-                <a:solidFill>
-                  <a:srgbClr val="FFFFFF"/>
-                </a:solidFill>
-              </a14:hiddenFill>
-            </a:ext>
-            <a:ext uri="{91240B29-F687-4F45-9708-019B960494DF}">
-              <a14:hiddenLine xmlns:a14="http://schemas.microsoft.com/office/drawing/2010/main" w="9525">
-                <a:solidFill>
-                  <a:srgbClr val="000000"/>
-                </a:solidFill>
-                <a:miter lim="800000"/>
-                <a:headEnd/>
-                <a:tailEnd/>
-              </a14:hiddenLine>
-            </a:ext>
-          </a:extLst>
-        </p:spPr>
-      </p:pic>
-    </p:spTree>
-  </p:cSld>
-  <p:clrMapOvr>
-    <a:masterClrMapping/>
-  </p:clrMapOvr>
-</p:sld>
-</file>
-
-<file path=ppt/slides/slide71.xml><?xml version="1.0" encoding="utf-8"?>
-<p:sld xmlns:a="http://schemas.openxmlformats.org/drawingml/2006/main" xmlns:r="http://schemas.openxmlformats.org/officeDocument/2006/relationships" xmlns:p="http://schemas.openxmlformats.org/presentationml/2006/main">
-  <p:cSld>
-    <p:spTree>
-      <p:nvGrpSpPr>
-        <p:cNvPr id="1" name=""/>
-        <p:cNvGrpSpPr/>
-        <p:nvPr/>
-      </p:nvGrpSpPr>
-      <p:grpSpPr>
-        <a:xfrm>
-          <a:off x="0" y="0"/>
-          <a:ext cx="0" cy="0"/>
-          <a:chOff x="0" y="0"/>
-          <a:chExt cx="0" cy="0"/>
-        </a:xfrm>
-      </p:grpSpPr>
-      <p:sp>
-        <p:nvSpPr>
-          <p:cNvPr id="77826" name="Title 1">
-            <a:extLst>
-              <a:ext uri="{FF2B5EF4-FFF2-40B4-BE49-F238E27FC236}">
-                <a16:creationId xmlns:a16="http://schemas.microsoft.com/office/drawing/2014/main" id="{559A649C-43BB-3E96-3C52-D6232E7BE117}"/>
-              </a:ext>
-            </a:extLst>
-          </p:cNvPr>
-          <p:cNvSpPr>
-            <a:spLocks noGrp="1" noChangeArrowheads="1"/>
-          </p:cNvSpPr>
-          <p:nvPr>
-            <p:ph type="title"/>
-          </p:nvPr>
-        </p:nvSpPr>
-        <p:spPr/>
-        <p:txBody>
-          <a:bodyPr/>
-          <a:lstStyle/>
-          <a:p>
-            <a:r>
-              <a:rPr lang="en-US" altLang="en-US"/>
-              <a:t>Psuedocode</a:t>
-            </a:r>
-          </a:p>
-        </p:txBody>
-      </p:sp>
-      <p:sp>
-        <p:nvSpPr>
-          <p:cNvPr id="77827" name="Rectangle 3">
-            <a:extLst>
-              <a:ext uri="{FF2B5EF4-FFF2-40B4-BE49-F238E27FC236}">
-                <a16:creationId xmlns:a16="http://schemas.microsoft.com/office/drawing/2014/main" id="{D553D2FF-A8E8-ABF4-8A69-83A50FABB18C}"/>
-              </a:ext>
-            </a:extLst>
-          </p:cNvPr>
-          <p:cNvSpPr>
-            <a:spLocks noChangeArrowheads="1"/>
-          </p:cNvSpPr>
-          <p:nvPr/>
-        </p:nvSpPr>
-        <p:spPr bwMode="auto">
-          <a:xfrm>
-            <a:off x="762000" y="1447800"/>
-            <a:ext cx="6781800" cy="4154488"/>
-          </a:xfrm>
-          <a:prstGeom prst="rect">
-            <a:avLst/>
-          </a:prstGeom>
-          <a:noFill/>
-          <a:ln>
-            <a:noFill/>
-          </a:ln>
-          <a:extLst>
-            <a:ext uri="{909E8E84-426E-40DD-AFC4-6F175D3DCCD1}">
-              <a14:hiddenFill xmlns:a14="http://schemas.microsoft.com/office/drawing/2010/main">
-                <a:solidFill>
-                  <a:srgbClr val="FFFFFF"/>
-                </a:solidFill>
-              </a14:hiddenFill>
-            </a:ext>
-            <a:ext uri="{91240B29-F687-4F45-9708-019B960494DF}">
-              <a14:hiddenLine xmlns:a14="http://schemas.microsoft.com/office/drawing/2010/main" w="9525">
-                <a:solidFill>
-                  <a:srgbClr val="000000"/>
-                </a:solidFill>
-                <a:miter lim="800000"/>
-                <a:headEnd/>
-                <a:tailEnd/>
-              </a14:hiddenLine>
-            </a:ext>
-          </a:extLst>
-        </p:spPr>
-        <p:txBody>
-          <a:bodyPr>
-            <a:spAutoFit/>
-          </a:bodyPr>
-          <a:lstStyle>
-            <a:lvl1pPr>
-              <a:spcBef>
-                <a:spcPct val="20000"/>
-              </a:spcBef>
-              <a:buChar char="•"/>
-              <a:defRPr sz="3200">
-                <a:solidFill>
-                  <a:schemeClr val="tx1"/>
-                </a:solidFill>
-                <a:latin typeface="Arial" panose="020B0604020202020204" pitchFamily="34" charset="0"/>
-                <a:cs typeface="Arial" panose="020B0604020202020204" pitchFamily="34" charset="0"/>
-              </a:defRPr>
-            </a:lvl1pPr>
-            <a:lvl2pPr marL="742950" indent="-285750">
-              <a:spcBef>
-                <a:spcPct val="20000"/>
-              </a:spcBef>
-              <a:buChar char="–"/>
-              <a:defRPr sz="2800">
-                <a:solidFill>
-                  <a:schemeClr val="tx1"/>
-                </a:solidFill>
-                <a:latin typeface="Arial" panose="020B0604020202020204" pitchFamily="34" charset="0"/>
-                <a:cs typeface="Arial" panose="020B0604020202020204" pitchFamily="34" charset="0"/>
-              </a:defRPr>
-            </a:lvl2pPr>
-            <a:lvl3pPr marL="1143000" indent="-228600">
-              <a:spcBef>
-                <a:spcPct val="20000"/>
-              </a:spcBef>
-              <a:buChar char="•"/>
-              <a:defRPr sz="2400">
-                <a:solidFill>
-                  <a:schemeClr val="tx1"/>
-                </a:solidFill>
-                <a:latin typeface="Arial" panose="020B0604020202020204" pitchFamily="34" charset="0"/>
-                <a:cs typeface="Arial" panose="020B0604020202020204" pitchFamily="34" charset="0"/>
-              </a:defRPr>
-            </a:lvl3pPr>
-            <a:lvl4pPr marL="1600200" indent="-228600">
-              <a:spcBef>
-                <a:spcPct val="20000"/>
-              </a:spcBef>
-              <a:buChar char="–"/>
-              <a:defRPr sz="2000">
-                <a:solidFill>
-                  <a:schemeClr val="tx1"/>
-                </a:solidFill>
-                <a:latin typeface="Arial" panose="020B0604020202020204" pitchFamily="34" charset="0"/>
-                <a:cs typeface="Arial" panose="020B0604020202020204" pitchFamily="34" charset="0"/>
-              </a:defRPr>
-            </a:lvl4pPr>
-            <a:lvl5pPr marL="2057400" indent="-228600">
-              <a:spcBef>
-                <a:spcPct val="20000"/>
-              </a:spcBef>
-              <a:buChar char="»"/>
-              <a:defRPr sz="2000">
-                <a:solidFill>
-                  <a:schemeClr val="tx1"/>
-                </a:solidFill>
-                <a:latin typeface="Arial" panose="020B0604020202020204" pitchFamily="34" charset="0"/>
-                <a:cs typeface="Arial" panose="020B0604020202020204" pitchFamily="34" charset="0"/>
-              </a:defRPr>
-            </a:lvl5pPr>
-            <a:lvl6pPr marL="2514600" indent="-228600" eaLnBrk="0" fontAlgn="base" hangingPunct="0">
-              <a:spcBef>
-                <a:spcPct val="20000"/>
-              </a:spcBef>
-              <a:spcAft>
-                <a:spcPct val="0"/>
-              </a:spcAft>
-              <a:buChar char="»"/>
-              <a:defRPr sz="2000">
-                <a:solidFill>
-                  <a:schemeClr val="tx1"/>
-                </a:solidFill>
-                <a:latin typeface="Arial" panose="020B0604020202020204" pitchFamily="34" charset="0"/>
-                <a:cs typeface="Arial" panose="020B0604020202020204" pitchFamily="34" charset="0"/>
-              </a:defRPr>
-            </a:lvl6pPr>
-            <a:lvl7pPr marL="2971800" indent="-228600" eaLnBrk="0" fontAlgn="base" hangingPunct="0">
-              <a:spcBef>
-                <a:spcPct val="20000"/>
-              </a:spcBef>
-              <a:spcAft>
-                <a:spcPct val="0"/>
-              </a:spcAft>
-              <a:buChar char="»"/>
-              <a:defRPr sz="2000">
-                <a:solidFill>
-                  <a:schemeClr val="tx1"/>
-                </a:solidFill>
-                <a:latin typeface="Arial" panose="020B0604020202020204" pitchFamily="34" charset="0"/>
-                <a:cs typeface="Arial" panose="020B0604020202020204" pitchFamily="34" charset="0"/>
-              </a:defRPr>
-            </a:lvl7pPr>
-            <a:lvl8pPr marL="3429000" indent="-228600" eaLnBrk="0" fontAlgn="base" hangingPunct="0">
-              <a:spcBef>
-                <a:spcPct val="20000"/>
-              </a:spcBef>
-              <a:spcAft>
-                <a:spcPct val="0"/>
-              </a:spcAft>
-              <a:buChar char="»"/>
-              <a:defRPr sz="2000">
-                <a:solidFill>
-                  <a:schemeClr val="tx1"/>
-                </a:solidFill>
-                <a:latin typeface="Arial" panose="020B0604020202020204" pitchFamily="34" charset="0"/>
-                <a:cs typeface="Arial" panose="020B0604020202020204" pitchFamily="34" charset="0"/>
-              </a:defRPr>
-            </a:lvl8pPr>
-            <a:lvl9pPr marL="3886200" indent="-228600" eaLnBrk="0" fontAlgn="base" hangingPunct="0">
-              <a:spcBef>
-                <a:spcPct val="20000"/>
-              </a:spcBef>
-              <a:spcAft>
-                <a:spcPct val="0"/>
-              </a:spcAft>
-              <a:buChar char="»"/>
-              <a:defRPr sz="2000">
-                <a:solidFill>
-                  <a:schemeClr val="tx1"/>
-                </a:solidFill>
-                <a:latin typeface="Arial" panose="020B0604020202020204" pitchFamily="34" charset="0"/>
-                <a:cs typeface="Arial" panose="020B0604020202020204" pitchFamily="34" charset="0"/>
-              </a:defRPr>
-            </a:lvl9pPr>
-          </a:lstStyle>
-          <a:p>
-            <a:pPr eaLnBrk="1" hangingPunct="1">
-              <a:spcBef>
-                <a:spcPct val="0"/>
-              </a:spcBef>
-              <a:buFontTx/>
-              <a:buNone/>
-            </a:pPr>
-            <a:r>
-              <a:rPr lang="en-US" altLang="en-US" sz="2400" i="1"/>
-              <a:t>Ask the user to input the crate's length.</a:t>
-            </a:r>
-          </a:p>
-          <a:p>
-            <a:pPr eaLnBrk="1" hangingPunct="1">
-              <a:spcBef>
-                <a:spcPct val="0"/>
-              </a:spcBef>
-              <a:buFontTx/>
-              <a:buNone/>
-            </a:pPr>
-            <a:r>
-              <a:rPr lang="en-US" altLang="en-US" sz="2400" i="1"/>
-              <a:t>Ask the user to input the crate's width.</a:t>
-            </a:r>
-          </a:p>
-          <a:p>
-            <a:pPr eaLnBrk="1" hangingPunct="1">
-              <a:spcBef>
-                <a:spcPct val="0"/>
-              </a:spcBef>
-              <a:buFontTx/>
-              <a:buNone/>
-            </a:pPr>
-            <a:r>
-              <a:rPr lang="en-US" altLang="en-US" sz="2400" i="1"/>
-              <a:t>Ask the user to input the crate's height.</a:t>
-            </a:r>
-          </a:p>
-          <a:p>
-            <a:pPr eaLnBrk="1" hangingPunct="1">
-              <a:spcBef>
-                <a:spcPct val="0"/>
-              </a:spcBef>
-              <a:buFontTx/>
-              <a:buNone/>
-            </a:pPr>
-            <a:r>
-              <a:rPr lang="en-US" altLang="en-US" sz="2400" i="1"/>
-              <a:t>Calculate the crate's volume.</a:t>
-            </a:r>
-          </a:p>
-          <a:p>
-            <a:pPr eaLnBrk="1" hangingPunct="1">
-              <a:spcBef>
-                <a:spcPct val="0"/>
-              </a:spcBef>
-              <a:buFontTx/>
-              <a:buNone/>
-            </a:pPr>
-            <a:r>
-              <a:rPr lang="en-US" altLang="en-US" sz="2400" i="1"/>
-              <a:t>Calculate the cost of building the crate.</a:t>
-            </a:r>
-          </a:p>
-          <a:p>
-            <a:pPr eaLnBrk="1" hangingPunct="1">
-              <a:spcBef>
-                <a:spcPct val="0"/>
-              </a:spcBef>
-              <a:buFontTx/>
-              <a:buNone/>
-            </a:pPr>
-            <a:r>
-              <a:rPr lang="en-US" altLang="en-US" sz="2400" i="1"/>
-              <a:t>Calculate the customer's charge for the crate.</a:t>
-            </a:r>
-          </a:p>
-          <a:p>
-            <a:pPr eaLnBrk="1" hangingPunct="1">
-              <a:spcBef>
-                <a:spcPct val="0"/>
-              </a:spcBef>
-              <a:buFontTx/>
-              <a:buNone/>
-            </a:pPr>
-            <a:r>
-              <a:rPr lang="en-US" altLang="en-US" sz="2400" i="1"/>
-              <a:t>Calculate the profit made from the crate.</a:t>
-            </a:r>
-          </a:p>
-          <a:p>
-            <a:pPr eaLnBrk="1" hangingPunct="1">
-              <a:spcBef>
-                <a:spcPct val="0"/>
-              </a:spcBef>
-              <a:buFontTx/>
-              <a:buNone/>
-            </a:pPr>
-            <a:r>
-              <a:rPr lang="en-US" altLang="en-US" sz="2400" i="1"/>
-              <a:t>Display the crate's volume.</a:t>
-            </a:r>
-          </a:p>
-          <a:p>
-            <a:pPr eaLnBrk="1" hangingPunct="1">
-              <a:spcBef>
-                <a:spcPct val="0"/>
-              </a:spcBef>
-              <a:buFontTx/>
-              <a:buNone/>
-            </a:pPr>
-            <a:r>
-              <a:rPr lang="en-US" altLang="en-US" sz="2400" i="1"/>
-              <a:t>Display the cost of building the crate.</a:t>
-            </a:r>
-          </a:p>
-          <a:p>
-            <a:pPr eaLnBrk="1" hangingPunct="1">
-              <a:spcBef>
-                <a:spcPct val="0"/>
-              </a:spcBef>
-              <a:buFontTx/>
-              <a:buNone/>
-            </a:pPr>
-            <a:r>
-              <a:rPr lang="en-US" altLang="en-US" sz="2400" i="1"/>
-              <a:t>Display the customer's charge for the crate.</a:t>
-            </a:r>
-          </a:p>
-          <a:p>
-            <a:pPr eaLnBrk="1" hangingPunct="1">
-              <a:spcBef>
-                <a:spcPct val="0"/>
-              </a:spcBef>
-              <a:buFontTx/>
-              <a:buNone/>
-            </a:pPr>
-            <a:r>
-              <a:rPr lang="en-US" altLang="en-US" sz="2400" i="1"/>
-              <a:t>Display the profit made from the crate.</a:t>
-            </a:r>
-            <a:endParaRPr lang="en-US" altLang="en-US" sz="2400"/>
-          </a:p>
-        </p:txBody>
-      </p:sp>
-    </p:spTree>
-  </p:cSld>
-  <p:clrMapOvr>
-    <a:masterClrMapping/>
-  </p:clrMapOvr>
-</p:sld>
-</file>
-
-<file path=ppt/slides/slide72.xml><?xml version="1.0" encoding="utf-8"?>
-<p:sld xmlns:a="http://schemas.openxmlformats.org/drawingml/2006/main" xmlns:r="http://schemas.openxmlformats.org/officeDocument/2006/relationships" xmlns:p="http://schemas.openxmlformats.org/presentationml/2006/main">
-  <p:cSld>
-    <p:spTree>
-      <p:nvGrpSpPr>
-        <p:cNvPr id="1" name=""/>
-        <p:cNvGrpSpPr/>
-        <p:nvPr/>
-      </p:nvGrpSpPr>
-      <p:grpSpPr>
-        <a:xfrm>
-          <a:off x="0" y="0"/>
-          <a:ext cx="0" cy="0"/>
-          <a:chOff x="0" y="0"/>
-          <a:chExt cx="0" cy="0"/>
-        </a:xfrm>
-      </p:grpSpPr>
-      <p:sp>
-        <p:nvSpPr>
-          <p:cNvPr id="78850" name="Title 1">
-            <a:extLst>
-              <a:ext uri="{FF2B5EF4-FFF2-40B4-BE49-F238E27FC236}">
-                <a16:creationId xmlns:a16="http://schemas.microsoft.com/office/drawing/2014/main" id="{4C953FAD-D233-673A-ECF4-AF9D8EBF3917}"/>
-              </a:ext>
-            </a:extLst>
-          </p:cNvPr>
-          <p:cNvSpPr>
-            <a:spLocks noGrp="1" noChangeArrowheads="1"/>
-          </p:cNvSpPr>
-          <p:nvPr>
-            <p:ph type="title"/>
-          </p:nvPr>
-        </p:nvSpPr>
-        <p:spPr/>
-        <p:txBody>
-          <a:bodyPr/>
-          <a:lstStyle/>
-          <a:p>
-            <a:r>
-              <a:rPr lang="en-US" altLang="en-US"/>
-              <a:t>Calculations</a:t>
-            </a:r>
-          </a:p>
-        </p:txBody>
-      </p:sp>
-      <p:sp>
-        <p:nvSpPr>
-          <p:cNvPr id="78851" name="Rectangle 2">
-            <a:extLst>
-              <a:ext uri="{FF2B5EF4-FFF2-40B4-BE49-F238E27FC236}">
-                <a16:creationId xmlns:a16="http://schemas.microsoft.com/office/drawing/2014/main" id="{3A7878DE-28D9-4859-743A-8565D487A09C}"/>
-              </a:ext>
-            </a:extLst>
-          </p:cNvPr>
-          <p:cNvSpPr>
-            <a:spLocks noChangeArrowheads="1"/>
-          </p:cNvSpPr>
-          <p:nvPr/>
-        </p:nvSpPr>
-        <p:spPr bwMode="auto">
-          <a:xfrm>
-            <a:off x="381000" y="1524000"/>
-            <a:ext cx="8382000" cy="4400550"/>
-          </a:xfrm>
-          <a:prstGeom prst="rect">
-            <a:avLst/>
-          </a:prstGeom>
-          <a:noFill/>
-          <a:ln>
-            <a:noFill/>
-          </a:ln>
-          <a:extLst>
-            <a:ext uri="{909E8E84-426E-40DD-AFC4-6F175D3DCCD1}">
-              <a14:hiddenFill xmlns:a14="http://schemas.microsoft.com/office/drawing/2010/main">
-                <a:solidFill>
-                  <a:srgbClr val="FFFFFF"/>
-                </a:solidFill>
-              </a14:hiddenFill>
-            </a:ext>
-            <a:ext uri="{91240B29-F687-4F45-9708-019B960494DF}">
-              <a14:hiddenLine xmlns:a14="http://schemas.microsoft.com/office/drawing/2010/main" w="9525">
-                <a:solidFill>
-                  <a:srgbClr val="000000"/>
-                </a:solidFill>
-                <a:miter lim="800000"/>
-                <a:headEnd/>
-                <a:tailEnd/>
-              </a14:hiddenLine>
-            </a:ext>
-          </a:extLst>
-        </p:spPr>
-        <p:txBody>
-          <a:bodyPr>
-            <a:spAutoFit/>
-          </a:bodyPr>
-          <a:lstStyle>
-            <a:lvl1pPr>
-              <a:spcBef>
-                <a:spcPct val="20000"/>
-              </a:spcBef>
-              <a:buChar char="•"/>
-              <a:defRPr sz="3200">
-                <a:solidFill>
-                  <a:schemeClr val="tx1"/>
-                </a:solidFill>
-                <a:latin typeface="Arial" panose="020B0604020202020204" pitchFamily="34" charset="0"/>
-                <a:cs typeface="Arial" panose="020B0604020202020204" pitchFamily="34" charset="0"/>
-              </a:defRPr>
-            </a:lvl1pPr>
-            <a:lvl2pPr marL="742950" indent="-285750">
-              <a:spcBef>
-                <a:spcPct val="20000"/>
-              </a:spcBef>
-              <a:buChar char="–"/>
-              <a:defRPr sz="2800">
-                <a:solidFill>
-                  <a:schemeClr val="tx1"/>
-                </a:solidFill>
-                <a:latin typeface="Arial" panose="020B0604020202020204" pitchFamily="34" charset="0"/>
-                <a:cs typeface="Arial" panose="020B0604020202020204" pitchFamily="34" charset="0"/>
-              </a:defRPr>
-            </a:lvl2pPr>
-            <a:lvl3pPr marL="1143000" indent="-228600">
-              <a:spcBef>
-                <a:spcPct val="20000"/>
-              </a:spcBef>
-              <a:buChar char="•"/>
-              <a:defRPr sz="2400">
-                <a:solidFill>
-                  <a:schemeClr val="tx1"/>
-                </a:solidFill>
-                <a:latin typeface="Arial" panose="020B0604020202020204" pitchFamily="34" charset="0"/>
-                <a:cs typeface="Arial" panose="020B0604020202020204" pitchFamily="34" charset="0"/>
-              </a:defRPr>
-            </a:lvl3pPr>
-            <a:lvl4pPr marL="1600200" indent="-228600">
-              <a:spcBef>
-                <a:spcPct val="20000"/>
-              </a:spcBef>
-              <a:buChar char="–"/>
-              <a:defRPr sz="2000">
-                <a:solidFill>
-                  <a:schemeClr val="tx1"/>
-                </a:solidFill>
-                <a:latin typeface="Arial" panose="020B0604020202020204" pitchFamily="34" charset="0"/>
-                <a:cs typeface="Arial" panose="020B0604020202020204" pitchFamily="34" charset="0"/>
-              </a:defRPr>
-            </a:lvl4pPr>
-            <a:lvl5pPr marL="2057400" indent="-228600">
-              <a:spcBef>
-                <a:spcPct val="20000"/>
-              </a:spcBef>
-              <a:buChar char="»"/>
-              <a:defRPr sz="2000">
-                <a:solidFill>
-                  <a:schemeClr val="tx1"/>
-                </a:solidFill>
-                <a:latin typeface="Arial" panose="020B0604020202020204" pitchFamily="34" charset="0"/>
-                <a:cs typeface="Arial" panose="020B0604020202020204" pitchFamily="34" charset="0"/>
-              </a:defRPr>
-            </a:lvl5pPr>
-            <a:lvl6pPr marL="2514600" indent="-228600" eaLnBrk="0" fontAlgn="base" hangingPunct="0">
-              <a:spcBef>
-                <a:spcPct val="20000"/>
-              </a:spcBef>
-              <a:spcAft>
-                <a:spcPct val="0"/>
-              </a:spcAft>
-              <a:buChar char="»"/>
-              <a:defRPr sz="2000">
-                <a:solidFill>
-                  <a:schemeClr val="tx1"/>
-                </a:solidFill>
-                <a:latin typeface="Arial" panose="020B0604020202020204" pitchFamily="34" charset="0"/>
-                <a:cs typeface="Arial" panose="020B0604020202020204" pitchFamily="34" charset="0"/>
-              </a:defRPr>
-            </a:lvl6pPr>
-            <a:lvl7pPr marL="2971800" indent="-228600" eaLnBrk="0" fontAlgn="base" hangingPunct="0">
-              <a:spcBef>
-                <a:spcPct val="20000"/>
-              </a:spcBef>
-              <a:spcAft>
-                <a:spcPct val="0"/>
-              </a:spcAft>
-              <a:buChar char="»"/>
-              <a:defRPr sz="2000">
-                <a:solidFill>
-                  <a:schemeClr val="tx1"/>
-                </a:solidFill>
-                <a:latin typeface="Arial" panose="020B0604020202020204" pitchFamily="34" charset="0"/>
-                <a:cs typeface="Arial" panose="020B0604020202020204" pitchFamily="34" charset="0"/>
-              </a:defRPr>
-            </a:lvl7pPr>
-            <a:lvl8pPr marL="3429000" indent="-228600" eaLnBrk="0" fontAlgn="base" hangingPunct="0">
-              <a:spcBef>
-                <a:spcPct val="20000"/>
-              </a:spcBef>
-              <a:spcAft>
-                <a:spcPct val="0"/>
-              </a:spcAft>
-              <a:buChar char="»"/>
-              <a:defRPr sz="2000">
-                <a:solidFill>
-                  <a:schemeClr val="tx1"/>
-                </a:solidFill>
-                <a:latin typeface="Arial" panose="020B0604020202020204" pitchFamily="34" charset="0"/>
-                <a:cs typeface="Arial" panose="020B0604020202020204" pitchFamily="34" charset="0"/>
-              </a:defRPr>
-            </a:lvl8pPr>
-            <a:lvl9pPr marL="3886200" indent="-228600" eaLnBrk="0" fontAlgn="base" hangingPunct="0">
-              <a:spcBef>
-                <a:spcPct val="20000"/>
-              </a:spcBef>
-              <a:spcAft>
-                <a:spcPct val="0"/>
-              </a:spcAft>
-              <a:buChar char="»"/>
-              <a:defRPr sz="2000">
-                <a:solidFill>
-                  <a:schemeClr val="tx1"/>
-                </a:solidFill>
-                <a:latin typeface="Arial" panose="020B0604020202020204" pitchFamily="34" charset="0"/>
-                <a:cs typeface="Arial" panose="020B0604020202020204" pitchFamily="34" charset="0"/>
-              </a:defRPr>
-            </a:lvl9pPr>
-          </a:lstStyle>
-          <a:p>
-            <a:pPr eaLnBrk="1" hangingPunct="1">
-              <a:spcBef>
-                <a:spcPct val="0"/>
-              </a:spcBef>
-              <a:buFontTx/>
-              <a:buNone/>
-            </a:pPr>
-            <a:r>
-              <a:rPr lang="en-US" altLang="en-US" sz="2800"/>
-              <a:t>The following formulas will be used to calculate the crate’s volume, cost, charge, and profit:</a:t>
-            </a:r>
-          </a:p>
-          <a:p>
-            <a:pPr eaLnBrk="1" hangingPunct="1">
-              <a:spcBef>
-                <a:spcPct val="0"/>
-              </a:spcBef>
-              <a:buFontTx/>
-              <a:buNone/>
-            </a:pPr>
-            <a:endParaRPr lang="en-US" altLang="en-US" sz="2800"/>
-          </a:p>
-          <a:p>
-            <a:pPr eaLnBrk="1" hangingPunct="1">
-              <a:spcBef>
-                <a:spcPct val="0"/>
-              </a:spcBef>
-              <a:buFontTx/>
-              <a:buNone/>
-            </a:pPr>
-            <a:r>
-              <a:rPr lang="en-US" altLang="en-US" sz="2800"/>
-              <a:t>	volume = length × width × height</a:t>
-            </a:r>
-          </a:p>
-          <a:p>
-            <a:pPr eaLnBrk="1" hangingPunct="1">
-              <a:spcBef>
-                <a:spcPct val="0"/>
-              </a:spcBef>
-              <a:buFontTx/>
-              <a:buNone/>
-            </a:pPr>
-            <a:endParaRPr lang="en-US" altLang="en-US" sz="2800"/>
-          </a:p>
-          <a:p>
-            <a:pPr eaLnBrk="1" hangingPunct="1">
-              <a:spcBef>
-                <a:spcPct val="0"/>
-              </a:spcBef>
-              <a:buFontTx/>
-              <a:buNone/>
-            </a:pPr>
-            <a:r>
-              <a:rPr lang="en-US" altLang="en-US" sz="2800"/>
-              <a:t>	cost = volume × 0.23</a:t>
-            </a:r>
-          </a:p>
-          <a:p>
-            <a:pPr eaLnBrk="1" hangingPunct="1">
-              <a:spcBef>
-                <a:spcPct val="0"/>
-              </a:spcBef>
-              <a:buFontTx/>
-              <a:buNone/>
-            </a:pPr>
-            <a:endParaRPr lang="en-US" altLang="en-US" sz="2800"/>
-          </a:p>
-          <a:p>
-            <a:pPr eaLnBrk="1" hangingPunct="1">
-              <a:spcBef>
-                <a:spcPct val="0"/>
-              </a:spcBef>
-              <a:buFontTx/>
-              <a:buNone/>
-            </a:pPr>
-            <a:r>
-              <a:rPr lang="en-US" altLang="en-US" sz="2800"/>
-              <a:t>	charge = volume × 0.5</a:t>
-            </a:r>
-          </a:p>
-          <a:p>
-            <a:pPr eaLnBrk="1" hangingPunct="1">
-              <a:spcBef>
-                <a:spcPct val="0"/>
-              </a:spcBef>
-              <a:buFontTx/>
-              <a:buNone/>
-            </a:pPr>
-            <a:endParaRPr lang="en-US" altLang="en-US" sz="2800"/>
-          </a:p>
-          <a:p>
-            <a:pPr eaLnBrk="1" hangingPunct="1">
-              <a:spcBef>
-                <a:spcPct val="0"/>
-              </a:spcBef>
-              <a:buFontTx/>
-              <a:buNone/>
-            </a:pPr>
-            <a:r>
-              <a:rPr lang="en-US" altLang="en-US" sz="2800"/>
-              <a:t>	profit = charge − cost</a:t>
-            </a:r>
-          </a:p>
-        </p:txBody>
-      </p:sp>
-    </p:spTree>
-  </p:cSld>
-  <p:clrMapOvr>
-    <a:masterClrMapping/>
-  </p:clrMapOvr>
-</p:sld>
-</file>
-
-<file path=ppt/slides/slide73.xml><?xml version="1.0" encoding="utf-8"?>
-<p:sld xmlns:a="http://schemas.openxmlformats.org/drawingml/2006/main" xmlns:r="http://schemas.openxmlformats.org/officeDocument/2006/relationships" xmlns:p="http://schemas.openxmlformats.org/presentationml/2006/main">
-  <p:cSld>
-    <p:spTree>
-      <p:nvGrpSpPr>
-        <p:cNvPr id="1" name=""/>
-        <p:cNvGrpSpPr/>
-        <p:nvPr/>
-      </p:nvGrpSpPr>
-      <p:grpSpPr>
-        <a:xfrm>
-          <a:off x="0" y="0"/>
-          <a:ext cx="0" cy="0"/>
-          <a:chOff x="0" y="0"/>
-          <a:chExt cx="0" cy="0"/>
-        </a:xfrm>
-      </p:grpSpPr>
-      <p:sp>
-        <p:nvSpPr>
-          <p:cNvPr id="79874" name="Title 1">
-            <a:extLst>
-              <a:ext uri="{FF2B5EF4-FFF2-40B4-BE49-F238E27FC236}">
-                <a16:creationId xmlns:a16="http://schemas.microsoft.com/office/drawing/2014/main" id="{612F7C39-F97F-CEC2-E38D-80652CACA534}"/>
-              </a:ext>
-            </a:extLst>
-          </p:cNvPr>
-          <p:cNvSpPr>
-            <a:spLocks noGrp="1" noChangeArrowheads="1"/>
-          </p:cNvSpPr>
-          <p:nvPr>
-            <p:ph type="title"/>
-          </p:nvPr>
-        </p:nvSpPr>
-        <p:spPr/>
-        <p:txBody>
-          <a:bodyPr/>
-          <a:lstStyle/>
-          <a:p>
-            <a:r>
-              <a:rPr lang="en-US" altLang="en-US"/>
-              <a:t>The Program</a:t>
-            </a:r>
-          </a:p>
-        </p:txBody>
-      </p:sp>
-      <p:sp>
-        <p:nvSpPr>
-          <p:cNvPr id="79875" name="TextBox 3">
-            <a:extLst>
-              <a:ext uri="{FF2B5EF4-FFF2-40B4-BE49-F238E27FC236}">
-                <a16:creationId xmlns:a16="http://schemas.microsoft.com/office/drawing/2014/main" id="{B3C30EF6-F685-47B7-7F64-EB19EDECFCB2}"/>
-              </a:ext>
-            </a:extLst>
-          </p:cNvPr>
-          <p:cNvSpPr txBox="1">
-            <a:spLocks noChangeArrowheads="1"/>
-          </p:cNvSpPr>
-          <p:nvPr/>
-        </p:nvSpPr>
-        <p:spPr bwMode="auto">
-          <a:xfrm>
-            <a:off x="7162800" y="6019800"/>
-            <a:ext cx="1466850" cy="369888"/>
-          </a:xfrm>
-          <a:prstGeom prst="rect">
-            <a:avLst/>
-          </a:prstGeom>
-          <a:noFill/>
-          <a:ln>
-            <a:noFill/>
-          </a:ln>
-          <a:extLst>
-            <a:ext uri="{909E8E84-426E-40DD-AFC4-6F175D3DCCD1}">
-              <a14:hiddenFill xmlns:a14="http://schemas.microsoft.com/office/drawing/2010/main">
-                <a:solidFill>
-                  <a:srgbClr val="FFFFFF"/>
-                </a:solidFill>
-              </a14:hiddenFill>
-            </a:ext>
-            <a:ext uri="{91240B29-F687-4F45-9708-019B960494DF}">
-              <a14:hiddenLine xmlns:a14="http://schemas.microsoft.com/office/drawing/2010/main" w="9525">
-                <a:solidFill>
-                  <a:srgbClr val="000000"/>
-                </a:solidFill>
-                <a:miter lim="800000"/>
-                <a:headEnd/>
-                <a:tailEnd/>
-              </a14:hiddenLine>
-            </a:ext>
-          </a:extLst>
-        </p:spPr>
-        <p:txBody>
-          <a:bodyPr wrap="none">
-            <a:spAutoFit/>
-          </a:bodyPr>
-          <a:lstStyle>
-            <a:lvl1pPr>
-              <a:spcBef>
-                <a:spcPct val="20000"/>
-              </a:spcBef>
-              <a:buChar char="•"/>
-              <a:defRPr sz="3200">
-                <a:solidFill>
-                  <a:schemeClr val="tx1"/>
-                </a:solidFill>
-                <a:latin typeface="Arial" panose="020B0604020202020204" pitchFamily="34" charset="0"/>
-                <a:cs typeface="Arial" panose="020B0604020202020204" pitchFamily="34" charset="0"/>
-              </a:defRPr>
-            </a:lvl1pPr>
-            <a:lvl2pPr marL="742950" indent="-285750">
-              <a:spcBef>
-                <a:spcPct val="20000"/>
-              </a:spcBef>
-              <a:buChar char="–"/>
-              <a:defRPr sz="2800">
-                <a:solidFill>
-                  <a:schemeClr val="tx1"/>
-                </a:solidFill>
-                <a:latin typeface="Arial" panose="020B0604020202020204" pitchFamily="34" charset="0"/>
-                <a:cs typeface="Arial" panose="020B0604020202020204" pitchFamily="34" charset="0"/>
-              </a:defRPr>
-            </a:lvl2pPr>
-            <a:lvl3pPr marL="1143000" indent="-228600">
-              <a:spcBef>
-                <a:spcPct val="20000"/>
-              </a:spcBef>
-              <a:buChar char="•"/>
-              <a:defRPr sz="2400">
-                <a:solidFill>
-                  <a:schemeClr val="tx1"/>
-                </a:solidFill>
-                <a:latin typeface="Arial" panose="020B0604020202020204" pitchFamily="34" charset="0"/>
-                <a:cs typeface="Arial" panose="020B0604020202020204" pitchFamily="34" charset="0"/>
-              </a:defRPr>
-            </a:lvl3pPr>
-            <a:lvl4pPr marL="1600200" indent="-228600">
-              <a:spcBef>
-                <a:spcPct val="20000"/>
-              </a:spcBef>
-              <a:buChar char="–"/>
-              <a:defRPr sz="2000">
-                <a:solidFill>
-                  <a:schemeClr val="tx1"/>
-                </a:solidFill>
-                <a:latin typeface="Arial" panose="020B0604020202020204" pitchFamily="34" charset="0"/>
-                <a:cs typeface="Arial" panose="020B0604020202020204" pitchFamily="34" charset="0"/>
-              </a:defRPr>
-            </a:lvl4pPr>
-            <a:lvl5pPr marL="2057400" indent="-228600">
-              <a:spcBef>
-                <a:spcPct val="20000"/>
-              </a:spcBef>
-              <a:buChar char="»"/>
-              <a:defRPr sz="2000">
-                <a:solidFill>
-                  <a:schemeClr val="tx1"/>
-                </a:solidFill>
-                <a:latin typeface="Arial" panose="020B0604020202020204" pitchFamily="34" charset="0"/>
-                <a:cs typeface="Arial" panose="020B0604020202020204" pitchFamily="34" charset="0"/>
-              </a:defRPr>
-            </a:lvl5pPr>
-            <a:lvl6pPr marL="2514600" indent="-228600" eaLnBrk="0" fontAlgn="base" hangingPunct="0">
-              <a:spcBef>
-                <a:spcPct val="20000"/>
-              </a:spcBef>
-              <a:spcAft>
-                <a:spcPct val="0"/>
-              </a:spcAft>
-              <a:buChar char="»"/>
-              <a:defRPr sz="2000">
-                <a:solidFill>
-                  <a:schemeClr val="tx1"/>
-                </a:solidFill>
-                <a:latin typeface="Arial" panose="020B0604020202020204" pitchFamily="34" charset="0"/>
-                <a:cs typeface="Arial" panose="020B0604020202020204" pitchFamily="34" charset="0"/>
-              </a:defRPr>
-            </a:lvl6pPr>
-            <a:lvl7pPr marL="2971800" indent="-228600" eaLnBrk="0" fontAlgn="base" hangingPunct="0">
-              <a:spcBef>
-                <a:spcPct val="20000"/>
-              </a:spcBef>
-              <a:spcAft>
-                <a:spcPct val="0"/>
-              </a:spcAft>
-              <a:buChar char="»"/>
-              <a:defRPr sz="2000">
-                <a:solidFill>
-                  <a:schemeClr val="tx1"/>
-                </a:solidFill>
-                <a:latin typeface="Arial" panose="020B0604020202020204" pitchFamily="34" charset="0"/>
-                <a:cs typeface="Arial" panose="020B0604020202020204" pitchFamily="34" charset="0"/>
-              </a:defRPr>
-            </a:lvl7pPr>
-            <a:lvl8pPr marL="3429000" indent="-228600" eaLnBrk="0" fontAlgn="base" hangingPunct="0">
-              <a:spcBef>
-                <a:spcPct val="20000"/>
-              </a:spcBef>
-              <a:spcAft>
-                <a:spcPct val="0"/>
-              </a:spcAft>
-              <a:buChar char="»"/>
-              <a:defRPr sz="2000">
-                <a:solidFill>
-                  <a:schemeClr val="tx1"/>
-                </a:solidFill>
-                <a:latin typeface="Arial" panose="020B0604020202020204" pitchFamily="34" charset="0"/>
-                <a:cs typeface="Arial" panose="020B0604020202020204" pitchFamily="34" charset="0"/>
-              </a:defRPr>
-            </a:lvl8pPr>
-            <a:lvl9pPr marL="3886200" indent="-228600" eaLnBrk="0" fontAlgn="base" hangingPunct="0">
-              <a:spcBef>
-                <a:spcPct val="20000"/>
-              </a:spcBef>
-              <a:spcAft>
-                <a:spcPct val="0"/>
-              </a:spcAft>
-              <a:buChar char="»"/>
-              <a:defRPr sz="2000">
-                <a:solidFill>
-                  <a:schemeClr val="tx1"/>
-                </a:solidFill>
-                <a:latin typeface="Arial" panose="020B0604020202020204" pitchFamily="34" charset="0"/>
-                <a:cs typeface="Arial" panose="020B0604020202020204" pitchFamily="34" charset="0"/>
-              </a:defRPr>
-            </a:lvl9pPr>
-          </a:lstStyle>
-          <a:p>
-            <a:pPr eaLnBrk="1" hangingPunct="1">
-              <a:spcBef>
-                <a:spcPct val="0"/>
-              </a:spcBef>
-              <a:buFontTx/>
-              <a:buNone/>
-            </a:pPr>
-            <a:r>
-              <a:rPr lang="en-US" altLang="en-US" sz="1800"/>
-              <a:t>Continued…</a:t>
-            </a:r>
-          </a:p>
-        </p:txBody>
-      </p:sp>
-      <p:pic>
-        <p:nvPicPr>
-          <p:cNvPr id="79876" name="Picture 1">
-            <a:extLst>
-              <a:ext uri="{FF2B5EF4-FFF2-40B4-BE49-F238E27FC236}">
-                <a16:creationId xmlns:a16="http://schemas.microsoft.com/office/drawing/2014/main" id="{F46B377D-95AE-15F0-C353-AAF282D879CB}"/>
-              </a:ext>
-            </a:extLst>
-          </p:cNvPr>
-          <p:cNvPicPr>
-            <a:picLocks noChangeAspect="1" noChangeArrowheads="1"/>
-          </p:cNvPicPr>
-          <p:nvPr/>
-        </p:nvPicPr>
-        <p:blipFill>
-          <a:blip r:embed="rId2">
-            <a:extLst>
-              <a:ext uri="{28A0092B-C50C-407E-A947-70E740481C1C}">
-                <a14:useLocalDpi xmlns:a14="http://schemas.microsoft.com/office/drawing/2010/main" val="0"/>
-              </a:ext>
-            </a:extLst>
-          </a:blip>
-          <a:srcRect/>
-          <a:stretch>
-            <a:fillRect/>
-          </a:stretch>
-        </p:blipFill>
-        <p:spPr bwMode="auto">
-          <a:xfrm>
-            <a:off x="533400" y="1257300"/>
-            <a:ext cx="6165850" cy="5132388"/>
-          </a:xfrm>
-          <a:prstGeom prst="rect">
-            <a:avLst/>
-          </a:prstGeom>
-          <a:noFill/>
-          <a:ln>
-            <a:noFill/>
-          </a:ln>
-          <a:extLst>
-            <a:ext uri="{909E8E84-426E-40DD-AFC4-6F175D3DCCD1}">
-              <a14:hiddenFill xmlns:a14="http://schemas.microsoft.com/office/drawing/2010/main">
-                <a:solidFill>
-                  <a:srgbClr val="FFFFFF"/>
-                </a:solidFill>
-              </a14:hiddenFill>
-            </a:ext>
-            <a:ext uri="{91240B29-F687-4F45-9708-019B960494DF}">
-              <a14:hiddenLine xmlns:a14="http://schemas.microsoft.com/office/drawing/2010/main" w="9525">
-                <a:solidFill>
-                  <a:srgbClr val="000000"/>
-                </a:solidFill>
-                <a:miter lim="800000"/>
-                <a:headEnd/>
-                <a:tailEnd/>
-              </a14:hiddenLine>
-            </a:ext>
-          </a:extLst>
-        </p:spPr>
-      </p:pic>
-    </p:spTree>
-  </p:cSld>
-  <p:clrMapOvr>
-    <a:masterClrMapping/>
-  </p:clrMapOvr>
-</p:sld>
-</file>
-
-<file path=ppt/slides/slide74.xml><?xml version="1.0" encoding="utf-8"?>
-<p:sld xmlns:a="http://schemas.openxmlformats.org/drawingml/2006/main" xmlns:r="http://schemas.openxmlformats.org/officeDocument/2006/relationships" xmlns:p="http://schemas.openxmlformats.org/presentationml/2006/main">
-  <p:cSld>
-    <p:spTree>
-      <p:nvGrpSpPr>
-        <p:cNvPr id="1" name=""/>
-        <p:cNvGrpSpPr/>
-        <p:nvPr/>
-      </p:nvGrpSpPr>
-      <p:grpSpPr>
-        <a:xfrm>
-          <a:off x="0" y="0"/>
-          <a:ext cx="0" cy="0"/>
-          <a:chOff x="0" y="0"/>
-          <a:chExt cx="0" cy="0"/>
-        </a:xfrm>
-      </p:grpSpPr>
-      <p:sp>
-        <p:nvSpPr>
           <p:cNvPr id="80898" name="Title 1">
             <a:extLst>
               <a:ext uri="{FF2B5EF4-FFF2-40B4-BE49-F238E27FC236}">
@@ -24388,8 +21488,8 @@
         </p:blipFill>
         <p:spPr bwMode="auto">
           <a:xfrm>
-            <a:off x="533400" y="1219200"/>
-            <a:ext cx="7077075" cy="5170488"/>
+            <a:off x="1851660" y="1891109"/>
+            <a:ext cx="5440680" cy="3974943"/>
           </a:xfrm>
           <a:prstGeom prst="rect">
             <a:avLst/>
@@ -24623,7 +21723,7 @@
 </p:sld>
 </file>
 
-<file path=ppt/slides/slide75.xml><?xml version="1.0" encoding="utf-8"?>
+<file path=ppt/slides/slide69.xml><?xml version="1.0" encoding="utf-8"?>
 <p:sld xmlns:a="http://schemas.openxmlformats.org/drawingml/2006/main" xmlns:r="http://schemas.openxmlformats.org/officeDocument/2006/relationships" xmlns:p="http://schemas.openxmlformats.org/presentationml/2006/main">
   <p:cSld>
     <p:spTree>
@@ -24697,8 +21797,8 @@
         </p:blipFill>
         <p:spPr bwMode="auto">
           <a:xfrm>
-            <a:off x="990600" y="1295400"/>
-            <a:ext cx="6934200" cy="5113338"/>
+            <a:off x="1851660" y="1835449"/>
+            <a:ext cx="5440680" cy="4012004"/>
           </a:xfrm>
           <a:prstGeom prst="rect">
             <a:avLst/>
@@ -24728,6 +21828,200 @@
           </a:extLst>
         </p:spPr>
       </p:pic>
+    </p:spTree>
+  </p:cSld>
+  <p:clrMapOvr>
+    <a:masterClrMapping/>
+  </p:clrMapOvr>
+</p:sld>
+</file>
+
+<file path=ppt/slides/slide7.xml><?xml version="1.0" encoding="utf-8"?>
+<p:sld xmlns:a="http://schemas.openxmlformats.org/drawingml/2006/main" xmlns:r="http://schemas.openxmlformats.org/officeDocument/2006/relationships" xmlns:p="http://schemas.openxmlformats.org/presentationml/2006/main">
+  <p:cSld>
+    <p:spTree>
+      <p:nvGrpSpPr>
+        <p:cNvPr id="1" name=""/>
+        <p:cNvGrpSpPr/>
+        <p:nvPr/>
+      </p:nvGrpSpPr>
+      <p:grpSpPr>
+        <a:xfrm>
+          <a:off x="0" y="0"/>
+          <a:ext cx="0" cy="0"/>
+          <a:chOff x="0" y="0"/>
+          <a:chExt cx="0" cy="0"/>
+        </a:xfrm>
+      </p:grpSpPr>
+      <p:sp>
+        <p:nvSpPr>
+          <p:cNvPr id="2" name="Title 1">
+            <a:extLst>
+              <a:ext uri="{FF2B5EF4-FFF2-40B4-BE49-F238E27FC236}">
+                <a16:creationId xmlns:a16="http://schemas.microsoft.com/office/drawing/2014/main" id="{F0FED0E4-0CC7-08CB-5F93-422E53B20734}"/>
+              </a:ext>
+            </a:extLst>
+          </p:cNvPr>
+          <p:cNvSpPr>
+            <a:spLocks noGrp="1"/>
+          </p:cNvSpPr>
+          <p:nvPr>
+            <p:ph type="title"/>
+          </p:nvPr>
+        </p:nvSpPr>
+        <p:spPr/>
+        <p:txBody>
+          <a:bodyPr>
+            <a:normAutofit/>
+          </a:bodyPr>
+          <a:lstStyle/>
+          <a:p>
+            <a:pPr eaLnBrk="1" hangingPunct="1">
+              <a:defRPr/>
+            </a:pPr>
+            <a:r>
+              <a:rPr lang="en-US"/>
+              <a:t>Using </a:t>
+            </a:r>
+            <a:r>
+              <a:rPr lang="en-US" err="1">
+                <a:latin typeface="Courier New" pitchFamily="49" charset="0"/>
+                <a:cs typeface="Courier New" pitchFamily="49" charset="0"/>
+              </a:rPr>
+              <a:t>cin</a:t>
+            </a:r>
+            <a:r>
+              <a:rPr lang="en-US"/>
+              <a:t> To Read Multiple Values</a:t>
+            </a:r>
+          </a:p>
+        </p:txBody>
+      </p:sp>
+      <p:grpSp>
+        <p:nvGrpSpPr>
+          <p:cNvPr id="3" name="Group 2">
+            <a:extLst>
+              <a:ext uri="{FF2B5EF4-FFF2-40B4-BE49-F238E27FC236}">
+                <a16:creationId xmlns:a16="http://schemas.microsoft.com/office/drawing/2014/main" id="{608ACF98-B65D-BB71-297F-9A4AA25C49C6}"/>
+              </a:ext>
+            </a:extLst>
+          </p:cNvPr>
+          <p:cNvGrpSpPr>
+            <a:grpSpLocks noChangeAspect="1"/>
+          </p:cNvGrpSpPr>
+          <p:nvPr/>
+        </p:nvGrpSpPr>
+        <p:grpSpPr>
+          <a:xfrm>
+            <a:off x="914400" y="1828800"/>
+            <a:ext cx="7315200" cy="4388303"/>
+            <a:chOff x="457200" y="1128713"/>
+            <a:chExt cx="8534400" cy="5119687"/>
+          </a:xfrm>
+        </p:grpSpPr>
+        <p:pic>
+          <p:nvPicPr>
+            <p:cNvPr id="11267" name="Picture 3">
+              <a:extLst>
+                <a:ext uri="{FF2B5EF4-FFF2-40B4-BE49-F238E27FC236}">
+                  <a16:creationId xmlns:a16="http://schemas.microsoft.com/office/drawing/2014/main" id="{DE2985C6-A855-922E-C49F-18006FEEF43E}"/>
+                </a:ext>
+              </a:extLst>
+            </p:cNvPr>
+            <p:cNvPicPr>
+              <a:picLocks noChangeAspect="1" noChangeArrowheads="1"/>
+            </p:cNvPicPr>
+            <p:nvPr/>
+          </p:nvPicPr>
+          <p:blipFill>
+            <a:blip r:embed="rId2">
+              <a:extLst>
+                <a:ext uri="{28A0092B-C50C-407E-A947-70E740481C1C}">
+                  <a14:useLocalDpi xmlns:a14="http://schemas.microsoft.com/office/drawing/2010/main" val="0"/>
+                </a:ext>
+              </a:extLst>
+            </a:blip>
+            <a:srcRect/>
+            <a:stretch>
+              <a:fillRect/>
+            </a:stretch>
+          </p:blipFill>
+          <p:spPr bwMode="auto">
+            <a:xfrm>
+              <a:off x="457200" y="1128713"/>
+              <a:ext cx="7907338" cy="5119687"/>
+            </a:xfrm>
+            <a:prstGeom prst="rect">
+              <a:avLst/>
+            </a:prstGeom>
+            <a:noFill/>
+            <a:ln>
+              <a:noFill/>
+            </a:ln>
+            <a:extLst>
+              <a:ext uri="{909E8E84-426E-40DD-AFC4-6F175D3DCCD1}">
+                <a14:hiddenFill xmlns:a14="http://schemas.microsoft.com/office/drawing/2010/main">
+                  <a:solidFill>
+                    <a:srgbClr val="FFFFFF"/>
+                  </a:solidFill>
+                </a14:hiddenFill>
+              </a:ext>
+              <a:ext uri="{91240B29-F687-4F45-9708-019B960494DF}">
+                <a14:hiddenLine xmlns:a14="http://schemas.microsoft.com/office/drawing/2010/main" w="9525">
+                  <a:solidFill>
+                    <a:srgbClr val="000000"/>
+                  </a:solidFill>
+                  <a:miter lim="800000"/>
+                  <a:headEnd/>
+                  <a:tailEnd/>
+                </a14:hiddenLine>
+              </a:ext>
+            </a:extLst>
+          </p:spPr>
+        </p:pic>
+        <p:pic>
+          <p:nvPicPr>
+            <p:cNvPr id="5" name="Picture 4">
+              <a:extLst>
+                <a:ext uri="{FF2B5EF4-FFF2-40B4-BE49-F238E27FC236}">
+                  <a16:creationId xmlns:a16="http://schemas.microsoft.com/office/drawing/2014/main" id="{8657946F-6EC9-E032-E8AE-14383F5AE4AB}"/>
+                </a:ext>
+              </a:extLst>
+            </p:cNvPr>
+            <p:cNvPicPr>
+              <a:picLocks noChangeAspect="1"/>
+            </p:cNvPicPr>
+            <p:nvPr/>
+          </p:nvPicPr>
+          <p:blipFill>
+            <a:blip r:embed="rId3"/>
+            <a:stretch>
+              <a:fillRect/>
+            </a:stretch>
+          </p:blipFill>
+          <p:spPr>
+            <a:xfrm>
+              <a:off x="3581400" y="2471738"/>
+              <a:ext cx="5410200" cy="993775"/>
+            </a:xfrm>
+            <a:prstGeom prst="rect">
+              <a:avLst/>
+            </a:prstGeom>
+            <a:ln w="12700">
+              <a:solidFill>
+                <a:schemeClr val="tx1"/>
+              </a:solidFill>
+            </a:ln>
+            <a:effectLst>
+              <a:outerShdw blurRad="50800" dist="38100" dir="2700000" algn="tl" rotWithShape="0">
+                <a:prstClr val="black">
+                  <a:alpha val="40000"/>
+                </a:prstClr>
+              </a:outerShdw>
+            </a:effectLst>
+          </p:spPr>
+        </p:pic>
+      </p:grpSp>
     </p:spTree>
   </p:cSld>
   <p:clrMapOvr>

--- a/1400_03_Expressions and Interactivity.pptx
+++ b/1400_03_Expressions and Interactivity.pptx
@@ -2529,7 +2529,7 @@
               <a:pPr>
                 <a:defRPr/>
               </a:pPr>
-              <a:t>9/28/2022</a:t>
+              <a:t>9/30/2022</a:t>
             </a:fld>
             <a:endParaRPr lang="en-US"/>
           </a:p>
@@ -2823,7 +2823,7 @@
           <a:p>
             <a:fld id="{96DFF08F-DC6B-4601-B491-B0F83F6DD2DA}" type="datetimeFigureOut">
               <a:rPr lang="en-US" smtClean="0"/>
-              <a:t>9/28/2022</a:t>
+              <a:t>9/30/2022</a:t>
             </a:fld>
             <a:endParaRPr lang="en-US"/>
           </a:p>
@@ -3073,7 +3073,7 @@
           <a:p>
             <a:fld id="{96DFF08F-DC6B-4601-B491-B0F83F6DD2DA}" type="datetimeFigureOut">
               <a:rPr lang="en-US" smtClean="0"/>
-              <a:t>9/28/2022</a:t>
+              <a:t>9/30/2022</a:t>
             </a:fld>
             <a:endParaRPr lang="en-US"/>
           </a:p>
@@ -3335,7 +3335,7 @@
           <a:p>
             <a:fld id="{96DFF08F-DC6B-4601-B491-B0F83F6DD2DA}" type="datetimeFigureOut">
               <a:rPr lang="en-US" smtClean="0"/>
-              <a:t>9/28/2022</a:t>
+              <a:t>9/30/2022</a:t>
             </a:fld>
             <a:endParaRPr lang="en-US"/>
           </a:p>
@@ -3509,7 +3509,7 @@
           <a:p>
             <a:fld id="{A3E28D29-1ECB-41DF-951B-2A23F95AD026}" type="datetimeFigureOut">
               <a:rPr lang="en-US" smtClean="0"/>
-              <a:t>9/28/2022</a:t>
+              <a:t>9/30/2022</a:t>
             </a:fld>
             <a:endParaRPr lang="en-US"/>
           </a:p>
@@ -3813,7 +3813,7 @@
           <a:p>
             <a:fld id="{96DFF08F-DC6B-4601-B491-B0F83F6DD2DA}" type="datetimeFigureOut">
               <a:rPr lang="en-US" smtClean="0"/>
-              <a:t>9/28/2022</a:t>
+              <a:t>9/30/2022</a:t>
             </a:fld>
             <a:endParaRPr lang="en-US"/>
           </a:p>
@@ -4129,7 +4129,7 @@
           <a:p>
             <a:fld id="{96DFF08F-DC6B-4601-B491-B0F83F6DD2DA}" type="datetimeFigureOut">
               <a:rPr lang="en-US" smtClean="0"/>
-              <a:t>9/28/2022</a:t>
+              <a:t>9/30/2022</a:t>
             </a:fld>
             <a:endParaRPr lang="en-US"/>
           </a:p>
@@ -4511,7 +4511,7 @@
           <a:p>
             <a:fld id="{96DFF08F-DC6B-4601-B491-B0F83F6DD2DA}" type="datetimeFigureOut">
               <a:rPr lang="en-US" smtClean="0"/>
-              <a:t>9/28/2022</a:t>
+              <a:t>9/30/2022</a:t>
             </a:fld>
             <a:endParaRPr lang="en-US"/>
           </a:p>
@@ -4634,7 +4634,7 @@
           <a:p>
             <a:fld id="{96DFF08F-DC6B-4601-B491-B0F83F6DD2DA}" type="datetimeFigureOut">
               <a:rPr lang="en-US" smtClean="0"/>
-              <a:t>9/28/2022</a:t>
+              <a:t>9/30/2022</a:t>
             </a:fld>
             <a:endParaRPr lang="en-US"/>
           </a:p>
@@ -4814,7 +4814,7 @@
             <a:fld id="{96DFF08F-DC6B-4601-B491-B0F83F6DD2DA}" type="datetimeFigureOut">
               <a:rPr lang="en-US" smtClean="0"/>
               <a:pPr/>
-              <a:t>9/28/2022</a:t>
+              <a:t>9/30/2022</a:t>
             </a:fld>
             <a:endParaRPr lang="en-US"/>
           </a:p>
@@ -5175,7 +5175,7 @@
             <a:fld id="{96DFF08F-DC6B-4601-B491-B0F83F6DD2DA}" type="datetimeFigureOut">
               <a:rPr lang="en-US" smtClean="0"/>
               <a:pPr/>
-              <a:t>9/28/2022</a:t>
+              <a:t>9/30/2022</a:t>
             </a:fld>
             <a:endParaRPr lang="en-US"/>
           </a:p>
@@ -5558,7 +5558,7 @@
           <a:p>
             <a:fld id="{96DFF08F-DC6B-4601-B491-B0F83F6DD2DA}" type="datetimeFigureOut">
               <a:rPr lang="en-US" smtClean="0"/>
-              <a:t>9/28/2022</a:t>
+              <a:t>9/30/2022</a:t>
             </a:fld>
             <a:endParaRPr lang="en-US"/>
           </a:p>
@@ -5852,7 +5852,7 @@
             <a:fld id="{96DFF08F-DC6B-4601-B491-B0F83F6DD2DA}" type="datetimeFigureOut">
               <a:rPr lang="en-US" smtClean="0"/>
               <a:pPr/>
-              <a:t>9/28/2022</a:t>
+              <a:t>9/30/2022</a:t>
             </a:fld>
             <a:endParaRPr lang="en-US"/>
           </a:p>
